--- a/centos7.pptx
+++ b/centos7.pptx
@@ -115,7 +115,7 @@
   </p:defaultTextStyle>
   <p:extLst>
     <p:ext uri="{EFAFB233-063F-42B5-8137-9DF3F51BA10A}">
-      <p15:sldGuideLst xmlns:p15="http://schemas.microsoft.com/office/powerpoint/2012/main" xmlns="">
+      <p15:sldGuideLst xmlns="" xmlns:p15="http://schemas.microsoft.com/office/powerpoint/2012/main">
         <p15:guide id="1" orient="horz" pos="2160" userDrawn="1">
           <p15:clr>
             <a:srgbClr val="A4A3A4"/>
@@ -219,7 +219,7 @@
             <a:fld id="{05B1D5F9-199E-4B77-ACFB-0D659EE03F6C}" type="datetimeFigureOut">
               <a:rPr lang="zh-CN" altLang="en-US" smtClean="0"/>
               <a:pPr/>
-              <a:t>2018/5/25</a:t>
+              <a:t>2018/5/28</a:t>
             </a:fld>
             <a:endParaRPr lang="zh-CN" altLang="en-US"/>
           </a:p>
@@ -387,7 +387,7 @@
     </p:spTree>
     <p:extLst>
       <p:ext uri="{BB962C8B-B14F-4D97-AF65-F5344CB8AC3E}">
-        <p14:creationId xmlns:p14="http://schemas.microsoft.com/office/powerpoint/2010/main" xmlns="" val="4136795833"/>
+        <p14:creationId xmlns="" xmlns:p14="http://schemas.microsoft.com/office/powerpoint/2010/main" val="4136795833"/>
       </p:ext>
     </p:extLst>
   </p:cSld>
@@ -562,7 +562,7 @@
     </p:spTree>
     <p:extLst>
       <p:ext uri="{BB962C8B-B14F-4D97-AF65-F5344CB8AC3E}">
-        <p14:creationId xmlns:p14="http://schemas.microsoft.com/office/powerpoint/2010/main" xmlns="" val="2594768037"/>
+        <p14:creationId xmlns="" xmlns:p14="http://schemas.microsoft.com/office/powerpoint/2010/main" val="2594768037"/>
       </p:ext>
     </p:extLst>
   </p:cSld>
@@ -647,7 +647,7 @@
     </p:spTree>
     <p:extLst>
       <p:ext uri="{BB962C8B-B14F-4D97-AF65-F5344CB8AC3E}">
-        <p14:creationId xmlns:p14="http://schemas.microsoft.com/office/powerpoint/2010/main" xmlns="" val="2506518844"/>
+        <p14:creationId xmlns="" xmlns:p14="http://schemas.microsoft.com/office/powerpoint/2010/main" val="2506518844"/>
       </p:ext>
     </p:extLst>
   </p:cSld>
@@ -732,7 +732,7 @@
     </p:spTree>
     <p:extLst>
       <p:ext uri="{BB962C8B-B14F-4D97-AF65-F5344CB8AC3E}">
-        <p14:creationId xmlns:p14="http://schemas.microsoft.com/office/powerpoint/2010/main" xmlns="" val="2084849362"/>
+        <p14:creationId xmlns="" xmlns:p14="http://schemas.microsoft.com/office/powerpoint/2010/main" val="2084849362"/>
       </p:ext>
     </p:extLst>
   </p:cSld>
@@ -817,7 +817,7 @@
     </p:spTree>
     <p:extLst>
       <p:ext uri="{BB962C8B-B14F-4D97-AF65-F5344CB8AC3E}">
-        <p14:creationId xmlns:p14="http://schemas.microsoft.com/office/powerpoint/2010/main" xmlns="" val="3067396479"/>
+        <p14:creationId xmlns="" xmlns:p14="http://schemas.microsoft.com/office/powerpoint/2010/main" val="3067396479"/>
       </p:ext>
     </p:extLst>
   </p:cSld>
@@ -957,7 +957,7 @@
             <a:fld id="{91AD7F68-8E1B-45E2-8A27-5D5DEAAB1BF2}" type="datetimeFigureOut">
               <a:rPr lang="zh-CN" altLang="en-US" smtClean="0"/>
               <a:pPr/>
-              <a:t>2018/5/25</a:t>
+              <a:t>2018/5/28</a:t>
             </a:fld>
             <a:endParaRPr lang="zh-CN" altLang="en-US"/>
           </a:p>
@@ -1009,7 +1009,7 @@
     </p:spTree>
     <p:extLst>
       <p:ext uri="{BB962C8B-B14F-4D97-AF65-F5344CB8AC3E}">
-        <p14:creationId xmlns:p14="http://schemas.microsoft.com/office/powerpoint/2010/main" xmlns="" val="3379505774"/>
+        <p14:creationId xmlns="" xmlns:p14="http://schemas.microsoft.com/office/powerpoint/2010/main" val="3379505774"/>
       </p:ext>
     </p:extLst>
   </p:cSld>
@@ -1017,7 +1017,7 @@
     <a:masterClrMapping/>
   </p:clrMapOvr>
   <mc:AlternateContent xmlns:mc="http://schemas.openxmlformats.org/markup-compatibility/2006">
-    <mc:Choice xmlns:p14="http://schemas.microsoft.com/office/powerpoint/2010/main" xmlns="" Requires="p14">
+    <mc:Choice xmlns="" xmlns:p14="http://schemas.microsoft.com/office/powerpoint/2010/main" Requires="p14">
       <p:transition spd="slow" p14:dur="1500" advClick="0" advTm="0">
         <p:random/>
       </p:transition>
@@ -1139,7 +1139,7 @@
             <a:fld id="{91AD7F68-8E1B-45E2-8A27-5D5DEAAB1BF2}" type="datetimeFigureOut">
               <a:rPr lang="zh-CN" altLang="en-US" smtClean="0"/>
               <a:pPr/>
-              <a:t>2018/5/25</a:t>
+              <a:t>2018/5/28</a:t>
             </a:fld>
             <a:endParaRPr lang="zh-CN" altLang="en-US"/>
           </a:p>
@@ -1191,7 +1191,7 @@
     </p:spTree>
     <p:extLst>
       <p:ext uri="{BB962C8B-B14F-4D97-AF65-F5344CB8AC3E}">
-        <p14:creationId xmlns:p14="http://schemas.microsoft.com/office/powerpoint/2010/main" xmlns="" val="4292131042"/>
+        <p14:creationId xmlns="" xmlns:p14="http://schemas.microsoft.com/office/powerpoint/2010/main" val="4292131042"/>
       </p:ext>
     </p:extLst>
   </p:cSld>
@@ -1199,7 +1199,7 @@
     <a:masterClrMapping/>
   </p:clrMapOvr>
   <mc:AlternateContent xmlns:mc="http://schemas.openxmlformats.org/markup-compatibility/2006">
-    <mc:Choice xmlns:p14="http://schemas.microsoft.com/office/powerpoint/2010/main" xmlns="" Requires="p14">
+    <mc:Choice xmlns="" xmlns:p14="http://schemas.microsoft.com/office/powerpoint/2010/main" Requires="p14">
       <p:transition spd="slow" p14:dur="1500" advClick="0" advTm="0">
         <p:random/>
       </p:transition>
@@ -1331,7 +1331,7 @@
             <a:fld id="{91AD7F68-8E1B-45E2-8A27-5D5DEAAB1BF2}" type="datetimeFigureOut">
               <a:rPr lang="zh-CN" altLang="en-US" smtClean="0"/>
               <a:pPr/>
-              <a:t>2018/5/25</a:t>
+              <a:t>2018/5/28</a:t>
             </a:fld>
             <a:endParaRPr lang="zh-CN" altLang="en-US"/>
           </a:p>
@@ -1383,7 +1383,7 @@
     </p:spTree>
     <p:extLst>
       <p:ext uri="{BB962C8B-B14F-4D97-AF65-F5344CB8AC3E}">
-        <p14:creationId xmlns:p14="http://schemas.microsoft.com/office/powerpoint/2010/main" xmlns="" val="1952128637"/>
+        <p14:creationId xmlns="" xmlns:p14="http://schemas.microsoft.com/office/powerpoint/2010/main" val="1952128637"/>
       </p:ext>
     </p:extLst>
   </p:cSld>
@@ -1391,7 +1391,7 @@
     <a:masterClrMapping/>
   </p:clrMapOvr>
   <mc:AlternateContent xmlns:mc="http://schemas.openxmlformats.org/markup-compatibility/2006">
-    <mc:Choice xmlns:p14="http://schemas.microsoft.com/office/powerpoint/2010/main" xmlns="" Requires="p14">
+    <mc:Choice xmlns="" xmlns:p14="http://schemas.microsoft.com/office/powerpoint/2010/main" Requires="p14">
       <p:transition spd="slow" p14:dur="1500" advClick="0" advTm="0">
         <p:random/>
       </p:transition>
@@ -1513,7 +1513,7 @@
             <a:fld id="{91AD7F68-8E1B-45E2-8A27-5D5DEAAB1BF2}" type="datetimeFigureOut">
               <a:rPr lang="zh-CN" altLang="en-US" smtClean="0"/>
               <a:pPr/>
-              <a:t>2018/5/25</a:t>
+              <a:t>2018/5/28</a:t>
             </a:fld>
             <a:endParaRPr lang="zh-CN" altLang="en-US"/>
           </a:p>
@@ -1565,7 +1565,7 @@
     </p:spTree>
     <p:extLst>
       <p:ext uri="{BB962C8B-B14F-4D97-AF65-F5344CB8AC3E}">
-        <p14:creationId xmlns:p14="http://schemas.microsoft.com/office/powerpoint/2010/main" xmlns="" val="4173798514"/>
+        <p14:creationId xmlns="" xmlns:p14="http://schemas.microsoft.com/office/powerpoint/2010/main" val="4173798514"/>
       </p:ext>
     </p:extLst>
   </p:cSld>
@@ -1573,7 +1573,7 @@
     <a:masterClrMapping/>
   </p:clrMapOvr>
   <mc:AlternateContent xmlns:mc="http://schemas.openxmlformats.org/markup-compatibility/2006">
-    <mc:Choice xmlns:p14="http://schemas.microsoft.com/office/powerpoint/2010/main" xmlns="" Requires="p14">
+    <mc:Choice xmlns="" xmlns:p14="http://schemas.microsoft.com/office/powerpoint/2010/main" Requires="p14">
       <p:transition spd="slow" p14:dur="1500" advClick="0" advTm="0">
         <p:random/>
       </p:transition>
@@ -1772,7 +1772,7 @@
             <a:fld id="{91AD7F68-8E1B-45E2-8A27-5D5DEAAB1BF2}" type="datetimeFigureOut">
               <a:rPr lang="zh-CN" altLang="en-US" smtClean="0"/>
               <a:pPr/>
-              <a:t>2018/5/25</a:t>
+              <a:t>2018/5/28</a:t>
             </a:fld>
             <a:endParaRPr lang="zh-CN" altLang="en-US"/>
           </a:p>
@@ -1824,7 +1824,7 @@
     </p:spTree>
     <p:extLst>
       <p:ext uri="{BB962C8B-B14F-4D97-AF65-F5344CB8AC3E}">
-        <p14:creationId xmlns:p14="http://schemas.microsoft.com/office/powerpoint/2010/main" xmlns="" val="2343028950"/>
+        <p14:creationId xmlns="" xmlns:p14="http://schemas.microsoft.com/office/powerpoint/2010/main" val="2343028950"/>
       </p:ext>
     </p:extLst>
   </p:cSld>
@@ -1832,7 +1832,7 @@
     <a:masterClrMapping/>
   </p:clrMapOvr>
   <mc:AlternateContent xmlns:mc="http://schemas.openxmlformats.org/markup-compatibility/2006">
-    <mc:Choice xmlns:p14="http://schemas.microsoft.com/office/powerpoint/2010/main" xmlns="" Requires="p14">
+    <mc:Choice xmlns="" xmlns:p14="http://schemas.microsoft.com/office/powerpoint/2010/main" Requires="p14">
       <p:transition spd="slow" p14:dur="1500" advClick="0" advTm="0">
         <p:random/>
       </p:transition>
@@ -2015,7 +2015,7 @@
             <a:fld id="{91AD7F68-8E1B-45E2-8A27-5D5DEAAB1BF2}" type="datetimeFigureOut">
               <a:rPr lang="zh-CN" altLang="en-US" smtClean="0"/>
               <a:pPr/>
-              <a:t>2018/5/25</a:t>
+              <a:t>2018/5/28</a:t>
             </a:fld>
             <a:endParaRPr lang="zh-CN" altLang="en-US"/>
           </a:p>
@@ -2067,7 +2067,7 @@
     </p:spTree>
     <p:extLst>
       <p:ext uri="{BB962C8B-B14F-4D97-AF65-F5344CB8AC3E}">
-        <p14:creationId xmlns:p14="http://schemas.microsoft.com/office/powerpoint/2010/main" xmlns="" val="1951757828"/>
+        <p14:creationId xmlns="" xmlns:p14="http://schemas.microsoft.com/office/powerpoint/2010/main" val="1951757828"/>
       </p:ext>
     </p:extLst>
   </p:cSld>
@@ -2075,7 +2075,7 @@
     <a:masterClrMapping/>
   </p:clrMapOvr>
   <mc:AlternateContent xmlns:mc="http://schemas.openxmlformats.org/markup-compatibility/2006">
-    <mc:Choice xmlns:p14="http://schemas.microsoft.com/office/powerpoint/2010/main" xmlns="" Requires="p14">
+    <mc:Choice xmlns="" xmlns:p14="http://schemas.microsoft.com/office/powerpoint/2010/main" Requires="p14">
       <p:transition spd="slow" p14:dur="1500" advClick="0" advTm="0">
         <p:random/>
       </p:transition>
@@ -2393,7 +2393,7 @@
             <a:fld id="{91AD7F68-8E1B-45E2-8A27-5D5DEAAB1BF2}" type="datetimeFigureOut">
               <a:rPr lang="zh-CN" altLang="en-US" smtClean="0"/>
               <a:pPr/>
-              <a:t>2018/5/25</a:t>
+              <a:t>2018/5/28</a:t>
             </a:fld>
             <a:endParaRPr lang="zh-CN" altLang="en-US"/>
           </a:p>
@@ -2445,7 +2445,7 @@
     </p:spTree>
     <p:extLst>
       <p:ext uri="{BB962C8B-B14F-4D97-AF65-F5344CB8AC3E}">
-        <p14:creationId xmlns:p14="http://schemas.microsoft.com/office/powerpoint/2010/main" xmlns="" val="3785743930"/>
+        <p14:creationId xmlns="" xmlns:p14="http://schemas.microsoft.com/office/powerpoint/2010/main" val="3785743930"/>
       </p:ext>
     </p:extLst>
   </p:cSld>
@@ -2453,7 +2453,7 @@
     <a:masterClrMapping/>
   </p:clrMapOvr>
   <mc:AlternateContent xmlns:mc="http://schemas.openxmlformats.org/markup-compatibility/2006">
-    <mc:Choice xmlns:p14="http://schemas.microsoft.com/office/powerpoint/2010/main" xmlns="" Requires="p14">
+    <mc:Choice xmlns="" xmlns:p14="http://schemas.microsoft.com/office/powerpoint/2010/main" Requires="p14">
       <p:transition spd="slow" p14:dur="1500" advClick="0" advTm="0">
         <p:random/>
       </p:transition>
@@ -2524,7 +2524,7 @@
             <a:fld id="{91AD7F68-8E1B-45E2-8A27-5D5DEAAB1BF2}" type="datetimeFigureOut">
               <a:rPr lang="zh-CN" altLang="en-US" smtClean="0"/>
               <a:pPr/>
-              <a:t>2018/5/25</a:t>
+              <a:t>2018/5/28</a:t>
             </a:fld>
             <a:endParaRPr lang="zh-CN" altLang="en-US"/>
           </a:p>
@@ -2576,7 +2576,7 @@
     </p:spTree>
     <p:extLst>
       <p:ext uri="{BB962C8B-B14F-4D97-AF65-F5344CB8AC3E}">
-        <p14:creationId xmlns:p14="http://schemas.microsoft.com/office/powerpoint/2010/main" xmlns="" val="1272998583"/>
+        <p14:creationId xmlns="" xmlns:p14="http://schemas.microsoft.com/office/powerpoint/2010/main" val="1272998583"/>
       </p:ext>
     </p:extLst>
   </p:cSld>
@@ -2584,7 +2584,7 @@
     <a:masterClrMapping/>
   </p:clrMapOvr>
   <mc:AlternateContent xmlns:mc="http://schemas.openxmlformats.org/markup-compatibility/2006">
-    <mc:Choice xmlns:p14="http://schemas.microsoft.com/office/powerpoint/2010/main" xmlns="" Requires="p14">
+    <mc:Choice xmlns="" xmlns:p14="http://schemas.microsoft.com/office/powerpoint/2010/main" Requires="p14">
       <p:transition spd="slow" p14:dur="1500" advClick="0" advTm="0">
         <p:random/>
       </p:transition>
@@ -2633,7 +2633,7 @@
             <a:fld id="{91AD7F68-8E1B-45E2-8A27-5D5DEAAB1BF2}" type="datetimeFigureOut">
               <a:rPr lang="zh-CN" altLang="en-US" smtClean="0"/>
               <a:pPr/>
-              <a:t>2018/5/25</a:t>
+              <a:t>2018/5/28</a:t>
             </a:fld>
             <a:endParaRPr lang="zh-CN" altLang="en-US"/>
           </a:p>
@@ -2685,7 +2685,7 @@
     </p:spTree>
     <p:extLst>
       <p:ext uri="{BB962C8B-B14F-4D97-AF65-F5344CB8AC3E}">
-        <p14:creationId xmlns:p14="http://schemas.microsoft.com/office/powerpoint/2010/main" xmlns="" val="2103091704"/>
+        <p14:creationId xmlns="" xmlns:p14="http://schemas.microsoft.com/office/powerpoint/2010/main" val="2103091704"/>
       </p:ext>
     </p:extLst>
   </p:cSld>
@@ -2693,7 +2693,7 @@
     <a:masterClrMapping/>
   </p:clrMapOvr>
   <mc:AlternateContent xmlns:mc="http://schemas.openxmlformats.org/markup-compatibility/2006">
-    <mc:Choice xmlns:p14="http://schemas.microsoft.com/office/powerpoint/2010/main" xmlns="" Requires="p14">
+    <mc:Choice xmlns="" xmlns:p14="http://schemas.microsoft.com/office/powerpoint/2010/main" Requires="p14">
       <p:transition spd="slow" p14:dur="1500" advClick="0" advTm="0">
         <p:random/>
       </p:transition>
@@ -2922,7 +2922,7 @@
             <a:fld id="{91AD7F68-8E1B-45E2-8A27-5D5DEAAB1BF2}" type="datetimeFigureOut">
               <a:rPr lang="zh-CN" altLang="en-US" smtClean="0"/>
               <a:pPr/>
-              <a:t>2018/5/25</a:t>
+              <a:t>2018/5/28</a:t>
             </a:fld>
             <a:endParaRPr lang="zh-CN" altLang="en-US"/>
           </a:p>
@@ -2974,7 +2974,7 @@
     </p:spTree>
     <p:extLst>
       <p:ext uri="{BB962C8B-B14F-4D97-AF65-F5344CB8AC3E}">
-        <p14:creationId xmlns:p14="http://schemas.microsoft.com/office/powerpoint/2010/main" xmlns="" val="2275436477"/>
+        <p14:creationId xmlns="" xmlns:p14="http://schemas.microsoft.com/office/powerpoint/2010/main" val="2275436477"/>
       </p:ext>
     </p:extLst>
   </p:cSld>
@@ -2982,7 +2982,7 @@
     <a:masterClrMapping/>
   </p:clrMapOvr>
   <mc:AlternateContent xmlns:mc="http://schemas.openxmlformats.org/markup-compatibility/2006">
-    <mc:Choice xmlns:p14="http://schemas.microsoft.com/office/powerpoint/2010/main" xmlns="" Requires="p14">
+    <mc:Choice xmlns="" xmlns:p14="http://schemas.microsoft.com/office/powerpoint/2010/main" Requires="p14">
       <p:transition spd="slow" p14:dur="1500" advClick="0" advTm="0">
         <p:random/>
       </p:transition>
@@ -3188,7 +3188,7 @@
             <a:fld id="{91AD7F68-8E1B-45E2-8A27-5D5DEAAB1BF2}" type="datetimeFigureOut">
               <a:rPr lang="zh-CN" altLang="en-US" smtClean="0"/>
               <a:pPr/>
-              <a:t>2018/5/25</a:t>
+              <a:t>2018/5/28</a:t>
             </a:fld>
             <a:endParaRPr lang="zh-CN" altLang="en-US"/>
           </a:p>
@@ -3240,7 +3240,7 @@
     </p:spTree>
     <p:extLst>
       <p:ext uri="{BB962C8B-B14F-4D97-AF65-F5344CB8AC3E}">
-        <p14:creationId xmlns:p14="http://schemas.microsoft.com/office/powerpoint/2010/main" xmlns="" val="2724821356"/>
+        <p14:creationId xmlns="" xmlns:p14="http://schemas.microsoft.com/office/powerpoint/2010/main" val="2724821356"/>
       </p:ext>
     </p:extLst>
   </p:cSld>
@@ -3248,7 +3248,7 @@
     <a:masterClrMapping/>
   </p:clrMapOvr>
   <mc:AlternateContent xmlns:mc="http://schemas.openxmlformats.org/markup-compatibility/2006">
-    <mc:Choice xmlns:p14="http://schemas.microsoft.com/office/powerpoint/2010/main" xmlns="" Requires="p14">
+    <mc:Choice xmlns="" xmlns:p14="http://schemas.microsoft.com/office/powerpoint/2010/main" Requires="p14">
       <p:transition spd="slow" p14:dur="1500" advClick="0" advTm="0">
         <p:random/>
       </p:transition>
@@ -3413,7 +3413,7 @@
             <a:fld id="{91AD7F68-8E1B-45E2-8A27-5D5DEAAB1BF2}" type="datetimeFigureOut">
               <a:rPr lang="zh-CN" altLang="en-US" smtClean="0"/>
               <a:pPr/>
-              <a:t>2018/5/25</a:t>
+              <a:t>2018/5/28</a:t>
             </a:fld>
             <a:endParaRPr lang="zh-CN" altLang="en-US"/>
           </a:p>
@@ -3501,7 +3501,7 @@
     </p:spTree>
     <p:extLst>
       <p:ext uri="{BB962C8B-B14F-4D97-AF65-F5344CB8AC3E}">
-        <p14:creationId xmlns:p14="http://schemas.microsoft.com/office/powerpoint/2010/main" xmlns="" val="666783823"/>
+        <p14:creationId xmlns="" xmlns:p14="http://schemas.microsoft.com/office/powerpoint/2010/main" val="666783823"/>
       </p:ext>
     </p:extLst>
   </p:cSld>
@@ -3520,7 +3520,7 @@
     <p:sldLayoutId id="2147483659" r:id="rId11"/>
   </p:sldLayoutIdLst>
   <mc:AlternateContent xmlns:mc="http://schemas.openxmlformats.org/markup-compatibility/2006">
-    <mc:Choice xmlns:p14="http://schemas.microsoft.com/office/powerpoint/2010/main" xmlns="" Requires="p14">
+    <mc:Choice xmlns="" xmlns:p14="http://schemas.microsoft.com/office/powerpoint/2010/main" Requires="p14">
       <p:transition spd="slow" p14:dur="1500" advClick="0" advTm="0">
         <p:random/>
       </p:transition>
@@ -3843,7 +3843,7 @@
           <a:blip r:embed="rId3" cstate="print">
             <a:extLst>
               <a:ext uri="{28A0092B-C50C-407E-A947-70E740481C1C}">
-                <a14:useLocalDpi xmlns:a14="http://schemas.microsoft.com/office/drawing/2010/main" xmlns=""/>
+                <a14:useLocalDpi xmlns="" xmlns:a14="http://schemas.microsoft.com/office/drawing/2010/main"/>
               </a:ext>
             </a:extLst>
           </a:blip>
@@ -9417,7 +9417,7 @@
           <p:cNvPr id="9" name="TextBox 8">
             <a:extLst>
               <a:ext uri="{FF2B5EF4-FFF2-40B4-BE49-F238E27FC236}">
-                <a16:creationId xmlns:a16="http://schemas.microsoft.com/office/drawing/2014/main" xmlns="" id="{73C77ED2-C357-47B7-8381-585C44BF2B89}"/>
+                <a16:creationId xmlns="" xmlns:a16="http://schemas.microsoft.com/office/drawing/2014/main" id="{73C77ED2-C357-47B7-8381-585C44BF2B89}"/>
               </a:ext>
             </a:extLst>
           </p:cNvPr>
@@ -9464,7 +9464,7 @@
     </p:spTree>
     <p:extLst>
       <p:ext uri="{BB962C8B-B14F-4D97-AF65-F5344CB8AC3E}">
-        <p14:creationId xmlns:p14="http://schemas.microsoft.com/office/powerpoint/2010/main" xmlns="" val="656483861"/>
+        <p14:creationId xmlns="" xmlns:p14="http://schemas.microsoft.com/office/powerpoint/2010/main" val="656483861"/>
       </p:ext>
     </p:extLst>
   </p:cSld>
@@ -9472,7 +9472,7 @@
     <a:masterClrMapping/>
   </p:clrMapOvr>
   <mc:AlternateContent xmlns:mc="http://schemas.openxmlformats.org/markup-compatibility/2006">
-    <mc:Choice xmlns:p14="http://schemas.microsoft.com/office/powerpoint/2010/main" xmlns="" Requires="p14">
+    <mc:Choice xmlns="" xmlns:p14="http://schemas.microsoft.com/office/powerpoint/2010/main" Requires="p14">
       <p:transition spd="slow" p14:dur="1500">
         <p:random/>
       </p:transition>
@@ -10126,7 +10126,7 @@
     </p:spTree>
     <p:extLst>
       <p:ext uri="{BB962C8B-B14F-4D97-AF65-F5344CB8AC3E}">
-        <p14:creationId xmlns:p14="http://schemas.microsoft.com/office/powerpoint/2010/main" xmlns="" val="264814506"/>
+        <p14:creationId xmlns="" xmlns:p14="http://schemas.microsoft.com/office/powerpoint/2010/main" val="264814506"/>
       </p:ext>
     </p:extLst>
   </p:cSld>
@@ -10134,7 +10134,7 @@
     <a:masterClrMapping/>
   </p:clrMapOvr>
   <mc:AlternateContent xmlns:mc="http://schemas.openxmlformats.org/markup-compatibility/2006">
-    <mc:Choice xmlns:p14="http://schemas.microsoft.com/office/powerpoint/2010/main" xmlns="" Requires="p14">
+    <mc:Choice xmlns="" xmlns:p14="http://schemas.microsoft.com/office/powerpoint/2010/main" Requires="p14">
       <p:transition spd="slow" p14:dur="1500">
         <p:random/>
       </p:transition>
@@ -10579,34 +10579,14 @@
           <a:p>
             <a:pPr marL="0" lvl="1"/>
             <a:r>
-              <a:rPr lang="en-US" altLang="zh-CN" sz="2800" spc="300" dirty="0">
+              <a:rPr lang="en-US" altLang="zh-CN" sz="2800" spc="300" dirty="0" err="1" smtClean="0">
                 <a:solidFill>
                   <a:srgbClr val="0D4960"/>
                 </a:solidFill>
                 <a:latin typeface="方正尚酷简体" panose="03000509000000000000" pitchFamily="65" charset="-122"/>
                 <a:ea typeface="方正尚酷简体" panose="03000509000000000000" pitchFamily="65" charset="-122"/>
               </a:rPr>
-              <a:t>Prepare</a:t>
-            </a:r>
-            <a:r>
-              <a:rPr lang="zh-CN" altLang="en-US" sz="2800" spc="300" dirty="0">
-                <a:solidFill>
-                  <a:srgbClr val="0D4960"/>
-                </a:solidFill>
-                <a:latin typeface="方正尚酷简体" panose="03000509000000000000" pitchFamily="65" charset="-122"/>
-                <a:ea typeface="方正尚酷简体" panose="03000509000000000000" pitchFamily="65" charset="-122"/>
-              </a:rPr>
-              <a:t> </a:t>
-            </a:r>
-            <a:r>
-              <a:rPr lang="en-US" altLang="zh-CN" sz="2800" spc="300" dirty="0">
-                <a:solidFill>
-                  <a:srgbClr val="0D4960"/>
-                </a:solidFill>
-                <a:latin typeface="方正尚酷简体" panose="03000509000000000000" pitchFamily="65" charset="-122"/>
-                <a:ea typeface="方正尚酷简体" panose="03000509000000000000" pitchFamily="65" charset="-122"/>
-              </a:rPr>
-              <a:t>Environment</a:t>
+              <a:t>Wget</a:t>
             </a:r>
             <a:endParaRPr lang="zh-CN" altLang="en-US" sz="2800" spc="300" dirty="0">
               <a:solidFill>
@@ -10655,10 +10635,44 @@
           </a:fontRef>
         </p:style>
       </p:cxnSp>
+      <p:sp>
+        <p:nvSpPr>
+          <p:cNvPr id="8" name="TextBox 7"/>
+          <p:cNvSpPr txBox="1"/>
+          <p:nvPr/>
+        </p:nvSpPr>
+        <p:spPr>
+          <a:xfrm>
+            <a:off x="1045400" y="1108732"/>
+            <a:ext cx="3391121" cy="584775"/>
+          </a:xfrm>
+          <a:prstGeom prst="rect">
+            <a:avLst/>
+          </a:prstGeom>
+          <a:noFill/>
+        </p:spPr>
+        <p:txBody>
+          <a:bodyPr wrap="none" rtlCol="0">
+            <a:spAutoFit/>
+          </a:bodyPr>
+          <a:lstStyle/>
+          <a:p>
+            <a:r>
+              <a:rPr lang="en-US" altLang="zh-CN" sz="3200" dirty="0" smtClean="0"/>
+              <a:t>yum –y install </a:t>
+            </a:r>
+            <a:r>
+              <a:rPr lang="en-US" altLang="zh-CN" sz="3200" dirty="0" err="1" smtClean="0"/>
+              <a:t>wget</a:t>
+            </a:r>
+            <a:endParaRPr lang="zh-CN" altLang="en-US" sz="3200" dirty="0"/>
+          </a:p>
+        </p:txBody>
+      </p:sp>
     </p:spTree>
     <p:extLst>
       <p:ext uri="{BB962C8B-B14F-4D97-AF65-F5344CB8AC3E}">
-        <p14:creationId xmlns:p14="http://schemas.microsoft.com/office/powerpoint/2010/main" xmlns="" val="3681454718"/>
+        <p14:creationId xmlns="" xmlns:p14="http://schemas.microsoft.com/office/powerpoint/2010/main" val="3681454718"/>
       </p:ext>
     </p:extLst>
   </p:cSld>
@@ -10666,7 +10680,7 @@
     <a:masterClrMapping/>
   </p:clrMapOvr>
   <mc:AlternateContent xmlns:mc="http://schemas.openxmlformats.org/markup-compatibility/2006">
-    <mc:Choice xmlns:p14="http://schemas.microsoft.com/office/powerpoint/2010/main" xmlns="" Requires="p14">
+    <mc:Choice xmlns="" xmlns:p14="http://schemas.microsoft.com/office/powerpoint/2010/main" Requires="p14">
       <p:transition spd="slow" p14:dur="1500">
         <p:random/>
       </p:transition>
@@ -11190,7 +11204,7 @@
     </p:spTree>
     <p:extLst>
       <p:ext uri="{BB962C8B-B14F-4D97-AF65-F5344CB8AC3E}">
-        <p14:creationId xmlns:p14="http://schemas.microsoft.com/office/powerpoint/2010/main" xmlns="" val="1982124766"/>
+        <p14:creationId xmlns="" xmlns:p14="http://schemas.microsoft.com/office/powerpoint/2010/main" val="1982124766"/>
       </p:ext>
     </p:extLst>
   </p:cSld>
@@ -11198,7 +11212,7 @@
     <a:masterClrMapping/>
   </p:clrMapOvr>
   <mc:AlternateContent xmlns:mc="http://schemas.openxmlformats.org/markup-compatibility/2006">
-    <mc:Choice xmlns:p14="http://schemas.microsoft.com/office/powerpoint/2010/main" xmlns="" Requires="p14">
+    <mc:Choice xmlns="" xmlns:p14="http://schemas.microsoft.com/office/powerpoint/2010/main" Requires="p14">
       <p:transition spd="slow" p14:dur="1500">
         <p:random/>
       </p:transition>
@@ -11728,7 +11742,7 @@
   <a:extraClrSchemeLst/>
   <a:extLst>
     <a:ext uri="{05A4C25C-085E-4340-85A3-A5531E510DB2}">
-      <thm15:themeFamily xmlns:thm15="http://schemas.microsoft.com/office/thememl/2012/main" xmlns="" name="Office Theme" id="{62F939B6-93AF-4DB8-9C6B-D6C7DFDC589F}" vid="{4A3C46E8-61CC-4603-A589-7422A47A8E4A}"/>
+      <thm15:themeFamily xmlns="" xmlns:thm15="http://schemas.microsoft.com/office/thememl/2012/main" name="Office Theme" id="{62F939B6-93AF-4DB8-9C6B-D6C7DFDC589F}" vid="{4A3C46E8-61CC-4603-A589-7422A47A8E4A}"/>
     </a:ext>
   </a:extLst>
 </a:theme>
@@ -11989,7 +12003,7 @@
   <a:extraClrSchemeLst/>
   <a:extLst>
     <a:ext uri="{05A4C25C-085E-4340-85A3-A5531E510DB2}">
-      <thm15:themeFamily xmlns:thm15="http://schemas.microsoft.com/office/thememl/2012/main" xmlns="" name="Office Theme" id="{62F939B6-93AF-4DB8-9C6B-D6C7DFDC589F}" vid="{4A3C46E8-61CC-4603-A589-7422A47A8E4A}"/>
+      <thm15:themeFamily xmlns="" xmlns:thm15="http://schemas.microsoft.com/office/thememl/2012/main" name="Office Theme" id="{62F939B6-93AF-4DB8-9C6B-D6C7DFDC589F}" vid="{4A3C46E8-61CC-4603-A589-7422A47A8E4A}"/>
     </a:ext>
   </a:extLst>
 </a:theme>

--- a/centos7.pptx
+++ b/centos7.pptx
@@ -5,18 +5,32 @@
     <p:sldMasterId id="2147483648" r:id="rId1"/>
   </p:sldMasterIdLst>
   <p:notesMasterIdLst>
-    <p:notesMasterId r:id="rId6"/>
+    <p:notesMasterId r:id="rId20"/>
   </p:notesMasterIdLst>
   <p:sldIdLst>
     <p:sldId id="256" r:id="rId2"/>
     <p:sldId id="305" r:id="rId3"/>
     <p:sldId id="308" r:id="rId4"/>
     <p:sldId id="309" r:id="rId5"/>
+    <p:sldId id="311" r:id="rId6"/>
+    <p:sldId id="313" r:id="rId7"/>
+    <p:sldId id="314" r:id="rId8"/>
+    <p:sldId id="315" r:id="rId9"/>
+    <p:sldId id="316" r:id="rId10"/>
+    <p:sldId id="317" r:id="rId11"/>
+    <p:sldId id="318" r:id="rId12"/>
+    <p:sldId id="319" r:id="rId13"/>
+    <p:sldId id="320" r:id="rId14"/>
+    <p:sldId id="321" r:id="rId15"/>
+    <p:sldId id="322" r:id="rId16"/>
+    <p:sldId id="323" r:id="rId17"/>
+    <p:sldId id="324" r:id="rId18"/>
+    <p:sldId id="312" r:id="rId19"/>
   </p:sldIdLst>
   <p:sldSz cx="12192000" cy="6858000"/>
   <p:notesSz cx="6858000" cy="9144000"/>
   <p:custDataLst>
-    <p:tags r:id="rId7"/>
+    <p:tags r:id="rId21"/>
   </p:custDataLst>
   <p:defaultTextStyle>
     <a:defPPr>
@@ -115,7 +129,7 @@
   </p:defaultTextStyle>
   <p:extLst>
     <p:ext uri="{EFAFB233-063F-42B5-8137-9DF3F51BA10A}">
-      <p15:sldGuideLst xmlns="" xmlns:p15="http://schemas.microsoft.com/office/powerpoint/2012/main">
+      <p15:sldGuideLst xmlns:p15="http://schemas.microsoft.com/office/powerpoint/2012/main" xmlns="">
         <p15:guide id="1" orient="horz" pos="2160" userDrawn="1">
           <p15:clr>
             <a:srgbClr val="A4A3A4"/>
@@ -219,7 +233,7 @@
             <a:fld id="{05B1D5F9-199E-4B77-ACFB-0D659EE03F6C}" type="datetimeFigureOut">
               <a:rPr lang="zh-CN" altLang="en-US" smtClean="0"/>
               <a:pPr/>
-              <a:t>2018/5/28</a:t>
+              <a:t>2018/6/3</a:t>
             </a:fld>
             <a:endParaRPr lang="zh-CN" altLang="en-US"/>
           </a:p>
@@ -387,7 +401,7 @@
     </p:spTree>
     <p:extLst>
       <p:ext uri="{BB962C8B-B14F-4D97-AF65-F5344CB8AC3E}">
-        <p14:creationId xmlns="" xmlns:p14="http://schemas.microsoft.com/office/powerpoint/2010/main" val="4136795833"/>
+        <p14:creationId xmlns:p14="http://schemas.microsoft.com/office/powerpoint/2010/main" xmlns="" val="4136795833"/>
       </p:ext>
     </p:extLst>
   </p:cSld>
@@ -562,7 +576,772 @@
     </p:spTree>
     <p:extLst>
       <p:ext uri="{BB962C8B-B14F-4D97-AF65-F5344CB8AC3E}">
-        <p14:creationId xmlns="" xmlns:p14="http://schemas.microsoft.com/office/powerpoint/2010/main" val="2594768037"/>
+        <p14:creationId xmlns:p14="http://schemas.microsoft.com/office/powerpoint/2010/main" xmlns="" val="2594768037"/>
+      </p:ext>
+    </p:extLst>
+  </p:cSld>
+  <p:clrMapOvr>
+    <a:masterClrMapping/>
+  </p:clrMapOvr>
+</p:notes>
+</file>
+
+<file path=ppt/notesSlides/notesSlide10.xml><?xml version="1.0" encoding="utf-8"?>
+<p:notes xmlns:a="http://schemas.openxmlformats.org/drawingml/2006/main" xmlns:r="http://schemas.openxmlformats.org/officeDocument/2006/relationships" xmlns:p="http://schemas.openxmlformats.org/presentationml/2006/main">
+  <p:cSld>
+    <p:spTree>
+      <p:nvGrpSpPr>
+        <p:cNvPr id="1" name=""/>
+        <p:cNvGrpSpPr/>
+        <p:nvPr/>
+      </p:nvGrpSpPr>
+      <p:grpSpPr>
+        <a:xfrm>
+          <a:off x="0" y="0"/>
+          <a:ext cx="0" cy="0"/>
+          <a:chOff x="0" y="0"/>
+          <a:chExt cx="0" cy="0"/>
+        </a:xfrm>
+      </p:grpSpPr>
+      <p:sp>
+        <p:nvSpPr>
+          <p:cNvPr id="2" name="幻灯片图像占位符 1"/>
+          <p:cNvSpPr>
+            <a:spLocks noGrp="1" noRot="1" noChangeAspect="1"/>
+          </p:cNvSpPr>
+          <p:nvPr>
+            <p:ph type="sldImg"/>
+          </p:nvPr>
+        </p:nvSpPr>
+        <p:spPr/>
+      </p:sp>
+      <p:sp>
+        <p:nvSpPr>
+          <p:cNvPr id="3" name="备注占位符 2"/>
+          <p:cNvSpPr>
+            <a:spLocks noGrp="1"/>
+          </p:cNvSpPr>
+          <p:nvPr>
+            <p:ph type="body" idx="1"/>
+          </p:nvPr>
+        </p:nvSpPr>
+        <p:spPr/>
+        <p:txBody>
+          <a:bodyPr/>
+          <a:lstStyle/>
+          <a:p>
+            <a:endParaRPr lang="zh-CN" altLang="en-US"/>
+          </a:p>
+        </p:txBody>
+      </p:sp>
+      <p:sp>
+        <p:nvSpPr>
+          <p:cNvPr id="4" name="灯片编号占位符 3"/>
+          <p:cNvSpPr>
+            <a:spLocks noGrp="1"/>
+          </p:cNvSpPr>
+          <p:nvPr>
+            <p:ph type="sldNum" sz="quarter" idx="10"/>
+          </p:nvPr>
+        </p:nvSpPr>
+        <p:spPr/>
+        <p:txBody>
+          <a:bodyPr/>
+          <a:lstStyle/>
+          <a:p>
+            <a:fld id="{22553725-671C-4999-8D68-861E5DC01BD8}" type="slidenum">
+              <a:rPr lang="zh-CN" altLang="en-US" smtClean="0"/>
+              <a:pPr/>
+              <a:t>10</a:t>
+            </a:fld>
+            <a:endParaRPr lang="zh-CN" altLang="en-US"/>
+          </a:p>
+        </p:txBody>
+      </p:sp>
+    </p:spTree>
+    <p:extLst>
+      <p:ext uri="{BB962C8B-B14F-4D97-AF65-F5344CB8AC3E}">
+        <p14:creationId xmlns:p14="http://schemas.microsoft.com/office/powerpoint/2010/main" xmlns="" val="3067396479"/>
+      </p:ext>
+    </p:extLst>
+  </p:cSld>
+  <p:clrMapOvr>
+    <a:masterClrMapping/>
+  </p:clrMapOvr>
+</p:notes>
+</file>
+
+<file path=ppt/notesSlides/notesSlide11.xml><?xml version="1.0" encoding="utf-8"?>
+<p:notes xmlns:a="http://schemas.openxmlformats.org/drawingml/2006/main" xmlns:r="http://schemas.openxmlformats.org/officeDocument/2006/relationships" xmlns:p="http://schemas.openxmlformats.org/presentationml/2006/main">
+  <p:cSld>
+    <p:spTree>
+      <p:nvGrpSpPr>
+        <p:cNvPr id="1" name=""/>
+        <p:cNvGrpSpPr/>
+        <p:nvPr/>
+      </p:nvGrpSpPr>
+      <p:grpSpPr>
+        <a:xfrm>
+          <a:off x="0" y="0"/>
+          <a:ext cx="0" cy="0"/>
+          <a:chOff x="0" y="0"/>
+          <a:chExt cx="0" cy="0"/>
+        </a:xfrm>
+      </p:grpSpPr>
+      <p:sp>
+        <p:nvSpPr>
+          <p:cNvPr id="2" name="幻灯片图像占位符 1"/>
+          <p:cNvSpPr>
+            <a:spLocks noGrp="1" noRot="1" noChangeAspect="1"/>
+          </p:cNvSpPr>
+          <p:nvPr>
+            <p:ph type="sldImg"/>
+          </p:nvPr>
+        </p:nvSpPr>
+        <p:spPr/>
+      </p:sp>
+      <p:sp>
+        <p:nvSpPr>
+          <p:cNvPr id="3" name="备注占位符 2"/>
+          <p:cNvSpPr>
+            <a:spLocks noGrp="1"/>
+          </p:cNvSpPr>
+          <p:nvPr>
+            <p:ph type="body" idx="1"/>
+          </p:nvPr>
+        </p:nvSpPr>
+        <p:spPr/>
+        <p:txBody>
+          <a:bodyPr/>
+          <a:lstStyle/>
+          <a:p>
+            <a:endParaRPr lang="zh-CN" altLang="en-US"/>
+          </a:p>
+        </p:txBody>
+      </p:sp>
+      <p:sp>
+        <p:nvSpPr>
+          <p:cNvPr id="4" name="灯片编号占位符 3"/>
+          <p:cNvSpPr>
+            <a:spLocks noGrp="1"/>
+          </p:cNvSpPr>
+          <p:nvPr>
+            <p:ph type="sldNum" sz="quarter" idx="10"/>
+          </p:nvPr>
+        </p:nvSpPr>
+        <p:spPr/>
+        <p:txBody>
+          <a:bodyPr/>
+          <a:lstStyle/>
+          <a:p>
+            <a:fld id="{22553725-671C-4999-8D68-861E5DC01BD8}" type="slidenum">
+              <a:rPr lang="zh-CN" altLang="en-US" smtClean="0"/>
+              <a:pPr/>
+              <a:t>11</a:t>
+            </a:fld>
+            <a:endParaRPr lang="zh-CN" altLang="en-US"/>
+          </a:p>
+        </p:txBody>
+      </p:sp>
+    </p:spTree>
+    <p:extLst>
+      <p:ext uri="{BB962C8B-B14F-4D97-AF65-F5344CB8AC3E}">
+        <p14:creationId xmlns:p14="http://schemas.microsoft.com/office/powerpoint/2010/main" xmlns="" val="3067396479"/>
+      </p:ext>
+    </p:extLst>
+  </p:cSld>
+  <p:clrMapOvr>
+    <a:masterClrMapping/>
+  </p:clrMapOvr>
+</p:notes>
+</file>
+
+<file path=ppt/notesSlides/notesSlide12.xml><?xml version="1.0" encoding="utf-8"?>
+<p:notes xmlns:a="http://schemas.openxmlformats.org/drawingml/2006/main" xmlns:r="http://schemas.openxmlformats.org/officeDocument/2006/relationships" xmlns:p="http://schemas.openxmlformats.org/presentationml/2006/main">
+  <p:cSld>
+    <p:spTree>
+      <p:nvGrpSpPr>
+        <p:cNvPr id="1" name=""/>
+        <p:cNvGrpSpPr/>
+        <p:nvPr/>
+      </p:nvGrpSpPr>
+      <p:grpSpPr>
+        <a:xfrm>
+          <a:off x="0" y="0"/>
+          <a:ext cx="0" cy="0"/>
+          <a:chOff x="0" y="0"/>
+          <a:chExt cx="0" cy="0"/>
+        </a:xfrm>
+      </p:grpSpPr>
+      <p:sp>
+        <p:nvSpPr>
+          <p:cNvPr id="2" name="幻灯片图像占位符 1"/>
+          <p:cNvSpPr>
+            <a:spLocks noGrp="1" noRot="1" noChangeAspect="1"/>
+          </p:cNvSpPr>
+          <p:nvPr>
+            <p:ph type="sldImg"/>
+          </p:nvPr>
+        </p:nvSpPr>
+        <p:spPr/>
+      </p:sp>
+      <p:sp>
+        <p:nvSpPr>
+          <p:cNvPr id="3" name="备注占位符 2"/>
+          <p:cNvSpPr>
+            <a:spLocks noGrp="1"/>
+          </p:cNvSpPr>
+          <p:nvPr>
+            <p:ph type="body" idx="1"/>
+          </p:nvPr>
+        </p:nvSpPr>
+        <p:spPr/>
+        <p:txBody>
+          <a:bodyPr/>
+          <a:lstStyle/>
+          <a:p>
+            <a:endParaRPr lang="zh-CN" altLang="en-US"/>
+          </a:p>
+        </p:txBody>
+      </p:sp>
+      <p:sp>
+        <p:nvSpPr>
+          <p:cNvPr id="4" name="灯片编号占位符 3"/>
+          <p:cNvSpPr>
+            <a:spLocks noGrp="1"/>
+          </p:cNvSpPr>
+          <p:nvPr>
+            <p:ph type="sldNum" sz="quarter" idx="10"/>
+          </p:nvPr>
+        </p:nvSpPr>
+        <p:spPr/>
+        <p:txBody>
+          <a:bodyPr/>
+          <a:lstStyle/>
+          <a:p>
+            <a:fld id="{22553725-671C-4999-8D68-861E5DC01BD8}" type="slidenum">
+              <a:rPr lang="zh-CN" altLang="en-US" smtClean="0"/>
+              <a:pPr/>
+              <a:t>12</a:t>
+            </a:fld>
+            <a:endParaRPr lang="zh-CN" altLang="en-US"/>
+          </a:p>
+        </p:txBody>
+      </p:sp>
+    </p:spTree>
+    <p:extLst>
+      <p:ext uri="{BB962C8B-B14F-4D97-AF65-F5344CB8AC3E}">
+        <p14:creationId xmlns:p14="http://schemas.microsoft.com/office/powerpoint/2010/main" xmlns="" val="3067396479"/>
+      </p:ext>
+    </p:extLst>
+  </p:cSld>
+  <p:clrMapOvr>
+    <a:masterClrMapping/>
+  </p:clrMapOvr>
+</p:notes>
+</file>
+
+<file path=ppt/notesSlides/notesSlide13.xml><?xml version="1.0" encoding="utf-8"?>
+<p:notes xmlns:a="http://schemas.openxmlformats.org/drawingml/2006/main" xmlns:r="http://schemas.openxmlformats.org/officeDocument/2006/relationships" xmlns:p="http://schemas.openxmlformats.org/presentationml/2006/main">
+  <p:cSld>
+    <p:spTree>
+      <p:nvGrpSpPr>
+        <p:cNvPr id="1" name=""/>
+        <p:cNvGrpSpPr/>
+        <p:nvPr/>
+      </p:nvGrpSpPr>
+      <p:grpSpPr>
+        <a:xfrm>
+          <a:off x="0" y="0"/>
+          <a:ext cx="0" cy="0"/>
+          <a:chOff x="0" y="0"/>
+          <a:chExt cx="0" cy="0"/>
+        </a:xfrm>
+      </p:grpSpPr>
+      <p:sp>
+        <p:nvSpPr>
+          <p:cNvPr id="2" name="幻灯片图像占位符 1"/>
+          <p:cNvSpPr>
+            <a:spLocks noGrp="1" noRot="1" noChangeAspect="1"/>
+          </p:cNvSpPr>
+          <p:nvPr>
+            <p:ph type="sldImg"/>
+          </p:nvPr>
+        </p:nvSpPr>
+        <p:spPr/>
+      </p:sp>
+      <p:sp>
+        <p:nvSpPr>
+          <p:cNvPr id="3" name="备注占位符 2"/>
+          <p:cNvSpPr>
+            <a:spLocks noGrp="1"/>
+          </p:cNvSpPr>
+          <p:nvPr>
+            <p:ph type="body" idx="1"/>
+          </p:nvPr>
+        </p:nvSpPr>
+        <p:spPr/>
+        <p:txBody>
+          <a:bodyPr/>
+          <a:lstStyle/>
+          <a:p>
+            <a:endParaRPr lang="zh-CN" altLang="en-US"/>
+          </a:p>
+        </p:txBody>
+      </p:sp>
+      <p:sp>
+        <p:nvSpPr>
+          <p:cNvPr id="4" name="灯片编号占位符 3"/>
+          <p:cNvSpPr>
+            <a:spLocks noGrp="1"/>
+          </p:cNvSpPr>
+          <p:nvPr>
+            <p:ph type="sldNum" sz="quarter" idx="10"/>
+          </p:nvPr>
+        </p:nvSpPr>
+        <p:spPr/>
+        <p:txBody>
+          <a:bodyPr/>
+          <a:lstStyle/>
+          <a:p>
+            <a:fld id="{22553725-671C-4999-8D68-861E5DC01BD8}" type="slidenum">
+              <a:rPr lang="zh-CN" altLang="en-US" smtClean="0"/>
+              <a:pPr/>
+              <a:t>13</a:t>
+            </a:fld>
+            <a:endParaRPr lang="zh-CN" altLang="en-US"/>
+          </a:p>
+        </p:txBody>
+      </p:sp>
+    </p:spTree>
+    <p:extLst>
+      <p:ext uri="{BB962C8B-B14F-4D97-AF65-F5344CB8AC3E}">
+        <p14:creationId xmlns:p14="http://schemas.microsoft.com/office/powerpoint/2010/main" xmlns="" val="3067396479"/>
+      </p:ext>
+    </p:extLst>
+  </p:cSld>
+  <p:clrMapOvr>
+    <a:masterClrMapping/>
+  </p:clrMapOvr>
+</p:notes>
+</file>
+
+<file path=ppt/notesSlides/notesSlide14.xml><?xml version="1.0" encoding="utf-8"?>
+<p:notes xmlns:a="http://schemas.openxmlformats.org/drawingml/2006/main" xmlns:r="http://schemas.openxmlformats.org/officeDocument/2006/relationships" xmlns:p="http://schemas.openxmlformats.org/presentationml/2006/main">
+  <p:cSld>
+    <p:spTree>
+      <p:nvGrpSpPr>
+        <p:cNvPr id="1" name=""/>
+        <p:cNvGrpSpPr/>
+        <p:nvPr/>
+      </p:nvGrpSpPr>
+      <p:grpSpPr>
+        <a:xfrm>
+          <a:off x="0" y="0"/>
+          <a:ext cx="0" cy="0"/>
+          <a:chOff x="0" y="0"/>
+          <a:chExt cx="0" cy="0"/>
+        </a:xfrm>
+      </p:grpSpPr>
+      <p:sp>
+        <p:nvSpPr>
+          <p:cNvPr id="2" name="幻灯片图像占位符 1"/>
+          <p:cNvSpPr>
+            <a:spLocks noGrp="1" noRot="1" noChangeAspect="1"/>
+          </p:cNvSpPr>
+          <p:nvPr>
+            <p:ph type="sldImg"/>
+          </p:nvPr>
+        </p:nvSpPr>
+        <p:spPr/>
+      </p:sp>
+      <p:sp>
+        <p:nvSpPr>
+          <p:cNvPr id="3" name="备注占位符 2"/>
+          <p:cNvSpPr>
+            <a:spLocks noGrp="1"/>
+          </p:cNvSpPr>
+          <p:nvPr>
+            <p:ph type="body" idx="1"/>
+          </p:nvPr>
+        </p:nvSpPr>
+        <p:spPr/>
+        <p:txBody>
+          <a:bodyPr/>
+          <a:lstStyle/>
+          <a:p>
+            <a:endParaRPr lang="zh-CN" altLang="en-US"/>
+          </a:p>
+        </p:txBody>
+      </p:sp>
+      <p:sp>
+        <p:nvSpPr>
+          <p:cNvPr id="4" name="灯片编号占位符 3"/>
+          <p:cNvSpPr>
+            <a:spLocks noGrp="1"/>
+          </p:cNvSpPr>
+          <p:nvPr>
+            <p:ph type="sldNum" sz="quarter" idx="10"/>
+          </p:nvPr>
+        </p:nvSpPr>
+        <p:spPr/>
+        <p:txBody>
+          <a:bodyPr/>
+          <a:lstStyle/>
+          <a:p>
+            <a:fld id="{22553725-671C-4999-8D68-861E5DC01BD8}" type="slidenum">
+              <a:rPr lang="zh-CN" altLang="en-US" smtClean="0"/>
+              <a:pPr/>
+              <a:t>14</a:t>
+            </a:fld>
+            <a:endParaRPr lang="zh-CN" altLang="en-US"/>
+          </a:p>
+        </p:txBody>
+      </p:sp>
+    </p:spTree>
+    <p:extLst>
+      <p:ext uri="{BB962C8B-B14F-4D97-AF65-F5344CB8AC3E}">
+        <p14:creationId xmlns:p14="http://schemas.microsoft.com/office/powerpoint/2010/main" xmlns="" val="3067396479"/>
+      </p:ext>
+    </p:extLst>
+  </p:cSld>
+  <p:clrMapOvr>
+    <a:masterClrMapping/>
+  </p:clrMapOvr>
+</p:notes>
+</file>
+
+<file path=ppt/notesSlides/notesSlide15.xml><?xml version="1.0" encoding="utf-8"?>
+<p:notes xmlns:a="http://schemas.openxmlformats.org/drawingml/2006/main" xmlns:r="http://schemas.openxmlformats.org/officeDocument/2006/relationships" xmlns:p="http://schemas.openxmlformats.org/presentationml/2006/main">
+  <p:cSld>
+    <p:spTree>
+      <p:nvGrpSpPr>
+        <p:cNvPr id="1" name=""/>
+        <p:cNvGrpSpPr/>
+        <p:nvPr/>
+      </p:nvGrpSpPr>
+      <p:grpSpPr>
+        <a:xfrm>
+          <a:off x="0" y="0"/>
+          <a:ext cx="0" cy="0"/>
+          <a:chOff x="0" y="0"/>
+          <a:chExt cx="0" cy="0"/>
+        </a:xfrm>
+      </p:grpSpPr>
+      <p:sp>
+        <p:nvSpPr>
+          <p:cNvPr id="2" name="幻灯片图像占位符 1"/>
+          <p:cNvSpPr>
+            <a:spLocks noGrp="1" noRot="1" noChangeAspect="1"/>
+          </p:cNvSpPr>
+          <p:nvPr>
+            <p:ph type="sldImg"/>
+          </p:nvPr>
+        </p:nvSpPr>
+        <p:spPr/>
+      </p:sp>
+      <p:sp>
+        <p:nvSpPr>
+          <p:cNvPr id="3" name="备注占位符 2"/>
+          <p:cNvSpPr>
+            <a:spLocks noGrp="1"/>
+          </p:cNvSpPr>
+          <p:nvPr>
+            <p:ph type="body" idx="1"/>
+          </p:nvPr>
+        </p:nvSpPr>
+        <p:spPr/>
+        <p:txBody>
+          <a:bodyPr/>
+          <a:lstStyle/>
+          <a:p>
+            <a:endParaRPr lang="zh-CN" altLang="en-US"/>
+          </a:p>
+        </p:txBody>
+      </p:sp>
+      <p:sp>
+        <p:nvSpPr>
+          <p:cNvPr id="4" name="灯片编号占位符 3"/>
+          <p:cNvSpPr>
+            <a:spLocks noGrp="1"/>
+          </p:cNvSpPr>
+          <p:nvPr>
+            <p:ph type="sldNum" sz="quarter" idx="10"/>
+          </p:nvPr>
+        </p:nvSpPr>
+        <p:spPr/>
+        <p:txBody>
+          <a:bodyPr/>
+          <a:lstStyle/>
+          <a:p>
+            <a:fld id="{22553725-671C-4999-8D68-861E5DC01BD8}" type="slidenum">
+              <a:rPr lang="zh-CN" altLang="en-US" smtClean="0"/>
+              <a:pPr/>
+              <a:t>15</a:t>
+            </a:fld>
+            <a:endParaRPr lang="zh-CN" altLang="en-US"/>
+          </a:p>
+        </p:txBody>
+      </p:sp>
+    </p:spTree>
+    <p:extLst>
+      <p:ext uri="{BB962C8B-B14F-4D97-AF65-F5344CB8AC3E}">
+        <p14:creationId xmlns:p14="http://schemas.microsoft.com/office/powerpoint/2010/main" xmlns="" val="3067396479"/>
+      </p:ext>
+    </p:extLst>
+  </p:cSld>
+  <p:clrMapOvr>
+    <a:masterClrMapping/>
+  </p:clrMapOvr>
+</p:notes>
+</file>
+
+<file path=ppt/notesSlides/notesSlide16.xml><?xml version="1.0" encoding="utf-8"?>
+<p:notes xmlns:a="http://schemas.openxmlformats.org/drawingml/2006/main" xmlns:r="http://schemas.openxmlformats.org/officeDocument/2006/relationships" xmlns:p="http://schemas.openxmlformats.org/presentationml/2006/main">
+  <p:cSld>
+    <p:spTree>
+      <p:nvGrpSpPr>
+        <p:cNvPr id="1" name=""/>
+        <p:cNvGrpSpPr/>
+        <p:nvPr/>
+      </p:nvGrpSpPr>
+      <p:grpSpPr>
+        <a:xfrm>
+          <a:off x="0" y="0"/>
+          <a:ext cx="0" cy="0"/>
+          <a:chOff x="0" y="0"/>
+          <a:chExt cx="0" cy="0"/>
+        </a:xfrm>
+      </p:grpSpPr>
+      <p:sp>
+        <p:nvSpPr>
+          <p:cNvPr id="2" name="幻灯片图像占位符 1"/>
+          <p:cNvSpPr>
+            <a:spLocks noGrp="1" noRot="1" noChangeAspect="1"/>
+          </p:cNvSpPr>
+          <p:nvPr>
+            <p:ph type="sldImg"/>
+          </p:nvPr>
+        </p:nvSpPr>
+        <p:spPr/>
+      </p:sp>
+      <p:sp>
+        <p:nvSpPr>
+          <p:cNvPr id="3" name="备注占位符 2"/>
+          <p:cNvSpPr>
+            <a:spLocks noGrp="1"/>
+          </p:cNvSpPr>
+          <p:nvPr>
+            <p:ph type="body" idx="1"/>
+          </p:nvPr>
+        </p:nvSpPr>
+        <p:spPr/>
+        <p:txBody>
+          <a:bodyPr/>
+          <a:lstStyle/>
+          <a:p>
+            <a:endParaRPr lang="zh-CN" altLang="en-US"/>
+          </a:p>
+        </p:txBody>
+      </p:sp>
+      <p:sp>
+        <p:nvSpPr>
+          <p:cNvPr id="4" name="灯片编号占位符 3"/>
+          <p:cNvSpPr>
+            <a:spLocks noGrp="1"/>
+          </p:cNvSpPr>
+          <p:nvPr>
+            <p:ph type="sldNum" sz="quarter" idx="10"/>
+          </p:nvPr>
+        </p:nvSpPr>
+        <p:spPr/>
+        <p:txBody>
+          <a:bodyPr/>
+          <a:lstStyle/>
+          <a:p>
+            <a:fld id="{22553725-671C-4999-8D68-861E5DC01BD8}" type="slidenum">
+              <a:rPr lang="zh-CN" altLang="en-US" smtClean="0"/>
+              <a:pPr/>
+              <a:t>16</a:t>
+            </a:fld>
+            <a:endParaRPr lang="zh-CN" altLang="en-US"/>
+          </a:p>
+        </p:txBody>
+      </p:sp>
+    </p:spTree>
+    <p:extLst>
+      <p:ext uri="{BB962C8B-B14F-4D97-AF65-F5344CB8AC3E}">
+        <p14:creationId xmlns:p14="http://schemas.microsoft.com/office/powerpoint/2010/main" xmlns="" val="3067396479"/>
+      </p:ext>
+    </p:extLst>
+  </p:cSld>
+  <p:clrMapOvr>
+    <a:masterClrMapping/>
+  </p:clrMapOvr>
+</p:notes>
+</file>
+
+<file path=ppt/notesSlides/notesSlide17.xml><?xml version="1.0" encoding="utf-8"?>
+<p:notes xmlns:a="http://schemas.openxmlformats.org/drawingml/2006/main" xmlns:r="http://schemas.openxmlformats.org/officeDocument/2006/relationships" xmlns:p="http://schemas.openxmlformats.org/presentationml/2006/main">
+  <p:cSld>
+    <p:spTree>
+      <p:nvGrpSpPr>
+        <p:cNvPr id="1" name=""/>
+        <p:cNvGrpSpPr/>
+        <p:nvPr/>
+      </p:nvGrpSpPr>
+      <p:grpSpPr>
+        <a:xfrm>
+          <a:off x="0" y="0"/>
+          <a:ext cx="0" cy="0"/>
+          <a:chOff x="0" y="0"/>
+          <a:chExt cx="0" cy="0"/>
+        </a:xfrm>
+      </p:grpSpPr>
+      <p:sp>
+        <p:nvSpPr>
+          <p:cNvPr id="2" name="幻灯片图像占位符 1"/>
+          <p:cNvSpPr>
+            <a:spLocks noGrp="1" noRot="1" noChangeAspect="1"/>
+          </p:cNvSpPr>
+          <p:nvPr>
+            <p:ph type="sldImg"/>
+          </p:nvPr>
+        </p:nvSpPr>
+        <p:spPr/>
+      </p:sp>
+      <p:sp>
+        <p:nvSpPr>
+          <p:cNvPr id="3" name="备注占位符 2"/>
+          <p:cNvSpPr>
+            <a:spLocks noGrp="1"/>
+          </p:cNvSpPr>
+          <p:nvPr>
+            <p:ph type="body" idx="1"/>
+          </p:nvPr>
+        </p:nvSpPr>
+        <p:spPr/>
+        <p:txBody>
+          <a:bodyPr/>
+          <a:lstStyle/>
+          <a:p>
+            <a:endParaRPr lang="zh-CN" altLang="en-US"/>
+          </a:p>
+        </p:txBody>
+      </p:sp>
+      <p:sp>
+        <p:nvSpPr>
+          <p:cNvPr id="4" name="灯片编号占位符 3"/>
+          <p:cNvSpPr>
+            <a:spLocks noGrp="1"/>
+          </p:cNvSpPr>
+          <p:nvPr>
+            <p:ph type="sldNum" sz="quarter" idx="10"/>
+          </p:nvPr>
+        </p:nvSpPr>
+        <p:spPr/>
+        <p:txBody>
+          <a:bodyPr/>
+          <a:lstStyle/>
+          <a:p>
+            <a:fld id="{22553725-671C-4999-8D68-861E5DC01BD8}" type="slidenum">
+              <a:rPr lang="zh-CN" altLang="en-US" smtClean="0"/>
+              <a:pPr/>
+              <a:t>17</a:t>
+            </a:fld>
+            <a:endParaRPr lang="zh-CN" altLang="en-US"/>
+          </a:p>
+        </p:txBody>
+      </p:sp>
+    </p:spTree>
+    <p:extLst>
+      <p:ext uri="{BB962C8B-B14F-4D97-AF65-F5344CB8AC3E}">
+        <p14:creationId xmlns:p14="http://schemas.microsoft.com/office/powerpoint/2010/main" xmlns="" val="3067396479"/>
+      </p:ext>
+    </p:extLst>
+  </p:cSld>
+  <p:clrMapOvr>
+    <a:masterClrMapping/>
+  </p:clrMapOvr>
+</p:notes>
+</file>
+
+<file path=ppt/notesSlides/notesSlide18.xml><?xml version="1.0" encoding="utf-8"?>
+<p:notes xmlns:a="http://schemas.openxmlformats.org/drawingml/2006/main" xmlns:r="http://schemas.openxmlformats.org/officeDocument/2006/relationships" xmlns:p="http://schemas.openxmlformats.org/presentationml/2006/main">
+  <p:cSld>
+    <p:spTree>
+      <p:nvGrpSpPr>
+        <p:cNvPr id="1" name=""/>
+        <p:cNvGrpSpPr/>
+        <p:nvPr/>
+      </p:nvGrpSpPr>
+      <p:grpSpPr>
+        <a:xfrm>
+          <a:off x="0" y="0"/>
+          <a:ext cx="0" cy="0"/>
+          <a:chOff x="0" y="0"/>
+          <a:chExt cx="0" cy="0"/>
+        </a:xfrm>
+      </p:grpSpPr>
+      <p:sp>
+        <p:nvSpPr>
+          <p:cNvPr id="2" name="幻灯片图像占位符 1"/>
+          <p:cNvSpPr>
+            <a:spLocks noGrp="1" noRot="1" noChangeAspect="1"/>
+          </p:cNvSpPr>
+          <p:nvPr>
+            <p:ph type="sldImg"/>
+          </p:nvPr>
+        </p:nvSpPr>
+        <p:spPr/>
+      </p:sp>
+      <p:sp>
+        <p:nvSpPr>
+          <p:cNvPr id="3" name="备注占位符 2"/>
+          <p:cNvSpPr>
+            <a:spLocks noGrp="1"/>
+          </p:cNvSpPr>
+          <p:nvPr>
+            <p:ph type="body" idx="1"/>
+          </p:nvPr>
+        </p:nvSpPr>
+        <p:spPr/>
+        <p:txBody>
+          <a:bodyPr/>
+          <a:lstStyle/>
+          <a:p>
+            <a:endParaRPr lang="zh-CN" altLang="en-US"/>
+          </a:p>
+        </p:txBody>
+      </p:sp>
+      <p:sp>
+        <p:nvSpPr>
+          <p:cNvPr id="4" name="灯片编号占位符 3"/>
+          <p:cNvSpPr>
+            <a:spLocks noGrp="1"/>
+          </p:cNvSpPr>
+          <p:nvPr>
+            <p:ph type="sldNum" sz="quarter" idx="10"/>
+          </p:nvPr>
+        </p:nvSpPr>
+        <p:spPr/>
+        <p:txBody>
+          <a:bodyPr/>
+          <a:lstStyle/>
+          <a:p>
+            <a:fld id="{22553725-671C-4999-8D68-861E5DC01BD8}" type="slidenum">
+              <a:rPr lang="zh-CN" altLang="en-US" smtClean="0"/>
+              <a:pPr/>
+              <a:t>18</a:t>
+            </a:fld>
+            <a:endParaRPr lang="zh-CN" altLang="en-US"/>
+          </a:p>
+        </p:txBody>
+      </p:sp>
+    </p:spTree>
+    <p:extLst>
+      <p:ext uri="{BB962C8B-B14F-4D97-AF65-F5344CB8AC3E}">
+        <p14:creationId xmlns:p14="http://schemas.microsoft.com/office/powerpoint/2010/main" xmlns="" val="3067396479"/>
       </p:ext>
     </p:extLst>
   </p:cSld>
@@ -647,7 +1426,7 @@
     </p:spTree>
     <p:extLst>
       <p:ext uri="{BB962C8B-B14F-4D97-AF65-F5344CB8AC3E}">
-        <p14:creationId xmlns="" xmlns:p14="http://schemas.microsoft.com/office/powerpoint/2010/main" val="2506518844"/>
+        <p14:creationId xmlns:p14="http://schemas.microsoft.com/office/powerpoint/2010/main" xmlns="" val="2506518844"/>
       </p:ext>
     </p:extLst>
   </p:cSld>
@@ -732,7 +1511,7 @@
     </p:spTree>
     <p:extLst>
       <p:ext uri="{BB962C8B-B14F-4D97-AF65-F5344CB8AC3E}">
-        <p14:creationId xmlns="" xmlns:p14="http://schemas.microsoft.com/office/powerpoint/2010/main" val="2084849362"/>
+        <p14:creationId xmlns:p14="http://schemas.microsoft.com/office/powerpoint/2010/main" xmlns="" val="2084849362"/>
       </p:ext>
     </p:extLst>
   </p:cSld>
@@ -817,7 +1596,432 @@
     </p:spTree>
     <p:extLst>
       <p:ext uri="{BB962C8B-B14F-4D97-AF65-F5344CB8AC3E}">
-        <p14:creationId xmlns="" xmlns:p14="http://schemas.microsoft.com/office/powerpoint/2010/main" val="3067396479"/>
+        <p14:creationId xmlns:p14="http://schemas.microsoft.com/office/powerpoint/2010/main" xmlns="" val="3067396479"/>
+      </p:ext>
+    </p:extLst>
+  </p:cSld>
+  <p:clrMapOvr>
+    <a:masterClrMapping/>
+  </p:clrMapOvr>
+</p:notes>
+</file>
+
+<file path=ppt/notesSlides/notesSlide5.xml><?xml version="1.0" encoding="utf-8"?>
+<p:notes xmlns:a="http://schemas.openxmlformats.org/drawingml/2006/main" xmlns:r="http://schemas.openxmlformats.org/officeDocument/2006/relationships" xmlns:p="http://schemas.openxmlformats.org/presentationml/2006/main">
+  <p:cSld>
+    <p:spTree>
+      <p:nvGrpSpPr>
+        <p:cNvPr id="1" name=""/>
+        <p:cNvGrpSpPr/>
+        <p:nvPr/>
+      </p:nvGrpSpPr>
+      <p:grpSpPr>
+        <a:xfrm>
+          <a:off x="0" y="0"/>
+          <a:ext cx="0" cy="0"/>
+          <a:chOff x="0" y="0"/>
+          <a:chExt cx="0" cy="0"/>
+        </a:xfrm>
+      </p:grpSpPr>
+      <p:sp>
+        <p:nvSpPr>
+          <p:cNvPr id="2" name="幻灯片图像占位符 1"/>
+          <p:cNvSpPr>
+            <a:spLocks noGrp="1" noRot="1" noChangeAspect="1"/>
+          </p:cNvSpPr>
+          <p:nvPr>
+            <p:ph type="sldImg"/>
+          </p:nvPr>
+        </p:nvSpPr>
+        <p:spPr/>
+      </p:sp>
+      <p:sp>
+        <p:nvSpPr>
+          <p:cNvPr id="3" name="备注占位符 2"/>
+          <p:cNvSpPr>
+            <a:spLocks noGrp="1"/>
+          </p:cNvSpPr>
+          <p:nvPr>
+            <p:ph type="body" idx="1"/>
+          </p:nvPr>
+        </p:nvSpPr>
+        <p:spPr/>
+        <p:txBody>
+          <a:bodyPr/>
+          <a:lstStyle/>
+          <a:p>
+            <a:endParaRPr lang="zh-CN" altLang="en-US"/>
+          </a:p>
+        </p:txBody>
+      </p:sp>
+      <p:sp>
+        <p:nvSpPr>
+          <p:cNvPr id="4" name="灯片编号占位符 3"/>
+          <p:cNvSpPr>
+            <a:spLocks noGrp="1"/>
+          </p:cNvSpPr>
+          <p:nvPr>
+            <p:ph type="sldNum" sz="quarter" idx="10"/>
+          </p:nvPr>
+        </p:nvSpPr>
+        <p:spPr/>
+        <p:txBody>
+          <a:bodyPr/>
+          <a:lstStyle/>
+          <a:p>
+            <a:fld id="{22553725-671C-4999-8D68-861E5DC01BD8}" type="slidenum">
+              <a:rPr lang="zh-CN" altLang="en-US" smtClean="0"/>
+              <a:pPr/>
+              <a:t>5</a:t>
+            </a:fld>
+            <a:endParaRPr lang="zh-CN" altLang="en-US"/>
+          </a:p>
+        </p:txBody>
+      </p:sp>
+    </p:spTree>
+    <p:extLst>
+      <p:ext uri="{BB962C8B-B14F-4D97-AF65-F5344CB8AC3E}">
+        <p14:creationId xmlns:p14="http://schemas.microsoft.com/office/powerpoint/2010/main" xmlns="" val="3067396479"/>
+      </p:ext>
+    </p:extLst>
+  </p:cSld>
+  <p:clrMapOvr>
+    <a:masterClrMapping/>
+  </p:clrMapOvr>
+</p:notes>
+</file>
+
+<file path=ppt/notesSlides/notesSlide6.xml><?xml version="1.0" encoding="utf-8"?>
+<p:notes xmlns:a="http://schemas.openxmlformats.org/drawingml/2006/main" xmlns:r="http://schemas.openxmlformats.org/officeDocument/2006/relationships" xmlns:p="http://schemas.openxmlformats.org/presentationml/2006/main">
+  <p:cSld>
+    <p:spTree>
+      <p:nvGrpSpPr>
+        <p:cNvPr id="1" name=""/>
+        <p:cNvGrpSpPr/>
+        <p:nvPr/>
+      </p:nvGrpSpPr>
+      <p:grpSpPr>
+        <a:xfrm>
+          <a:off x="0" y="0"/>
+          <a:ext cx="0" cy="0"/>
+          <a:chOff x="0" y="0"/>
+          <a:chExt cx="0" cy="0"/>
+        </a:xfrm>
+      </p:grpSpPr>
+      <p:sp>
+        <p:nvSpPr>
+          <p:cNvPr id="2" name="幻灯片图像占位符 1"/>
+          <p:cNvSpPr>
+            <a:spLocks noGrp="1" noRot="1" noChangeAspect="1"/>
+          </p:cNvSpPr>
+          <p:nvPr>
+            <p:ph type="sldImg"/>
+          </p:nvPr>
+        </p:nvSpPr>
+        <p:spPr/>
+      </p:sp>
+      <p:sp>
+        <p:nvSpPr>
+          <p:cNvPr id="3" name="备注占位符 2"/>
+          <p:cNvSpPr>
+            <a:spLocks noGrp="1"/>
+          </p:cNvSpPr>
+          <p:nvPr>
+            <p:ph type="body" idx="1"/>
+          </p:nvPr>
+        </p:nvSpPr>
+        <p:spPr/>
+        <p:txBody>
+          <a:bodyPr/>
+          <a:lstStyle/>
+          <a:p>
+            <a:endParaRPr lang="zh-CN" altLang="en-US"/>
+          </a:p>
+        </p:txBody>
+      </p:sp>
+      <p:sp>
+        <p:nvSpPr>
+          <p:cNvPr id="4" name="灯片编号占位符 3"/>
+          <p:cNvSpPr>
+            <a:spLocks noGrp="1"/>
+          </p:cNvSpPr>
+          <p:nvPr>
+            <p:ph type="sldNum" sz="quarter" idx="10"/>
+          </p:nvPr>
+        </p:nvSpPr>
+        <p:spPr/>
+        <p:txBody>
+          <a:bodyPr/>
+          <a:lstStyle/>
+          <a:p>
+            <a:fld id="{22553725-671C-4999-8D68-861E5DC01BD8}" type="slidenum">
+              <a:rPr lang="zh-CN" altLang="en-US" smtClean="0"/>
+              <a:pPr/>
+              <a:t>6</a:t>
+            </a:fld>
+            <a:endParaRPr lang="zh-CN" altLang="en-US"/>
+          </a:p>
+        </p:txBody>
+      </p:sp>
+    </p:spTree>
+    <p:extLst>
+      <p:ext uri="{BB962C8B-B14F-4D97-AF65-F5344CB8AC3E}">
+        <p14:creationId xmlns:p14="http://schemas.microsoft.com/office/powerpoint/2010/main" xmlns="" val="3067396479"/>
+      </p:ext>
+    </p:extLst>
+  </p:cSld>
+  <p:clrMapOvr>
+    <a:masterClrMapping/>
+  </p:clrMapOvr>
+</p:notes>
+</file>
+
+<file path=ppt/notesSlides/notesSlide7.xml><?xml version="1.0" encoding="utf-8"?>
+<p:notes xmlns:a="http://schemas.openxmlformats.org/drawingml/2006/main" xmlns:r="http://schemas.openxmlformats.org/officeDocument/2006/relationships" xmlns:p="http://schemas.openxmlformats.org/presentationml/2006/main">
+  <p:cSld>
+    <p:spTree>
+      <p:nvGrpSpPr>
+        <p:cNvPr id="1" name=""/>
+        <p:cNvGrpSpPr/>
+        <p:nvPr/>
+      </p:nvGrpSpPr>
+      <p:grpSpPr>
+        <a:xfrm>
+          <a:off x="0" y="0"/>
+          <a:ext cx="0" cy="0"/>
+          <a:chOff x="0" y="0"/>
+          <a:chExt cx="0" cy="0"/>
+        </a:xfrm>
+      </p:grpSpPr>
+      <p:sp>
+        <p:nvSpPr>
+          <p:cNvPr id="2" name="幻灯片图像占位符 1"/>
+          <p:cNvSpPr>
+            <a:spLocks noGrp="1" noRot="1" noChangeAspect="1"/>
+          </p:cNvSpPr>
+          <p:nvPr>
+            <p:ph type="sldImg"/>
+          </p:nvPr>
+        </p:nvSpPr>
+        <p:spPr/>
+      </p:sp>
+      <p:sp>
+        <p:nvSpPr>
+          <p:cNvPr id="3" name="备注占位符 2"/>
+          <p:cNvSpPr>
+            <a:spLocks noGrp="1"/>
+          </p:cNvSpPr>
+          <p:nvPr>
+            <p:ph type="body" idx="1"/>
+          </p:nvPr>
+        </p:nvSpPr>
+        <p:spPr/>
+        <p:txBody>
+          <a:bodyPr/>
+          <a:lstStyle/>
+          <a:p>
+            <a:endParaRPr lang="zh-CN" altLang="en-US"/>
+          </a:p>
+        </p:txBody>
+      </p:sp>
+      <p:sp>
+        <p:nvSpPr>
+          <p:cNvPr id="4" name="灯片编号占位符 3"/>
+          <p:cNvSpPr>
+            <a:spLocks noGrp="1"/>
+          </p:cNvSpPr>
+          <p:nvPr>
+            <p:ph type="sldNum" sz="quarter" idx="10"/>
+          </p:nvPr>
+        </p:nvSpPr>
+        <p:spPr/>
+        <p:txBody>
+          <a:bodyPr/>
+          <a:lstStyle/>
+          <a:p>
+            <a:fld id="{22553725-671C-4999-8D68-861E5DC01BD8}" type="slidenum">
+              <a:rPr lang="zh-CN" altLang="en-US" smtClean="0"/>
+              <a:pPr/>
+              <a:t>7</a:t>
+            </a:fld>
+            <a:endParaRPr lang="zh-CN" altLang="en-US"/>
+          </a:p>
+        </p:txBody>
+      </p:sp>
+    </p:spTree>
+    <p:extLst>
+      <p:ext uri="{BB962C8B-B14F-4D97-AF65-F5344CB8AC3E}">
+        <p14:creationId xmlns:p14="http://schemas.microsoft.com/office/powerpoint/2010/main" xmlns="" val="3067396479"/>
+      </p:ext>
+    </p:extLst>
+  </p:cSld>
+  <p:clrMapOvr>
+    <a:masterClrMapping/>
+  </p:clrMapOvr>
+</p:notes>
+</file>
+
+<file path=ppt/notesSlides/notesSlide8.xml><?xml version="1.0" encoding="utf-8"?>
+<p:notes xmlns:a="http://schemas.openxmlformats.org/drawingml/2006/main" xmlns:r="http://schemas.openxmlformats.org/officeDocument/2006/relationships" xmlns:p="http://schemas.openxmlformats.org/presentationml/2006/main">
+  <p:cSld>
+    <p:spTree>
+      <p:nvGrpSpPr>
+        <p:cNvPr id="1" name=""/>
+        <p:cNvGrpSpPr/>
+        <p:nvPr/>
+      </p:nvGrpSpPr>
+      <p:grpSpPr>
+        <a:xfrm>
+          <a:off x="0" y="0"/>
+          <a:ext cx="0" cy="0"/>
+          <a:chOff x="0" y="0"/>
+          <a:chExt cx="0" cy="0"/>
+        </a:xfrm>
+      </p:grpSpPr>
+      <p:sp>
+        <p:nvSpPr>
+          <p:cNvPr id="2" name="幻灯片图像占位符 1"/>
+          <p:cNvSpPr>
+            <a:spLocks noGrp="1" noRot="1" noChangeAspect="1"/>
+          </p:cNvSpPr>
+          <p:nvPr>
+            <p:ph type="sldImg"/>
+          </p:nvPr>
+        </p:nvSpPr>
+        <p:spPr/>
+      </p:sp>
+      <p:sp>
+        <p:nvSpPr>
+          <p:cNvPr id="3" name="备注占位符 2"/>
+          <p:cNvSpPr>
+            <a:spLocks noGrp="1"/>
+          </p:cNvSpPr>
+          <p:nvPr>
+            <p:ph type="body" idx="1"/>
+          </p:nvPr>
+        </p:nvSpPr>
+        <p:spPr/>
+        <p:txBody>
+          <a:bodyPr/>
+          <a:lstStyle/>
+          <a:p>
+            <a:endParaRPr lang="zh-CN" altLang="en-US"/>
+          </a:p>
+        </p:txBody>
+      </p:sp>
+      <p:sp>
+        <p:nvSpPr>
+          <p:cNvPr id="4" name="灯片编号占位符 3"/>
+          <p:cNvSpPr>
+            <a:spLocks noGrp="1"/>
+          </p:cNvSpPr>
+          <p:nvPr>
+            <p:ph type="sldNum" sz="quarter" idx="10"/>
+          </p:nvPr>
+        </p:nvSpPr>
+        <p:spPr/>
+        <p:txBody>
+          <a:bodyPr/>
+          <a:lstStyle/>
+          <a:p>
+            <a:fld id="{22553725-671C-4999-8D68-861E5DC01BD8}" type="slidenum">
+              <a:rPr lang="zh-CN" altLang="en-US" smtClean="0"/>
+              <a:pPr/>
+              <a:t>8</a:t>
+            </a:fld>
+            <a:endParaRPr lang="zh-CN" altLang="en-US"/>
+          </a:p>
+        </p:txBody>
+      </p:sp>
+    </p:spTree>
+    <p:extLst>
+      <p:ext uri="{BB962C8B-B14F-4D97-AF65-F5344CB8AC3E}">
+        <p14:creationId xmlns:p14="http://schemas.microsoft.com/office/powerpoint/2010/main" xmlns="" val="3067396479"/>
+      </p:ext>
+    </p:extLst>
+  </p:cSld>
+  <p:clrMapOvr>
+    <a:masterClrMapping/>
+  </p:clrMapOvr>
+</p:notes>
+</file>
+
+<file path=ppt/notesSlides/notesSlide9.xml><?xml version="1.0" encoding="utf-8"?>
+<p:notes xmlns:a="http://schemas.openxmlformats.org/drawingml/2006/main" xmlns:r="http://schemas.openxmlformats.org/officeDocument/2006/relationships" xmlns:p="http://schemas.openxmlformats.org/presentationml/2006/main">
+  <p:cSld>
+    <p:spTree>
+      <p:nvGrpSpPr>
+        <p:cNvPr id="1" name=""/>
+        <p:cNvGrpSpPr/>
+        <p:nvPr/>
+      </p:nvGrpSpPr>
+      <p:grpSpPr>
+        <a:xfrm>
+          <a:off x="0" y="0"/>
+          <a:ext cx="0" cy="0"/>
+          <a:chOff x="0" y="0"/>
+          <a:chExt cx="0" cy="0"/>
+        </a:xfrm>
+      </p:grpSpPr>
+      <p:sp>
+        <p:nvSpPr>
+          <p:cNvPr id="2" name="幻灯片图像占位符 1"/>
+          <p:cNvSpPr>
+            <a:spLocks noGrp="1" noRot="1" noChangeAspect="1"/>
+          </p:cNvSpPr>
+          <p:nvPr>
+            <p:ph type="sldImg"/>
+          </p:nvPr>
+        </p:nvSpPr>
+        <p:spPr/>
+      </p:sp>
+      <p:sp>
+        <p:nvSpPr>
+          <p:cNvPr id="3" name="备注占位符 2"/>
+          <p:cNvSpPr>
+            <a:spLocks noGrp="1"/>
+          </p:cNvSpPr>
+          <p:nvPr>
+            <p:ph type="body" idx="1"/>
+          </p:nvPr>
+        </p:nvSpPr>
+        <p:spPr/>
+        <p:txBody>
+          <a:bodyPr/>
+          <a:lstStyle/>
+          <a:p>
+            <a:endParaRPr lang="zh-CN" altLang="en-US"/>
+          </a:p>
+        </p:txBody>
+      </p:sp>
+      <p:sp>
+        <p:nvSpPr>
+          <p:cNvPr id="4" name="灯片编号占位符 3"/>
+          <p:cNvSpPr>
+            <a:spLocks noGrp="1"/>
+          </p:cNvSpPr>
+          <p:nvPr>
+            <p:ph type="sldNum" sz="quarter" idx="10"/>
+          </p:nvPr>
+        </p:nvSpPr>
+        <p:spPr/>
+        <p:txBody>
+          <a:bodyPr/>
+          <a:lstStyle/>
+          <a:p>
+            <a:fld id="{22553725-671C-4999-8D68-861E5DC01BD8}" type="slidenum">
+              <a:rPr lang="zh-CN" altLang="en-US" smtClean="0"/>
+              <a:pPr/>
+              <a:t>9</a:t>
+            </a:fld>
+            <a:endParaRPr lang="zh-CN" altLang="en-US"/>
+          </a:p>
+        </p:txBody>
+      </p:sp>
+    </p:spTree>
+    <p:extLst>
+      <p:ext uri="{BB962C8B-B14F-4D97-AF65-F5344CB8AC3E}">
+        <p14:creationId xmlns:p14="http://schemas.microsoft.com/office/powerpoint/2010/main" xmlns="" val="3067396479"/>
       </p:ext>
     </p:extLst>
   </p:cSld>
@@ -957,7 +2161,7 @@
             <a:fld id="{91AD7F68-8E1B-45E2-8A27-5D5DEAAB1BF2}" type="datetimeFigureOut">
               <a:rPr lang="zh-CN" altLang="en-US" smtClean="0"/>
               <a:pPr/>
-              <a:t>2018/5/28</a:t>
+              <a:t>2018/6/3</a:t>
             </a:fld>
             <a:endParaRPr lang="zh-CN" altLang="en-US"/>
           </a:p>
@@ -1009,7 +2213,7 @@
     </p:spTree>
     <p:extLst>
       <p:ext uri="{BB962C8B-B14F-4D97-AF65-F5344CB8AC3E}">
-        <p14:creationId xmlns="" xmlns:p14="http://schemas.microsoft.com/office/powerpoint/2010/main" val="3379505774"/>
+        <p14:creationId xmlns:p14="http://schemas.microsoft.com/office/powerpoint/2010/main" xmlns="" val="3379505774"/>
       </p:ext>
     </p:extLst>
   </p:cSld>
@@ -1017,7 +2221,7 @@
     <a:masterClrMapping/>
   </p:clrMapOvr>
   <mc:AlternateContent xmlns:mc="http://schemas.openxmlformats.org/markup-compatibility/2006">
-    <mc:Choice xmlns="" xmlns:p14="http://schemas.microsoft.com/office/powerpoint/2010/main" Requires="p14">
+    <mc:Choice xmlns:p14="http://schemas.microsoft.com/office/powerpoint/2010/main" xmlns="" Requires="p14">
       <p:transition spd="slow" p14:dur="1500" advClick="0" advTm="0">
         <p:random/>
       </p:transition>
@@ -1139,7 +2343,7 @@
             <a:fld id="{91AD7F68-8E1B-45E2-8A27-5D5DEAAB1BF2}" type="datetimeFigureOut">
               <a:rPr lang="zh-CN" altLang="en-US" smtClean="0"/>
               <a:pPr/>
-              <a:t>2018/5/28</a:t>
+              <a:t>2018/6/3</a:t>
             </a:fld>
             <a:endParaRPr lang="zh-CN" altLang="en-US"/>
           </a:p>
@@ -1191,7 +2395,7 @@
     </p:spTree>
     <p:extLst>
       <p:ext uri="{BB962C8B-B14F-4D97-AF65-F5344CB8AC3E}">
-        <p14:creationId xmlns="" xmlns:p14="http://schemas.microsoft.com/office/powerpoint/2010/main" val="4292131042"/>
+        <p14:creationId xmlns:p14="http://schemas.microsoft.com/office/powerpoint/2010/main" xmlns="" val="4292131042"/>
       </p:ext>
     </p:extLst>
   </p:cSld>
@@ -1199,7 +2403,7 @@
     <a:masterClrMapping/>
   </p:clrMapOvr>
   <mc:AlternateContent xmlns:mc="http://schemas.openxmlformats.org/markup-compatibility/2006">
-    <mc:Choice xmlns="" xmlns:p14="http://schemas.microsoft.com/office/powerpoint/2010/main" Requires="p14">
+    <mc:Choice xmlns:p14="http://schemas.microsoft.com/office/powerpoint/2010/main" xmlns="" Requires="p14">
       <p:transition spd="slow" p14:dur="1500" advClick="0" advTm="0">
         <p:random/>
       </p:transition>
@@ -1331,7 +2535,7 @@
             <a:fld id="{91AD7F68-8E1B-45E2-8A27-5D5DEAAB1BF2}" type="datetimeFigureOut">
               <a:rPr lang="zh-CN" altLang="en-US" smtClean="0"/>
               <a:pPr/>
-              <a:t>2018/5/28</a:t>
+              <a:t>2018/6/3</a:t>
             </a:fld>
             <a:endParaRPr lang="zh-CN" altLang="en-US"/>
           </a:p>
@@ -1383,7 +2587,7 @@
     </p:spTree>
     <p:extLst>
       <p:ext uri="{BB962C8B-B14F-4D97-AF65-F5344CB8AC3E}">
-        <p14:creationId xmlns="" xmlns:p14="http://schemas.microsoft.com/office/powerpoint/2010/main" val="1952128637"/>
+        <p14:creationId xmlns:p14="http://schemas.microsoft.com/office/powerpoint/2010/main" xmlns="" val="1952128637"/>
       </p:ext>
     </p:extLst>
   </p:cSld>
@@ -1391,7 +2595,7 @@
     <a:masterClrMapping/>
   </p:clrMapOvr>
   <mc:AlternateContent xmlns:mc="http://schemas.openxmlformats.org/markup-compatibility/2006">
-    <mc:Choice xmlns="" xmlns:p14="http://schemas.microsoft.com/office/powerpoint/2010/main" Requires="p14">
+    <mc:Choice xmlns:p14="http://schemas.microsoft.com/office/powerpoint/2010/main" xmlns="" Requires="p14">
       <p:transition spd="slow" p14:dur="1500" advClick="0" advTm="0">
         <p:random/>
       </p:transition>
@@ -1513,7 +2717,7 @@
             <a:fld id="{91AD7F68-8E1B-45E2-8A27-5D5DEAAB1BF2}" type="datetimeFigureOut">
               <a:rPr lang="zh-CN" altLang="en-US" smtClean="0"/>
               <a:pPr/>
-              <a:t>2018/5/28</a:t>
+              <a:t>2018/6/3</a:t>
             </a:fld>
             <a:endParaRPr lang="zh-CN" altLang="en-US"/>
           </a:p>
@@ -1565,7 +2769,7 @@
     </p:spTree>
     <p:extLst>
       <p:ext uri="{BB962C8B-B14F-4D97-AF65-F5344CB8AC3E}">
-        <p14:creationId xmlns="" xmlns:p14="http://schemas.microsoft.com/office/powerpoint/2010/main" val="4173798514"/>
+        <p14:creationId xmlns:p14="http://schemas.microsoft.com/office/powerpoint/2010/main" xmlns="" val="4173798514"/>
       </p:ext>
     </p:extLst>
   </p:cSld>
@@ -1573,7 +2777,7 @@
     <a:masterClrMapping/>
   </p:clrMapOvr>
   <mc:AlternateContent xmlns:mc="http://schemas.openxmlformats.org/markup-compatibility/2006">
-    <mc:Choice xmlns="" xmlns:p14="http://schemas.microsoft.com/office/powerpoint/2010/main" Requires="p14">
+    <mc:Choice xmlns:p14="http://schemas.microsoft.com/office/powerpoint/2010/main" xmlns="" Requires="p14">
       <p:transition spd="slow" p14:dur="1500" advClick="0" advTm="0">
         <p:random/>
       </p:transition>
@@ -1772,7 +2976,7 @@
             <a:fld id="{91AD7F68-8E1B-45E2-8A27-5D5DEAAB1BF2}" type="datetimeFigureOut">
               <a:rPr lang="zh-CN" altLang="en-US" smtClean="0"/>
               <a:pPr/>
-              <a:t>2018/5/28</a:t>
+              <a:t>2018/6/3</a:t>
             </a:fld>
             <a:endParaRPr lang="zh-CN" altLang="en-US"/>
           </a:p>
@@ -1824,7 +3028,7 @@
     </p:spTree>
     <p:extLst>
       <p:ext uri="{BB962C8B-B14F-4D97-AF65-F5344CB8AC3E}">
-        <p14:creationId xmlns="" xmlns:p14="http://schemas.microsoft.com/office/powerpoint/2010/main" val="2343028950"/>
+        <p14:creationId xmlns:p14="http://schemas.microsoft.com/office/powerpoint/2010/main" xmlns="" val="2343028950"/>
       </p:ext>
     </p:extLst>
   </p:cSld>
@@ -1832,7 +3036,7 @@
     <a:masterClrMapping/>
   </p:clrMapOvr>
   <mc:AlternateContent xmlns:mc="http://schemas.openxmlformats.org/markup-compatibility/2006">
-    <mc:Choice xmlns="" xmlns:p14="http://schemas.microsoft.com/office/powerpoint/2010/main" Requires="p14">
+    <mc:Choice xmlns:p14="http://schemas.microsoft.com/office/powerpoint/2010/main" xmlns="" Requires="p14">
       <p:transition spd="slow" p14:dur="1500" advClick="0" advTm="0">
         <p:random/>
       </p:transition>
@@ -2015,7 +3219,7 @@
             <a:fld id="{91AD7F68-8E1B-45E2-8A27-5D5DEAAB1BF2}" type="datetimeFigureOut">
               <a:rPr lang="zh-CN" altLang="en-US" smtClean="0"/>
               <a:pPr/>
-              <a:t>2018/5/28</a:t>
+              <a:t>2018/6/3</a:t>
             </a:fld>
             <a:endParaRPr lang="zh-CN" altLang="en-US"/>
           </a:p>
@@ -2067,7 +3271,7 @@
     </p:spTree>
     <p:extLst>
       <p:ext uri="{BB962C8B-B14F-4D97-AF65-F5344CB8AC3E}">
-        <p14:creationId xmlns="" xmlns:p14="http://schemas.microsoft.com/office/powerpoint/2010/main" val="1951757828"/>
+        <p14:creationId xmlns:p14="http://schemas.microsoft.com/office/powerpoint/2010/main" xmlns="" val="1951757828"/>
       </p:ext>
     </p:extLst>
   </p:cSld>
@@ -2075,7 +3279,7 @@
     <a:masterClrMapping/>
   </p:clrMapOvr>
   <mc:AlternateContent xmlns:mc="http://schemas.openxmlformats.org/markup-compatibility/2006">
-    <mc:Choice xmlns="" xmlns:p14="http://schemas.microsoft.com/office/powerpoint/2010/main" Requires="p14">
+    <mc:Choice xmlns:p14="http://schemas.microsoft.com/office/powerpoint/2010/main" xmlns="" Requires="p14">
       <p:transition spd="slow" p14:dur="1500" advClick="0" advTm="0">
         <p:random/>
       </p:transition>
@@ -2393,7 +3597,7 @@
             <a:fld id="{91AD7F68-8E1B-45E2-8A27-5D5DEAAB1BF2}" type="datetimeFigureOut">
               <a:rPr lang="zh-CN" altLang="en-US" smtClean="0"/>
               <a:pPr/>
-              <a:t>2018/5/28</a:t>
+              <a:t>2018/6/3</a:t>
             </a:fld>
             <a:endParaRPr lang="zh-CN" altLang="en-US"/>
           </a:p>
@@ -2445,7 +3649,7 @@
     </p:spTree>
     <p:extLst>
       <p:ext uri="{BB962C8B-B14F-4D97-AF65-F5344CB8AC3E}">
-        <p14:creationId xmlns="" xmlns:p14="http://schemas.microsoft.com/office/powerpoint/2010/main" val="3785743930"/>
+        <p14:creationId xmlns:p14="http://schemas.microsoft.com/office/powerpoint/2010/main" xmlns="" val="3785743930"/>
       </p:ext>
     </p:extLst>
   </p:cSld>
@@ -2453,7 +3657,7 @@
     <a:masterClrMapping/>
   </p:clrMapOvr>
   <mc:AlternateContent xmlns:mc="http://schemas.openxmlformats.org/markup-compatibility/2006">
-    <mc:Choice xmlns="" xmlns:p14="http://schemas.microsoft.com/office/powerpoint/2010/main" Requires="p14">
+    <mc:Choice xmlns:p14="http://schemas.microsoft.com/office/powerpoint/2010/main" xmlns="" Requires="p14">
       <p:transition spd="slow" p14:dur="1500" advClick="0" advTm="0">
         <p:random/>
       </p:transition>
@@ -2524,7 +3728,7 @@
             <a:fld id="{91AD7F68-8E1B-45E2-8A27-5D5DEAAB1BF2}" type="datetimeFigureOut">
               <a:rPr lang="zh-CN" altLang="en-US" smtClean="0"/>
               <a:pPr/>
-              <a:t>2018/5/28</a:t>
+              <a:t>2018/6/3</a:t>
             </a:fld>
             <a:endParaRPr lang="zh-CN" altLang="en-US"/>
           </a:p>
@@ -2576,7 +3780,7 @@
     </p:spTree>
     <p:extLst>
       <p:ext uri="{BB962C8B-B14F-4D97-AF65-F5344CB8AC3E}">
-        <p14:creationId xmlns="" xmlns:p14="http://schemas.microsoft.com/office/powerpoint/2010/main" val="1272998583"/>
+        <p14:creationId xmlns:p14="http://schemas.microsoft.com/office/powerpoint/2010/main" xmlns="" val="1272998583"/>
       </p:ext>
     </p:extLst>
   </p:cSld>
@@ -2584,7 +3788,7 @@
     <a:masterClrMapping/>
   </p:clrMapOvr>
   <mc:AlternateContent xmlns:mc="http://schemas.openxmlformats.org/markup-compatibility/2006">
-    <mc:Choice xmlns="" xmlns:p14="http://schemas.microsoft.com/office/powerpoint/2010/main" Requires="p14">
+    <mc:Choice xmlns:p14="http://schemas.microsoft.com/office/powerpoint/2010/main" xmlns="" Requires="p14">
       <p:transition spd="slow" p14:dur="1500" advClick="0" advTm="0">
         <p:random/>
       </p:transition>
@@ -2633,7 +3837,7 @@
             <a:fld id="{91AD7F68-8E1B-45E2-8A27-5D5DEAAB1BF2}" type="datetimeFigureOut">
               <a:rPr lang="zh-CN" altLang="en-US" smtClean="0"/>
               <a:pPr/>
-              <a:t>2018/5/28</a:t>
+              <a:t>2018/6/3</a:t>
             </a:fld>
             <a:endParaRPr lang="zh-CN" altLang="en-US"/>
           </a:p>
@@ -2685,7 +3889,7 @@
     </p:spTree>
     <p:extLst>
       <p:ext uri="{BB962C8B-B14F-4D97-AF65-F5344CB8AC3E}">
-        <p14:creationId xmlns="" xmlns:p14="http://schemas.microsoft.com/office/powerpoint/2010/main" val="2103091704"/>
+        <p14:creationId xmlns:p14="http://schemas.microsoft.com/office/powerpoint/2010/main" xmlns="" val="2103091704"/>
       </p:ext>
     </p:extLst>
   </p:cSld>
@@ -2693,7 +3897,7 @@
     <a:masterClrMapping/>
   </p:clrMapOvr>
   <mc:AlternateContent xmlns:mc="http://schemas.openxmlformats.org/markup-compatibility/2006">
-    <mc:Choice xmlns="" xmlns:p14="http://schemas.microsoft.com/office/powerpoint/2010/main" Requires="p14">
+    <mc:Choice xmlns:p14="http://schemas.microsoft.com/office/powerpoint/2010/main" xmlns="" Requires="p14">
       <p:transition spd="slow" p14:dur="1500" advClick="0" advTm="0">
         <p:random/>
       </p:transition>
@@ -2922,7 +4126,7 @@
             <a:fld id="{91AD7F68-8E1B-45E2-8A27-5D5DEAAB1BF2}" type="datetimeFigureOut">
               <a:rPr lang="zh-CN" altLang="en-US" smtClean="0"/>
               <a:pPr/>
-              <a:t>2018/5/28</a:t>
+              <a:t>2018/6/3</a:t>
             </a:fld>
             <a:endParaRPr lang="zh-CN" altLang="en-US"/>
           </a:p>
@@ -2974,7 +4178,7 @@
     </p:spTree>
     <p:extLst>
       <p:ext uri="{BB962C8B-B14F-4D97-AF65-F5344CB8AC3E}">
-        <p14:creationId xmlns="" xmlns:p14="http://schemas.microsoft.com/office/powerpoint/2010/main" val="2275436477"/>
+        <p14:creationId xmlns:p14="http://schemas.microsoft.com/office/powerpoint/2010/main" xmlns="" val="2275436477"/>
       </p:ext>
     </p:extLst>
   </p:cSld>
@@ -2982,7 +4186,7 @@
     <a:masterClrMapping/>
   </p:clrMapOvr>
   <mc:AlternateContent xmlns:mc="http://schemas.openxmlformats.org/markup-compatibility/2006">
-    <mc:Choice xmlns="" xmlns:p14="http://schemas.microsoft.com/office/powerpoint/2010/main" Requires="p14">
+    <mc:Choice xmlns:p14="http://schemas.microsoft.com/office/powerpoint/2010/main" xmlns="" Requires="p14">
       <p:transition spd="slow" p14:dur="1500" advClick="0" advTm="0">
         <p:random/>
       </p:transition>
@@ -3188,7 +4392,7 @@
             <a:fld id="{91AD7F68-8E1B-45E2-8A27-5D5DEAAB1BF2}" type="datetimeFigureOut">
               <a:rPr lang="zh-CN" altLang="en-US" smtClean="0"/>
               <a:pPr/>
-              <a:t>2018/5/28</a:t>
+              <a:t>2018/6/3</a:t>
             </a:fld>
             <a:endParaRPr lang="zh-CN" altLang="en-US"/>
           </a:p>
@@ -3240,7 +4444,7 @@
     </p:spTree>
     <p:extLst>
       <p:ext uri="{BB962C8B-B14F-4D97-AF65-F5344CB8AC3E}">
-        <p14:creationId xmlns="" xmlns:p14="http://schemas.microsoft.com/office/powerpoint/2010/main" val="2724821356"/>
+        <p14:creationId xmlns:p14="http://schemas.microsoft.com/office/powerpoint/2010/main" xmlns="" val="2724821356"/>
       </p:ext>
     </p:extLst>
   </p:cSld>
@@ -3248,7 +4452,7 @@
     <a:masterClrMapping/>
   </p:clrMapOvr>
   <mc:AlternateContent xmlns:mc="http://schemas.openxmlformats.org/markup-compatibility/2006">
-    <mc:Choice xmlns="" xmlns:p14="http://schemas.microsoft.com/office/powerpoint/2010/main" Requires="p14">
+    <mc:Choice xmlns:p14="http://schemas.microsoft.com/office/powerpoint/2010/main" xmlns="" Requires="p14">
       <p:transition spd="slow" p14:dur="1500" advClick="0" advTm="0">
         <p:random/>
       </p:transition>
@@ -3413,7 +4617,7 @@
             <a:fld id="{91AD7F68-8E1B-45E2-8A27-5D5DEAAB1BF2}" type="datetimeFigureOut">
               <a:rPr lang="zh-CN" altLang="en-US" smtClean="0"/>
               <a:pPr/>
-              <a:t>2018/5/28</a:t>
+              <a:t>2018/6/3</a:t>
             </a:fld>
             <a:endParaRPr lang="zh-CN" altLang="en-US"/>
           </a:p>
@@ -3501,7 +4705,7 @@
     </p:spTree>
     <p:extLst>
       <p:ext uri="{BB962C8B-B14F-4D97-AF65-F5344CB8AC3E}">
-        <p14:creationId xmlns="" xmlns:p14="http://schemas.microsoft.com/office/powerpoint/2010/main" val="666783823"/>
+        <p14:creationId xmlns:p14="http://schemas.microsoft.com/office/powerpoint/2010/main" xmlns="" val="666783823"/>
       </p:ext>
     </p:extLst>
   </p:cSld>
@@ -3520,7 +4724,7 @@
     <p:sldLayoutId id="2147483659" r:id="rId11"/>
   </p:sldLayoutIdLst>
   <mc:AlternateContent xmlns:mc="http://schemas.openxmlformats.org/markup-compatibility/2006">
-    <mc:Choice xmlns="" xmlns:p14="http://schemas.microsoft.com/office/powerpoint/2010/main" Requires="p14">
+    <mc:Choice xmlns:p14="http://schemas.microsoft.com/office/powerpoint/2010/main" xmlns="" Requires="p14">
       <p:transition spd="slow" p14:dur="1500" advClick="0" advTm="0">
         <p:random/>
       </p:transition>
@@ -3843,7 +5047,7 @@
           <a:blip r:embed="rId3" cstate="print">
             <a:extLst>
               <a:ext uri="{28A0092B-C50C-407E-A947-70E740481C1C}">
-                <a14:useLocalDpi xmlns="" xmlns:a14="http://schemas.microsoft.com/office/drawing/2010/main"/>
+                <a14:useLocalDpi xmlns:a14="http://schemas.microsoft.com/office/drawing/2010/main" xmlns=""/>
               </a:ext>
             </a:extLst>
           </a:blip>
@@ -9417,7 +10621,7 @@
           <p:cNvPr id="9" name="TextBox 8">
             <a:extLst>
               <a:ext uri="{FF2B5EF4-FFF2-40B4-BE49-F238E27FC236}">
-                <a16:creationId xmlns="" xmlns:a16="http://schemas.microsoft.com/office/drawing/2014/main" id="{73C77ED2-C357-47B7-8381-585C44BF2B89}"/>
+                <a16:creationId xmlns:a16="http://schemas.microsoft.com/office/drawing/2014/main" xmlns="" id="{73C77ED2-C357-47B7-8381-585C44BF2B89}"/>
               </a:ext>
             </a:extLst>
           </p:cNvPr>
@@ -9464,7 +10668,7 @@
     </p:spTree>
     <p:extLst>
       <p:ext uri="{BB962C8B-B14F-4D97-AF65-F5344CB8AC3E}">
-        <p14:creationId xmlns="" xmlns:p14="http://schemas.microsoft.com/office/powerpoint/2010/main" val="656483861"/>
+        <p14:creationId xmlns:p14="http://schemas.microsoft.com/office/powerpoint/2010/main" xmlns="" val="656483861"/>
       </p:ext>
     </p:extLst>
   </p:cSld>
@@ -9472,7 +10676,7 @@
     <a:masterClrMapping/>
   </p:clrMapOvr>
   <mc:AlternateContent xmlns:mc="http://schemas.openxmlformats.org/markup-compatibility/2006">
-    <mc:Choice xmlns="" xmlns:p14="http://schemas.microsoft.com/office/powerpoint/2010/main" Requires="p14">
+    <mc:Choice xmlns:p14="http://schemas.microsoft.com/office/powerpoint/2010/main" xmlns="" Requires="p14">
       <p:transition spd="slow" p14:dur="1500">
         <p:random/>
       </p:transition>
@@ -9790,6 +10994,4614 @@
       <p:bldP spid="5" grpId="0" animBg="1"/>
       <p:bldP spid="6" grpId="0" animBg="1"/>
       <p:bldP spid="7" grpId="0" animBg="1"/>
+    </p:bldLst>
+  </p:timing>
+</p:sld>
+</file>
+
+<file path=ppt/slides/slide10.xml><?xml version="1.0" encoding="utf-8"?>
+<p:sld xmlns:a="http://schemas.openxmlformats.org/drawingml/2006/main" xmlns:r="http://schemas.openxmlformats.org/officeDocument/2006/relationships" xmlns:p="http://schemas.openxmlformats.org/presentationml/2006/main">
+  <p:cSld>
+    <p:spTree>
+      <p:nvGrpSpPr>
+        <p:cNvPr id="1" name=""/>
+        <p:cNvGrpSpPr/>
+        <p:nvPr/>
+      </p:nvGrpSpPr>
+      <p:grpSpPr>
+        <a:xfrm>
+          <a:off x="0" y="0"/>
+          <a:ext cx="0" cy="0"/>
+          <a:chOff x="0" y="0"/>
+          <a:chExt cx="0" cy="0"/>
+        </a:xfrm>
+      </p:grpSpPr>
+      <p:grpSp>
+        <p:nvGrpSpPr>
+          <p:cNvPr id="2" name="1"/>
+          <p:cNvGrpSpPr/>
+          <p:nvPr/>
+        </p:nvGrpSpPr>
+        <p:grpSpPr>
+          <a:xfrm>
+            <a:off x="583060" y="342545"/>
+            <a:ext cx="637243" cy="227778"/>
+            <a:chOff x="264939" y="188640"/>
+            <a:chExt cx="604358" cy="216024"/>
+          </a:xfrm>
+          <a:solidFill>
+            <a:srgbClr val="0D4960"/>
+          </a:solidFill>
+        </p:grpSpPr>
+        <p:sp>
+          <p:nvSpPr>
+            <p:cNvPr id="13" name="燕尾形 12"/>
+            <p:cNvSpPr/>
+            <p:nvPr/>
+          </p:nvSpPr>
+          <p:spPr>
+            <a:xfrm>
+              <a:off x="264939" y="188640"/>
+              <a:ext cx="216024" cy="216024"/>
+            </a:xfrm>
+            <a:prstGeom prst="chevron">
+              <a:avLst/>
+            </a:prstGeom>
+            <a:grpFill/>
+            <a:ln>
+              <a:noFill/>
+            </a:ln>
+            <a:effectLst>
+              <a:outerShdw blurRad="63500" algn="ctr" rotWithShape="0">
+                <a:prstClr val="black">
+                  <a:alpha val="40000"/>
+                </a:prstClr>
+              </a:outerShdw>
+            </a:effectLst>
+          </p:spPr>
+          <p:txBody>
+            <a:bodyPr lIns="0" tIns="0" rIns="0" bIns="0" anchor="ctr"/>
+            <a:lstStyle/>
+            <a:p>
+              <a:endParaRPr lang="zh-CN" altLang="en-US" sz="900">
+                <a:solidFill>
+                  <a:srgbClr val="0070C0"/>
+                </a:solidFill>
+                <a:cs typeface="+mn-ea"/>
+              </a:endParaRPr>
+            </a:p>
+          </p:txBody>
+        </p:sp>
+        <p:sp>
+          <p:nvSpPr>
+            <p:cNvPr id="14" name="燕尾形 13"/>
+            <p:cNvSpPr/>
+            <p:nvPr/>
+          </p:nvSpPr>
+          <p:spPr>
+            <a:xfrm>
+              <a:off x="454914" y="188640"/>
+              <a:ext cx="216024" cy="216024"/>
+            </a:xfrm>
+            <a:prstGeom prst="chevron">
+              <a:avLst/>
+            </a:prstGeom>
+            <a:grpFill/>
+            <a:ln>
+              <a:noFill/>
+            </a:ln>
+            <a:effectLst>
+              <a:outerShdw blurRad="63500" algn="ctr" rotWithShape="0">
+                <a:prstClr val="black">
+                  <a:alpha val="40000"/>
+                </a:prstClr>
+              </a:outerShdw>
+            </a:effectLst>
+          </p:spPr>
+          <p:txBody>
+            <a:bodyPr lIns="0" tIns="0" rIns="0" bIns="0" anchor="ctr"/>
+            <a:lstStyle/>
+            <a:p>
+              <a:endParaRPr lang="zh-CN" altLang="en-US" sz="900">
+                <a:solidFill>
+                  <a:srgbClr val="0070C0"/>
+                </a:solidFill>
+                <a:cs typeface="+mn-ea"/>
+              </a:endParaRPr>
+            </a:p>
+          </p:txBody>
+        </p:sp>
+        <p:sp>
+          <p:nvSpPr>
+            <p:cNvPr id="15" name="燕尾形 14"/>
+            <p:cNvSpPr/>
+            <p:nvPr/>
+          </p:nvSpPr>
+          <p:spPr>
+            <a:xfrm>
+              <a:off x="653273" y="188640"/>
+              <a:ext cx="216024" cy="216024"/>
+            </a:xfrm>
+            <a:prstGeom prst="chevron">
+              <a:avLst/>
+            </a:prstGeom>
+            <a:grpFill/>
+            <a:ln>
+              <a:noFill/>
+            </a:ln>
+            <a:effectLst>
+              <a:outerShdw blurRad="63500" algn="ctr" rotWithShape="0">
+                <a:prstClr val="black">
+                  <a:alpha val="40000"/>
+                </a:prstClr>
+              </a:outerShdw>
+            </a:effectLst>
+          </p:spPr>
+          <p:txBody>
+            <a:bodyPr lIns="0" tIns="0" rIns="0" bIns="0" anchor="ctr"/>
+            <a:lstStyle/>
+            <a:p>
+              <a:endParaRPr lang="zh-CN" altLang="en-US" sz="900">
+                <a:solidFill>
+                  <a:srgbClr val="0070C0"/>
+                </a:solidFill>
+                <a:cs typeface="+mn-ea"/>
+              </a:endParaRPr>
+            </a:p>
+          </p:txBody>
+        </p:sp>
+      </p:grpSp>
+      <p:sp>
+        <p:nvSpPr>
+          <p:cNvPr id="16" name="2"/>
+          <p:cNvSpPr txBox="1"/>
+          <p:nvPr/>
+        </p:nvSpPr>
+        <p:spPr>
+          <a:xfrm>
+            <a:off x="1418247" y="211364"/>
+            <a:ext cx="5306644" cy="503905"/>
+          </a:xfrm>
+          <a:prstGeom prst="rect">
+            <a:avLst/>
+          </a:prstGeom>
+          <a:noFill/>
+        </p:spPr>
+        <p:txBody>
+          <a:bodyPr wrap="square" lIns="72312" tIns="36156" rIns="72312" bIns="36156" rtlCol="0">
+            <a:spAutoFit/>
+          </a:bodyPr>
+          <a:lstStyle/>
+          <a:p>
+            <a:pPr marL="0" lvl="1"/>
+            <a:r>
+              <a:rPr lang="zh-CN" altLang="en-US" sz="2800" spc="300" dirty="0" smtClean="0">
+                <a:solidFill>
+                  <a:srgbClr val="0D4960"/>
+                </a:solidFill>
+                <a:latin typeface="方正尚酷简体" panose="03000509000000000000" pitchFamily="65" charset="-122"/>
+                <a:ea typeface="方正尚酷简体" panose="03000509000000000000" pitchFamily="65" charset="-122"/>
+              </a:rPr>
+              <a:t>服务器之间拷贝文件</a:t>
+            </a:r>
+            <a:endParaRPr lang="en-US" altLang="zh-CN" sz="2800" spc="300" dirty="0" smtClean="0">
+              <a:solidFill>
+                <a:srgbClr val="0D4960"/>
+              </a:solidFill>
+              <a:latin typeface="方正尚酷简体" panose="03000509000000000000" pitchFamily="65" charset="-122"/>
+              <a:ea typeface="方正尚酷简体" panose="03000509000000000000" pitchFamily="65" charset="-122"/>
+            </a:endParaRPr>
+          </a:p>
+        </p:txBody>
+      </p:sp>
+      <p:cxnSp>
+        <p:nvCxnSpPr>
+          <p:cNvPr id="17" name="3"/>
+          <p:cNvCxnSpPr/>
+          <p:nvPr/>
+        </p:nvCxnSpPr>
+        <p:spPr>
+          <a:xfrm>
+            <a:off x="1418247" y="761569"/>
+            <a:ext cx="10174106" cy="0"/>
+          </a:xfrm>
+          <a:prstGeom prst="line">
+            <a:avLst/>
+          </a:prstGeom>
+          <a:ln>
+            <a:solidFill>
+              <a:schemeClr val="bg1">
+                <a:lumMod val="75000"/>
+              </a:schemeClr>
+            </a:solidFill>
+          </a:ln>
+        </p:spPr>
+        <p:style>
+          <a:lnRef idx="1">
+            <a:schemeClr val="accent1"/>
+          </a:lnRef>
+          <a:fillRef idx="0">
+            <a:schemeClr val="accent1"/>
+          </a:fillRef>
+          <a:effectRef idx="0">
+            <a:schemeClr val="accent1"/>
+          </a:effectRef>
+          <a:fontRef idx="minor">
+            <a:schemeClr val="tx1"/>
+          </a:fontRef>
+        </p:style>
+      </p:cxnSp>
+    </p:spTree>
+    <p:extLst>
+      <p:ext uri="{BB962C8B-B14F-4D97-AF65-F5344CB8AC3E}">
+        <p14:creationId xmlns:p14="http://schemas.microsoft.com/office/powerpoint/2010/main" xmlns="" val="1982124766"/>
+      </p:ext>
+    </p:extLst>
+  </p:cSld>
+  <p:clrMapOvr>
+    <a:masterClrMapping/>
+  </p:clrMapOvr>
+  <mc:AlternateContent xmlns:mc="http://schemas.openxmlformats.org/markup-compatibility/2006">
+    <mc:Choice xmlns:p14="http://schemas.microsoft.com/office/powerpoint/2010/main" xmlns="" Requires="p14">
+      <p:transition spd="slow" p14:dur="1500">
+        <p:random/>
+      </p:transition>
+    </mc:Choice>
+    <mc:Fallback>
+      <p:transition spd="slow">
+        <p:random/>
+      </p:transition>
+    </mc:Fallback>
+  </mc:AlternateContent>
+  <p:timing>
+    <p:tnLst>
+      <p:par>
+        <p:cTn id="1" dur="indefinite" restart="never" nodeType="tmRoot">
+          <p:childTnLst>
+            <p:seq concurrent="1" nextAc="seek">
+              <p:cTn id="2" dur="indefinite" nodeType="mainSeq">
+                <p:childTnLst>
+                  <p:par>
+                    <p:cTn id="3" fill="hold">
+                      <p:stCondLst>
+                        <p:cond delay="indefinite"/>
+                        <p:cond evt="onBegin" delay="0">
+                          <p:tn val="2"/>
+                        </p:cond>
+                      </p:stCondLst>
+                      <p:childTnLst>
+                        <p:par>
+                          <p:cTn id="4" fill="hold">
+                            <p:stCondLst>
+                              <p:cond delay="0"/>
+                            </p:stCondLst>
+                            <p:childTnLst>
+                              <p:par>
+                                <p:cTn id="5" presetID="2" presetClass="entr" presetSubtype="8" fill="hold" nodeType="afterEffect">
+                                  <p:stCondLst>
+                                    <p:cond delay="0"/>
+                                  </p:stCondLst>
+                                  <p:childTnLst>
+                                    <p:set>
+                                      <p:cBhvr>
+                                        <p:cTn id="6" dur="1" fill="hold">
+                                          <p:stCondLst>
+                                            <p:cond delay="0"/>
+                                          </p:stCondLst>
+                                        </p:cTn>
+                                        <p:tgtEl>
+                                          <p:spTgt spid="2"/>
+                                        </p:tgtEl>
+                                        <p:attrNameLst>
+                                          <p:attrName>style.visibility</p:attrName>
+                                        </p:attrNameLst>
+                                      </p:cBhvr>
+                                      <p:to>
+                                        <p:strVal val="visible"/>
+                                      </p:to>
+                                    </p:set>
+                                    <p:anim calcmode="lin" valueType="num">
+                                      <p:cBhvr additive="base">
+                                        <p:cTn id="7" dur="750" fill="hold"/>
+                                        <p:tgtEl>
+                                          <p:spTgt spid="2"/>
+                                        </p:tgtEl>
+                                        <p:attrNameLst>
+                                          <p:attrName>ppt_x</p:attrName>
+                                        </p:attrNameLst>
+                                      </p:cBhvr>
+                                      <p:tavLst>
+                                        <p:tav tm="0">
+                                          <p:val>
+                                            <p:strVal val="0-#ppt_w/2"/>
+                                          </p:val>
+                                        </p:tav>
+                                        <p:tav tm="100000">
+                                          <p:val>
+                                            <p:strVal val="#ppt_x"/>
+                                          </p:val>
+                                        </p:tav>
+                                      </p:tavLst>
+                                    </p:anim>
+                                    <p:anim calcmode="lin" valueType="num">
+                                      <p:cBhvr additive="base">
+                                        <p:cTn id="8" dur="750" fill="hold"/>
+                                        <p:tgtEl>
+                                          <p:spTgt spid="2"/>
+                                        </p:tgtEl>
+                                        <p:attrNameLst>
+                                          <p:attrName>ppt_y</p:attrName>
+                                        </p:attrNameLst>
+                                      </p:cBhvr>
+                                      <p:tavLst>
+                                        <p:tav tm="0">
+                                          <p:val>
+                                            <p:strVal val="#ppt_y"/>
+                                          </p:val>
+                                        </p:tav>
+                                        <p:tav tm="100000">
+                                          <p:val>
+                                            <p:strVal val="#ppt_y"/>
+                                          </p:val>
+                                        </p:tav>
+                                      </p:tavLst>
+                                    </p:anim>
+                                  </p:childTnLst>
+                                </p:cTn>
+                              </p:par>
+                            </p:childTnLst>
+                          </p:cTn>
+                        </p:par>
+                        <p:par>
+                          <p:cTn id="9" fill="hold">
+                            <p:stCondLst>
+                              <p:cond delay="750"/>
+                            </p:stCondLst>
+                            <p:childTnLst>
+                              <p:par>
+                                <p:cTn id="10" presetID="53" presetClass="entr" presetSubtype="16" fill="hold" grpId="0" nodeType="afterEffect">
+                                  <p:stCondLst>
+                                    <p:cond delay="0"/>
+                                  </p:stCondLst>
+                                  <p:iterate type="lt">
+                                    <p:tmPct val="10000"/>
+                                  </p:iterate>
+                                  <p:childTnLst>
+                                    <p:set>
+                                      <p:cBhvr>
+                                        <p:cTn id="11" dur="1" fill="hold">
+                                          <p:stCondLst>
+                                            <p:cond delay="0"/>
+                                          </p:stCondLst>
+                                        </p:cTn>
+                                        <p:tgtEl>
+                                          <p:spTgt spid="16"/>
+                                        </p:tgtEl>
+                                        <p:attrNameLst>
+                                          <p:attrName>style.visibility</p:attrName>
+                                        </p:attrNameLst>
+                                      </p:cBhvr>
+                                      <p:to>
+                                        <p:strVal val="visible"/>
+                                      </p:to>
+                                    </p:set>
+                                    <p:anim calcmode="lin" valueType="num">
+                                      <p:cBhvr>
+                                        <p:cTn id="12" dur="500" fill="hold"/>
+                                        <p:tgtEl>
+                                          <p:spTgt spid="16"/>
+                                        </p:tgtEl>
+                                        <p:attrNameLst>
+                                          <p:attrName>ppt_w</p:attrName>
+                                        </p:attrNameLst>
+                                      </p:cBhvr>
+                                      <p:tavLst>
+                                        <p:tav tm="0">
+                                          <p:val>
+                                            <p:fltVal val="0"/>
+                                          </p:val>
+                                        </p:tav>
+                                        <p:tav tm="100000">
+                                          <p:val>
+                                            <p:strVal val="#ppt_w"/>
+                                          </p:val>
+                                        </p:tav>
+                                      </p:tavLst>
+                                    </p:anim>
+                                    <p:anim calcmode="lin" valueType="num">
+                                      <p:cBhvr>
+                                        <p:cTn id="13" dur="500" fill="hold"/>
+                                        <p:tgtEl>
+                                          <p:spTgt spid="16"/>
+                                        </p:tgtEl>
+                                        <p:attrNameLst>
+                                          <p:attrName>ppt_h</p:attrName>
+                                        </p:attrNameLst>
+                                      </p:cBhvr>
+                                      <p:tavLst>
+                                        <p:tav tm="0">
+                                          <p:val>
+                                            <p:fltVal val="0"/>
+                                          </p:val>
+                                        </p:tav>
+                                        <p:tav tm="100000">
+                                          <p:val>
+                                            <p:strVal val="#ppt_h"/>
+                                          </p:val>
+                                        </p:tav>
+                                      </p:tavLst>
+                                    </p:anim>
+                                    <p:animEffect transition="in" filter="fade">
+                                      <p:cBhvr>
+                                        <p:cTn id="14" dur="500"/>
+                                        <p:tgtEl>
+                                          <p:spTgt spid="16"/>
+                                        </p:tgtEl>
+                                      </p:cBhvr>
+                                    </p:animEffect>
+                                  </p:childTnLst>
+                                </p:cTn>
+                              </p:par>
+                              <p:par>
+                                <p:cTn id="15" presetID="22" presetClass="entr" presetSubtype="2" fill="hold" nodeType="withEffect">
+                                  <p:stCondLst>
+                                    <p:cond delay="250"/>
+                                  </p:stCondLst>
+                                  <p:childTnLst>
+                                    <p:set>
+                                      <p:cBhvr>
+                                        <p:cTn id="16" dur="1" fill="hold">
+                                          <p:stCondLst>
+                                            <p:cond delay="0"/>
+                                          </p:stCondLst>
+                                        </p:cTn>
+                                        <p:tgtEl>
+                                          <p:spTgt spid="17"/>
+                                        </p:tgtEl>
+                                        <p:attrNameLst>
+                                          <p:attrName>style.visibility</p:attrName>
+                                        </p:attrNameLst>
+                                      </p:cBhvr>
+                                      <p:to>
+                                        <p:strVal val="visible"/>
+                                      </p:to>
+                                    </p:set>
+                                    <p:animEffect transition="in" filter="wipe(right)">
+                                      <p:cBhvr>
+                                        <p:cTn id="17" dur="750"/>
+                                        <p:tgtEl>
+                                          <p:spTgt spid="17"/>
+                                        </p:tgtEl>
+                                      </p:cBhvr>
+                                    </p:animEffect>
+                                  </p:childTnLst>
+                                </p:cTn>
+                              </p:par>
+                            </p:childTnLst>
+                          </p:cTn>
+                        </p:par>
+                      </p:childTnLst>
+                    </p:cTn>
+                  </p:par>
+                </p:childTnLst>
+              </p:cTn>
+              <p:prevCondLst>
+                <p:cond evt="onPrev" delay="0">
+                  <p:tgtEl>
+                    <p:sldTgt/>
+                  </p:tgtEl>
+                </p:cond>
+              </p:prevCondLst>
+              <p:nextCondLst>
+                <p:cond evt="onNext" delay="0">
+                  <p:tgtEl>
+                    <p:sldTgt/>
+                  </p:tgtEl>
+                </p:cond>
+              </p:nextCondLst>
+            </p:seq>
+          </p:childTnLst>
+        </p:cTn>
+      </p:par>
+    </p:tnLst>
+    <p:bldLst>
+      <p:bldP spid="16" grpId="0"/>
+    </p:bldLst>
+  </p:timing>
+</p:sld>
+</file>
+
+<file path=ppt/slides/slide11.xml><?xml version="1.0" encoding="utf-8"?>
+<p:sld xmlns:a="http://schemas.openxmlformats.org/drawingml/2006/main" xmlns:r="http://schemas.openxmlformats.org/officeDocument/2006/relationships" xmlns:p="http://schemas.openxmlformats.org/presentationml/2006/main">
+  <p:cSld>
+    <p:spTree>
+      <p:nvGrpSpPr>
+        <p:cNvPr id="1" name=""/>
+        <p:cNvGrpSpPr/>
+        <p:nvPr/>
+      </p:nvGrpSpPr>
+      <p:grpSpPr>
+        <a:xfrm>
+          <a:off x="0" y="0"/>
+          <a:ext cx="0" cy="0"/>
+          <a:chOff x="0" y="0"/>
+          <a:chExt cx="0" cy="0"/>
+        </a:xfrm>
+      </p:grpSpPr>
+      <p:grpSp>
+        <p:nvGrpSpPr>
+          <p:cNvPr id="2" name="1"/>
+          <p:cNvGrpSpPr/>
+          <p:nvPr/>
+        </p:nvGrpSpPr>
+        <p:grpSpPr>
+          <a:xfrm>
+            <a:off x="583060" y="342545"/>
+            <a:ext cx="637243" cy="227778"/>
+            <a:chOff x="264939" y="188640"/>
+            <a:chExt cx="604358" cy="216024"/>
+          </a:xfrm>
+          <a:solidFill>
+            <a:srgbClr val="0D4960"/>
+          </a:solidFill>
+        </p:grpSpPr>
+        <p:sp>
+          <p:nvSpPr>
+            <p:cNvPr id="13" name="燕尾形 12"/>
+            <p:cNvSpPr/>
+            <p:nvPr/>
+          </p:nvSpPr>
+          <p:spPr>
+            <a:xfrm>
+              <a:off x="264939" y="188640"/>
+              <a:ext cx="216024" cy="216024"/>
+            </a:xfrm>
+            <a:prstGeom prst="chevron">
+              <a:avLst/>
+            </a:prstGeom>
+            <a:grpFill/>
+            <a:ln>
+              <a:noFill/>
+            </a:ln>
+            <a:effectLst>
+              <a:outerShdw blurRad="63500" algn="ctr" rotWithShape="0">
+                <a:prstClr val="black">
+                  <a:alpha val="40000"/>
+                </a:prstClr>
+              </a:outerShdw>
+            </a:effectLst>
+          </p:spPr>
+          <p:txBody>
+            <a:bodyPr lIns="0" tIns="0" rIns="0" bIns="0" anchor="ctr"/>
+            <a:lstStyle/>
+            <a:p>
+              <a:endParaRPr lang="zh-CN" altLang="en-US" sz="900">
+                <a:solidFill>
+                  <a:srgbClr val="0070C0"/>
+                </a:solidFill>
+                <a:cs typeface="+mn-ea"/>
+              </a:endParaRPr>
+            </a:p>
+          </p:txBody>
+        </p:sp>
+        <p:sp>
+          <p:nvSpPr>
+            <p:cNvPr id="14" name="燕尾形 13"/>
+            <p:cNvSpPr/>
+            <p:nvPr/>
+          </p:nvSpPr>
+          <p:spPr>
+            <a:xfrm>
+              <a:off x="454914" y="188640"/>
+              <a:ext cx="216024" cy="216024"/>
+            </a:xfrm>
+            <a:prstGeom prst="chevron">
+              <a:avLst/>
+            </a:prstGeom>
+            <a:grpFill/>
+            <a:ln>
+              <a:noFill/>
+            </a:ln>
+            <a:effectLst>
+              <a:outerShdw blurRad="63500" algn="ctr" rotWithShape="0">
+                <a:prstClr val="black">
+                  <a:alpha val="40000"/>
+                </a:prstClr>
+              </a:outerShdw>
+            </a:effectLst>
+          </p:spPr>
+          <p:txBody>
+            <a:bodyPr lIns="0" tIns="0" rIns="0" bIns="0" anchor="ctr"/>
+            <a:lstStyle/>
+            <a:p>
+              <a:endParaRPr lang="zh-CN" altLang="en-US" sz="900">
+                <a:solidFill>
+                  <a:srgbClr val="0070C0"/>
+                </a:solidFill>
+                <a:cs typeface="+mn-ea"/>
+              </a:endParaRPr>
+            </a:p>
+          </p:txBody>
+        </p:sp>
+        <p:sp>
+          <p:nvSpPr>
+            <p:cNvPr id="15" name="燕尾形 14"/>
+            <p:cNvSpPr/>
+            <p:nvPr/>
+          </p:nvSpPr>
+          <p:spPr>
+            <a:xfrm>
+              <a:off x="653273" y="188640"/>
+              <a:ext cx="216024" cy="216024"/>
+            </a:xfrm>
+            <a:prstGeom prst="chevron">
+              <a:avLst/>
+            </a:prstGeom>
+            <a:grpFill/>
+            <a:ln>
+              <a:noFill/>
+            </a:ln>
+            <a:effectLst>
+              <a:outerShdw blurRad="63500" algn="ctr" rotWithShape="0">
+                <a:prstClr val="black">
+                  <a:alpha val="40000"/>
+                </a:prstClr>
+              </a:outerShdw>
+            </a:effectLst>
+          </p:spPr>
+          <p:txBody>
+            <a:bodyPr lIns="0" tIns="0" rIns="0" bIns="0" anchor="ctr"/>
+            <a:lstStyle/>
+            <a:p>
+              <a:endParaRPr lang="zh-CN" altLang="en-US" sz="900">
+                <a:solidFill>
+                  <a:srgbClr val="0070C0"/>
+                </a:solidFill>
+                <a:cs typeface="+mn-ea"/>
+              </a:endParaRPr>
+            </a:p>
+          </p:txBody>
+        </p:sp>
+      </p:grpSp>
+      <p:sp>
+        <p:nvSpPr>
+          <p:cNvPr id="16" name="2"/>
+          <p:cNvSpPr txBox="1"/>
+          <p:nvPr/>
+        </p:nvSpPr>
+        <p:spPr>
+          <a:xfrm>
+            <a:off x="1418247" y="211364"/>
+            <a:ext cx="5306644" cy="503905"/>
+          </a:xfrm>
+          <a:prstGeom prst="rect">
+            <a:avLst/>
+          </a:prstGeom>
+          <a:noFill/>
+        </p:spPr>
+        <p:txBody>
+          <a:bodyPr wrap="square" lIns="72312" tIns="36156" rIns="72312" bIns="36156" rtlCol="0">
+            <a:spAutoFit/>
+          </a:bodyPr>
+          <a:lstStyle/>
+          <a:p>
+            <a:pPr marL="0" lvl="1"/>
+            <a:r>
+              <a:rPr lang="zh-CN" altLang="en-US" sz="2800" spc="300" dirty="0" smtClean="0">
+                <a:solidFill>
+                  <a:srgbClr val="0D4960"/>
+                </a:solidFill>
+                <a:latin typeface="方正尚酷简体" panose="03000509000000000000" pitchFamily="65" charset="-122"/>
+                <a:ea typeface="方正尚酷简体" panose="03000509000000000000" pitchFamily="65" charset="-122"/>
+              </a:rPr>
+              <a:t>服务器之间拷贝文件</a:t>
+            </a:r>
+            <a:endParaRPr lang="en-US" altLang="zh-CN" sz="2800" spc="300" dirty="0" smtClean="0">
+              <a:solidFill>
+                <a:srgbClr val="0D4960"/>
+              </a:solidFill>
+              <a:latin typeface="方正尚酷简体" panose="03000509000000000000" pitchFamily="65" charset="-122"/>
+              <a:ea typeface="方正尚酷简体" panose="03000509000000000000" pitchFamily="65" charset="-122"/>
+            </a:endParaRPr>
+          </a:p>
+        </p:txBody>
+      </p:sp>
+      <p:cxnSp>
+        <p:nvCxnSpPr>
+          <p:cNvPr id="17" name="3"/>
+          <p:cNvCxnSpPr/>
+          <p:nvPr/>
+        </p:nvCxnSpPr>
+        <p:spPr>
+          <a:xfrm>
+            <a:off x="1418247" y="761569"/>
+            <a:ext cx="10174106" cy="0"/>
+          </a:xfrm>
+          <a:prstGeom prst="line">
+            <a:avLst/>
+          </a:prstGeom>
+          <a:ln>
+            <a:solidFill>
+              <a:schemeClr val="bg1">
+                <a:lumMod val="75000"/>
+              </a:schemeClr>
+            </a:solidFill>
+          </a:ln>
+        </p:spPr>
+        <p:style>
+          <a:lnRef idx="1">
+            <a:schemeClr val="accent1"/>
+          </a:lnRef>
+          <a:fillRef idx="0">
+            <a:schemeClr val="accent1"/>
+          </a:fillRef>
+          <a:effectRef idx="0">
+            <a:schemeClr val="accent1"/>
+          </a:effectRef>
+          <a:fontRef idx="minor">
+            <a:schemeClr val="tx1"/>
+          </a:fontRef>
+        </p:style>
+      </p:cxnSp>
+    </p:spTree>
+    <p:extLst>
+      <p:ext uri="{BB962C8B-B14F-4D97-AF65-F5344CB8AC3E}">
+        <p14:creationId xmlns:p14="http://schemas.microsoft.com/office/powerpoint/2010/main" xmlns="" val="1982124766"/>
+      </p:ext>
+    </p:extLst>
+  </p:cSld>
+  <p:clrMapOvr>
+    <a:masterClrMapping/>
+  </p:clrMapOvr>
+  <mc:AlternateContent xmlns:mc="http://schemas.openxmlformats.org/markup-compatibility/2006">
+    <mc:Choice xmlns:p14="http://schemas.microsoft.com/office/powerpoint/2010/main" xmlns="" Requires="p14">
+      <p:transition spd="slow" p14:dur="1500">
+        <p:random/>
+      </p:transition>
+    </mc:Choice>
+    <mc:Fallback>
+      <p:transition spd="slow">
+        <p:random/>
+      </p:transition>
+    </mc:Fallback>
+  </mc:AlternateContent>
+  <p:timing>
+    <p:tnLst>
+      <p:par>
+        <p:cTn id="1" dur="indefinite" restart="never" nodeType="tmRoot">
+          <p:childTnLst>
+            <p:seq concurrent="1" nextAc="seek">
+              <p:cTn id="2" dur="indefinite" nodeType="mainSeq">
+                <p:childTnLst>
+                  <p:par>
+                    <p:cTn id="3" fill="hold">
+                      <p:stCondLst>
+                        <p:cond delay="indefinite"/>
+                        <p:cond evt="onBegin" delay="0">
+                          <p:tn val="2"/>
+                        </p:cond>
+                      </p:stCondLst>
+                      <p:childTnLst>
+                        <p:par>
+                          <p:cTn id="4" fill="hold">
+                            <p:stCondLst>
+                              <p:cond delay="0"/>
+                            </p:stCondLst>
+                            <p:childTnLst>
+                              <p:par>
+                                <p:cTn id="5" presetID="2" presetClass="entr" presetSubtype="8" fill="hold" nodeType="afterEffect">
+                                  <p:stCondLst>
+                                    <p:cond delay="0"/>
+                                  </p:stCondLst>
+                                  <p:childTnLst>
+                                    <p:set>
+                                      <p:cBhvr>
+                                        <p:cTn id="6" dur="1" fill="hold">
+                                          <p:stCondLst>
+                                            <p:cond delay="0"/>
+                                          </p:stCondLst>
+                                        </p:cTn>
+                                        <p:tgtEl>
+                                          <p:spTgt spid="2"/>
+                                        </p:tgtEl>
+                                        <p:attrNameLst>
+                                          <p:attrName>style.visibility</p:attrName>
+                                        </p:attrNameLst>
+                                      </p:cBhvr>
+                                      <p:to>
+                                        <p:strVal val="visible"/>
+                                      </p:to>
+                                    </p:set>
+                                    <p:anim calcmode="lin" valueType="num">
+                                      <p:cBhvr additive="base">
+                                        <p:cTn id="7" dur="750" fill="hold"/>
+                                        <p:tgtEl>
+                                          <p:spTgt spid="2"/>
+                                        </p:tgtEl>
+                                        <p:attrNameLst>
+                                          <p:attrName>ppt_x</p:attrName>
+                                        </p:attrNameLst>
+                                      </p:cBhvr>
+                                      <p:tavLst>
+                                        <p:tav tm="0">
+                                          <p:val>
+                                            <p:strVal val="0-#ppt_w/2"/>
+                                          </p:val>
+                                        </p:tav>
+                                        <p:tav tm="100000">
+                                          <p:val>
+                                            <p:strVal val="#ppt_x"/>
+                                          </p:val>
+                                        </p:tav>
+                                      </p:tavLst>
+                                    </p:anim>
+                                    <p:anim calcmode="lin" valueType="num">
+                                      <p:cBhvr additive="base">
+                                        <p:cTn id="8" dur="750" fill="hold"/>
+                                        <p:tgtEl>
+                                          <p:spTgt spid="2"/>
+                                        </p:tgtEl>
+                                        <p:attrNameLst>
+                                          <p:attrName>ppt_y</p:attrName>
+                                        </p:attrNameLst>
+                                      </p:cBhvr>
+                                      <p:tavLst>
+                                        <p:tav tm="0">
+                                          <p:val>
+                                            <p:strVal val="#ppt_y"/>
+                                          </p:val>
+                                        </p:tav>
+                                        <p:tav tm="100000">
+                                          <p:val>
+                                            <p:strVal val="#ppt_y"/>
+                                          </p:val>
+                                        </p:tav>
+                                      </p:tavLst>
+                                    </p:anim>
+                                  </p:childTnLst>
+                                </p:cTn>
+                              </p:par>
+                            </p:childTnLst>
+                          </p:cTn>
+                        </p:par>
+                        <p:par>
+                          <p:cTn id="9" fill="hold">
+                            <p:stCondLst>
+                              <p:cond delay="750"/>
+                            </p:stCondLst>
+                            <p:childTnLst>
+                              <p:par>
+                                <p:cTn id="10" presetID="53" presetClass="entr" presetSubtype="16" fill="hold" grpId="0" nodeType="afterEffect">
+                                  <p:stCondLst>
+                                    <p:cond delay="0"/>
+                                  </p:stCondLst>
+                                  <p:iterate type="lt">
+                                    <p:tmPct val="10000"/>
+                                  </p:iterate>
+                                  <p:childTnLst>
+                                    <p:set>
+                                      <p:cBhvr>
+                                        <p:cTn id="11" dur="1" fill="hold">
+                                          <p:stCondLst>
+                                            <p:cond delay="0"/>
+                                          </p:stCondLst>
+                                        </p:cTn>
+                                        <p:tgtEl>
+                                          <p:spTgt spid="16"/>
+                                        </p:tgtEl>
+                                        <p:attrNameLst>
+                                          <p:attrName>style.visibility</p:attrName>
+                                        </p:attrNameLst>
+                                      </p:cBhvr>
+                                      <p:to>
+                                        <p:strVal val="visible"/>
+                                      </p:to>
+                                    </p:set>
+                                    <p:anim calcmode="lin" valueType="num">
+                                      <p:cBhvr>
+                                        <p:cTn id="12" dur="500" fill="hold"/>
+                                        <p:tgtEl>
+                                          <p:spTgt spid="16"/>
+                                        </p:tgtEl>
+                                        <p:attrNameLst>
+                                          <p:attrName>ppt_w</p:attrName>
+                                        </p:attrNameLst>
+                                      </p:cBhvr>
+                                      <p:tavLst>
+                                        <p:tav tm="0">
+                                          <p:val>
+                                            <p:fltVal val="0"/>
+                                          </p:val>
+                                        </p:tav>
+                                        <p:tav tm="100000">
+                                          <p:val>
+                                            <p:strVal val="#ppt_w"/>
+                                          </p:val>
+                                        </p:tav>
+                                      </p:tavLst>
+                                    </p:anim>
+                                    <p:anim calcmode="lin" valueType="num">
+                                      <p:cBhvr>
+                                        <p:cTn id="13" dur="500" fill="hold"/>
+                                        <p:tgtEl>
+                                          <p:spTgt spid="16"/>
+                                        </p:tgtEl>
+                                        <p:attrNameLst>
+                                          <p:attrName>ppt_h</p:attrName>
+                                        </p:attrNameLst>
+                                      </p:cBhvr>
+                                      <p:tavLst>
+                                        <p:tav tm="0">
+                                          <p:val>
+                                            <p:fltVal val="0"/>
+                                          </p:val>
+                                        </p:tav>
+                                        <p:tav tm="100000">
+                                          <p:val>
+                                            <p:strVal val="#ppt_h"/>
+                                          </p:val>
+                                        </p:tav>
+                                      </p:tavLst>
+                                    </p:anim>
+                                    <p:animEffect transition="in" filter="fade">
+                                      <p:cBhvr>
+                                        <p:cTn id="14" dur="500"/>
+                                        <p:tgtEl>
+                                          <p:spTgt spid="16"/>
+                                        </p:tgtEl>
+                                      </p:cBhvr>
+                                    </p:animEffect>
+                                  </p:childTnLst>
+                                </p:cTn>
+                              </p:par>
+                              <p:par>
+                                <p:cTn id="15" presetID="22" presetClass="entr" presetSubtype="2" fill="hold" nodeType="withEffect">
+                                  <p:stCondLst>
+                                    <p:cond delay="250"/>
+                                  </p:stCondLst>
+                                  <p:childTnLst>
+                                    <p:set>
+                                      <p:cBhvr>
+                                        <p:cTn id="16" dur="1" fill="hold">
+                                          <p:stCondLst>
+                                            <p:cond delay="0"/>
+                                          </p:stCondLst>
+                                        </p:cTn>
+                                        <p:tgtEl>
+                                          <p:spTgt spid="17"/>
+                                        </p:tgtEl>
+                                        <p:attrNameLst>
+                                          <p:attrName>style.visibility</p:attrName>
+                                        </p:attrNameLst>
+                                      </p:cBhvr>
+                                      <p:to>
+                                        <p:strVal val="visible"/>
+                                      </p:to>
+                                    </p:set>
+                                    <p:animEffect transition="in" filter="wipe(right)">
+                                      <p:cBhvr>
+                                        <p:cTn id="17" dur="750"/>
+                                        <p:tgtEl>
+                                          <p:spTgt spid="17"/>
+                                        </p:tgtEl>
+                                      </p:cBhvr>
+                                    </p:animEffect>
+                                  </p:childTnLst>
+                                </p:cTn>
+                              </p:par>
+                            </p:childTnLst>
+                          </p:cTn>
+                        </p:par>
+                      </p:childTnLst>
+                    </p:cTn>
+                  </p:par>
+                </p:childTnLst>
+              </p:cTn>
+              <p:prevCondLst>
+                <p:cond evt="onPrev" delay="0">
+                  <p:tgtEl>
+                    <p:sldTgt/>
+                  </p:tgtEl>
+                </p:cond>
+              </p:prevCondLst>
+              <p:nextCondLst>
+                <p:cond evt="onNext" delay="0">
+                  <p:tgtEl>
+                    <p:sldTgt/>
+                  </p:tgtEl>
+                </p:cond>
+              </p:nextCondLst>
+            </p:seq>
+          </p:childTnLst>
+        </p:cTn>
+      </p:par>
+    </p:tnLst>
+    <p:bldLst>
+      <p:bldP spid="16" grpId="0"/>
+    </p:bldLst>
+  </p:timing>
+</p:sld>
+</file>
+
+<file path=ppt/slides/slide12.xml><?xml version="1.0" encoding="utf-8"?>
+<p:sld xmlns:a="http://schemas.openxmlformats.org/drawingml/2006/main" xmlns:r="http://schemas.openxmlformats.org/officeDocument/2006/relationships" xmlns:p="http://schemas.openxmlformats.org/presentationml/2006/main">
+  <p:cSld>
+    <p:spTree>
+      <p:nvGrpSpPr>
+        <p:cNvPr id="1" name=""/>
+        <p:cNvGrpSpPr/>
+        <p:nvPr/>
+      </p:nvGrpSpPr>
+      <p:grpSpPr>
+        <a:xfrm>
+          <a:off x="0" y="0"/>
+          <a:ext cx="0" cy="0"/>
+          <a:chOff x="0" y="0"/>
+          <a:chExt cx="0" cy="0"/>
+        </a:xfrm>
+      </p:grpSpPr>
+      <p:grpSp>
+        <p:nvGrpSpPr>
+          <p:cNvPr id="2" name="1"/>
+          <p:cNvGrpSpPr/>
+          <p:nvPr/>
+        </p:nvGrpSpPr>
+        <p:grpSpPr>
+          <a:xfrm>
+            <a:off x="583060" y="342545"/>
+            <a:ext cx="637243" cy="227778"/>
+            <a:chOff x="264939" y="188640"/>
+            <a:chExt cx="604358" cy="216024"/>
+          </a:xfrm>
+          <a:solidFill>
+            <a:srgbClr val="0D4960"/>
+          </a:solidFill>
+        </p:grpSpPr>
+        <p:sp>
+          <p:nvSpPr>
+            <p:cNvPr id="13" name="燕尾形 12"/>
+            <p:cNvSpPr/>
+            <p:nvPr/>
+          </p:nvSpPr>
+          <p:spPr>
+            <a:xfrm>
+              <a:off x="264939" y="188640"/>
+              <a:ext cx="216024" cy="216024"/>
+            </a:xfrm>
+            <a:prstGeom prst="chevron">
+              <a:avLst/>
+            </a:prstGeom>
+            <a:grpFill/>
+            <a:ln>
+              <a:noFill/>
+            </a:ln>
+            <a:effectLst>
+              <a:outerShdw blurRad="63500" algn="ctr" rotWithShape="0">
+                <a:prstClr val="black">
+                  <a:alpha val="40000"/>
+                </a:prstClr>
+              </a:outerShdw>
+            </a:effectLst>
+          </p:spPr>
+          <p:txBody>
+            <a:bodyPr lIns="0" tIns="0" rIns="0" bIns="0" anchor="ctr"/>
+            <a:lstStyle/>
+            <a:p>
+              <a:endParaRPr lang="zh-CN" altLang="en-US" sz="900">
+                <a:solidFill>
+                  <a:srgbClr val="0070C0"/>
+                </a:solidFill>
+                <a:cs typeface="+mn-ea"/>
+              </a:endParaRPr>
+            </a:p>
+          </p:txBody>
+        </p:sp>
+        <p:sp>
+          <p:nvSpPr>
+            <p:cNvPr id="14" name="燕尾形 13"/>
+            <p:cNvSpPr/>
+            <p:nvPr/>
+          </p:nvSpPr>
+          <p:spPr>
+            <a:xfrm>
+              <a:off x="454914" y="188640"/>
+              <a:ext cx="216024" cy="216024"/>
+            </a:xfrm>
+            <a:prstGeom prst="chevron">
+              <a:avLst/>
+            </a:prstGeom>
+            <a:grpFill/>
+            <a:ln>
+              <a:noFill/>
+            </a:ln>
+            <a:effectLst>
+              <a:outerShdw blurRad="63500" algn="ctr" rotWithShape="0">
+                <a:prstClr val="black">
+                  <a:alpha val="40000"/>
+                </a:prstClr>
+              </a:outerShdw>
+            </a:effectLst>
+          </p:spPr>
+          <p:txBody>
+            <a:bodyPr lIns="0" tIns="0" rIns="0" bIns="0" anchor="ctr"/>
+            <a:lstStyle/>
+            <a:p>
+              <a:endParaRPr lang="zh-CN" altLang="en-US" sz="900">
+                <a:solidFill>
+                  <a:srgbClr val="0070C0"/>
+                </a:solidFill>
+                <a:cs typeface="+mn-ea"/>
+              </a:endParaRPr>
+            </a:p>
+          </p:txBody>
+        </p:sp>
+        <p:sp>
+          <p:nvSpPr>
+            <p:cNvPr id="15" name="燕尾形 14"/>
+            <p:cNvSpPr/>
+            <p:nvPr/>
+          </p:nvSpPr>
+          <p:spPr>
+            <a:xfrm>
+              <a:off x="653273" y="188640"/>
+              <a:ext cx="216024" cy="216024"/>
+            </a:xfrm>
+            <a:prstGeom prst="chevron">
+              <a:avLst/>
+            </a:prstGeom>
+            <a:grpFill/>
+            <a:ln>
+              <a:noFill/>
+            </a:ln>
+            <a:effectLst>
+              <a:outerShdw blurRad="63500" algn="ctr" rotWithShape="0">
+                <a:prstClr val="black">
+                  <a:alpha val="40000"/>
+                </a:prstClr>
+              </a:outerShdw>
+            </a:effectLst>
+          </p:spPr>
+          <p:txBody>
+            <a:bodyPr lIns="0" tIns="0" rIns="0" bIns="0" anchor="ctr"/>
+            <a:lstStyle/>
+            <a:p>
+              <a:endParaRPr lang="zh-CN" altLang="en-US" sz="900">
+                <a:solidFill>
+                  <a:srgbClr val="0070C0"/>
+                </a:solidFill>
+                <a:cs typeface="+mn-ea"/>
+              </a:endParaRPr>
+            </a:p>
+          </p:txBody>
+        </p:sp>
+      </p:grpSp>
+      <p:sp>
+        <p:nvSpPr>
+          <p:cNvPr id="16" name="2"/>
+          <p:cNvSpPr txBox="1"/>
+          <p:nvPr/>
+        </p:nvSpPr>
+        <p:spPr>
+          <a:xfrm>
+            <a:off x="1418247" y="211364"/>
+            <a:ext cx="5306644" cy="503905"/>
+          </a:xfrm>
+          <a:prstGeom prst="rect">
+            <a:avLst/>
+          </a:prstGeom>
+          <a:noFill/>
+        </p:spPr>
+        <p:txBody>
+          <a:bodyPr wrap="square" lIns="72312" tIns="36156" rIns="72312" bIns="36156" rtlCol="0">
+            <a:spAutoFit/>
+          </a:bodyPr>
+          <a:lstStyle/>
+          <a:p>
+            <a:pPr marL="0" lvl="1"/>
+            <a:r>
+              <a:rPr lang="zh-CN" altLang="en-US" sz="2800" spc="300" dirty="0" smtClean="0">
+                <a:solidFill>
+                  <a:srgbClr val="0D4960"/>
+                </a:solidFill>
+                <a:latin typeface="方正尚酷简体" panose="03000509000000000000" pitchFamily="65" charset="-122"/>
+                <a:ea typeface="方正尚酷简体" panose="03000509000000000000" pitchFamily="65" charset="-122"/>
+              </a:rPr>
+              <a:t>服务器之间拷贝文件</a:t>
+            </a:r>
+            <a:endParaRPr lang="en-US" altLang="zh-CN" sz="2800" spc="300" dirty="0" smtClean="0">
+              <a:solidFill>
+                <a:srgbClr val="0D4960"/>
+              </a:solidFill>
+              <a:latin typeface="方正尚酷简体" panose="03000509000000000000" pitchFamily="65" charset="-122"/>
+              <a:ea typeface="方正尚酷简体" panose="03000509000000000000" pitchFamily="65" charset="-122"/>
+            </a:endParaRPr>
+          </a:p>
+        </p:txBody>
+      </p:sp>
+      <p:cxnSp>
+        <p:nvCxnSpPr>
+          <p:cNvPr id="17" name="3"/>
+          <p:cNvCxnSpPr/>
+          <p:nvPr/>
+        </p:nvCxnSpPr>
+        <p:spPr>
+          <a:xfrm>
+            <a:off x="1418247" y="761569"/>
+            <a:ext cx="10174106" cy="0"/>
+          </a:xfrm>
+          <a:prstGeom prst="line">
+            <a:avLst/>
+          </a:prstGeom>
+          <a:ln>
+            <a:solidFill>
+              <a:schemeClr val="bg1">
+                <a:lumMod val="75000"/>
+              </a:schemeClr>
+            </a:solidFill>
+          </a:ln>
+        </p:spPr>
+        <p:style>
+          <a:lnRef idx="1">
+            <a:schemeClr val="accent1"/>
+          </a:lnRef>
+          <a:fillRef idx="0">
+            <a:schemeClr val="accent1"/>
+          </a:fillRef>
+          <a:effectRef idx="0">
+            <a:schemeClr val="accent1"/>
+          </a:effectRef>
+          <a:fontRef idx="minor">
+            <a:schemeClr val="tx1"/>
+          </a:fontRef>
+        </p:style>
+      </p:cxnSp>
+    </p:spTree>
+    <p:extLst>
+      <p:ext uri="{BB962C8B-B14F-4D97-AF65-F5344CB8AC3E}">
+        <p14:creationId xmlns:p14="http://schemas.microsoft.com/office/powerpoint/2010/main" xmlns="" val="1982124766"/>
+      </p:ext>
+    </p:extLst>
+  </p:cSld>
+  <p:clrMapOvr>
+    <a:masterClrMapping/>
+  </p:clrMapOvr>
+  <mc:AlternateContent xmlns:mc="http://schemas.openxmlformats.org/markup-compatibility/2006">
+    <mc:Choice xmlns:p14="http://schemas.microsoft.com/office/powerpoint/2010/main" xmlns="" Requires="p14">
+      <p:transition spd="slow" p14:dur="1500">
+        <p:random/>
+      </p:transition>
+    </mc:Choice>
+    <mc:Fallback>
+      <p:transition spd="slow">
+        <p:random/>
+      </p:transition>
+    </mc:Fallback>
+  </mc:AlternateContent>
+  <p:timing>
+    <p:tnLst>
+      <p:par>
+        <p:cTn id="1" dur="indefinite" restart="never" nodeType="tmRoot">
+          <p:childTnLst>
+            <p:seq concurrent="1" nextAc="seek">
+              <p:cTn id="2" dur="indefinite" nodeType="mainSeq">
+                <p:childTnLst>
+                  <p:par>
+                    <p:cTn id="3" fill="hold">
+                      <p:stCondLst>
+                        <p:cond delay="indefinite"/>
+                        <p:cond evt="onBegin" delay="0">
+                          <p:tn val="2"/>
+                        </p:cond>
+                      </p:stCondLst>
+                      <p:childTnLst>
+                        <p:par>
+                          <p:cTn id="4" fill="hold">
+                            <p:stCondLst>
+                              <p:cond delay="0"/>
+                            </p:stCondLst>
+                            <p:childTnLst>
+                              <p:par>
+                                <p:cTn id="5" presetID="2" presetClass="entr" presetSubtype="8" fill="hold" nodeType="afterEffect">
+                                  <p:stCondLst>
+                                    <p:cond delay="0"/>
+                                  </p:stCondLst>
+                                  <p:childTnLst>
+                                    <p:set>
+                                      <p:cBhvr>
+                                        <p:cTn id="6" dur="1" fill="hold">
+                                          <p:stCondLst>
+                                            <p:cond delay="0"/>
+                                          </p:stCondLst>
+                                        </p:cTn>
+                                        <p:tgtEl>
+                                          <p:spTgt spid="2"/>
+                                        </p:tgtEl>
+                                        <p:attrNameLst>
+                                          <p:attrName>style.visibility</p:attrName>
+                                        </p:attrNameLst>
+                                      </p:cBhvr>
+                                      <p:to>
+                                        <p:strVal val="visible"/>
+                                      </p:to>
+                                    </p:set>
+                                    <p:anim calcmode="lin" valueType="num">
+                                      <p:cBhvr additive="base">
+                                        <p:cTn id="7" dur="750" fill="hold"/>
+                                        <p:tgtEl>
+                                          <p:spTgt spid="2"/>
+                                        </p:tgtEl>
+                                        <p:attrNameLst>
+                                          <p:attrName>ppt_x</p:attrName>
+                                        </p:attrNameLst>
+                                      </p:cBhvr>
+                                      <p:tavLst>
+                                        <p:tav tm="0">
+                                          <p:val>
+                                            <p:strVal val="0-#ppt_w/2"/>
+                                          </p:val>
+                                        </p:tav>
+                                        <p:tav tm="100000">
+                                          <p:val>
+                                            <p:strVal val="#ppt_x"/>
+                                          </p:val>
+                                        </p:tav>
+                                      </p:tavLst>
+                                    </p:anim>
+                                    <p:anim calcmode="lin" valueType="num">
+                                      <p:cBhvr additive="base">
+                                        <p:cTn id="8" dur="750" fill="hold"/>
+                                        <p:tgtEl>
+                                          <p:spTgt spid="2"/>
+                                        </p:tgtEl>
+                                        <p:attrNameLst>
+                                          <p:attrName>ppt_y</p:attrName>
+                                        </p:attrNameLst>
+                                      </p:cBhvr>
+                                      <p:tavLst>
+                                        <p:tav tm="0">
+                                          <p:val>
+                                            <p:strVal val="#ppt_y"/>
+                                          </p:val>
+                                        </p:tav>
+                                        <p:tav tm="100000">
+                                          <p:val>
+                                            <p:strVal val="#ppt_y"/>
+                                          </p:val>
+                                        </p:tav>
+                                      </p:tavLst>
+                                    </p:anim>
+                                  </p:childTnLst>
+                                </p:cTn>
+                              </p:par>
+                            </p:childTnLst>
+                          </p:cTn>
+                        </p:par>
+                        <p:par>
+                          <p:cTn id="9" fill="hold">
+                            <p:stCondLst>
+                              <p:cond delay="750"/>
+                            </p:stCondLst>
+                            <p:childTnLst>
+                              <p:par>
+                                <p:cTn id="10" presetID="53" presetClass="entr" presetSubtype="16" fill="hold" grpId="0" nodeType="afterEffect">
+                                  <p:stCondLst>
+                                    <p:cond delay="0"/>
+                                  </p:stCondLst>
+                                  <p:iterate type="lt">
+                                    <p:tmPct val="10000"/>
+                                  </p:iterate>
+                                  <p:childTnLst>
+                                    <p:set>
+                                      <p:cBhvr>
+                                        <p:cTn id="11" dur="1" fill="hold">
+                                          <p:stCondLst>
+                                            <p:cond delay="0"/>
+                                          </p:stCondLst>
+                                        </p:cTn>
+                                        <p:tgtEl>
+                                          <p:spTgt spid="16"/>
+                                        </p:tgtEl>
+                                        <p:attrNameLst>
+                                          <p:attrName>style.visibility</p:attrName>
+                                        </p:attrNameLst>
+                                      </p:cBhvr>
+                                      <p:to>
+                                        <p:strVal val="visible"/>
+                                      </p:to>
+                                    </p:set>
+                                    <p:anim calcmode="lin" valueType="num">
+                                      <p:cBhvr>
+                                        <p:cTn id="12" dur="500" fill="hold"/>
+                                        <p:tgtEl>
+                                          <p:spTgt spid="16"/>
+                                        </p:tgtEl>
+                                        <p:attrNameLst>
+                                          <p:attrName>ppt_w</p:attrName>
+                                        </p:attrNameLst>
+                                      </p:cBhvr>
+                                      <p:tavLst>
+                                        <p:tav tm="0">
+                                          <p:val>
+                                            <p:fltVal val="0"/>
+                                          </p:val>
+                                        </p:tav>
+                                        <p:tav tm="100000">
+                                          <p:val>
+                                            <p:strVal val="#ppt_w"/>
+                                          </p:val>
+                                        </p:tav>
+                                      </p:tavLst>
+                                    </p:anim>
+                                    <p:anim calcmode="lin" valueType="num">
+                                      <p:cBhvr>
+                                        <p:cTn id="13" dur="500" fill="hold"/>
+                                        <p:tgtEl>
+                                          <p:spTgt spid="16"/>
+                                        </p:tgtEl>
+                                        <p:attrNameLst>
+                                          <p:attrName>ppt_h</p:attrName>
+                                        </p:attrNameLst>
+                                      </p:cBhvr>
+                                      <p:tavLst>
+                                        <p:tav tm="0">
+                                          <p:val>
+                                            <p:fltVal val="0"/>
+                                          </p:val>
+                                        </p:tav>
+                                        <p:tav tm="100000">
+                                          <p:val>
+                                            <p:strVal val="#ppt_h"/>
+                                          </p:val>
+                                        </p:tav>
+                                      </p:tavLst>
+                                    </p:anim>
+                                    <p:animEffect transition="in" filter="fade">
+                                      <p:cBhvr>
+                                        <p:cTn id="14" dur="500"/>
+                                        <p:tgtEl>
+                                          <p:spTgt spid="16"/>
+                                        </p:tgtEl>
+                                      </p:cBhvr>
+                                    </p:animEffect>
+                                  </p:childTnLst>
+                                </p:cTn>
+                              </p:par>
+                              <p:par>
+                                <p:cTn id="15" presetID="22" presetClass="entr" presetSubtype="2" fill="hold" nodeType="withEffect">
+                                  <p:stCondLst>
+                                    <p:cond delay="250"/>
+                                  </p:stCondLst>
+                                  <p:childTnLst>
+                                    <p:set>
+                                      <p:cBhvr>
+                                        <p:cTn id="16" dur="1" fill="hold">
+                                          <p:stCondLst>
+                                            <p:cond delay="0"/>
+                                          </p:stCondLst>
+                                        </p:cTn>
+                                        <p:tgtEl>
+                                          <p:spTgt spid="17"/>
+                                        </p:tgtEl>
+                                        <p:attrNameLst>
+                                          <p:attrName>style.visibility</p:attrName>
+                                        </p:attrNameLst>
+                                      </p:cBhvr>
+                                      <p:to>
+                                        <p:strVal val="visible"/>
+                                      </p:to>
+                                    </p:set>
+                                    <p:animEffect transition="in" filter="wipe(right)">
+                                      <p:cBhvr>
+                                        <p:cTn id="17" dur="750"/>
+                                        <p:tgtEl>
+                                          <p:spTgt spid="17"/>
+                                        </p:tgtEl>
+                                      </p:cBhvr>
+                                    </p:animEffect>
+                                  </p:childTnLst>
+                                </p:cTn>
+                              </p:par>
+                            </p:childTnLst>
+                          </p:cTn>
+                        </p:par>
+                      </p:childTnLst>
+                    </p:cTn>
+                  </p:par>
+                </p:childTnLst>
+              </p:cTn>
+              <p:prevCondLst>
+                <p:cond evt="onPrev" delay="0">
+                  <p:tgtEl>
+                    <p:sldTgt/>
+                  </p:tgtEl>
+                </p:cond>
+              </p:prevCondLst>
+              <p:nextCondLst>
+                <p:cond evt="onNext" delay="0">
+                  <p:tgtEl>
+                    <p:sldTgt/>
+                  </p:tgtEl>
+                </p:cond>
+              </p:nextCondLst>
+            </p:seq>
+          </p:childTnLst>
+        </p:cTn>
+      </p:par>
+    </p:tnLst>
+    <p:bldLst>
+      <p:bldP spid="16" grpId="0"/>
+    </p:bldLst>
+  </p:timing>
+</p:sld>
+</file>
+
+<file path=ppt/slides/slide13.xml><?xml version="1.0" encoding="utf-8"?>
+<p:sld xmlns:a="http://schemas.openxmlformats.org/drawingml/2006/main" xmlns:r="http://schemas.openxmlformats.org/officeDocument/2006/relationships" xmlns:p="http://schemas.openxmlformats.org/presentationml/2006/main">
+  <p:cSld>
+    <p:spTree>
+      <p:nvGrpSpPr>
+        <p:cNvPr id="1" name=""/>
+        <p:cNvGrpSpPr/>
+        <p:nvPr/>
+      </p:nvGrpSpPr>
+      <p:grpSpPr>
+        <a:xfrm>
+          <a:off x="0" y="0"/>
+          <a:ext cx="0" cy="0"/>
+          <a:chOff x="0" y="0"/>
+          <a:chExt cx="0" cy="0"/>
+        </a:xfrm>
+      </p:grpSpPr>
+      <p:grpSp>
+        <p:nvGrpSpPr>
+          <p:cNvPr id="2" name="1"/>
+          <p:cNvGrpSpPr/>
+          <p:nvPr/>
+        </p:nvGrpSpPr>
+        <p:grpSpPr>
+          <a:xfrm>
+            <a:off x="583060" y="342545"/>
+            <a:ext cx="637243" cy="227778"/>
+            <a:chOff x="264939" y="188640"/>
+            <a:chExt cx="604358" cy="216024"/>
+          </a:xfrm>
+          <a:solidFill>
+            <a:srgbClr val="0D4960"/>
+          </a:solidFill>
+        </p:grpSpPr>
+        <p:sp>
+          <p:nvSpPr>
+            <p:cNvPr id="13" name="燕尾形 12"/>
+            <p:cNvSpPr/>
+            <p:nvPr/>
+          </p:nvSpPr>
+          <p:spPr>
+            <a:xfrm>
+              <a:off x="264939" y="188640"/>
+              <a:ext cx="216024" cy="216024"/>
+            </a:xfrm>
+            <a:prstGeom prst="chevron">
+              <a:avLst/>
+            </a:prstGeom>
+            <a:grpFill/>
+            <a:ln>
+              <a:noFill/>
+            </a:ln>
+            <a:effectLst>
+              <a:outerShdw blurRad="63500" algn="ctr" rotWithShape="0">
+                <a:prstClr val="black">
+                  <a:alpha val="40000"/>
+                </a:prstClr>
+              </a:outerShdw>
+            </a:effectLst>
+          </p:spPr>
+          <p:txBody>
+            <a:bodyPr lIns="0" tIns="0" rIns="0" bIns="0" anchor="ctr"/>
+            <a:lstStyle/>
+            <a:p>
+              <a:endParaRPr lang="zh-CN" altLang="en-US" sz="900">
+                <a:solidFill>
+                  <a:srgbClr val="0070C0"/>
+                </a:solidFill>
+                <a:cs typeface="+mn-ea"/>
+              </a:endParaRPr>
+            </a:p>
+          </p:txBody>
+        </p:sp>
+        <p:sp>
+          <p:nvSpPr>
+            <p:cNvPr id="14" name="燕尾形 13"/>
+            <p:cNvSpPr/>
+            <p:nvPr/>
+          </p:nvSpPr>
+          <p:spPr>
+            <a:xfrm>
+              <a:off x="454914" y="188640"/>
+              <a:ext cx="216024" cy="216024"/>
+            </a:xfrm>
+            <a:prstGeom prst="chevron">
+              <a:avLst/>
+            </a:prstGeom>
+            <a:grpFill/>
+            <a:ln>
+              <a:noFill/>
+            </a:ln>
+            <a:effectLst>
+              <a:outerShdw blurRad="63500" algn="ctr" rotWithShape="0">
+                <a:prstClr val="black">
+                  <a:alpha val="40000"/>
+                </a:prstClr>
+              </a:outerShdw>
+            </a:effectLst>
+          </p:spPr>
+          <p:txBody>
+            <a:bodyPr lIns="0" tIns="0" rIns="0" bIns="0" anchor="ctr"/>
+            <a:lstStyle/>
+            <a:p>
+              <a:endParaRPr lang="zh-CN" altLang="en-US" sz="900">
+                <a:solidFill>
+                  <a:srgbClr val="0070C0"/>
+                </a:solidFill>
+                <a:cs typeface="+mn-ea"/>
+              </a:endParaRPr>
+            </a:p>
+          </p:txBody>
+        </p:sp>
+        <p:sp>
+          <p:nvSpPr>
+            <p:cNvPr id="15" name="燕尾形 14"/>
+            <p:cNvSpPr/>
+            <p:nvPr/>
+          </p:nvSpPr>
+          <p:spPr>
+            <a:xfrm>
+              <a:off x="653273" y="188640"/>
+              <a:ext cx="216024" cy="216024"/>
+            </a:xfrm>
+            <a:prstGeom prst="chevron">
+              <a:avLst/>
+            </a:prstGeom>
+            <a:grpFill/>
+            <a:ln>
+              <a:noFill/>
+            </a:ln>
+            <a:effectLst>
+              <a:outerShdw blurRad="63500" algn="ctr" rotWithShape="0">
+                <a:prstClr val="black">
+                  <a:alpha val="40000"/>
+                </a:prstClr>
+              </a:outerShdw>
+            </a:effectLst>
+          </p:spPr>
+          <p:txBody>
+            <a:bodyPr lIns="0" tIns="0" rIns="0" bIns="0" anchor="ctr"/>
+            <a:lstStyle/>
+            <a:p>
+              <a:endParaRPr lang="zh-CN" altLang="en-US" sz="900">
+                <a:solidFill>
+                  <a:srgbClr val="0070C0"/>
+                </a:solidFill>
+                <a:cs typeface="+mn-ea"/>
+              </a:endParaRPr>
+            </a:p>
+          </p:txBody>
+        </p:sp>
+      </p:grpSp>
+      <p:sp>
+        <p:nvSpPr>
+          <p:cNvPr id="16" name="2"/>
+          <p:cNvSpPr txBox="1"/>
+          <p:nvPr/>
+        </p:nvSpPr>
+        <p:spPr>
+          <a:xfrm>
+            <a:off x="1418247" y="211364"/>
+            <a:ext cx="5306644" cy="503905"/>
+          </a:xfrm>
+          <a:prstGeom prst="rect">
+            <a:avLst/>
+          </a:prstGeom>
+          <a:noFill/>
+        </p:spPr>
+        <p:txBody>
+          <a:bodyPr wrap="square" lIns="72312" tIns="36156" rIns="72312" bIns="36156" rtlCol="0">
+            <a:spAutoFit/>
+          </a:bodyPr>
+          <a:lstStyle/>
+          <a:p>
+            <a:pPr marL="0" lvl="1"/>
+            <a:r>
+              <a:rPr lang="zh-CN" altLang="en-US" sz="2800" spc="300" dirty="0" smtClean="0">
+                <a:solidFill>
+                  <a:srgbClr val="0D4960"/>
+                </a:solidFill>
+                <a:latin typeface="方正尚酷简体" panose="03000509000000000000" pitchFamily="65" charset="-122"/>
+                <a:ea typeface="方正尚酷简体" panose="03000509000000000000" pitchFamily="65" charset="-122"/>
+              </a:rPr>
+              <a:t>服务器之间拷贝文件</a:t>
+            </a:r>
+            <a:endParaRPr lang="en-US" altLang="zh-CN" sz="2800" spc="300" dirty="0" smtClean="0">
+              <a:solidFill>
+                <a:srgbClr val="0D4960"/>
+              </a:solidFill>
+              <a:latin typeface="方正尚酷简体" panose="03000509000000000000" pitchFamily="65" charset="-122"/>
+              <a:ea typeface="方正尚酷简体" panose="03000509000000000000" pitchFamily="65" charset="-122"/>
+            </a:endParaRPr>
+          </a:p>
+        </p:txBody>
+      </p:sp>
+      <p:cxnSp>
+        <p:nvCxnSpPr>
+          <p:cNvPr id="17" name="3"/>
+          <p:cNvCxnSpPr/>
+          <p:nvPr/>
+        </p:nvCxnSpPr>
+        <p:spPr>
+          <a:xfrm>
+            <a:off x="1418247" y="761569"/>
+            <a:ext cx="10174106" cy="0"/>
+          </a:xfrm>
+          <a:prstGeom prst="line">
+            <a:avLst/>
+          </a:prstGeom>
+          <a:ln>
+            <a:solidFill>
+              <a:schemeClr val="bg1">
+                <a:lumMod val="75000"/>
+              </a:schemeClr>
+            </a:solidFill>
+          </a:ln>
+        </p:spPr>
+        <p:style>
+          <a:lnRef idx="1">
+            <a:schemeClr val="accent1"/>
+          </a:lnRef>
+          <a:fillRef idx="0">
+            <a:schemeClr val="accent1"/>
+          </a:fillRef>
+          <a:effectRef idx="0">
+            <a:schemeClr val="accent1"/>
+          </a:effectRef>
+          <a:fontRef idx="minor">
+            <a:schemeClr val="tx1"/>
+          </a:fontRef>
+        </p:style>
+      </p:cxnSp>
+    </p:spTree>
+    <p:extLst>
+      <p:ext uri="{BB962C8B-B14F-4D97-AF65-F5344CB8AC3E}">
+        <p14:creationId xmlns:p14="http://schemas.microsoft.com/office/powerpoint/2010/main" xmlns="" val="1982124766"/>
+      </p:ext>
+    </p:extLst>
+  </p:cSld>
+  <p:clrMapOvr>
+    <a:masterClrMapping/>
+  </p:clrMapOvr>
+  <mc:AlternateContent xmlns:mc="http://schemas.openxmlformats.org/markup-compatibility/2006">
+    <mc:Choice xmlns:p14="http://schemas.microsoft.com/office/powerpoint/2010/main" xmlns="" Requires="p14">
+      <p:transition spd="slow" p14:dur="1500">
+        <p:random/>
+      </p:transition>
+    </mc:Choice>
+    <mc:Fallback>
+      <p:transition spd="slow">
+        <p:random/>
+      </p:transition>
+    </mc:Fallback>
+  </mc:AlternateContent>
+  <p:timing>
+    <p:tnLst>
+      <p:par>
+        <p:cTn id="1" dur="indefinite" restart="never" nodeType="tmRoot">
+          <p:childTnLst>
+            <p:seq concurrent="1" nextAc="seek">
+              <p:cTn id="2" dur="indefinite" nodeType="mainSeq">
+                <p:childTnLst>
+                  <p:par>
+                    <p:cTn id="3" fill="hold">
+                      <p:stCondLst>
+                        <p:cond delay="indefinite"/>
+                        <p:cond evt="onBegin" delay="0">
+                          <p:tn val="2"/>
+                        </p:cond>
+                      </p:stCondLst>
+                      <p:childTnLst>
+                        <p:par>
+                          <p:cTn id="4" fill="hold">
+                            <p:stCondLst>
+                              <p:cond delay="0"/>
+                            </p:stCondLst>
+                            <p:childTnLst>
+                              <p:par>
+                                <p:cTn id="5" presetID="2" presetClass="entr" presetSubtype="8" fill="hold" nodeType="afterEffect">
+                                  <p:stCondLst>
+                                    <p:cond delay="0"/>
+                                  </p:stCondLst>
+                                  <p:childTnLst>
+                                    <p:set>
+                                      <p:cBhvr>
+                                        <p:cTn id="6" dur="1" fill="hold">
+                                          <p:stCondLst>
+                                            <p:cond delay="0"/>
+                                          </p:stCondLst>
+                                        </p:cTn>
+                                        <p:tgtEl>
+                                          <p:spTgt spid="2"/>
+                                        </p:tgtEl>
+                                        <p:attrNameLst>
+                                          <p:attrName>style.visibility</p:attrName>
+                                        </p:attrNameLst>
+                                      </p:cBhvr>
+                                      <p:to>
+                                        <p:strVal val="visible"/>
+                                      </p:to>
+                                    </p:set>
+                                    <p:anim calcmode="lin" valueType="num">
+                                      <p:cBhvr additive="base">
+                                        <p:cTn id="7" dur="750" fill="hold"/>
+                                        <p:tgtEl>
+                                          <p:spTgt spid="2"/>
+                                        </p:tgtEl>
+                                        <p:attrNameLst>
+                                          <p:attrName>ppt_x</p:attrName>
+                                        </p:attrNameLst>
+                                      </p:cBhvr>
+                                      <p:tavLst>
+                                        <p:tav tm="0">
+                                          <p:val>
+                                            <p:strVal val="0-#ppt_w/2"/>
+                                          </p:val>
+                                        </p:tav>
+                                        <p:tav tm="100000">
+                                          <p:val>
+                                            <p:strVal val="#ppt_x"/>
+                                          </p:val>
+                                        </p:tav>
+                                      </p:tavLst>
+                                    </p:anim>
+                                    <p:anim calcmode="lin" valueType="num">
+                                      <p:cBhvr additive="base">
+                                        <p:cTn id="8" dur="750" fill="hold"/>
+                                        <p:tgtEl>
+                                          <p:spTgt spid="2"/>
+                                        </p:tgtEl>
+                                        <p:attrNameLst>
+                                          <p:attrName>ppt_y</p:attrName>
+                                        </p:attrNameLst>
+                                      </p:cBhvr>
+                                      <p:tavLst>
+                                        <p:tav tm="0">
+                                          <p:val>
+                                            <p:strVal val="#ppt_y"/>
+                                          </p:val>
+                                        </p:tav>
+                                        <p:tav tm="100000">
+                                          <p:val>
+                                            <p:strVal val="#ppt_y"/>
+                                          </p:val>
+                                        </p:tav>
+                                      </p:tavLst>
+                                    </p:anim>
+                                  </p:childTnLst>
+                                </p:cTn>
+                              </p:par>
+                            </p:childTnLst>
+                          </p:cTn>
+                        </p:par>
+                        <p:par>
+                          <p:cTn id="9" fill="hold">
+                            <p:stCondLst>
+                              <p:cond delay="750"/>
+                            </p:stCondLst>
+                            <p:childTnLst>
+                              <p:par>
+                                <p:cTn id="10" presetID="53" presetClass="entr" presetSubtype="16" fill="hold" grpId="0" nodeType="afterEffect">
+                                  <p:stCondLst>
+                                    <p:cond delay="0"/>
+                                  </p:stCondLst>
+                                  <p:iterate type="lt">
+                                    <p:tmPct val="10000"/>
+                                  </p:iterate>
+                                  <p:childTnLst>
+                                    <p:set>
+                                      <p:cBhvr>
+                                        <p:cTn id="11" dur="1" fill="hold">
+                                          <p:stCondLst>
+                                            <p:cond delay="0"/>
+                                          </p:stCondLst>
+                                        </p:cTn>
+                                        <p:tgtEl>
+                                          <p:spTgt spid="16"/>
+                                        </p:tgtEl>
+                                        <p:attrNameLst>
+                                          <p:attrName>style.visibility</p:attrName>
+                                        </p:attrNameLst>
+                                      </p:cBhvr>
+                                      <p:to>
+                                        <p:strVal val="visible"/>
+                                      </p:to>
+                                    </p:set>
+                                    <p:anim calcmode="lin" valueType="num">
+                                      <p:cBhvr>
+                                        <p:cTn id="12" dur="500" fill="hold"/>
+                                        <p:tgtEl>
+                                          <p:spTgt spid="16"/>
+                                        </p:tgtEl>
+                                        <p:attrNameLst>
+                                          <p:attrName>ppt_w</p:attrName>
+                                        </p:attrNameLst>
+                                      </p:cBhvr>
+                                      <p:tavLst>
+                                        <p:tav tm="0">
+                                          <p:val>
+                                            <p:fltVal val="0"/>
+                                          </p:val>
+                                        </p:tav>
+                                        <p:tav tm="100000">
+                                          <p:val>
+                                            <p:strVal val="#ppt_w"/>
+                                          </p:val>
+                                        </p:tav>
+                                      </p:tavLst>
+                                    </p:anim>
+                                    <p:anim calcmode="lin" valueType="num">
+                                      <p:cBhvr>
+                                        <p:cTn id="13" dur="500" fill="hold"/>
+                                        <p:tgtEl>
+                                          <p:spTgt spid="16"/>
+                                        </p:tgtEl>
+                                        <p:attrNameLst>
+                                          <p:attrName>ppt_h</p:attrName>
+                                        </p:attrNameLst>
+                                      </p:cBhvr>
+                                      <p:tavLst>
+                                        <p:tav tm="0">
+                                          <p:val>
+                                            <p:fltVal val="0"/>
+                                          </p:val>
+                                        </p:tav>
+                                        <p:tav tm="100000">
+                                          <p:val>
+                                            <p:strVal val="#ppt_h"/>
+                                          </p:val>
+                                        </p:tav>
+                                      </p:tavLst>
+                                    </p:anim>
+                                    <p:animEffect transition="in" filter="fade">
+                                      <p:cBhvr>
+                                        <p:cTn id="14" dur="500"/>
+                                        <p:tgtEl>
+                                          <p:spTgt spid="16"/>
+                                        </p:tgtEl>
+                                      </p:cBhvr>
+                                    </p:animEffect>
+                                  </p:childTnLst>
+                                </p:cTn>
+                              </p:par>
+                              <p:par>
+                                <p:cTn id="15" presetID="22" presetClass="entr" presetSubtype="2" fill="hold" nodeType="withEffect">
+                                  <p:stCondLst>
+                                    <p:cond delay="250"/>
+                                  </p:stCondLst>
+                                  <p:childTnLst>
+                                    <p:set>
+                                      <p:cBhvr>
+                                        <p:cTn id="16" dur="1" fill="hold">
+                                          <p:stCondLst>
+                                            <p:cond delay="0"/>
+                                          </p:stCondLst>
+                                        </p:cTn>
+                                        <p:tgtEl>
+                                          <p:spTgt spid="17"/>
+                                        </p:tgtEl>
+                                        <p:attrNameLst>
+                                          <p:attrName>style.visibility</p:attrName>
+                                        </p:attrNameLst>
+                                      </p:cBhvr>
+                                      <p:to>
+                                        <p:strVal val="visible"/>
+                                      </p:to>
+                                    </p:set>
+                                    <p:animEffect transition="in" filter="wipe(right)">
+                                      <p:cBhvr>
+                                        <p:cTn id="17" dur="750"/>
+                                        <p:tgtEl>
+                                          <p:spTgt spid="17"/>
+                                        </p:tgtEl>
+                                      </p:cBhvr>
+                                    </p:animEffect>
+                                  </p:childTnLst>
+                                </p:cTn>
+                              </p:par>
+                            </p:childTnLst>
+                          </p:cTn>
+                        </p:par>
+                      </p:childTnLst>
+                    </p:cTn>
+                  </p:par>
+                </p:childTnLst>
+              </p:cTn>
+              <p:prevCondLst>
+                <p:cond evt="onPrev" delay="0">
+                  <p:tgtEl>
+                    <p:sldTgt/>
+                  </p:tgtEl>
+                </p:cond>
+              </p:prevCondLst>
+              <p:nextCondLst>
+                <p:cond evt="onNext" delay="0">
+                  <p:tgtEl>
+                    <p:sldTgt/>
+                  </p:tgtEl>
+                </p:cond>
+              </p:nextCondLst>
+            </p:seq>
+          </p:childTnLst>
+        </p:cTn>
+      </p:par>
+    </p:tnLst>
+    <p:bldLst>
+      <p:bldP spid="16" grpId="0"/>
+    </p:bldLst>
+  </p:timing>
+</p:sld>
+</file>
+
+<file path=ppt/slides/slide14.xml><?xml version="1.0" encoding="utf-8"?>
+<p:sld xmlns:a="http://schemas.openxmlformats.org/drawingml/2006/main" xmlns:r="http://schemas.openxmlformats.org/officeDocument/2006/relationships" xmlns:p="http://schemas.openxmlformats.org/presentationml/2006/main">
+  <p:cSld>
+    <p:spTree>
+      <p:nvGrpSpPr>
+        <p:cNvPr id="1" name=""/>
+        <p:cNvGrpSpPr/>
+        <p:nvPr/>
+      </p:nvGrpSpPr>
+      <p:grpSpPr>
+        <a:xfrm>
+          <a:off x="0" y="0"/>
+          <a:ext cx="0" cy="0"/>
+          <a:chOff x="0" y="0"/>
+          <a:chExt cx="0" cy="0"/>
+        </a:xfrm>
+      </p:grpSpPr>
+      <p:grpSp>
+        <p:nvGrpSpPr>
+          <p:cNvPr id="2" name="1"/>
+          <p:cNvGrpSpPr/>
+          <p:nvPr/>
+        </p:nvGrpSpPr>
+        <p:grpSpPr>
+          <a:xfrm>
+            <a:off x="583060" y="342545"/>
+            <a:ext cx="637243" cy="227778"/>
+            <a:chOff x="264939" y="188640"/>
+            <a:chExt cx="604358" cy="216024"/>
+          </a:xfrm>
+          <a:solidFill>
+            <a:srgbClr val="0D4960"/>
+          </a:solidFill>
+        </p:grpSpPr>
+        <p:sp>
+          <p:nvSpPr>
+            <p:cNvPr id="13" name="燕尾形 12"/>
+            <p:cNvSpPr/>
+            <p:nvPr/>
+          </p:nvSpPr>
+          <p:spPr>
+            <a:xfrm>
+              <a:off x="264939" y="188640"/>
+              <a:ext cx="216024" cy="216024"/>
+            </a:xfrm>
+            <a:prstGeom prst="chevron">
+              <a:avLst/>
+            </a:prstGeom>
+            <a:grpFill/>
+            <a:ln>
+              <a:noFill/>
+            </a:ln>
+            <a:effectLst>
+              <a:outerShdw blurRad="63500" algn="ctr" rotWithShape="0">
+                <a:prstClr val="black">
+                  <a:alpha val="40000"/>
+                </a:prstClr>
+              </a:outerShdw>
+            </a:effectLst>
+          </p:spPr>
+          <p:txBody>
+            <a:bodyPr lIns="0" tIns="0" rIns="0" bIns="0" anchor="ctr"/>
+            <a:lstStyle/>
+            <a:p>
+              <a:endParaRPr lang="zh-CN" altLang="en-US" sz="900">
+                <a:solidFill>
+                  <a:srgbClr val="0070C0"/>
+                </a:solidFill>
+                <a:cs typeface="+mn-ea"/>
+              </a:endParaRPr>
+            </a:p>
+          </p:txBody>
+        </p:sp>
+        <p:sp>
+          <p:nvSpPr>
+            <p:cNvPr id="14" name="燕尾形 13"/>
+            <p:cNvSpPr/>
+            <p:nvPr/>
+          </p:nvSpPr>
+          <p:spPr>
+            <a:xfrm>
+              <a:off x="454914" y="188640"/>
+              <a:ext cx="216024" cy="216024"/>
+            </a:xfrm>
+            <a:prstGeom prst="chevron">
+              <a:avLst/>
+            </a:prstGeom>
+            <a:grpFill/>
+            <a:ln>
+              <a:noFill/>
+            </a:ln>
+            <a:effectLst>
+              <a:outerShdw blurRad="63500" algn="ctr" rotWithShape="0">
+                <a:prstClr val="black">
+                  <a:alpha val="40000"/>
+                </a:prstClr>
+              </a:outerShdw>
+            </a:effectLst>
+          </p:spPr>
+          <p:txBody>
+            <a:bodyPr lIns="0" tIns="0" rIns="0" bIns="0" anchor="ctr"/>
+            <a:lstStyle/>
+            <a:p>
+              <a:endParaRPr lang="zh-CN" altLang="en-US" sz="900">
+                <a:solidFill>
+                  <a:srgbClr val="0070C0"/>
+                </a:solidFill>
+                <a:cs typeface="+mn-ea"/>
+              </a:endParaRPr>
+            </a:p>
+          </p:txBody>
+        </p:sp>
+        <p:sp>
+          <p:nvSpPr>
+            <p:cNvPr id="15" name="燕尾形 14"/>
+            <p:cNvSpPr/>
+            <p:nvPr/>
+          </p:nvSpPr>
+          <p:spPr>
+            <a:xfrm>
+              <a:off x="653273" y="188640"/>
+              <a:ext cx="216024" cy="216024"/>
+            </a:xfrm>
+            <a:prstGeom prst="chevron">
+              <a:avLst/>
+            </a:prstGeom>
+            <a:grpFill/>
+            <a:ln>
+              <a:noFill/>
+            </a:ln>
+            <a:effectLst>
+              <a:outerShdw blurRad="63500" algn="ctr" rotWithShape="0">
+                <a:prstClr val="black">
+                  <a:alpha val="40000"/>
+                </a:prstClr>
+              </a:outerShdw>
+            </a:effectLst>
+          </p:spPr>
+          <p:txBody>
+            <a:bodyPr lIns="0" tIns="0" rIns="0" bIns="0" anchor="ctr"/>
+            <a:lstStyle/>
+            <a:p>
+              <a:endParaRPr lang="zh-CN" altLang="en-US" sz="900">
+                <a:solidFill>
+                  <a:srgbClr val="0070C0"/>
+                </a:solidFill>
+                <a:cs typeface="+mn-ea"/>
+              </a:endParaRPr>
+            </a:p>
+          </p:txBody>
+        </p:sp>
+      </p:grpSp>
+      <p:sp>
+        <p:nvSpPr>
+          <p:cNvPr id="16" name="2"/>
+          <p:cNvSpPr txBox="1"/>
+          <p:nvPr/>
+        </p:nvSpPr>
+        <p:spPr>
+          <a:xfrm>
+            <a:off x="1418247" y="211364"/>
+            <a:ext cx="5306644" cy="503905"/>
+          </a:xfrm>
+          <a:prstGeom prst="rect">
+            <a:avLst/>
+          </a:prstGeom>
+          <a:noFill/>
+        </p:spPr>
+        <p:txBody>
+          <a:bodyPr wrap="square" lIns="72312" tIns="36156" rIns="72312" bIns="36156" rtlCol="0">
+            <a:spAutoFit/>
+          </a:bodyPr>
+          <a:lstStyle/>
+          <a:p>
+            <a:pPr marL="0" lvl="1"/>
+            <a:r>
+              <a:rPr lang="zh-CN" altLang="en-US" sz="2800" spc="300" dirty="0" smtClean="0">
+                <a:solidFill>
+                  <a:srgbClr val="0D4960"/>
+                </a:solidFill>
+                <a:latin typeface="方正尚酷简体" panose="03000509000000000000" pitchFamily="65" charset="-122"/>
+                <a:ea typeface="方正尚酷简体" panose="03000509000000000000" pitchFamily="65" charset="-122"/>
+              </a:rPr>
+              <a:t>服务器之间拷贝文件</a:t>
+            </a:r>
+            <a:endParaRPr lang="en-US" altLang="zh-CN" sz="2800" spc="300" dirty="0" smtClean="0">
+              <a:solidFill>
+                <a:srgbClr val="0D4960"/>
+              </a:solidFill>
+              <a:latin typeface="方正尚酷简体" panose="03000509000000000000" pitchFamily="65" charset="-122"/>
+              <a:ea typeface="方正尚酷简体" panose="03000509000000000000" pitchFamily="65" charset="-122"/>
+            </a:endParaRPr>
+          </a:p>
+        </p:txBody>
+      </p:sp>
+      <p:cxnSp>
+        <p:nvCxnSpPr>
+          <p:cNvPr id="17" name="3"/>
+          <p:cNvCxnSpPr/>
+          <p:nvPr/>
+        </p:nvCxnSpPr>
+        <p:spPr>
+          <a:xfrm>
+            <a:off x="1418247" y="761569"/>
+            <a:ext cx="10174106" cy="0"/>
+          </a:xfrm>
+          <a:prstGeom prst="line">
+            <a:avLst/>
+          </a:prstGeom>
+          <a:ln>
+            <a:solidFill>
+              <a:schemeClr val="bg1">
+                <a:lumMod val="75000"/>
+              </a:schemeClr>
+            </a:solidFill>
+          </a:ln>
+        </p:spPr>
+        <p:style>
+          <a:lnRef idx="1">
+            <a:schemeClr val="accent1"/>
+          </a:lnRef>
+          <a:fillRef idx="0">
+            <a:schemeClr val="accent1"/>
+          </a:fillRef>
+          <a:effectRef idx="0">
+            <a:schemeClr val="accent1"/>
+          </a:effectRef>
+          <a:fontRef idx="minor">
+            <a:schemeClr val="tx1"/>
+          </a:fontRef>
+        </p:style>
+      </p:cxnSp>
+    </p:spTree>
+    <p:extLst>
+      <p:ext uri="{BB962C8B-B14F-4D97-AF65-F5344CB8AC3E}">
+        <p14:creationId xmlns:p14="http://schemas.microsoft.com/office/powerpoint/2010/main" xmlns="" val="1982124766"/>
+      </p:ext>
+    </p:extLst>
+  </p:cSld>
+  <p:clrMapOvr>
+    <a:masterClrMapping/>
+  </p:clrMapOvr>
+  <mc:AlternateContent xmlns:mc="http://schemas.openxmlformats.org/markup-compatibility/2006">
+    <mc:Choice xmlns:p14="http://schemas.microsoft.com/office/powerpoint/2010/main" xmlns="" Requires="p14">
+      <p:transition spd="slow" p14:dur="1500">
+        <p:random/>
+      </p:transition>
+    </mc:Choice>
+    <mc:Fallback>
+      <p:transition spd="slow">
+        <p:random/>
+      </p:transition>
+    </mc:Fallback>
+  </mc:AlternateContent>
+  <p:timing>
+    <p:tnLst>
+      <p:par>
+        <p:cTn id="1" dur="indefinite" restart="never" nodeType="tmRoot">
+          <p:childTnLst>
+            <p:seq concurrent="1" nextAc="seek">
+              <p:cTn id="2" dur="indefinite" nodeType="mainSeq">
+                <p:childTnLst>
+                  <p:par>
+                    <p:cTn id="3" fill="hold">
+                      <p:stCondLst>
+                        <p:cond delay="indefinite"/>
+                        <p:cond evt="onBegin" delay="0">
+                          <p:tn val="2"/>
+                        </p:cond>
+                      </p:stCondLst>
+                      <p:childTnLst>
+                        <p:par>
+                          <p:cTn id="4" fill="hold">
+                            <p:stCondLst>
+                              <p:cond delay="0"/>
+                            </p:stCondLst>
+                            <p:childTnLst>
+                              <p:par>
+                                <p:cTn id="5" presetID="2" presetClass="entr" presetSubtype="8" fill="hold" nodeType="afterEffect">
+                                  <p:stCondLst>
+                                    <p:cond delay="0"/>
+                                  </p:stCondLst>
+                                  <p:childTnLst>
+                                    <p:set>
+                                      <p:cBhvr>
+                                        <p:cTn id="6" dur="1" fill="hold">
+                                          <p:stCondLst>
+                                            <p:cond delay="0"/>
+                                          </p:stCondLst>
+                                        </p:cTn>
+                                        <p:tgtEl>
+                                          <p:spTgt spid="2"/>
+                                        </p:tgtEl>
+                                        <p:attrNameLst>
+                                          <p:attrName>style.visibility</p:attrName>
+                                        </p:attrNameLst>
+                                      </p:cBhvr>
+                                      <p:to>
+                                        <p:strVal val="visible"/>
+                                      </p:to>
+                                    </p:set>
+                                    <p:anim calcmode="lin" valueType="num">
+                                      <p:cBhvr additive="base">
+                                        <p:cTn id="7" dur="750" fill="hold"/>
+                                        <p:tgtEl>
+                                          <p:spTgt spid="2"/>
+                                        </p:tgtEl>
+                                        <p:attrNameLst>
+                                          <p:attrName>ppt_x</p:attrName>
+                                        </p:attrNameLst>
+                                      </p:cBhvr>
+                                      <p:tavLst>
+                                        <p:tav tm="0">
+                                          <p:val>
+                                            <p:strVal val="0-#ppt_w/2"/>
+                                          </p:val>
+                                        </p:tav>
+                                        <p:tav tm="100000">
+                                          <p:val>
+                                            <p:strVal val="#ppt_x"/>
+                                          </p:val>
+                                        </p:tav>
+                                      </p:tavLst>
+                                    </p:anim>
+                                    <p:anim calcmode="lin" valueType="num">
+                                      <p:cBhvr additive="base">
+                                        <p:cTn id="8" dur="750" fill="hold"/>
+                                        <p:tgtEl>
+                                          <p:spTgt spid="2"/>
+                                        </p:tgtEl>
+                                        <p:attrNameLst>
+                                          <p:attrName>ppt_y</p:attrName>
+                                        </p:attrNameLst>
+                                      </p:cBhvr>
+                                      <p:tavLst>
+                                        <p:tav tm="0">
+                                          <p:val>
+                                            <p:strVal val="#ppt_y"/>
+                                          </p:val>
+                                        </p:tav>
+                                        <p:tav tm="100000">
+                                          <p:val>
+                                            <p:strVal val="#ppt_y"/>
+                                          </p:val>
+                                        </p:tav>
+                                      </p:tavLst>
+                                    </p:anim>
+                                  </p:childTnLst>
+                                </p:cTn>
+                              </p:par>
+                            </p:childTnLst>
+                          </p:cTn>
+                        </p:par>
+                        <p:par>
+                          <p:cTn id="9" fill="hold">
+                            <p:stCondLst>
+                              <p:cond delay="750"/>
+                            </p:stCondLst>
+                            <p:childTnLst>
+                              <p:par>
+                                <p:cTn id="10" presetID="53" presetClass="entr" presetSubtype="16" fill="hold" grpId="0" nodeType="afterEffect">
+                                  <p:stCondLst>
+                                    <p:cond delay="0"/>
+                                  </p:stCondLst>
+                                  <p:iterate type="lt">
+                                    <p:tmPct val="10000"/>
+                                  </p:iterate>
+                                  <p:childTnLst>
+                                    <p:set>
+                                      <p:cBhvr>
+                                        <p:cTn id="11" dur="1" fill="hold">
+                                          <p:stCondLst>
+                                            <p:cond delay="0"/>
+                                          </p:stCondLst>
+                                        </p:cTn>
+                                        <p:tgtEl>
+                                          <p:spTgt spid="16"/>
+                                        </p:tgtEl>
+                                        <p:attrNameLst>
+                                          <p:attrName>style.visibility</p:attrName>
+                                        </p:attrNameLst>
+                                      </p:cBhvr>
+                                      <p:to>
+                                        <p:strVal val="visible"/>
+                                      </p:to>
+                                    </p:set>
+                                    <p:anim calcmode="lin" valueType="num">
+                                      <p:cBhvr>
+                                        <p:cTn id="12" dur="500" fill="hold"/>
+                                        <p:tgtEl>
+                                          <p:spTgt spid="16"/>
+                                        </p:tgtEl>
+                                        <p:attrNameLst>
+                                          <p:attrName>ppt_w</p:attrName>
+                                        </p:attrNameLst>
+                                      </p:cBhvr>
+                                      <p:tavLst>
+                                        <p:tav tm="0">
+                                          <p:val>
+                                            <p:fltVal val="0"/>
+                                          </p:val>
+                                        </p:tav>
+                                        <p:tav tm="100000">
+                                          <p:val>
+                                            <p:strVal val="#ppt_w"/>
+                                          </p:val>
+                                        </p:tav>
+                                      </p:tavLst>
+                                    </p:anim>
+                                    <p:anim calcmode="lin" valueType="num">
+                                      <p:cBhvr>
+                                        <p:cTn id="13" dur="500" fill="hold"/>
+                                        <p:tgtEl>
+                                          <p:spTgt spid="16"/>
+                                        </p:tgtEl>
+                                        <p:attrNameLst>
+                                          <p:attrName>ppt_h</p:attrName>
+                                        </p:attrNameLst>
+                                      </p:cBhvr>
+                                      <p:tavLst>
+                                        <p:tav tm="0">
+                                          <p:val>
+                                            <p:fltVal val="0"/>
+                                          </p:val>
+                                        </p:tav>
+                                        <p:tav tm="100000">
+                                          <p:val>
+                                            <p:strVal val="#ppt_h"/>
+                                          </p:val>
+                                        </p:tav>
+                                      </p:tavLst>
+                                    </p:anim>
+                                    <p:animEffect transition="in" filter="fade">
+                                      <p:cBhvr>
+                                        <p:cTn id="14" dur="500"/>
+                                        <p:tgtEl>
+                                          <p:spTgt spid="16"/>
+                                        </p:tgtEl>
+                                      </p:cBhvr>
+                                    </p:animEffect>
+                                  </p:childTnLst>
+                                </p:cTn>
+                              </p:par>
+                              <p:par>
+                                <p:cTn id="15" presetID="22" presetClass="entr" presetSubtype="2" fill="hold" nodeType="withEffect">
+                                  <p:stCondLst>
+                                    <p:cond delay="250"/>
+                                  </p:stCondLst>
+                                  <p:childTnLst>
+                                    <p:set>
+                                      <p:cBhvr>
+                                        <p:cTn id="16" dur="1" fill="hold">
+                                          <p:stCondLst>
+                                            <p:cond delay="0"/>
+                                          </p:stCondLst>
+                                        </p:cTn>
+                                        <p:tgtEl>
+                                          <p:spTgt spid="17"/>
+                                        </p:tgtEl>
+                                        <p:attrNameLst>
+                                          <p:attrName>style.visibility</p:attrName>
+                                        </p:attrNameLst>
+                                      </p:cBhvr>
+                                      <p:to>
+                                        <p:strVal val="visible"/>
+                                      </p:to>
+                                    </p:set>
+                                    <p:animEffect transition="in" filter="wipe(right)">
+                                      <p:cBhvr>
+                                        <p:cTn id="17" dur="750"/>
+                                        <p:tgtEl>
+                                          <p:spTgt spid="17"/>
+                                        </p:tgtEl>
+                                      </p:cBhvr>
+                                    </p:animEffect>
+                                  </p:childTnLst>
+                                </p:cTn>
+                              </p:par>
+                            </p:childTnLst>
+                          </p:cTn>
+                        </p:par>
+                      </p:childTnLst>
+                    </p:cTn>
+                  </p:par>
+                </p:childTnLst>
+              </p:cTn>
+              <p:prevCondLst>
+                <p:cond evt="onPrev" delay="0">
+                  <p:tgtEl>
+                    <p:sldTgt/>
+                  </p:tgtEl>
+                </p:cond>
+              </p:prevCondLst>
+              <p:nextCondLst>
+                <p:cond evt="onNext" delay="0">
+                  <p:tgtEl>
+                    <p:sldTgt/>
+                  </p:tgtEl>
+                </p:cond>
+              </p:nextCondLst>
+            </p:seq>
+          </p:childTnLst>
+        </p:cTn>
+      </p:par>
+    </p:tnLst>
+    <p:bldLst>
+      <p:bldP spid="16" grpId="0"/>
+    </p:bldLst>
+  </p:timing>
+</p:sld>
+</file>
+
+<file path=ppt/slides/slide15.xml><?xml version="1.0" encoding="utf-8"?>
+<p:sld xmlns:a="http://schemas.openxmlformats.org/drawingml/2006/main" xmlns:r="http://schemas.openxmlformats.org/officeDocument/2006/relationships" xmlns:p="http://schemas.openxmlformats.org/presentationml/2006/main">
+  <p:cSld>
+    <p:spTree>
+      <p:nvGrpSpPr>
+        <p:cNvPr id="1" name=""/>
+        <p:cNvGrpSpPr/>
+        <p:nvPr/>
+      </p:nvGrpSpPr>
+      <p:grpSpPr>
+        <a:xfrm>
+          <a:off x="0" y="0"/>
+          <a:ext cx="0" cy="0"/>
+          <a:chOff x="0" y="0"/>
+          <a:chExt cx="0" cy="0"/>
+        </a:xfrm>
+      </p:grpSpPr>
+      <p:grpSp>
+        <p:nvGrpSpPr>
+          <p:cNvPr id="2" name="1"/>
+          <p:cNvGrpSpPr/>
+          <p:nvPr/>
+        </p:nvGrpSpPr>
+        <p:grpSpPr>
+          <a:xfrm>
+            <a:off x="583060" y="342545"/>
+            <a:ext cx="637243" cy="227778"/>
+            <a:chOff x="264939" y="188640"/>
+            <a:chExt cx="604358" cy="216024"/>
+          </a:xfrm>
+          <a:solidFill>
+            <a:srgbClr val="0D4960"/>
+          </a:solidFill>
+        </p:grpSpPr>
+        <p:sp>
+          <p:nvSpPr>
+            <p:cNvPr id="13" name="燕尾形 12"/>
+            <p:cNvSpPr/>
+            <p:nvPr/>
+          </p:nvSpPr>
+          <p:spPr>
+            <a:xfrm>
+              <a:off x="264939" y="188640"/>
+              <a:ext cx="216024" cy="216024"/>
+            </a:xfrm>
+            <a:prstGeom prst="chevron">
+              <a:avLst/>
+            </a:prstGeom>
+            <a:grpFill/>
+            <a:ln>
+              <a:noFill/>
+            </a:ln>
+            <a:effectLst>
+              <a:outerShdw blurRad="63500" algn="ctr" rotWithShape="0">
+                <a:prstClr val="black">
+                  <a:alpha val="40000"/>
+                </a:prstClr>
+              </a:outerShdw>
+            </a:effectLst>
+          </p:spPr>
+          <p:txBody>
+            <a:bodyPr lIns="0" tIns="0" rIns="0" bIns="0" anchor="ctr"/>
+            <a:lstStyle/>
+            <a:p>
+              <a:endParaRPr lang="zh-CN" altLang="en-US" sz="900">
+                <a:solidFill>
+                  <a:srgbClr val="0070C0"/>
+                </a:solidFill>
+                <a:cs typeface="+mn-ea"/>
+              </a:endParaRPr>
+            </a:p>
+          </p:txBody>
+        </p:sp>
+        <p:sp>
+          <p:nvSpPr>
+            <p:cNvPr id="14" name="燕尾形 13"/>
+            <p:cNvSpPr/>
+            <p:nvPr/>
+          </p:nvSpPr>
+          <p:spPr>
+            <a:xfrm>
+              <a:off x="454914" y="188640"/>
+              <a:ext cx="216024" cy="216024"/>
+            </a:xfrm>
+            <a:prstGeom prst="chevron">
+              <a:avLst/>
+            </a:prstGeom>
+            <a:grpFill/>
+            <a:ln>
+              <a:noFill/>
+            </a:ln>
+            <a:effectLst>
+              <a:outerShdw blurRad="63500" algn="ctr" rotWithShape="0">
+                <a:prstClr val="black">
+                  <a:alpha val="40000"/>
+                </a:prstClr>
+              </a:outerShdw>
+            </a:effectLst>
+          </p:spPr>
+          <p:txBody>
+            <a:bodyPr lIns="0" tIns="0" rIns="0" bIns="0" anchor="ctr"/>
+            <a:lstStyle/>
+            <a:p>
+              <a:endParaRPr lang="zh-CN" altLang="en-US" sz="900">
+                <a:solidFill>
+                  <a:srgbClr val="0070C0"/>
+                </a:solidFill>
+                <a:cs typeface="+mn-ea"/>
+              </a:endParaRPr>
+            </a:p>
+          </p:txBody>
+        </p:sp>
+        <p:sp>
+          <p:nvSpPr>
+            <p:cNvPr id="15" name="燕尾形 14"/>
+            <p:cNvSpPr/>
+            <p:nvPr/>
+          </p:nvSpPr>
+          <p:spPr>
+            <a:xfrm>
+              <a:off x="653273" y="188640"/>
+              <a:ext cx="216024" cy="216024"/>
+            </a:xfrm>
+            <a:prstGeom prst="chevron">
+              <a:avLst/>
+            </a:prstGeom>
+            <a:grpFill/>
+            <a:ln>
+              <a:noFill/>
+            </a:ln>
+            <a:effectLst>
+              <a:outerShdw blurRad="63500" algn="ctr" rotWithShape="0">
+                <a:prstClr val="black">
+                  <a:alpha val="40000"/>
+                </a:prstClr>
+              </a:outerShdw>
+            </a:effectLst>
+          </p:spPr>
+          <p:txBody>
+            <a:bodyPr lIns="0" tIns="0" rIns="0" bIns="0" anchor="ctr"/>
+            <a:lstStyle/>
+            <a:p>
+              <a:endParaRPr lang="zh-CN" altLang="en-US" sz="900">
+                <a:solidFill>
+                  <a:srgbClr val="0070C0"/>
+                </a:solidFill>
+                <a:cs typeface="+mn-ea"/>
+              </a:endParaRPr>
+            </a:p>
+          </p:txBody>
+        </p:sp>
+      </p:grpSp>
+      <p:sp>
+        <p:nvSpPr>
+          <p:cNvPr id="16" name="2"/>
+          <p:cNvSpPr txBox="1"/>
+          <p:nvPr/>
+        </p:nvSpPr>
+        <p:spPr>
+          <a:xfrm>
+            <a:off x="1418247" y="211364"/>
+            <a:ext cx="5306644" cy="503905"/>
+          </a:xfrm>
+          <a:prstGeom prst="rect">
+            <a:avLst/>
+          </a:prstGeom>
+          <a:noFill/>
+        </p:spPr>
+        <p:txBody>
+          <a:bodyPr wrap="square" lIns="72312" tIns="36156" rIns="72312" bIns="36156" rtlCol="0">
+            <a:spAutoFit/>
+          </a:bodyPr>
+          <a:lstStyle/>
+          <a:p>
+            <a:pPr marL="0" lvl="1"/>
+            <a:r>
+              <a:rPr lang="zh-CN" altLang="en-US" sz="2800" spc="300" dirty="0" smtClean="0">
+                <a:solidFill>
+                  <a:srgbClr val="0D4960"/>
+                </a:solidFill>
+                <a:latin typeface="方正尚酷简体" panose="03000509000000000000" pitchFamily="65" charset="-122"/>
+                <a:ea typeface="方正尚酷简体" panose="03000509000000000000" pitchFamily="65" charset="-122"/>
+              </a:rPr>
+              <a:t>服务器之间拷贝文件</a:t>
+            </a:r>
+            <a:endParaRPr lang="en-US" altLang="zh-CN" sz="2800" spc="300" dirty="0" smtClean="0">
+              <a:solidFill>
+                <a:srgbClr val="0D4960"/>
+              </a:solidFill>
+              <a:latin typeface="方正尚酷简体" panose="03000509000000000000" pitchFamily="65" charset="-122"/>
+              <a:ea typeface="方正尚酷简体" panose="03000509000000000000" pitchFamily="65" charset="-122"/>
+            </a:endParaRPr>
+          </a:p>
+        </p:txBody>
+      </p:sp>
+      <p:cxnSp>
+        <p:nvCxnSpPr>
+          <p:cNvPr id="17" name="3"/>
+          <p:cNvCxnSpPr/>
+          <p:nvPr/>
+        </p:nvCxnSpPr>
+        <p:spPr>
+          <a:xfrm>
+            <a:off x="1418247" y="761569"/>
+            <a:ext cx="10174106" cy="0"/>
+          </a:xfrm>
+          <a:prstGeom prst="line">
+            <a:avLst/>
+          </a:prstGeom>
+          <a:ln>
+            <a:solidFill>
+              <a:schemeClr val="bg1">
+                <a:lumMod val="75000"/>
+              </a:schemeClr>
+            </a:solidFill>
+          </a:ln>
+        </p:spPr>
+        <p:style>
+          <a:lnRef idx="1">
+            <a:schemeClr val="accent1"/>
+          </a:lnRef>
+          <a:fillRef idx="0">
+            <a:schemeClr val="accent1"/>
+          </a:fillRef>
+          <a:effectRef idx="0">
+            <a:schemeClr val="accent1"/>
+          </a:effectRef>
+          <a:fontRef idx="minor">
+            <a:schemeClr val="tx1"/>
+          </a:fontRef>
+        </p:style>
+      </p:cxnSp>
+    </p:spTree>
+    <p:extLst>
+      <p:ext uri="{BB962C8B-B14F-4D97-AF65-F5344CB8AC3E}">
+        <p14:creationId xmlns:p14="http://schemas.microsoft.com/office/powerpoint/2010/main" xmlns="" val="1982124766"/>
+      </p:ext>
+    </p:extLst>
+  </p:cSld>
+  <p:clrMapOvr>
+    <a:masterClrMapping/>
+  </p:clrMapOvr>
+  <mc:AlternateContent xmlns:mc="http://schemas.openxmlformats.org/markup-compatibility/2006">
+    <mc:Choice xmlns:p14="http://schemas.microsoft.com/office/powerpoint/2010/main" xmlns="" Requires="p14">
+      <p:transition spd="slow" p14:dur="1500">
+        <p:random/>
+      </p:transition>
+    </mc:Choice>
+    <mc:Fallback>
+      <p:transition spd="slow">
+        <p:random/>
+      </p:transition>
+    </mc:Fallback>
+  </mc:AlternateContent>
+  <p:timing>
+    <p:tnLst>
+      <p:par>
+        <p:cTn id="1" dur="indefinite" restart="never" nodeType="tmRoot">
+          <p:childTnLst>
+            <p:seq concurrent="1" nextAc="seek">
+              <p:cTn id="2" dur="indefinite" nodeType="mainSeq">
+                <p:childTnLst>
+                  <p:par>
+                    <p:cTn id="3" fill="hold">
+                      <p:stCondLst>
+                        <p:cond delay="indefinite"/>
+                        <p:cond evt="onBegin" delay="0">
+                          <p:tn val="2"/>
+                        </p:cond>
+                      </p:stCondLst>
+                      <p:childTnLst>
+                        <p:par>
+                          <p:cTn id="4" fill="hold">
+                            <p:stCondLst>
+                              <p:cond delay="0"/>
+                            </p:stCondLst>
+                            <p:childTnLst>
+                              <p:par>
+                                <p:cTn id="5" presetID="2" presetClass="entr" presetSubtype="8" fill="hold" nodeType="afterEffect">
+                                  <p:stCondLst>
+                                    <p:cond delay="0"/>
+                                  </p:stCondLst>
+                                  <p:childTnLst>
+                                    <p:set>
+                                      <p:cBhvr>
+                                        <p:cTn id="6" dur="1" fill="hold">
+                                          <p:stCondLst>
+                                            <p:cond delay="0"/>
+                                          </p:stCondLst>
+                                        </p:cTn>
+                                        <p:tgtEl>
+                                          <p:spTgt spid="2"/>
+                                        </p:tgtEl>
+                                        <p:attrNameLst>
+                                          <p:attrName>style.visibility</p:attrName>
+                                        </p:attrNameLst>
+                                      </p:cBhvr>
+                                      <p:to>
+                                        <p:strVal val="visible"/>
+                                      </p:to>
+                                    </p:set>
+                                    <p:anim calcmode="lin" valueType="num">
+                                      <p:cBhvr additive="base">
+                                        <p:cTn id="7" dur="750" fill="hold"/>
+                                        <p:tgtEl>
+                                          <p:spTgt spid="2"/>
+                                        </p:tgtEl>
+                                        <p:attrNameLst>
+                                          <p:attrName>ppt_x</p:attrName>
+                                        </p:attrNameLst>
+                                      </p:cBhvr>
+                                      <p:tavLst>
+                                        <p:tav tm="0">
+                                          <p:val>
+                                            <p:strVal val="0-#ppt_w/2"/>
+                                          </p:val>
+                                        </p:tav>
+                                        <p:tav tm="100000">
+                                          <p:val>
+                                            <p:strVal val="#ppt_x"/>
+                                          </p:val>
+                                        </p:tav>
+                                      </p:tavLst>
+                                    </p:anim>
+                                    <p:anim calcmode="lin" valueType="num">
+                                      <p:cBhvr additive="base">
+                                        <p:cTn id="8" dur="750" fill="hold"/>
+                                        <p:tgtEl>
+                                          <p:spTgt spid="2"/>
+                                        </p:tgtEl>
+                                        <p:attrNameLst>
+                                          <p:attrName>ppt_y</p:attrName>
+                                        </p:attrNameLst>
+                                      </p:cBhvr>
+                                      <p:tavLst>
+                                        <p:tav tm="0">
+                                          <p:val>
+                                            <p:strVal val="#ppt_y"/>
+                                          </p:val>
+                                        </p:tav>
+                                        <p:tav tm="100000">
+                                          <p:val>
+                                            <p:strVal val="#ppt_y"/>
+                                          </p:val>
+                                        </p:tav>
+                                      </p:tavLst>
+                                    </p:anim>
+                                  </p:childTnLst>
+                                </p:cTn>
+                              </p:par>
+                            </p:childTnLst>
+                          </p:cTn>
+                        </p:par>
+                        <p:par>
+                          <p:cTn id="9" fill="hold">
+                            <p:stCondLst>
+                              <p:cond delay="750"/>
+                            </p:stCondLst>
+                            <p:childTnLst>
+                              <p:par>
+                                <p:cTn id="10" presetID="53" presetClass="entr" presetSubtype="16" fill="hold" grpId="0" nodeType="afterEffect">
+                                  <p:stCondLst>
+                                    <p:cond delay="0"/>
+                                  </p:stCondLst>
+                                  <p:iterate type="lt">
+                                    <p:tmPct val="10000"/>
+                                  </p:iterate>
+                                  <p:childTnLst>
+                                    <p:set>
+                                      <p:cBhvr>
+                                        <p:cTn id="11" dur="1" fill="hold">
+                                          <p:stCondLst>
+                                            <p:cond delay="0"/>
+                                          </p:stCondLst>
+                                        </p:cTn>
+                                        <p:tgtEl>
+                                          <p:spTgt spid="16"/>
+                                        </p:tgtEl>
+                                        <p:attrNameLst>
+                                          <p:attrName>style.visibility</p:attrName>
+                                        </p:attrNameLst>
+                                      </p:cBhvr>
+                                      <p:to>
+                                        <p:strVal val="visible"/>
+                                      </p:to>
+                                    </p:set>
+                                    <p:anim calcmode="lin" valueType="num">
+                                      <p:cBhvr>
+                                        <p:cTn id="12" dur="500" fill="hold"/>
+                                        <p:tgtEl>
+                                          <p:spTgt spid="16"/>
+                                        </p:tgtEl>
+                                        <p:attrNameLst>
+                                          <p:attrName>ppt_w</p:attrName>
+                                        </p:attrNameLst>
+                                      </p:cBhvr>
+                                      <p:tavLst>
+                                        <p:tav tm="0">
+                                          <p:val>
+                                            <p:fltVal val="0"/>
+                                          </p:val>
+                                        </p:tav>
+                                        <p:tav tm="100000">
+                                          <p:val>
+                                            <p:strVal val="#ppt_w"/>
+                                          </p:val>
+                                        </p:tav>
+                                      </p:tavLst>
+                                    </p:anim>
+                                    <p:anim calcmode="lin" valueType="num">
+                                      <p:cBhvr>
+                                        <p:cTn id="13" dur="500" fill="hold"/>
+                                        <p:tgtEl>
+                                          <p:spTgt spid="16"/>
+                                        </p:tgtEl>
+                                        <p:attrNameLst>
+                                          <p:attrName>ppt_h</p:attrName>
+                                        </p:attrNameLst>
+                                      </p:cBhvr>
+                                      <p:tavLst>
+                                        <p:tav tm="0">
+                                          <p:val>
+                                            <p:fltVal val="0"/>
+                                          </p:val>
+                                        </p:tav>
+                                        <p:tav tm="100000">
+                                          <p:val>
+                                            <p:strVal val="#ppt_h"/>
+                                          </p:val>
+                                        </p:tav>
+                                      </p:tavLst>
+                                    </p:anim>
+                                    <p:animEffect transition="in" filter="fade">
+                                      <p:cBhvr>
+                                        <p:cTn id="14" dur="500"/>
+                                        <p:tgtEl>
+                                          <p:spTgt spid="16"/>
+                                        </p:tgtEl>
+                                      </p:cBhvr>
+                                    </p:animEffect>
+                                  </p:childTnLst>
+                                </p:cTn>
+                              </p:par>
+                              <p:par>
+                                <p:cTn id="15" presetID="22" presetClass="entr" presetSubtype="2" fill="hold" nodeType="withEffect">
+                                  <p:stCondLst>
+                                    <p:cond delay="250"/>
+                                  </p:stCondLst>
+                                  <p:childTnLst>
+                                    <p:set>
+                                      <p:cBhvr>
+                                        <p:cTn id="16" dur="1" fill="hold">
+                                          <p:stCondLst>
+                                            <p:cond delay="0"/>
+                                          </p:stCondLst>
+                                        </p:cTn>
+                                        <p:tgtEl>
+                                          <p:spTgt spid="17"/>
+                                        </p:tgtEl>
+                                        <p:attrNameLst>
+                                          <p:attrName>style.visibility</p:attrName>
+                                        </p:attrNameLst>
+                                      </p:cBhvr>
+                                      <p:to>
+                                        <p:strVal val="visible"/>
+                                      </p:to>
+                                    </p:set>
+                                    <p:animEffect transition="in" filter="wipe(right)">
+                                      <p:cBhvr>
+                                        <p:cTn id="17" dur="750"/>
+                                        <p:tgtEl>
+                                          <p:spTgt spid="17"/>
+                                        </p:tgtEl>
+                                      </p:cBhvr>
+                                    </p:animEffect>
+                                  </p:childTnLst>
+                                </p:cTn>
+                              </p:par>
+                            </p:childTnLst>
+                          </p:cTn>
+                        </p:par>
+                      </p:childTnLst>
+                    </p:cTn>
+                  </p:par>
+                </p:childTnLst>
+              </p:cTn>
+              <p:prevCondLst>
+                <p:cond evt="onPrev" delay="0">
+                  <p:tgtEl>
+                    <p:sldTgt/>
+                  </p:tgtEl>
+                </p:cond>
+              </p:prevCondLst>
+              <p:nextCondLst>
+                <p:cond evt="onNext" delay="0">
+                  <p:tgtEl>
+                    <p:sldTgt/>
+                  </p:tgtEl>
+                </p:cond>
+              </p:nextCondLst>
+            </p:seq>
+          </p:childTnLst>
+        </p:cTn>
+      </p:par>
+    </p:tnLst>
+    <p:bldLst>
+      <p:bldP spid="16" grpId="0"/>
+    </p:bldLst>
+  </p:timing>
+</p:sld>
+</file>
+
+<file path=ppt/slides/slide16.xml><?xml version="1.0" encoding="utf-8"?>
+<p:sld xmlns:a="http://schemas.openxmlformats.org/drawingml/2006/main" xmlns:r="http://schemas.openxmlformats.org/officeDocument/2006/relationships" xmlns:p="http://schemas.openxmlformats.org/presentationml/2006/main">
+  <p:cSld>
+    <p:spTree>
+      <p:nvGrpSpPr>
+        <p:cNvPr id="1" name=""/>
+        <p:cNvGrpSpPr/>
+        <p:nvPr/>
+      </p:nvGrpSpPr>
+      <p:grpSpPr>
+        <a:xfrm>
+          <a:off x="0" y="0"/>
+          <a:ext cx="0" cy="0"/>
+          <a:chOff x="0" y="0"/>
+          <a:chExt cx="0" cy="0"/>
+        </a:xfrm>
+      </p:grpSpPr>
+      <p:grpSp>
+        <p:nvGrpSpPr>
+          <p:cNvPr id="2" name="1"/>
+          <p:cNvGrpSpPr/>
+          <p:nvPr/>
+        </p:nvGrpSpPr>
+        <p:grpSpPr>
+          <a:xfrm>
+            <a:off x="583060" y="342545"/>
+            <a:ext cx="637243" cy="227778"/>
+            <a:chOff x="264939" y="188640"/>
+            <a:chExt cx="604358" cy="216024"/>
+          </a:xfrm>
+          <a:solidFill>
+            <a:srgbClr val="0D4960"/>
+          </a:solidFill>
+        </p:grpSpPr>
+        <p:sp>
+          <p:nvSpPr>
+            <p:cNvPr id="13" name="燕尾形 12"/>
+            <p:cNvSpPr/>
+            <p:nvPr/>
+          </p:nvSpPr>
+          <p:spPr>
+            <a:xfrm>
+              <a:off x="264939" y="188640"/>
+              <a:ext cx="216024" cy="216024"/>
+            </a:xfrm>
+            <a:prstGeom prst="chevron">
+              <a:avLst/>
+            </a:prstGeom>
+            <a:grpFill/>
+            <a:ln>
+              <a:noFill/>
+            </a:ln>
+            <a:effectLst>
+              <a:outerShdw blurRad="63500" algn="ctr" rotWithShape="0">
+                <a:prstClr val="black">
+                  <a:alpha val="40000"/>
+                </a:prstClr>
+              </a:outerShdw>
+            </a:effectLst>
+          </p:spPr>
+          <p:txBody>
+            <a:bodyPr lIns="0" tIns="0" rIns="0" bIns="0" anchor="ctr"/>
+            <a:lstStyle/>
+            <a:p>
+              <a:endParaRPr lang="zh-CN" altLang="en-US" sz="900">
+                <a:solidFill>
+                  <a:srgbClr val="0070C0"/>
+                </a:solidFill>
+                <a:cs typeface="+mn-ea"/>
+              </a:endParaRPr>
+            </a:p>
+          </p:txBody>
+        </p:sp>
+        <p:sp>
+          <p:nvSpPr>
+            <p:cNvPr id="14" name="燕尾形 13"/>
+            <p:cNvSpPr/>
+            <p:nvPr/>
+          </p:nvSpPr>
+          <p:spPr>
+            <a:xfrm>
+              <a:off x="454914" y="188640"/>
+              <a:ext cx="216024" cy="216024"/>
+            </a:xfrm>
+            <a:prstGeom prst="chevron">
+              <a:avLst/>
+            </a:prstGeom>
+            <a:grpFill/>
+            <a:ln>
+              <a:noFill/>
+            </a:ln>
+            <a:effectLst>
+              <a:outerShdw blurRad="63500" algn="ctr" rotWithShape="0">
+                <a:prstClr val="black">
+                  <a:alpha val="40000"/>
+                </a:prstClr>
+              </a:outerShdw>
+            </a:effectLst>
+          </p:spPr>
+          <p:txBody>
+            <a:bodyPr lIns="0" tIns="0" rIns="0" bIns="0" anchor="ctr"/>
+            <a:lstStyle/>
+            <a:p>
+              <a:endParaRPr lang="zh-CN" altLang="en-US" sz="900">
+                <a:solidFill>
+                  <a:srgbClr val="0070C0"/>
+                </a:solidFill>
+                <a:cs typeface="+mn-ea"/>
+              </a:endParaRPr>
+            </a:p>
+          </p:txBody>
+        </p:sp>
+        <p:sp>
+          <p:nvSpPr>
+            <p:cNvPr id="15" name="燕尾形 14"/>
+            <p:cNvSpPr/>
+            <p:nvPr/>
+          </p:nvSpPr>
+          <p:spPr>
+            <a:xfrm>
+              <a:off x="653273" y="188640"/>
+              <a:ext cx="216024" cy="216024"/>
+            </a:xfrm>
+            <a:prstGeom prst="chevron">
+              <a:avLst/>
+            </a:prstGeom>
+            <a:grpFill/>
+            <a:ln>
+              <a:noFill/>
+            </a:ln>
+            <a:effectLst>
+              <a:outerShdw blurRad="63500" algn="ctr" rotWithShape="0">
+                <a:prstClr val="black">
+                  <a:alpha val="40000"/>
+                </a:prstClr>
+              </a:outerShdw>
+            </a:effectLst>
+          </p:spPr>
+          <p:txBody>
+            <a:bodyPr lIns="0" tIns="0" rIns="0" bIns="0" anchor="ctr"/>
+            <a:lstStyle/>
+            <a:p>
+              <a:endParaRPr lang="zh-CN" altLang="en-US" sz="900">
+                <a:solidFill>
+                  <a:srgbClr val="0070C0"/>
+                </a:solidFill>
+                <a:cs typeface="+mn-ea"/>
+              </a:endParaRPr>
+            </a:p>
+          </p:txBody>
+        </p:sp>
+      </p:grpSp>
+      <p:sp>
+        <p:nvSpPr>
+          <p:cNvPr id="16" name="2"/>
+          <p:cNvSpPr txBox="1"/>
+          <p:nvPr/>
+        </p:nvSpPr>
+        <p:spPr>
+          <a:xfrm>
+            <a:off x="1418247" y="211364"/>
+            <a:ext cx="5306644" cy="503905"/>
+          </a:xfrm>
+          <a:prstGeom prst="rect">
+            <a:avLst/>
+          </a:prstGeom>
+          <a:noFill/>
+        </p:spPr>
+        <p:txBody>
+          <a:bodyPr wrap="square" lIns="72312" tIns="36156" rIns="72312" bIns="36156" rtlCol="0">
+            <a:spAutoFit/>
+          </a:bodyPr>
+          <a:lstStyle/>
+          <a:p>
+            <a:pPr marL="0" lvl="1"/>
+            <a:r>
+              <a:rPr lang="zh-CN" altLang="en-US" sz="2800" spc="300" dirty="0" smtClean="0">
+                <a:solidFill>
+                  <a:srgbClr val="0D4960"/>
+                </a:solidFill>
+                <a:latin typeface="方正尚酷简体" panose="03000509000000000000" pitchFamily="65" charset="-122"/>
+                <a:ea typeface="方正尚酷简体" panose="03000509000000000000" pitchFamily="65" charset="-122"/>
+              </a:rPr>
+              <a:t>服务器之间拷贝文件</a:t>
+            </a:r>
+            <a:endParaRPr lang="en-US" altLang="zh-CN" sz="2800" spc="300" dirty="0" smtClean="0">
+              <a:solidFill>
+                <a:srgbClr val="0D4960"/>
+              </a:solidFill>
+              <a:latin typeface="方正尚酷简体" panose="03000509000000000000" pitchFamily="65" charset="-122"/>
+              <a:ea typeface="方正尚酷简体" panose="03000509000000000000" pitchFamily="65" charset="-122"/>
+            </a:endParaRPr>
+          </a:p>
+        </p:txBody>
+      </p:sp>
+      <p:cxnSp>
+        <p:nvCxnSpPr>
+          <p:cNvPr id="17" name="3"/>
+          <p:cNvCxnSpPr/>
+          <p:nvPr/>
+        </p:nvCxnSpPr>
+        <p:spPr>
+          <a:xfrm>
+            <a:off x="1418247" y="761569"/>
+            <a:ext cx="10174106" cy="0"/>
+          </a:xfrm>
+          <a:prstGeom prst="line">
+            <a:avLst/>
+          </a:prstGeom>
+          <a:ln>
+            <a:solidFill>
+              <a:schemeClr val="bg1">
+                <a:lumMod val="75000"/>
+              </a:schemeClr>
+            </a:solidFill>
+          </a:ln>
+        </p:spPr>
+        <p:style>
+          <a:lnRef idx="1">
+            <a:schemeClr val="accent1"/>
+          </a:lnRef>
+          <a:fillRef idx="0">
+            <a:schemeClr val="accent1"/>
+          </a:fillRef>
+          <a:effectRef idx="0">
+            <a:schemeClr val="accent1"/>
+          </a:effectRef>
+          <a:fontRef idx="minor">
+            <a:schemeClr val="tx1"/>
+          </a:fontRef>
+        </p:style>
+      </p:cxnSp>
+    </p:spTree>
+    <p:extLst>
+      <p:ext uri="{BB962C8B-B14F-4D97-AF65-F5344CB8AC3E}">
+        <p14:creationId xmlns:p14="http://schemas.microsoft.com/office/powerpoint/2010/main" xmlns="" val="1982124766"/>
+      </p:ext>
+    </p:extLst>
+  </p:cSld>
+  <p:clrMapOvr>
+    <a:masterClrMapping/>
+  </p:clrMapOvr>
+  <mc:AlternateContent xmlns:mc="http://schemas.openxmlformats.org/markup-compatibility/2006">
+    <mc:Choice xmlns:p14="http://schemas.microsoft.com/office/powerpoint/2010/main" xmlns="" Requires="p14">
+      <p:transition spd="slow" p14:dur="1500">
+        <p:random/>
+      </p:transition>
+    </mc:Choice>
+    <mc:Fallback>
+      <p:transition spd="slow">
+        <p:random/>
+      </p:transition>
+    </mc:Fallback>
+  </mc:AlternateContent>
+  <p:timing>
+    <p:tnLst>
+      <p:par>
+        <p:cTn id="1" dur="indefinite" restart="never" nodeType="tmRoot">
+          <p:childTnLst>
+            <p:seq concurrent="1" nextAc="seek">
+              <p:cTn id="2" dur="indefinite" nodeType="mainSeq">
+                <p:childTnLst>
+                  <p:par>
+                    <p:cTn id="3" fill="hold">
+                      <p:stCondLst>
+                        <p:cond delay="indefinite"/>
+                        <p:cond evt="onBegin" delay="0">
+                          <p:tn val="2"/>
+                        </p:cond>
+                      </p:stCondLst>
+                      <p:childTnLst>
+                        <p:par>
+                          <p:cTn id="4" fill="hold">
+                            <p:stCondLst>
+                              <p:cond delay="0"/>
+                            </p:stCondLst>
+                            <p:childTnLst>
+                              <p:par>
+                                <p:cTn id="5" presetID="2" presetClass="entr" presetSubtype="8" fill="hold" nodeType="afterEffect">
+                                  <p:stCondLst>
+                                    <p:cond delay="0"/>
+                                  </p:stCondLst>
+                                  <p:childTnLst>
+                                    <p:set>
+                                      <p:cBhvr>
+                                        <p:cTn id="6" dur="1" fill="hold">
+                                          <p:stCondLst>
+                                            <p:cond delay="0"/>
+                                          </p:stCondLst>
+                                        </p:cTn>
+                                        <p:tgtEl>
+                                          <p:spTgt spid="2"/>
+                                        </p:tgtEl>
+                                        <p:attrNameLst>
+                                          <p:attrName>style.visibility</p:attrName>
+                                        </p:attrNameLst>
+                                      </p:cBhvr>
+                                      <p:to>
+                                        <p:strVal val="visible"/>
+                                      </p:to>
+                                    </p:set>
+                                    <p:anim calcmode="lin" valueType="num">
+                                      <p:cBhvr additive="base">
+                                        <p:cTn id="7" dur="750" fill="hold"/>
+                                        <p:tgtEl>
+                                          <p:spTgt spid="2"/>
+                                        </p:tgtEl>
+                                        <p:attrNameLst>
+                                          <p:attrName>ppt_x</p:attrName>
+                                        </p:attrNameLst>
+                                      </p:cBhvr>
+                                      <p:tavLst>
+                                        <p:tav tm="0">
+                                          <p:val>
+                                            <p:strVal val="0-#ppt_w/2"/>
+                                          </p:val>
+                                        </p:tav>
+                                        <p:tav tm="100000">
+                                          <p:val>
+                                            <p:strVal val="#ppt_x"/>
+                                          </p:val>
+                                        </p:tav>
+                                      </p:tavLst>
+                                    </p:anim>
+                                    <p:anim calcmode="lin" valueType="num">
+                                      <p:cBhvr additive="base">
+                                        <p:cTn id="8" dur="750" fill="hold"/>
+                                        <p:tgtEl>
+                                          <p:spTgt spid="2"/>
+                                        </p:tgtEl>
+                                        <p:attrNameLst>
+                                          <p:attrName>ppt_y</p:attrName>
+                                        </p:attrNameLst>
+                                      </p:cBhvr>
+                                      <p:tavLst>
+                                        <p:tav tm="0">
+                                          <p:val>
+                                            <p:strVal val="#ppt_y"/>
+                                          </p:val>
+                                        </p:tav>
+                                        <p:tav tm="100000">
+                                          <p:val>
+                                            <p:strVal val="#ppt_y"/>
+                                          </p:val>
+                                        </p:tav>
+                                      </p:tavLst>
+                                    </p:anim>
+                                  </p:childTnLst>
+                                </p:cTn>
+                              </p:par>
+                            </p:childTnLst>
+                          </p:cTn>
+                        </p:par>
+                        <p:par>
+                          <p:cTn id="9" fill="hold">
+                            <p:stCondLst>
+                              <p:cond delay="750"/>
+                            </p:stCondLst>
+                            <p:childTnLst>
+                              <p:par>
+                                <p:cTn id="10" presetID="53" presetClass="entr" presetSubtype="16" fill="hold" grpId="0" nodeType="afterEffect">
+                                  <p:stCondLst>
+                                    <p:cond delay="0"/>
+                                  </p:stCondLst>
+                                  <p:iterate type="lt">
+                                    <p:tmPct val="10000"/>
+                                  </p:iterate>
+                                  <p:childTnLst>
+                                    <p:set>
+                                      <p:cBhvr>
+                                        <p:cTn id="11" dur="1" fill="hold">
+                                          <p:stCondLst>
+                                            <p:cond delay="0"/>
+                                          </p:stCondLst>
+                                        </p:cTn>
+                                        <p:tgtEl>
+                                          <p:spTgt spid="16"/>
+                                        </p:tgtEl>
+                                        <p:attrNameLst>
+                                          <p:attrName>style.visibility</p:attrName>
+                                        </p:attrNameLst>
+                                      </p:cBhvr>
+                                      <p:to>
+                                        <p:strVal val="visible"/>
+                                      </p:to>
+                                    </p:set>
+                                    <p:anim calcmode="lin" valueType="num">
+                                      <p:cBhvr>
+                                        <p:cTn id="12" dur="500" fill="hold"/>
+                                        <p:tgtEl>
+                                          <p:spTgt spid="16"/>
+                                        </p:tgtEl>
+                                        <p:attrNameLst>
+                                          <p:attrName>ppt_w</p:attrName>
+                                        </p:attrNameLst>
+                                      </p:cBhvr>
+                                      <p:tavLst>
+                                        <p:tav tm="0">
+                                          <p:val>
+                                            <p:fltVal val="0"/>
+                                          </p:val>
+                                        </p:tav>
+                                        <p:tav tm="100000">
+                                          <p:val>
+                                            <p:strVal val="#ppt_w"/>
+                                          </p:val>
+                                        </p:tav>
+                                      </p:tavLst>
+                                    </p:anim>
+                                    <p:anim calcmode="lin" valueType="num">
+                                      <p:cBhvr>
+                                        <p:cTn id="13" dur="500" fill="hold"/>
+                                        <p:tgtEl>
+                                          <p:spTgt spid="16"/>
+                                        </p:tgtEl>
+                                        <p:attrNameLst>
+                                          <p:attrName>ppt_h</p:attrName>
+                                        </p:attrNameLst>
+                                      </p:cBhvr>
+                                      <p:tavLst>
+                                        <p:tav tm="0">
+                                          <p:val>
+                                            <p:fltVal val="0"/>
+                                          </p:val>
+                                        </p:tav>
+                                        <p:tav tm="100000">
+                                          <p:val>
+                                            <p:strVal val="#ppt_h"/>
+                                          </p:val>
+                                        </p:tav>
+                                      </p:tavLst>
+                                    </p:anim>
+                                    <p:animEffect transition="in" filter="fade">
+                                      <p:cBhvr>
+                                        <p:cTn id="14" dur="500"/>
+                                        <p:tgtEl>
+                                          <p:spTgt spid="16"/>
+                                        </p:tgtEl>
+                                      </p:cBhvr>
+                                    </p:animEffect>
+                                  </p:childTnLst>
+                                </p:cTn>
+                              </p:par>
+                              <p:par>
+                                <p:cTn id="15" presetID="22" presetClass="entr" presetSubtype="2" fill="hold" nodeType="withEffect">
+                                  <p:stCondLst>
+                                    <p:cond delay="250"/>
+                                  </p:stCondLst>
+                                  <p:childTnLst>
+                                    <p:set>
+                                      <p:cBhvr>
+                                        <p:cTn id="16" dur="1" fill="hold">
+                                          <p:stCondLst>
+                                            <p:cond delay="0"/>
+                                          </p:stCondLst>
+                                        </p:cTn>
+                                        <p:tgtEl>
+                                          <p:spTgt spid="17"/>
+                                        </p:tgtEl>
+                                        <p:attrNameLst>
+                                          <p:attrName>style.visibility</p:attrName>
+                                        </p:attrNameLst>
+                                      </p:cBhvr>
+                                      <p:to>
+                                        <p:strVal val="visible"/>
+                                      </p:to>
+                                    </p:set>
+                                    <p:animEffect transition="in" filter="wipe(right)">
+                                      <p:cBhvr>
+                                        <p:cTn id="17" dur="750"/>
+                                        <p:tgtEl>
+                                          <p:spTgt spid="17"/>
+                                        </p:tgtEl>
+                                      </p:cBhvr>
+                                    </p:animEffect>
+                                  </p:childTnLst>
+                                </p:cTn>
+                              </p:par>
+                            </p:childTnLst>
+                          </p:cTn>
+                        </p:par>
+                      </p:childTnLst>
+                    </p:cTn>
+                  </p:par>
+                </p:childTnLst>
+              </p:cTn>
+              <p:prevCondLst>
+                <p:cond evt="onPrev" delay="0">
+                  <p:tgtEl>
+                    <p:sldTgt/>
+                  </p:tgtEl>
+                </p:cond>
+              </p:prevCondLst>
+              <p:nextCondLst>
+                <p:cond evt="onNext" delay="0">
+                  <p:tgtEl>
+                    <p:sldTgt/>
+                  </p:tgtEl>
+                </p:cond>
+              </p:nextCondLst>
+            </p:seq>
+          </p:childTnLst>
+        </p:cTn>
+      </p:par>
+    </p:tnLst>
+    <p:bldLst>
+      <p:bldP spid="16" grpId="0"/>
+    </p:bldLst>
+  </p:timing>
+</p:sld>
+</file>
+
+<file path=ppt/slides/slide17.xml><?xml version="1.0" encoding="utf-8"?>
+<p:sld xmlns:a="http://schemas.openxmlformats.org/drawingml/2006/main" xmlns:r="http://schemas.openxmlformats.org/officeDocument/2006/relationships" xmlns:p="http://schemas.openxmlformats.org/presentationml/2006/main">
+  <p:cSld>
+    <p:spTree>
+      <p:nvGrpSpPr>
+        <p:cNvPr id="1" name=""/>
+        <p:cNvGrpSpPr/>
+        <p:nvPr/>
+      </p:nvGrpSpPr>
+      <p:grpSpPr>
+        <a:xfrm>
+          <a:off x="0" y="0"/>
+          <a:ext cx="0" cy="0"/>
+          <a:chOff x="0" y="0"/>
+          <a:chExt cx="0" cy="0"/>
+        </a:xfrm>
+      </p:grpSpPr>
+      <p:grpSp>
+        <p:nvGrpSpPr>
+          <p:cNvPr id="2" name="1"/>
+          <p:cNvGrpSpPr/>
+          <p:nvPr/>
+        </p:nvGrpSpPr>
+        <p:grpSpPr>
+          <a:xfrm>
+            <a:off x="583060" y="342545"/>
+            <a:ext cx="637243" cy="227778"/>
+            <a:chOff x="264939" y="188640"/>
+            <a:chExt cx="604358" cy="216024"/>
+          </a:xfrm>
+          <a:solidFill>
+            <a:srgbClr val="0D4960"/>
+          </a:solidFill>
+        </p:grpSpPr>
+        <p:sp>
+          <p:nvSpPr>
+            <p:cNvPr id="13" name="燕尾形 12"/>
+            <p:cNvSpPr/>
+            <p:nvPr/>
+          </p:nvSpPr>
+          <p:spPr>
+            <a:xfrm>
+              <a:off x="264939" y="188640"/>
+              <a:ext cx="216024" cy="216024"/>
+            </a:xfrm>
+            <a:prstGeom prst="chevron">
+              <a:avLst/>
+            </a:prstGeom>
+            <a:grpFill/>
+            <a:ln>
+              <a:noFill/>
+            </a:ln>
+            <a:effectLst>
+              <a:outerShdw blurRad="63500" algn="ctr" rotWithShape="0">
+                <a:prstClr val="black">
+                  <a:alpha val="40000"/>
+                </a:prstClr>
+              </a:outerShdw>
+            </a:effectLst>
+          </p:spPr>
+          <p:txBody>
+            <a:bodyPr lIns="0" tIns="0" rIns="0" bIns="0" anchor="ctr"/>
+            <a:lstStyle/>
+            <a:p>
+              <a:endParaRPr lang="zh-CN" altLang="en-US" sz="900">
+                <a:solidFill>
+                  <a:srgbClr val="0070C0"/>
+                </a:solidFill>
+                <a:cs typeface="+mn-ea"/>
+              </a:endParaRPr>
+            </a:p>
+          </p:txBody>
+        </p:sp>
+        <p:sp>
+          <p:nvSpPr>
+            <p:cNvPr id="14" name="燕尾形 13"/>
+            <p:cNvSpPr/>
+            <p:nvPr/>
+          </p:nvSpPr>
+          <p:spPr>
+            <a:xfrm>
+              <a:off x="454914" y="188640"/>
+              <a:ext cx="216024" cy="216024"/>
+            </a:xfrm>
+            <a:prstGeom prst="chevron">
+              <a:avLst/>
+            </a:prstGeom>
+            <a:grpFill/>
+            <a:ln>
+              <a:noFill/>
+            </a:ln>
+            <a:effectLst>
+              <a:outerShdw blurRad="63500" algn="ctr" rotWithShape="0">
+                <a:prstClr val="black">
+                  <a:alpha val="40000"/>
+                </a:prstClr>
+              </a:outerShdw>
+            </a:effectLst>
+          </p:spPr>
+          <p:txBody>
+            <a:bodyPr lIns="0" tIns="0" rIns="0" bIns="0" anchor="ctr"/>
+            <a:lstStyle/>
+            <a:p>
+              <a:endParaRPr lang="zh-CN" altLang="en-US" sz="900">
+                <a:solidFill>
+                  <a:srgbClr val="0070C0"/>
+                </a:solidFill>
+                <a:cs typeface="+mn-ea"/>
+              </a:endParaRPr>
+            </a:p>
+          </p:txBody>
+        </p:sp>
+        <p:sp>
+          <p:nvSpPr>
+            <p:cNvPr id="15" name="燕尾形 14"/>
+            <p:cNvSpPr/>
+            <p:nvPr/>
+          </p:nvSpPr>
+          <p:spPr>
+            <a:xfrm>
+              <a:off x="653273" y="188640"/>
+              <a:ext cx="216024" cy="216024"/>
+            </a:xfrm>
+            <a:prstGeom prst="chevron">
+              <a:avLst/>
+            </a:prstGeom>
+            <a:grpFill/>
+            <a:ln>
+              <a:noFill/>
+            </a:ln>
+            <a:effectLst>
+              <a:outerShdw blurRad="63500" algn="ctr" rotWithShape="0">
+                <a:prstClr val="black">
+                  <a:alpha val="40000"/>
+                </a:prstClr>
+              </a:outerShdw>
+            </a:effectLst>
+          </p:spPr>
+          <p:txBody>
+            <a:bodyPr lIns="0" tIns="0" rIns="0" bIns="0" anchor="ctr"/>
+            <a:lstStyle/>
+            <a:p>
+              <a:endParaRPr lang="zh-CN" altLang="en-US" sz="900">
+                <a:solidFill>
+                  <a:srgbClr val="0070C0"/>
+                </a:solidFill>
+                <a:cs typeface="+mn-ea"/>
+              </a:endParaRPr>
+            </a:p>
+          </p:txBody>
+        </p:sp>
+      </p:grpSp>
+      <p:sp>
+        <p:nvSpPr>
+          <p:cNvPr id="16" name="2"/>
+          <p:cNvSpPr txBox="1"/>
+          <p:nvPr/>
+        </p:nvSpPr>
+        <p:spPr>
+          <a:xfrm>
+            <a:off x="1418247" y="211364"/>
+            <a:ext cx="5306644" cy="503905"/>
+          </a:xfrm>
+          <a:prstGeom prst="rect">
+            <a:avLst/>
+          </a:prstGeom>
+          <a:noFill/>
+        </p:spPr>
+        <p:txBody>
+          <a:bodyPr wrap="square" lIns="72312" tIns="36156" rIns="72312" bIns="36156" rtlCol="0">
+            <a:spAutoFit/>
+          </a:bodyPr>
+          <a:lstStyle/>
+          <a:p>
+            <a:pPr marL="0" lvl="1"/>
+            <a:r>
+              <a:rPr lang="zh-CN" altLang="en-US" sz="2800" spc="300" dirty="0" smtClean="0">
+                <a:solidFill>
+                  <a:srgbClr val="0D4960"/>
+                </a:solidFill>
+                <a:latin typeface="方正尚酷简体" panose="03000509000000000000" pitchFamily="65" charset="-122"/>
+                <a:ea typeface="方正尚酷简体" panose="03000509000000000000" pitchFamily="65" charset="-122"/>
+              </a:rPr>
+              <a:t>服务器之间拷贝文件</a:t>
+            </a:r>
+            <a:endParaRPr lang="en-US" altLang="zh-CN" sz="2800" spc="300" dirty="0" smtClean="0">
+              <a:solidFill>
+                <a:srgbClr val="0D4960"/>
+              </a:solidFill>
+              <a:latin typeface="方正尚酷简体" panose="03000509000000000000" pitchFamily="65" charset="-122"/>
+              <a:ea typeface="方正尚酷简体" panose="03000509000000000000" pitchFamily="65" charset="-122"/>
+            </a:endParaRPr>
+          </a:p>
+        </p:txBody>
+      </p:sp>
+      <p:cxnSp>
+        <p:nvCxnSpPr>
+          <p:cNvPr id="17" name="3"/>
+          <p:cNvCxnSpPr/>
+          <p:nvPr/>
+        </p:nvCxnSpPr>
+        <p:spPr>
+          <a:xfrm>
+            <a:off x="1418247" y="761569"/>
+            <a:ext cx="10174106" cy="0"/>
+          </a:xfrm>
+          <a:prstGeom prst="line">
+            <a:avLst/>
+          </a:prstGeom>
+          <a:ln>
+            <a:solidFill>
+              <a:schemeClr val="bg1">
+                <a:lumMod val="75000"/>
+              </a:schemeClr>
+            </a:solidFill>
+          </a:ln>
+        </p:spPr>
+        <p:style>
+          <a:lnRef idx="1">
+            <a:schemeClr val="accent1"/>
+          </a:lnRef>
+          <a:fillRef idx="0">
+            <a:schemeClr val="accent1"/>
+          </a:fillRef>
+          <a:effectRef idx="0">
+            <a:schemeClr val="accent1"/>
+          </a:effectRef>
+          <a:fontRef idx="minor">
+            <a:schemeClr val="tx1"/>
+          </a:fontRef>
+        </p:style>
+      </p:cxnSp>
+    </p:spTree>
+    <p:extLst>
+      <p:ext uri="{BB962C8B-B14F-4D97-AF65-F5344CB8AC3E}">
+        <p14:creationId xmlns:p14="http://schemas.microsoft.com/office/powerpoint/2010/main" xmlns="" val="1982124766"/>
+      </p:ext>
+    </p:extLst>
+  </p:cSld>
+  <p:clrMapOvr>
+    <a:masterClrMapping/>
+  </p:clrMapOvr>
+  <mc:AlternateContent xmlns:mc="http://schemas.openxmlformats.org/markup-compatibility/2006">
+    <mc:Choice xmlns:p14="http://schemas.microsoft.com/office/powerpoint/2010/main" xmlns="" Requires="p14">
+      <p:transition spd="slow" p14:dur="1500">
+        <p:random/>
+      </p:transition>
+    </mc:Choice>
+    <mc:Fallback>
+      <p:transition spd="slow">
+        <p:random/>
+      </p:transition>
+    </mc:Fallback>
+  </mc:AlternateContent>
+  <p:timing>
+    <p:tnLst>
+      <p:par>
+        <p:cTn id="1" dur="indefinite" restart="never" nodeType="tmRoot">
+          <p:childTnLst>
+            <p:seq concurrent="1" nextAc="seek">
+              <p:cTn id="2" dur="indefinite" nodeType="mainSeq">
+                <p:childTnLst>
+                  <p:par>
+                    <p:cTn id="3" fill="hold">
+                      <p:stCondLst>
+                        <p:cond delay="indefinite"/>
+                        <p:cond evt="onBegin" delay="0">
+                          <p:tn val="2"/>
+                        </p:cond>
+                      </p:stCondLst>
+                      <p:childTnLst>
+                        <p:par>
+                          <p:cTn id="4" fill="hold">
+                            <p:stCondLst>
+                              <p:cond delay="0"/>
+                            </p:stCondLst>
+                            <p:childTnLst>
+                              <p:par>
+                                <p:cTn id="5" presetID="2" presetClass="entr" presetSubtype="8" fill="hold" nodeType="afterEffect">
+                                  <p:stCondLst>
+                                    <p:cond delay="0"/>
+                                  </p:stCondLst>
+                                  <p:childTnLst>
+                                    <p:set>
+                                      <p:cBhvr>
+                                        <p:cTn id="6" dur="1" fill="hold">
+                                          <p:stCondLst>
+                                            <p:cond delay="0"/>
+                                          </p:stCondLst>
+                                        </p:cTn>
+                                        <p:tgtEl>
+                                          <p:spTgt spid="2"/>
+                                        </p:tgtEl>
+                                        <p:attrNameLst>
+                                          <p:attrName>style.visibility</p:attrName>
+                                        </p:attrNameLst>
+                                      </p:cBhvr>
+                                      <p:to>
+                                        <p:strVal val="visible"/>
+                                      </p:to>
+                                    </p:set>
+                                    <p:anim calcmode="lin" valueType="num">
+                                      <p:cBhvr additive="base">
+                                        <p:cTn id="7" dur="750" fill="hold"/>
+                                        <p:tgtEl>
+                                          <p:spTgt spid="2"/>
+                                        </p:tgtEl>
+                                        <p:attrNameLst>
+                                          <p:attrName>ppt_x</p:attrName>
+                                        </p:attrNameLst>
+                                      </p:cBhvr>
+                                      <p:tavLst>
+                                        <p:tav tm="0">
+                                          <p:val>
+                                            <p:strVal val="0-#ppt_w/2"/>
+                                          </p:val>
+                                        </p:tav>
+                                        <p:tav tm="100000">
+                                          <p:val>
+                                            <p:strVal val="#ppt_x"/>
+                                          </p:val>
+                                        </p:tav>
+                                      </p:tavLst>
+                                    </p:anim>
+                                    <p:anim calcmode="lin" valueType="num">
+                                      <p:cBhvr additive="base">
+                                        <p:cTn id="8" dur="750" fill="hold"/>
+                                        <p:tgtEl>
+                                          <p:spTgt spid="2"/>
+                                        </p:tgtEl>
+                                        <p:attrNameLst>
+                                          <p:attrName>ppt_y</p:attrName>
+                                        </p:attrNameLst>
+                                      </p:cBhvr>
+                                      <p:tavLst>
+                                        <p:tav tm="0">
+                                          <p:val>
+                                            <p:strVal val="#ppt_y"/>
+                                          </p:val>
+                                        </p:tav>
+                                        <p:tav tm="100000">
+                                          <p:val>
+                                            <p:strVal val="#ppt_y"/>
+                                          </p:val>
+                                        </p:tav>
+                                      </p:tavLst>
+                                    </p:anim>
+                                  </p:childTnLst>
+                                </p:cTn>
+                              </p:par>
+                            </p:childTnLst>
+                          </p:cTn>
+                        </p:par>
+                        <p:par>
+                          <p:cTn id="9" fill="hold">
+                            <p:stCondLst>
+                              <p:cond delay="750"/>
+                            </p:stCondLst>
+                            <p:childTnLst>
+                              <p:par>
+                                <p:cTn id="10" presetID="53" presetClass="entr" presetSubtype="16" fill="hold" grpId="0" nodeType="afterEffect">
+                                  <p:stCondLst>
+                                    <p:cond delay="0"/>
+                                  </p:stCondLst>
+                                  <p:iterate type="lt">
+                                    <p:tmPct val="10000"/>
+                                  </p:iterate>
+                                  <p:childTnLst>
+                                    <p:set>
+                                      <p:cBhvr>
+                                        <p:cTn id="11" dur="1" fill="hold">
+                                          <p:stCondLst>
+                                            <p:cond delay="0"/>
+                                          </p:stCondLst>
+                                        </p:cTn>
+                                        <p:tgtEl>
+                                          <p:spTgt spid="16"/>
+                                        </p:tgtEl>
+                                        <p:attrNameLst>
+                                          <p:attrName>style.visibility</p:attrName>
+                                        </p:attrNameLst>
+                                      </p:cBhvr>
+                                      <p:to>
+                                        <p:strVal val="visible"/>
+                                      </p:to>
+                                    </p:set>
+                                    <p:anim calcmode="lin" valueType="num">
+                                      <p:cBhvr>
+                                        <p:cTn id="12" dur="500" fill="hold"/>
+                                        <p:tgtEl>
+                                          <p:spTgt spid="16"/>
+                                        </p:tgtEl>
+                                        <p:attrNameLst>
+                                          <p:attrName>ppt_w</p:attrName>
+                                        </p:attrNameLst>
+                                      </p:cBhvr>
+                                      <p:tavLst>
+                                        <p:tav tm="0">
+                                          <p:val>
+                                            <p:fltVal val="0"/>
+                                          </p:val>
+                                        </p:tav>
+                                        <p:tav tm="100000">
+                                          <p:val>
+                                            <p:strVal val="#ppt_w"/>
+                                          </p:val>
+                                        </p:tav>
+                                      </p:tavLst>
+                                    </p:anim>
+                                    <p:anim calcmode="lin" valueType="num">
+                                      <p:cBhvr>
+                                        <p:cTn id="13" dur="500" fill="hold"/>
+                                        <p:tgtEl>
+                                          <p:spTgt spid="16"/>
+                                        </p:tgtEl>
+                                        <p:attrNameLst>
+                                          <p:attrName>ppt_h</p:attrName>
+                                        </p:attrNameLst>
+                                      </p:cBhvr>
+                                      <p:tavLst>
+                                        <p:tav tm="0">
+                                          <p:val>
+                                            <p:fltVal val="0"/>
+                                          </p:val>
+                                        </p:tav>
+                                        <p:tav tm="100000">
+                                          <p:val>
+                                            <p:strVal val="#ppt_h"/>
+                                          </p:val>
+                                        </p:tav>
+                                      </p:tavLst>
+                                    </p:anim>
+                                    <p:animEffect transition="in" filter="fade">
+                                      <p:cBhvr>
+                                        <p:cTn id="14" dur="500"/>
+                                        <p:tgtEl>
+                                          <p:spTgt spid="16"/>
+                                        </p:tgtEl>
+                                      </p:cBhvr>
+                                    </p:animEffect>
+                                  </p:childTnLst>
+                                </p:cTn>
+                              </p:par>
+                              <p:par>
+                                <p:cTn id="15" presetID="22" presetClass="entr" presetSubtype="2" fill="hold" nodeType="withEffect">
+                                  <p:stCondLst>
+                                    <p:cond delay="250"/>
+                                  </p:stCondLst>
+                                  <p:childTnLst>
+                                    <p:set>
+                                      <p:cBhvr>
+                                        <p:cTn id="16" dur="1" fill="hold">
+                                          <p:stCondLst>
+                                            <p:cond delay="0"/>
+                                          </p:stCondLst>
+                                        </p:cTn>
+                                        <p:tgtEl>
+                                          <p:spTgt spid="17"/>
+                                        </p:tgtEl>
+                                        <p:attrNameLst>
+                                          <p:attrName>style.visibility</p:attrName>
+                                        </p:attrNameLst>
+                                      </p:cBhvr>
+                                      <p:to>
+                                        <p:strVal val="visible"/>
+                                      </p:to>
+                                    </p:set>
+                                    <p:animEffect transition="in" filter="wipe(right)">
+                                      <p:cBhvr>
+                                        <p:cTn id="17" dur="750"/>
+                                        <p:tgtEl>
+                                          <p:spTgt spid="17"/>
+                                        </p:tgtEl>
+                                      </p:cBhvr>
+                                    </p:animEffect>
+                                  </p:childTnLst>
+                                </p:cTn>
+                              </p:par>
+                            </p:childTnLst>
+                          </p:cTn>
+                        </p:par>
+                      </p:childTnLst>
+                    </p:cTn>
+                  </p:par>
+                </p:childTnLst>
+              </p:cTn>
+              <p:prevCondLst>
+                <p:cond evt="onPrev" delay="0">
+                  <p:tgtEl>
+                    <p:sldTgt/>
+                  </p:tgtEl>
+                </p:cond>
+              </p:prevCondLst>
+              <p:nextCondLst>
+                <p:cond evt="onNext" delay="0">
+                  <p:tgtEl>
+                    <p:sldTgt/>
+                  </p:tgtEl>
+                </p:cond>
+              </p:nextCondLst>
+            </p:seq>
+          </p:childTnLst>
+        </p:cTn>
+      </p:par>
+    </p:tnLst>
+    <p:bldLst>
+      <p:bldP spid="16" grpId="0"/>
+    </p:bldLst>
+  </p:timing>
+</p:sld>
+</file>
+
+<file path=ppt/slides/slide18.xml><?xml version="1.0" encoding="utf-8"?>
+<p:sld xmlns:a="http://schemas.openxmlformats.org/drawingml/2006/main" xmlns:r="http://schemas.openxmlformats.org/officeDocument/2006/relationships" xmlns:p="http://schemas.openxmlformats.org/presentationml/2006/main">
+  <p:cSld>
+    <p:spTree>
+      <p:nvGrpSpPr>
+        <p:cNvPr id="1" name=""/>
+        <p:cNvGrpSpPr/>
+        <p:nvPr/>
+      </p:nvGrpSpPr>
+      <p:grpSpPr>
+        <a:xfrm>
+          <a:off x="0" y="0"/>
+          <a:ext cx="0" cy="0"/>
+          <a:chOff x="0" y="0"/>
+          <a:chExt cx="0" cy="0"/>
+        </a:xfrm>
+      </p:grpSpPr>
+      <p:grpSp>
+        <p:nvGrpSpPr>
+          <p:cNvPr id="2" name="1"/>
+          <p:cNvGrpSpPr/>
+          <p:nvPr/>
+        </p:nvGrpSpPr>
+        <p:grpSpPr>
+          <a:xfrm>
+            <a:off x="583060" y="342545"/>
+            <a:ext cx="637243" cy="227778"/>
+            <a:chOff x="264939" y="188640"/>
+            <a:chExt cx="604358" cy="216024"/>
+          </a:xfrm>
+          <a:solidFill>
+            <a:srgbClr val="0D4960"/>
+          </a:solidFill>
+        </p:grpSpPr>
+        <p:sp>
+          <p:nvSpPr>
+            <p:cNvPr id="13" name="燕尾形 12"/>
+            <p:cNvSpPr/>
+            <p:nvPr/>
+          </p:nvSpPr>
+          <p:spPr>
+            <a:xfrm>
+              <a:off x="264939" y="188640"/>
+              <a:ext cx="216024" cy="216024"/>
+            </a:xfrm>
+            <a:prstGeom prst="chevron">
+              <a:avLst/>
+            </a:prstGeom>
+            <a:grpFill/>
+            <a:ln>
+              <a:noFill/>
+            </a:ln>
+            <a:effectLst>
+              <a:outerShdw blurRad="63500" algn="ctr" rotWithShape="0">
+                <a:prstClr val="black">
+                  <a:alpha val="40000"/>
+                </a:prstClr>
+              </a:outerShdw>
+            </a:effectLst>
+          </p:spPr>
+          <p:txBody>
+            <a:bodyPr lIns="0" tIns="0" rIns="0" bIns="0" anchor="ctr"/>
+            <a:lstStyle/>
+            <a:p>
+              <a:endParaRPr lang="zh-CN" altLang="en-US" sz="900">
+                <a:solidFill>
+                  <a:srgbClr val="0070C0"/>
+                </a:solidFill>
+                <a:cs typeface="+mn-ea"/>
+              </a:endParaRPr>
+            </a:p>
+          </p:txBody>
+        </p:sp>
+        <p:sp>
+          <p:nvSpPr>
+            <p:cNvPr id="14" name="燕尾形 13"/>
+            <p:cNvSpPr/>
+            <p:nvPr/>
+          </p:nvSpPr>
+          <p:spPr>
+            <a:xfrm>
+              <a:off x="454914" y="188640"/>
+              <a:ext cx="216024" cy="216024"/>
+            </a:xfrm>
+            <a:prstGeom prst="chevron">
+              <a:avLst/>
+            </a:prstGeom>
+            <a:grpFill/>
+            <a:ln>
+              <a:noFill/>
+            </a:ln>
+            <a:effectLst>
+              <a:outerShdw blurRad="63500" algn="ctr" rotWithShape="0">
+                <a:prstClr val="black">
+                  <a:alpha val="40000"/>
+                </a:prstClr>
+              </a:outerShdw>
+            </a:effectLst>
+          </p:spPr>
+          <p:txBody>
+            <a:bodyPr lIns="0" tIns="0" rIns="0" bIns="0" anchor="ctr"/>
+            <a:lstStyle/>
+            <a:p>
+              <a:endParaRPr lang="zh-CN" altLang="en-US" sz="900">
+                <a:solidFill>
+                  <a:srgbClr val="0070C0"/>
+                </a:solidFill>
+                <a:cs typeface="+mn-ea"/>
+              </a:endParaRPr>
+            </a:p>
+          </p:txBody>
+        </p:sp>
+        <p:sp>
+          <p:nvSpPr>
+            <p:cNvPr id="15" name="燕尾形 14"/>
+            <p:cNvSpPr/>
+            <p:nvPr/>
+          </p:nvSpPr>
+          <p:spPr>
+            <a:xfrm>
+              <a:off x="653273" y="188640"/>
+              <a:ext cx="216024" cy="216024"/>
+            </a:xfrm>
+            <a:prstGeom prst="chevron">
+              <a:avLst/>
+            </a:prstGeom>
+            <a:grpFill/>
+            <a:ln>
+              <a:noFill/>
+            </a:ln>
+            <a:effectLst>
+              <a:outerShdw blurRad="63500" algn="ctr" rotWithShape="0">
+                <a:prstClr val="black">
+                  <a:alpha val="40000"/>
+                </a:prstClr>
+              </a:outerShdw>
+            </a:effectLst>
+          </p:spPr>
+          <p:txBody>
+            <a:bodyPr lIns="0" tIns="0" rIns="0" bIns="0" anchor="ctr"/>
+            <a:lstStyle/>
+            <a:p>
+              <a:endParaRPr lang="zh-CN" altLang="en-US" sz="900">
+                <a:solidFill>
+                  <a:srgbClr val="0070C0"/>
+                </a:solidFill>
+                <a:cs typeface="+mn-ea"/>
+              </a:endParaRPr>
+            </a:p>
+          </p:txBody>
+        </p:sp>
+      </p:grpSp>
+      <p:sp>
+        <p:nvSpPr>
+          <p:cNvPr id="16" name="2"/>
+          <p:cNvSpPr txBox="1"/>
+          <p:nvPr/>
+        </p:nvSpPr>
+        <p:spPr>
+          <a:xfrm>
+            <a:off x="1418247" y="211364"/>
+            <a:ext cx="5306644" cy="503905"/>
+          </a:xfrm>
+          <a:prstGeom prst="rect">
+            <a:avLst/>
+          </a:prstGeom>
+          <a:noFill/>
+        </p:spPr>
+        <p:txBody>
+          <a:bodyPr wrap="square" lIns="72312" tIns="36156" rIns="72312" bIns="36156" rtlCol="0">
+            <a:spAutoFit/>
+          </a:bodyPr>
+          <a:lstStyle/>
+          <a:p>
+            <a:pPr marL="0" lvl="1"/>
+            <a:r>
+              <a:rPr lang="zh-CN" altLang="en-US" sz="2800" spc="300" dirty="0" smtClean="0">
+                <a:solidFill>
+                  <a:srgbClr val="0D4960"/>
+                </a:solidFill>
+                <a:latin typeface="方正尚酷简体" panose="03000509000000000000" pitchFamily="65" charset="-122"/>
+                <a:ea typeface="方正尚酷简体" panose="03000509000000000000" pitchFamily="65" charset="-122"/>
+              </a:rPr>
+              <a:t>服务器之间拷贝文件</a:t>
+            </a:r>
+            <a:endParaRPr lang="en-US" altLang="zh-CN" sz="2800" spc="300" dirty="0" smtClean="0">
+              <a:solidFill>
+                <a:srgbClr val="0D4960"/>
+              </a:solidFill>
+              <a:latin typeface="方正尚酷简体" panose="03000509000000000000" pitchFamily="65" charset="-122"/>
+              <a:ea typeface="方正尚酷简体" panose="03000509000000000000" pitchFamily="65" charset="-122"/>
+            </a:endParaRPr>
+          </a:p>
+        </p:txBody>
+      </p:sp>
+      <p:cxnSp>
+        <p:nvCxnSpPr>
+          <p:cNvPr id="17" name="3"/>
+          <p:cNvCxnSpPr/>
+          <p:nvPr/>
+        </p:nvCxnSpPr>
+        <p:spPr>
+          <a:xfrm>
+            <a:off x="1418247" y="761569"/>
+            <a:ext cx="10174106" cy="0"/>
+          </a:xfrm>
+          <a:prstGeom prst="line">
+            <a:avLst/>
+          </a:prstGeom>
+          <a:ln>
+            <a:solidFill>
+              <a:schemeClr val="bg1">
+                <a:lumMod val="75000"/>
+              </a:schemeClr>
+            </a:solidFill>
+          </a:ln>
+        </p:spPr>
+        <p:style>
+          <a:lnRef idx="1">
+            <a:schemeClr val="accent1"/>
+          </a:lnRef>
+          <a:fillRef idx="0">
+            <a:schemeClr val="accent1"/>
+          </a:fillRef>
+          <a:effectRef idx="0">
+            <a:schemeClr val="accent1"/>
+          </a:effectRef>
+          <a:fontRef idx="minor">
+            <a:schemeClr val="tx1"/>
+          </a:fontRef>
+        </p:style>
+      </p:cxnSp>
+    </p:spTree>
+    <p:extLst>
+      <p:ext uri="{BB962C8B-B14F-4D97-AF65-F5344CB8AC3E}">
+        <p14:creationId xmlns:p14="http://schemas.microsoft.com/office/powerpoint/2010/main" xmlns="" val="1982124766"/>
+      </p:ext>
+    </p:extLst>
+  </p:cSld>
+  <p:clrMapOvr>
+    <a:masterClrMapping/>
+  </p:clrMapOvr>
+  <mc:AlternateContent xmlns:mc="http://schemas.openxmlformats.org/markup-compatibility/2006">
+    <mc:Choice xmlns:p14="http://schemas.microsoft.com/office/powerpoint/2010/main" xmlns="" Requires="p14">
+      <p:transition spd="slow" p14:dur="1500">
+        <p:random/>
+      </p:transition>
+    </mc:Choice>
+    <mc:Fallback>
+      <p:transition spd="slow">
+        <p:random/>
+      </p:transition>
+    </mc:Fallback>
+  </mc:AlternateContent>
+  <p:timing>
+    <p:tnLst>
+      <p:par>
+        <p:cTn id="1" dur="indefinite" restart="never" nodeType="tmRoot">
+          <p:childTnLst>
+            <p:seq concurrent="1" nextAc="seek">
+              <p:cTn id="2" dur="indefinite" nodeType="mainSeq">
+                <p:childTnLst>
+                  <p:par>
+                    <p:cTn id="3" fill="hold">
+                      <p:stCondLst>
+                        <p:cond delay="indefinite"/>
+                        <p:cond evt="onBegin" delay="0">
+                          <p:tn val="2"/>
+                        </p:cond>
+                      </p:stCondLst>
+                      <p:childTnLst>
+                        <p:par>
+                          <p:cTn id="4" fill="hold">
+                            <p:stCondLst>
+                              <p:cond delay="0"/>
+                            </p:stCondLst>
+                            <p:childTnLst>
+                              <p:par>
+                                <p:cTn id="5" presetID="2" presetClass="entr" presetSubtype="8" fill="hold" nodeType="afterEffect">
+                                  <p:stCondLst>
+                                    <p:cond delay="0"/>
+                                  </p:stCondLst>
+                                  <p:childTnLst>
+                                    <p:set>
+                                      <p:cBhvr>
+                                        <p:cTn id="6" dur="1" fill="hold">
+                                          <p:stCondLst>
+                                            <p:cond delay="0"/>
+                                          </p:stCondLst>
+                                        </p:cTn>
+                                        <p:tgtEl>
+                                          <p:spTgt spid="2"/>
+                                        </p:tgtEl>
+                                        <p:attrNameLst>
+                                          <p:attrName>style.visibility</p:attrName>
+                                        </p:attrNameLst>
+                                      </p:cBhvr>
+                                      <p:to>
+                                        <p:strVal val="visible"/>
+                                      </p:to>
+                                    </p:set>
+                                    <p:anim calcmode="lin" valueType="num">
+                                      <p:cBhvr additive="base">
+                                        <p:cTn id="7" dur="750" fill="hold"/>
+                                        <p:tgtEl>
+                                          <p:spTgt spid="2"/>
+                                        </p:tgtEl>
+                                        <p:attrNameLst>
+                                          <p:attrName>ppt_x</p:attrName>
+                                        </p:attrNameLst>
+                                      </p:cBhvr>
+                                      <p:tavLst>
+                                        <p:tav tm="0">
+                                          <p:val>
+                                            <p:strVal val="0-#ppt_w/2"/>
+                                          </p:val>
+                                        </p:tav>
+                                        <p:tav tm="100000">
+                                          <p:val>
+                                            <p:strVal val="#ppt_x"/>
+                                          </p:val>
+                                        </p:tav>
+                                      </p:tavLst>
+                                    </p:anim>
+                                    <p:anim calcmode="lin" valueType="num">
+                                      <p:cBhvr additive="base">
+                                        <p:cTn id="8" dur="750" fill="hold"/>
+                                        <p:tgtEl>
+                                          <p:spTgt spid="2"/>
+                                        </p:tgtEl>
+                                        <p:attrNameLst>
+                                          <p:attrName>ppt_y</p:attrName>
+                                        </p:attrNameLst>
+                                      </p:cBhvr>
+                                      <p:tavLst>
+                                        <p:tav tm="0">
+                                          <p:val>
+                                            <p:strVal val="#ppt_y"/>
+                                          </p:val>
+                                        </p:tav>
+                                        <p:tav tm="100000">
+                                          <p:val>
+                                            <p:strVal val="#ppt_y"/>
+                                          </p:val>
+                                        </p:tav>
+                                      </p:tavLst>
+                                    </p:anim>
+                                  </p:childTnLst>
+                                </p:cTn>
+                              </p:par>
+                            </p:childTnLst>
+                          </p:cTn>
+                        </p:par>
+                        <p:par>
+                          <p:cTn id="9" fill="hold">
+                            <p:stCondLst>
+                              <p:cond delay="750"/>
+                            </p:stCondLst>
+                            <p:childTnLst>
+                              <p:par>
+                                <p:cTn id="10" presetID="53" presetClass="entr" presetSubtype="16" fill="hold" grpId="0" nodeType="afterEffect">
+                                  <p:stCondLst>
+                                    <p:cond delay="0"/>
+                                  </p:stCondLst>
+                                  <p:iterate type="lt">
+                                    <p:tmPct val="10000"/>
+                                  </p:iterate>
+                                  <p:childTnLst>
+                                    <p:set>
+                                      <p:cBhvr>
+                                        <p:cTn id="11" dur="1" fill="hold">
+                                          <p:stCondLst>
+                                            <p:cond delay="0"/>
+                                          </p:stCondLst>
+                                        </p:cTn>
+                                        <p:tgtEl>
+                                          <p:spTgt spid="16"/>
+                                        </p:tgtEl>
+                                        <p:attrNameLst>
+                                          <p:attrName>style.visibility</p:attrName>
+                                        </p:attrNameLst>
+                                      </p:cBhvr>
+                                      <p:to>
+                                        <p:strVal val="visible"/>
+                                      </p:to>
+                                    </p:set>
+                                    <p:anim calcmode="lin" valueType="num">
+                                      <p:cBhvr>
+                                        <p:cTn id="12" dur="500" fill="hold"/>
+                                        <p:tgtEl>
+                                          <p:spTgt spid="16"/>
+                                        </p:tgtEl>
+                                        <p:attrNameLst>
+                                          <p:attrName>ppt_w</p:attrName>
+                                        </p:attrNameLst>
+                                      </p:cBhvr>
+                                      <p:tavLst>
+                                        <p:tav tm="0">
+                                          <p:val>
+                                            <p:fltVal val="0"/>
+                                          </p:val>
+                                        </p:tav>
+                                        <p:tav tm="100000">
+                                          <p:val>
+                                            <p:strVal val="#ppt_w"/>
+                                          </p:val>
+                                        </p:tav>
+                                      </p:tavLst>
+                                    </p:anim>
+                                    <p:anim calcmode="lin" valueType="num">
+                                      <p:cBhvr>
+                                        <p:cTn id="13" dur="500" fill="hold"/>
+                                        <p:tgtEl>
+                                          <p:spTgt spid="16"/>
+                                        </p:tgtEl>
+                                        <p:attrNameLst>
+                                          <p:attrName>ppt_h</p:attrName>
+                                        </p:attrNameLst>
+                                      </p:cBhvr>
+                                      <p:tavLst>
+                                        <p:tav tm="0">
+                                          <p:val>
+                                            <p:fltVal val="0"/>
+                                          </p:val>
+                                        </p:tav>
+                                        <p:tav tm="100000">
+                                          <p:val>
+                                            <p:strVal val="#ppt_h"/>
+                                          </p:val>
+                                        </p:tav>
+                                      </p:tavLst>
+                                    </p:anim>
+                                    <p:animEffect transition="in" filter="fade">
+                                      <p:cBhvr>
+                                        <p:cTn id="14" dur="500"/>
+                                        <p:tgtEl>
+                                          <p:spTgt spid="16"/>
+                                        </p:tgtEl>
+                                      </p:cBhvr>
+                                    </p:animEffect>
+                                  </p:childTnLst>
+                                </p:cTn>
+                              </p:par>
+                              <p:par>
+                                <p:cTn id="15" presetID="22" presetClass="entr" presetSubtype="2" fill="hold" nodeType="withEffect">
+                                  <p:stCondLst>
+                                    <p:cond delay="250"/>
+                                  </p:stCondLst>
+                                  <p:childTnLst>
+                                    <p:set>
+                                      <p:cBhvr>
+                                        <p:cTn id="16" dur="1" fill="hold">
+                                          <p:stCondLst>
+                                            <p:cond delay="0"/>
+                                          </p:stCondLst>
+                                        </p:cTn>
+                                        <p:tgtEl>
+                                          <p:spTgt spid="17"/>
+                                        </p:tgtEl>
+                                        <p:attrNameLst>
+                                          <p:attrName>style.visibility</p:attrName>
+                                        </p:attrNameLst>
+                                      </p:cBhvr>
+                                      <p:to>
+                                        <p:strVal val="visible"/>
+                                      </p:to>
+                                    </p:set>
+                                    <p:animEffect transition="in" filter="wipe(right)">
+                                      <p:cBhvr>
+                                        <p:cTn id="17" dur="750"/>
+                                        <p:tgtEl>
+                                          <p:spTgt spid="17"/>
+                                        </p:tgtEl>
+                                      </p:cBhvr>
+                                    </p:animEffect>
+                                  </p:childTnLst>
+                                </p:cTn>
+                              </p:par>
+                            </p:childTnLst>
+                          </p:cTn>
+                        </p:par>
+                      </p:childTnLst>
+                    </p:cTn>
+                  </p:par>
+                </p:childTnLst>
+              </p:cTn>
+              <p:prevCondLst>
+                <p:cond evt="onPrev" delay="0">
+                  <p:tgtEl>
+                    <p:sldTgt/>
+                  </p:tgtEl>
+                </p:cond>
+              </p:prevCondLst>
+              <p:nextCondLst>
+                <p:cond evt="onNext" delay="0">
+                  <p:tgtEl>
+                    <p:sldTgt/>
+                  </p:tgtEl>
+                </p:cond>
+              </p:nextCondLst>
+            </p:seq>
+          </p:childTnLst>
+        </p:cTn>
+      </p:par>
+    </p:tnLst>
+    <p:bldLst>
+      <p:bldP spid="16" grpId="0"/>
     </p:bldLst>
   </p:timing>
 </p:sld>
@@ -10126,7 +15938,7 @@
     </p:spTree>
     <p:extLst>
       <p:ext uri="{BB962C8B-B14F-4D97-AF65-F5344CB8AC3E}">
-        <p14:creationId xmlns="" xmlns:p14="http://schemas.microsoft.com/office/powerpoint/2010/main" val="264814506"/>
+        <p14:creationId xmlns:p14="http://schemas.microsoft.com/office/powerpoint/2010/main" xmlns="" val="264814506"/>
       </p:ext>
     </p:extLst>
   </p:cSld>
@@ -10134,7 +15946,7 @@
     <a:masterClrMapping/>
   </p:clrMapOvr>
   <mc:AlternateContent xmlns:mc="http://schemas.openxmlformats.org/markup-compatibility/2006">
-    <mc:Choice xmlns="" xmlns:p14="http://schemas.microsoft.com/office/powerpoint/2010/main" Requires="p14">
+    <mc:Choice xmlns:p14="http://schemas.microsoft.com/office/powerpoint/2010/main" xmlns="" Requires="p14">
       <p:transition spd="slow" p14:dur="1500">
         <p:random/>
       </p:transition>
@@ -10579,22 +16391,25 @@
           <a:p>
             <a:pPr marL="0" lvl="1"/>
             <a:r>
-              <a:rPr lang="en-US" altLang="zh-CN" sz="2800" spc="300" dirty="0" err="1" smtClean="0">
+              <a:rPr lang="zh-CN" altLang="en-US" sz="2800" spc="300" dirty="0" smtClean="0">
                 <a:solidFill>
                   <a:srgbClr val="0D4960"/>
                 </a:solidFill>
                 <a:latin typeface="方正尚酷简体" panose="03000509000000000000" pitchFamily="65" charset="-122"/>
                 <a:ea typeface="方正尚酷简体" panose="03000509000000000000" pitchFamily="65" charset="-122"/>
               </a:rPr>
-              <a:t>Wget</a:t>
+              <a:t>安装</a:t>
             </a:r>
-            <a:endParaRPr lang="zh-CN" altLang="en-US" sz="2800" spc="300" dirty="0">
-              <a:solidFill>
-                <a:srgbClr val="0D4960"/>
-              </a:solidFill>
-              <a:latin typeface="方正尚酷简体" panose="03000509000000000000" pitchFamily="65" charset="-122"/>
-              <a:ea typeface="方正尚酷简体" panose="03000509000000000000" pitchFamily="65" charset="-122"/>
-            </a:endParaRPr>
+            <a:r>
+              <a:rPr lang="en-US" altLang="zh-CN" sz="2800" spc="300" dirty="0" smtClean="0">
+                <a:solidFill>
+                  <a:srgbClr val="0D4960"/>
+                </a:solidFill>
+                <a:latin typeface="方正尚酷简体" panose="03000509000000000000" pitchFamily="65" charset="-122"/>
+                <a:ea typeface="方正尚酷简体" panose="03000509000000000000" pitchFamily="65" charset="-122"/>
+              </a:rPr>
+              <a:t>GNOME</a:t>
+            </a:r>
           </a:p>
         </p:txBody>
       </p:sp>
@@ -10637,14 +16452,14 @@
       </p:cxnSp>
       <p:sp>
         <p:nvSpPr>
-          <p:cNvPr id="8" name="TextBox 7"/>
+          <p:cNvPr id="9" name="TextBox 8"/>
           <p:cNvSpPr txBox="1"/>
           <p:nvPr/>
         </p:nvSpPr>
         <p:spPr>
           <a:xfrm>
-            <a:off x="1045400" y="1108732"/>
-            <a:ext cx="3391121" cy="584775"/>
+            <a:off x="471291" y="1271831"/>
+            <a:ext cx="11657037" cy="2246769"/>
           </a:xfrm>
           <a:prstGeom prst="rect">
             <a:avLst/>
@@ -10658,21 +16473,60 @@
           <a:lstStyle/>
           <a:p>
             <a:r>
-              <a:rPr lang="en-US" altLang="zh-CN" sz="3200" dirty="0" smtClean="0"/>
-              <a:t>yum –y install </a:t>
+              <a:rPr lang="en-US" altLang="zh-CN" sz="2800" dirty="0" smtClean="0"/>
+              <a:t>yum </a:t>
             </a:r>
             <a:r>
-              <a:rPr lang="en-US" altLang="zh-CN" sz="3200" dirty="0" err="1" smtClean="0"/>
-              <a:t>wget</a:t>
+              <a:rPr lang="en-US" altLang="zh-CN" sz="2800" dirty="0" err="1" smtClean="0"/>
+              <a:t>groupinstall</a:t>
             </a:r>
-            <a:endParaRPr lang="zh-CN" altLang="en-US" sz="3200" dirty="0"/>
+            <a:r>
+              <a:rPr lang="en-US" altLang="zh-CN" sz="2800" dirty="0" smtClean="0"/>
+              <a:t> "GNOME Desktop" "Graphical Administration Tools“</a:t>
+            </a:r>
+          </a:p>
+          <a:p>
+            <a:endParaRPr lang="en-US" altLang="zh-CN" sz="2800" dirty="0" smtClean="0"/>
+          </a:p>
+          <a:p>
+            <a:r>
+              <a:rPr lang="en-US" altLang="zh-CN" sz="2800" dirty="0" err="1" smtClean="0"/>
+              <a:t>ln</a:t>
+            </a:r>
+            <a:r>
+              <a:rPr lang="en-US" altLang="zh-CN" sz="2800" dirty="0" smtClean="0"/>
+              <a:t> -</a:t>
+            </a:r>
+            <a:r>
+              <a:rPr lang="en-US" altLang="zh-CN" sz="2800" dirty="0" err="1" smtClean="0"/>
+              <a:t>sf</a:t>
+            </a:r>
+            <a:r>
+              <a:rPr lang="en-US" altLang="zh-CN" sz="2800" dirty="0" smtClean="0"/>
+              <a:t> /lib/systemd/system/runlevel5.target /etc/</a:t>
+            </a:r>
+            <a:r>
+              <a:rPr lang="en-US" altLang="zh-CN" sz="2800" dirty="0" err="1" smtClean="0"/>
+              <a:t>systemd/system/default.target</a:t>
+            </a:r>
+            <a:endParaRPr lang="en-US" altLang="zh-CN" sz="2800" dirty="0" smtClean="0"/>
+          </a:p>
+          <a:p>
+            <a:endParaRPr lang="en-US" altLang="zh-CN" sz="2800" dirty="0" smtClean="0"/>
+          </a:p>
+          <a:p>
+            <a:r>
+              <a:rPr lang="en-US" altLang="zh-CN" sz="2800" smtClean="0"/>
+              <a:t>startx</a:t>
+            </a:r>
+            <a:endParaRPr lang="zh-CN" altLang="en-US" sz="2800" dirty="0"/>
           </a:p>
         </p:txBody>
       </p:sp>
     </p:spTree>
     <p:extLst>
       <p:ext uri="{BB962C8B-B14F-4D97-AF65-F5344CB8AC3E}">
-        <p14:creationId xmlns="" xmlns:p14="http://schemas.microsoft.com/office/powerpoint/2010/main" val="3681454718"/>
+        <p14:creationId xmlns:p14="http://schemas.microsoft.com/office/powerpoint/2010/main" xmlns="" val="3681454718"/>
       </p:ext>
     </p:extLst>
   </p:cSld>
@@ -10680,7 +16534,7 @@
     <a:masterClrMapping/>
   </p:clrMapOvr>
   <mc:AlternateContent xmlns:mc="http://schemas.openxmlformats.org/markup-compatibility/2006">
-    <mc:Choice xmlns="" xmlns:p14="http://schemas.microsoft.com/office/powerpoint/2010/main" Requires="p14">
+    <mc:Choice xmlns:p14="http://schemas.microsoft.com/office/powerpoint/2010/main" xmlns="" Requires="p14">
       <p:transition spd="slow" p14:dur="1500">
         <p:random/>
       </p:transition>
@@ -11125,36 +16979,16 @@
           <a:p>
             <a:pPr marL="0" lvl="1"/>
             <a:r>
-              <a:rPr lang="en-US" altLang="zh-CN" sz="2800" spc="300" dirty="0">
+              <a:rPr lang="en-US" altLang="zh-CN" sz="2800" spc="300" dirty="0" err="1" smtClean="0">
                 <a:solidFill>
                   <a:srgbClr val="0D4960"/>
                 </a:solidFill>
                 <a:latin typeface="方正尚酷简体" panose="03000509000000000000" pitchFamily="65" charset="-122"/>
                 <a:ea typeface="方正尚酷简体" panose="03000509000000000000" pitchFamily="65" charset="-122"/>
               </a:rPr>
-              <a:t>Install</a:t>
+              <a:t>wget</a:t>
             </a:r>
-            <a:r>
-              <a:rPr lang="zh-CN" altLang="en-US" sz="2800" spc="300" dirty="0">
-                <a:solidFill>
-                  <a:srgbClr val="0D4960"/>
-                </a:solidFill>
-                <a:latin typeface="方正尚酷简体" panose="03000509000000000000" pitchFamily="65" charset="-122"/>
-                <a:ea typeface="方正尚酷简体" panose="03000509000000000000" pitchFamily="65" charset="-122"/>
-              </a:rPr>
-              <a:t> </a:t>
-            </a:r>
-            <a:r>
-              <a:rPr lang="en-US" altLang="zh-CN" sz="2800" spc="300" dirty="0">
-                <a:solidFill>
-                  <a:srgbClr val="0D4960"/>
-                </a:solidFill>
-                <a:latin typeface="方正尚酷简体" panose="03000509000000000000" pitchFamily="65" charset="-122"/>
-                <a:ea typeface="方正尚酷简体" panose="03000509000000000000" pitchFamily="65" charset="-122"/>
-              </a:rPr>
-              <a:t>Hadoop</a:t>
-            </a:r>
-            <a:endParaRPr lang="zh-CN" altLang="en-US" sz="2800" spc="300" dirty="0">
+            <a:endParaRPr lang="en-US" altLang="zh-CN" sz="2800" spc="300" dirty="0" smtClean="0">
               <a:solidFill>
                 <a:srgbClr val="0D4960"/>
               </a:solidFill>
@@ -11201,10 +17035,111 @@
           </a:fontRef>
         </p:style>
       </p:cxnSp>
+      <p:sp>
+        <p:nvSpPr>
+          <p:cNvPr id="8" name="TextBox 7"/>
+          <p:cNvSpPr txBox="1"/>
+          <p:nvPr/>
+        </p:nvSpPr>
+        <p:spPr>
+          <a:xfrm>
+            <a:off x="905724" y="1113069"/>
+            <a:ext cx="3391121" cy="584775"/>
+          </a:xfrm>
+          <a:prstGeom prst="rect">
+            <a:avLst/>
+          </a:prstGeom>
+          <a:noFill/>
+          <a:ln>
+            <a:solidFill>
+              <a:schemeClr val="accent1"/>
+            </a:solidFill>
+          </a:ln>
+        </p:spPr>
+        <p:txBody>
+          <a:bodyPr wrap="none" rtlCol="0">
+            <a:spAutoFit/>
+          </a:bodyPr>
+          <a:lstStyle/>
+          <a:p>
+            <a:r>
+              <a:rPr lang="en-US" altLang="zh-CN" sz="3200" dirty="0" smtClean="0"/>
+              <a:t>yum –y install </a:t>
+            </a:r>
+            <a:r>
+              <a:rPr lang="en-US" altLang="zh-CN" sz="3200" dirty="0" err="1" smtClean="0"/>
+              <a:t>wget</a:t>
+            </a:r>
+            <a:endParaRPr lang="zh-CN" altLang="en-US" sz="3200" dirty="0"/>
+          </a:p>
+        </p:txBody>
+      </p:sp>
+      <p:sp>
+        <p:nvSpPr>
+          <p:cNvPr id="9" name="TextBox 8"/>
+          <p:cNvSpPr txBox="1"/>
+          <p:nvPr/>
+        </p:nvSpPr>
+        <p:spPr>
+          <a:xfrm>
+            <a:off x="929149" y="1902542"/>
+            <a:ext cx="6437660" cy="1077218"/>
+          </a:xfrm>
+          <a:prstGeom prst="rect">
+            <a:avLst/>
+          </a:prstGeom>
+          <a:ln/>
+        </p:spPr>
+        <p:style>
+          <a:lnRef idx="2">
+            <a:schemeClr val="accent2"/>
+          </a:lnRef>
+          <a:fillRef idx="1">
+            <a:schemeClr val="lt1"/>
+          </a:fillRef>
+          <a:effectRef idx="0">
+            <a:schemeClr val="accent2"/>
+          </a:effectRef>
+          <a:fontRef idx="minor">
+            <a:schemeClr val="dk1"/>
+          </a:fontRef>
+        </p:style>
+        <p:txBody>
+          <a:bodyPr wrap="none" rtlCol="0">
+            <a:spAutoFit/>
+          </a:bodyPr>
+          <a:lstStyle/>
+          <a:p>
+            <a:r>
+              <a:rPr lang="en-US" altLang="zh-CN" sz="3200" dirty="0" err="1" smtClean="0"/>
+              <a:t>wget</a:t>
+            </a:r>
+            <a:r>
+              <a:rPr lang="en-US" altLang="zh-CN" sz="3200" dirty="0" smtClean="0"/>
+              <a:t> http://...</a:t>
+            </a:r>
+          </a:p>
+          <a:p>
+            <a:r>
+              <a:rPr lang="en-US" altLang="zh-CN" sz="3200" dirty="0" smtClean="0"/>
+              <a:t> </a:t>
+            </a:r>
+            <a:r>
+              <a:rPr lang="en-US" altLang="zh-CN" sz="3200" dirty="0" err="1" smtClean="0"/>
+              <a:t>wget</a:t>
+            </a:r>
+            <a:r>
+              <a:rPr lang="en-US" altLang="zh-CN" sz="3200" dirty="0" smtClean="0"/>
+              <a:t> --no-check-certificate https://...</a:t>
+            </a:r>
+            <a:endParaRPr lang="zh-CN" altLang="en-US" sz="3200" dirty="0"/>
+          </a:p>
+        </p:txBody>
+      </p:sp>
     </p:spTree>
     <p:extLst>
       <p:ext uri="{BB962C8B-B14F-4D97-AF65-F5344CB8AC3E}">
-        <p14:creationId xmlns="" xmlns:p14="http://schemas.microsoft.com/office/powerpoint/2010/main" val="1982124766"/>
+        <p14:creationId xmlns:p14="http://schemas.microsoft.com/office/powerpoint/2010/main" xmlns="" val="1982124766"/>
       </p:ext>
     </p:extLst>
   </p:cSld>
@@ -11212,7 +17147,7 @@
     <a:masterClrMapping/>
   </p:clrMapOvr>
   <mc:AlternateContent xmlns:mc="http://schemas.openxmlformats.org/markup-compatibility/2006">
-    <mc:Choice xmlns="" xmlns:p14="http://schemas.microsoft.com/office/powerpoint/2010/main" Requires="p14">
+    <mc:Choice xmlns:p14="http://schemas.microsoft.com/office/powerpoint/2010/main" xmlns="" Requires="p14">
       <p:transition spd="slow" p14:dur="1500">
         <p:random/>
       </p:transition>
@@ -11298,6 +17233,2968 @@
                                         <p:cTn id="8" dur="750" fill="hold"/>
                                         <p:tgtEl>
                                           <p:spTgt spid="12"/>
+                                        </p:tgtEl>
+                                        <p:attrNameLst>
+                                          <p:attrName>ppt_y</p:attrName>
+                                        </p:attrNameLst>
+                                      </p:cBhvr>
+                                      <p:tavLst>
+                                        <p:tav tm="0">
+                                          <p:val>
+                                            <p:strVal val="#ppt_y"/>
+                                          </p:val>
+                                        </p:tav>
+                                        <p:tav tm="100000">
+                                          <p:val>
+                                            <p:strVal val="#ppt_y"/>
+                                          </p:val>
+                                        </p:tav>
+                                      </p:tavLst>
+                                    </p:anim>
+                                  </p:childTnLst>
+                                </p:cTn>
+                              </p:par>
+                            </p:childTnLst>
+                          </p:cTn>
+                        </p:par>
+                        <p:par>
+                          <p:cTn id="9" fill="hold">
+                            <p:stCondLst>
+                              <p:cond delay="750"/>
+                            </p:stCondLst>
+                            <p:childTnLst>
+                              <p:par>
+                                <p:cTn id="10" presetID="53" presetClass="entr" presetSubtype="16" fill="hold" grpId="0" nodeType="afterEffect">
+                                  <p:stCondLst>
+                                    <p:cond delay="0"/>
+                                  </p:stCondLst>
+                                  <p:iterate type="lt">
+                                    <p:tmPct val="10000"/>
+                                  </p:iterate>
+                                  <p:childTnLst>
+                                    <p:set>
+                                      <p:cBhvr>
+                                        <p:cTn id="11" dur="1" fill="hold">
+                                          <p:stCondLst>
+                                            <p:cond delay="0"/>
+                                          </p:stCondLst>
+                                        </p:cTn>
+                                        <p:tgtEl>
+                                          <p:spTgt spid="16"/>
+                                        </p:tgtEl>
+                                        <p:attrNameLst>
+                                          <p:attrName>style.visibility</p:attrName>
+                                        </p:attrNameLst>
+                                      </p:cBhvr>
+                                      <p:to>
+                                        <p:strVal val="visible"/>
+                                      </p:to>
+                                    </p:set>
+                                    <p:anim calcmode="lin" valueType="num">
+                                      <p:cBhvr>
+                                        <p:cTn id="12" dur="500" fill="hold"/>
+                                        <p:tgtEl>
+                                          <p:spTgt spid="16"/>
+                                        </p:tgtEl>
+                                        <p:attrNameLst>
+                                          <p:attrName>ppt_w</p:attrName>
+                                        </p:attrNameLst>
+                                      </p:cBhvr>
+                                      <p:tavLst>
+                                        <p:tav tm="0">
+                                          <p:val>
+                                            <p:fltVal val="0"/>
+                                          </p:val>
+                                        </p:tav>
+                                        <p:tav tm="100000">
+                                          <p:val>
+                                            <p:strVal val="#ppt_w"/>
+                                          </p:val>
+                                        </p:tav>
+                                      </p:tavLst>
+                                    </p:anim>
+                                    <p:anim calcmode="lin" valueType="num">
+                                      <p:cBhvr>
+                                        <p:cTn id="13" dur="500" fill="hold"/>
+                                        <p:tgtEl>
+                                          <p:spTgt spid="16"/>
+                                        </p:tgtEl>
+                                        <p:attrNameLst>
+                                          <p:attrName>ppt_h</p:attrName>
+                                        </p:attrNameLst>
+                                      </p:cBhvr>
+                                      <p:tavLst>
+                                        <p:tav tm="0">
+                                          <p:val>
+                                            <p:fltVal val="0"/>
+                                          </p:val>
+                                        </p:tav>
+                                        <p:tav tm="100000">
+                                          <p:val>
+                                            <p:strVal val="#ppt_h"/>
+                                          </p:val>
+                                        </p:tav>
+                                      </p:tavLst>
+                                    </p:anim>
+                                    <p:animEffect transition="in" filter="fade">
+                                      <p:cBhvr>
+                                        <p:cTn id="14" dur="500"/>
+                                        <p:tgtEl>
+                                          <p:spTgt spid="16"/>
+                                        </p:tgtEl>
+                                      </p:cBhvr>
+                                    </p:animEffect>
+                                  </p:childTnLst>
+                                </p:cTn>
+                              </p:par>
+                              <p:par>
+                                <p:cTn id="15" presetID="22" presetClass="entr" presetSubtype="2" fill="hold" nodeType="withEffect">
+                                  <p:stCondLst>
+                                    <p:cond delay="250"/>
+                                  </p:stCondLst>
+                                  <p:childTnLst>
+                                    <p:set>
+                                      <p:cBhvr>
+                                        <p:cTn id="16" dur="1" fill="hold">
+                                          <p:stCondLst>
+                                            <p:cond delay="0"/>
+                                          </p:stCondLst>
+                                        </p:cTn>
+                                        <p:tgtEl>
+                                          <p:spTgt spid="17"/>
+                                        </p:tgtEl>
+                                        <p:attrNameLst>
+                                          <p:attrName>style.visibility</p:attrName>
+                                        </p:attrNameLst>
+                                      </p:cBhvr>
+                                      <p:to>
+                                        <p:strVal val="visible"/>
+                                      </p:to>
+                                    </p:set>
+                                    <p:animEffect transition="in" filter="wipe(right)">
+                                      <p:cBhvr>
+                                        <p:cTn id="17" dur="750"/>
+                                        <p:tgtEl>
+                                          <p:spTgt spid="17"/>
+                                        </p:tgtEl>
+                                      </p:cBhvr>
+                                    </p:animEffect>
+                                  </p:childTnLst>
+                                </p:cTn>
+                              </p:par>
+                            </p:childTnLst>
+                          </p:cTn>
+                        </p:par>
+                      </p:childTnLst>
+                    </p:cTn>
+                  </p:par>
+                </p:childTnLst>
+              </p:cTn>
+              <p:prevCondLst>
+                <p:cond evt="onPrev" delay="0">
+                  <p:tgtEl>
+                    <p:sldTgt/>
+                  </p:tgtEl>
+                </p:cond>
+              </p:prevCondLst>
+              <p:nextCondLst>
+                <p:cond evt="onNext" delay="0">
+                  <p:tgtEl>
+                    <p:sldTgt/>
+                  </p:tgtEl>
+                </p:cond>
+              </p:nextCondLst>
+            </p:seq>
+          </p:childTnLst>
+        </p:cTn>
+      </p:par>
+    </p:tnLst>
+    <p:bldLst>
+      <p:bldP spid="16" grpId="0"/>
+    </p:bldLst>
+  </p:timing>
+</p:sld>
+</file>
+
+<file path=ppt/slides/slide5.xml><?xml version="1.0" encoding="utf-8"?>
+<p:sld xmlns:a="http://schemas.openxmlformats.org/drawingml/2006/main" xmlns:r="http://schemas.openxmlformats.org/officeDocument/2006/relationships" xmlns:p="http://schemas.openxmlformats.org/presentationml/2006/main">
+  <p:cSld>
+    <p:spTree>
+      <p:nvGrpSpPr>
+        <p:cNvPr id="1" name=""/>
+        <p:cNvGrpSpPr/>
+        <p:nvPr/>
+      </p:nvGrpSpPr>
+      <p:grpSpPr>
+        <a:xfrm>
+          <a:off x="0" y="0"/>
+          <a:ext cx="0" cy="0"/>
+          <a:chOff x="0" y="0"/>
+          <a:chExt cx="0" cy="0"/>
+        </a:xfrm>
+      </p:grpSpPr>
+      <p:grpSp>
+        <p:nvGrpSpPr>
+          <p:cNvPr id="2" name="1"/>
+          <p:cNvGrpSpPr/>
+          <p:nvPr/>
+        </p:nvGrpSpPr>
+        <p:grpSpPr>
+          <a:xfrm>
+            <a:off x="583060" y="342545"/>
+            <a:ext cx="637243" cy="227778"/>
+            <a:chOff x="264939" y="188640"/>
+            <a:chExt cx="604358" cy="216024"/>
+          </a:xfrm>
+          <a:solidFill>
+            <a:srgbClr val="0D4960"/>
+          </a:solidFill>
+        </p:grpSpPr>
+        <p:sp>
+          <p:nvSpPr>
+            <p:cNvPr id="13" name="燕尾形 12"/>
+            <p:cNvSpPr/>
+            <p:nvPr/>
+          </p:nvSpPr>
+          <p:spPr>
+            <a:xfrm>
+              <a:off x="264939" y="188640"/>
+              <a:ext cx="216024" cy="216024"/>
+            </a:xfrm>
+            <a:prstGeom prst="chevron">
+              <a:avLst/>
+            </a:prstGeom>
+            <a:grpFill/>
+            <a:ln>
+              <a:noFill/>
+            </a:ln>
+            <a:effectLst>
+              <a:outerShdw blurRad="63500" algn="ctr" rotWithShape="0">
+                <a:prstClr val="black">
+                  <a:alpha val="40000"/>
+                </a:prstClr>
+              </a:outerShdw>
+            </a:effectLst>
+          </p:spPr>
+          <p:txBody>
+            <a:bodyPr lIns="0" tIns="0" rIns="0" bIns="0" anchor="ctr"/>
+            <a:lstStyle/>
+            <a:p>
+              <a:endParaRPr lang="zh-CN" altLang="en-US" sz="900">
+                <a:solidFill>
+                  <a:srgbClr val="0070C0"/>
+                </a:solidFill>
+                <a:cs typeface="+mn-ea"/>
+              </a:endParaRPr>
+            </a:p>
+          </p:txBody>
+        </p:sp>
+        <p:sp>
+          <p:nvSpPr>
+            <p:cNvPr id="14" name="燕尾形 13"/>
+            <p:cNvSpPr/>
+            <p:nvPr/>
+          </p:nvSpPr>
+          <p:spPr>
+            <a:xfrm>
+              <a:off x="454914" y="188640"/>
+              <a:ext cx="216024" cy="216024"/>
+            </a:xfrm>
+            <a:prstGeom prst="chevron">
+              <a:avLst/>
+            </a:prstGeom>
+            <a:grpFill/>
+            <a:ln>
+              <a:noFill/>
+            </a:ln>
+            <a:effectLst>
+              <a:outerShdw blurRad="63500" algn="ctr" rotWithShape="0">
+                <a:prstClr val="black">
+                  <a:alpha val="40000"/>
+                </a:prstClr>
+              </a:outerShdw>
+            </a:effectLst>
+          </p:spPr>
+          <p:txBody>
+            <a:bodyPr lIns="0" tIns="0" rIns="0" bIns="0" anchor="ctr"/>
+            <a:lstStyle/>
+            <a:p>
+              <a:endParaRPr lang="zh-CN" altLang="en-US" sz="900">
+                <a:solidFill>
+                  <a:srgbClr val="0070C0"/>
+                </a:solidFill>
+                <a:cs typeface="+mn-ea"/>
+              </a:endParaRPr>
+            </a:p>
+          </p:txBody>
+        </p:sp>
+        <p:sp>
+          <p:nvSpPr>
+            <p:cNvPr id="15" name="燕尾形 14"/>
+            <p:cNvSpPr/>
+            <p:nvPr/>
+          </p:nvSpPr>
+          <p:spPr>
+            <a:xfrm>
+              <a:off x="653273" y="188640"/>
+              <a:ext cx="216024" cy="216024"/>
+            </a:xfrm>
+            <a:prstGeom prst="chevron">
+              <a:avLst/>
+            </a:prstGeom>
+            <a:grpFill/>
+            <a:ln>
+              <a:noFill/>
+            </a:ln>
+            <a:effectLst>
+              <a:outerShdw blurRad="63500" algn="ctr" rotWithShape="0">
+                <a:prstClr val="black">
+                  <a:alpha val="40000"/>
+                </a:prstClr>
+              </a:outerShdw>
+            </a:effectLst>
+          </p:spPr>
+          <p:txBody>
+            <a:bodyPr lIns="0" tIns="0" rIns="0" bIns="0" anchor="ctr"/>
+            <a:lstStyle/>
+            <a:p>
+              <a:endParaRPr lang="zh-CN" altLang="en-US" sz="900">
+                <a:solidFill>
+                  <a:srgbClr val="0070C0"/>
+                </a:solidFill>
+                <a:cs typeface="+mn-ea"/>
+              </a:endParaRPr>
+            </a:p>
+          </p:txBody>
+        </p:sp>
+      </p:grpSp>
+      <p:sp>
+        <p:nvSpPr>
+          <p:cNvPr id="16" name="2"/>
+          <p:cNvSpPr txBox="1"/>
+          <p:nvPr/>
+        </p:nvSpPr>
+        <p:spPr>
+          <a:xfrm>
+            <a:off x="1418247" y="211364"/>
+            <a:ext cx="5306644" cy="503905"/>
+          </a:xfrm>
+          <a:prstGeom prst="rect">
+            <a:avLst/>
+          </a:prstGeom>
+          <a:noFill/>
+        </p:spPr>
+        <p:txBody>
+          <a:bodyPr wrap="square" lIns="72312" tIns="36156" rIns="72312" bIns="36156" rtlCol="0">
+            <a:spAutoFit/>
+          </a:bodyPr>
+          <a:lstStyle/>
+          <a:p>
+            <a:pPr marL="0" lvl="1"/>
+            <a:r>
+              <a:rPr lang="zh-CN" altLang="en-US" sz="2800" spc="300" dirty="0" smtClean="0">
+                <a:solidFill>
+                  <a:srgbClr val="0D4960"/>
+                </a:solidFill>
+                <a:latin typeface="方正尚酷简体" panose="03000509000000000000" pitchFamily="65" charset="-122"/>
+                <a:ea typeface="方正尚酷简体" panose="03000509000000000000" pitchFamily="65" charset="-122"/>
+              </a:rPr>
+              <a:t>服务器之间拷贝文件</a:t>
+            </a:r>
+            <a:endParaRPr lang="en-US" altLang="zh-CN" sz="2800" spc="300" dirty="0" smtClean="0">
+              <a:solidFill>
+                <a:srgbClr val="0D4960"/>
+              </a:solidFill>
+              <a:latin typeface="方正尚酷简体" panose="03000509000000000000" pitchFamily="65" charset="-122"/>
+              <a:ea typeface="方正尚酷简体" panose="03000509000000000000" pitchFamily="65" charset="-122"/>
+            </a:endParaRPr>
+          </a:p>
+        </p:txBody>
+      </p:sp>
+      <p:cxnSp>
+        <p:nvCxnSpPr>
+          <p:cNvPr id="17" name="3"/>
+          <p:cNvCxnSpPr/>
+          <p:nvPr/>
+        </p:nvCxnSpPr>
+        <p:spPr>
+          <a:xfrm>
+            <a:off x="1418247" y="761569"/>
+            <a:ext cx="10174106" cy="0"/>
+          </a:xfrm>
+          <a:prstGeom prst="line">
+            <a:avLst/>
+          </a:prstGeom>
+          <a:ln>
+            <a:solidFill>
+              <a:schemeClr val="bg1">
+                <a:lumMod val="75000"/>
+              </a:schemeClr>
+            </a:solidFill>
+          </a:ln>
+        </p:spPr>
+        <p:style>
+          <a:lnRef idx="1">
+            <a:schemeClr val="accent1"/>
+          </a:lnRef>
+          <a:fillRef idx="0">
+            <a:schemeClr val="accent1"/>
+          </a:fillRef>
+          <a:effectRef idx="0">
+            <a:schemeClr val="accent1"/>
+          </a:effectRef>
+          <a:fontRef idx="minor">
+            <a:schemeClr val="tx1"/>
+          </a:fontRef>
+        </p:style>
+      </p:cxnSp>
+      <p:sp>
+        <p:nvSpPr>
+          <p:cNvPr id="11" name="TextBox 10"/>
+          <p:cNvSpPr txBox="1"/>
+          <p:nvPr/>
+        </p:nvSpPr>
+        <p:spPr>
+          <a:xfrm>
+            <a:off x="1445342" y="1401097"/>
+            <a:ext cx="5197064" cy="1077218"/>
+          </a:xfrm>
+          <a:prstGeom prst="rect">
+            <a:avLst/>
+          </a:prstGeom>
+          <a:noFill/>
+        </p:spPr>
+        <p:txBody>
+          <a:bodyPr wrap="none" rtlCol="0">
+            <a:spAutoFit/>
+          </a:bodyPr>
+          <a:lstStyle/>
+          <a:p>
+            <a:r>
+              <a:rPr lang="en-US" altLang="zh-CN" sz="3200" dirty="0" err="1" smtClean="0"/>
+              <a:t>scp</a:t>
+            </a:r>
+            <a:r>
+              <a:rPr lang="en-US" altLang="zh-CN" sz="3200" dirty="0" smtClean="0"/>
+              <a:t> </a:t>
+            </a:r>
+            <a:r>
+              <a:rPr lang="en-US" altLang="zh-CN" sz="3200" dirty="0" err="1" smtClean="0"/>
+              <a:t>sourcefile</a:t>
+            </a:r>
+            <a:r>
+              <a:rPr lang="en-US" altLang="zh-CN" sz="3200" dirty="0" smtClean="0"/>
+              <a:t> </a:t>
+            </a:r>
+            <a:r>
+              <a:rPr lang="en-US" altLang="zh-CN" sz="3200" dirty="0" err="1" smtClean="0"/>
+              <a:t>user@ip:path</a:t>
+            </a:r>
+            <a:endParaRPr lang="en-US" altLang="zh-CN" sz="3200" dirty="0" smtClean="0"/>
+          </a:p>
+          <a:p>
+            <a:r>
+              <a:rPr lang="en-US" altLang="zh-CN" sz="3200" dirty="0" err="1" smtClean="0"/>
+              <a:t>scp</a:t>
+            </a:r>
+            <a:r>
+              <a:rPr lang="en-US" altLang="zh-CN" sz="3200" dirty="0" smtClean="0"/>
+              <a:t> –r </a:t>
+            </a:r>
+            <a:r>
+              <a:rPr lang="en-US" altLang="zh-CN" sz="3200" dirty="0" err="1" smtClean="0"/>
+              <a:t>sourcedir</a:t>
+            </a:r>
+            <a:r>
+              <a:rPr lang="en-US" altLang="zh-CN" sz="3200" dirty="0" smtClean="0"/>
+              <a:t> </a:t>
+            </a:r>
+            <a:r>
+              <a:rPr lang="en-US" altLang="zh-CN" sz="3200" dirty="0" err="1" smtClean="0"/>
+              <a:t>user@ip:path</a:t>
+            </a:r>
+            <a:endParaRPr lang="zh-CN" altLang="en-US" sz="3200" dirty="0"/>
+          </a:p>
+        </p:txBody>
+      </p:sp>
+    </p:spTree>
+    <p:extLst>
+      <p:ext uri="{BB962C8B-B14F-4D97-AF65-F5344CB8AC3E}">
+        <p14:creationId xmlns:p14="http://schemas.microsoft.com/office/powerpoint/2010/main" xmlns="" val="1982124766"/>
+      </p:ext>
+    </p:extLst>
+  </p:cSld>
+  <p:clrMapOvr>
+    <a:masterClrMapping/>
+  </p:clrMapOvr>
+  <mc:AlternateContent xmlns:mc="http://schemas.openxmlformats.org/markup-compatibility/2006">
+    <mc:Choice xmlns:p14="http://schemas.microsoft.com/office/powerpoint/2010/main" xmlns="" Requires="p14">
+      <p:transition spd="slow" p14:dur="1500">
+        <p:random/>
+      </p:transition>
+    </mc:Choice>
+    <mc:Fallback>
+      <p:transition spd="slow">
+        <p:random/>
+      </p:transition>
+    </mc:Fallback>
+  </mc:AlternateContent>
+  <p:timing>
+    <p:tnLst>
+      <p:par>
+        <p:cTn id="1" dur="indefinite" restart="never" nodeType="tmRoot">
+          <p:childTnLst>
+            <p:seq concurrent="1" nextAc="seek">
+              <p:cTn id="2" dur="indefinite" nodeType="mainSeq">
+                <p:childTnLst>
+                  <p:par>
+                    <p:cTn id="3" fill="hold">
+                      <p:stCondLst>
+                        <p:cond delay="indefinite"/>
+                        <p:cond evt="onBegin" delay="0">
+                          <p:tn val="2"/>
+                        </p:cond>
+                      </p:stCondLst>
+                      <p:childTnLst>
+                        <p:par>
+                          <p:cTn id="4" fill="hold">
+                            <p:stCondLst>
+                              <p:cond delay="0"/>
+                            </p:stCondLst>
+                            <p:childTnLst>
+                              <p:par>
+                                <p:cTn id="5" presetID="2" presetClass="entr" presetSubtype="8" fill="hold" nodeType="afterEffect">
+                                  <p:stCondLst>
+                                    <p:cond delay="0"/>
+                                  </p:stCondLst>
+                                  <p:childTnLst>
+                                    <p:set>
+                                      <p:cBhvr>
+                                        <p:cTn id="6" dur="1" fill="hold">
+                                          <p:stCondLst>
+                                            <p:cond delay="0"/>
+                                          </p:stCondLst>
+                                        </p:cTn>
+                                        <p:tgtEl>
+                                          <p:spTgt spid="2"/>
+                                        </p:tgtEl>
+                                        <p:attrNameLst>
+                                          <p:attrName>style.visibility</p:attrName>
+                                        </p:attrNameLst>
+                                      </p:cBhvr>
+                                      <p:to>
+                                        <p:strVal val="visible"/>
+                                      </p:to>
+                                    </p:set>
+                                    <p:anim calcmode="lin" valueType="num">
+                                      <p:cBhvr additive="base">
+                                        <p:cTn id="7" dur="750" fill="hold"/>
+                                        <p:tgtEl>
+                                          <p:spTgt spid="2"/>
+                                        </p:tgtEl>
+                                        <p:attrNameLst>
+                                          <p:attrName>ppt_x</p:attrName>
+                                        </p:attrNameLst>
+                                      </p:cBhvr>
+                                      <p:tavLst>
+                                        <p:tav tm="0">
+                                          <p:val>
+                                            <p:strVal val="0-#ppt_w/2"/>
+                                          </p:val>
+                                        </p:tav>
+                                        <p:tav tm="100000">
+                                          <p:val>
+                                            <p:strVal val="#ppt_x"/>
+                                          </p:val>
+                                        </p:tav>
+                                      </p:tavLst>
+                                    </p:anim>
+                                    <p:anim calcmode="lin" valueType="num">
+                                      <p:cBhvr additive="base">
+                                        <p:cTn id="8" dur="750" fill="hold"/>
+                                        <p:tgtEl>
+                                          <p:spTgt spid="2"/>
+                                        </p:tgtEl>
+                                        <p:attrNameLst>
+                                          <p:attrName>ppt_y</p:attrName>
+                                        </p:attrNameLst>
+                                      </p:cBhvr>
+                                      <p:tavLst>
+                                        <p:tav tm="0">
+                                          <p:val>
+                                            <p:strVal val="#ppt_y"/>
+                                          </p:val>
+                                        </p:tav>
+                                        <p:tav tm="100000">
+                                          <p:val>
+                                            <p:strVal val="#ppt_y"/>
+                                          </p:val>
+                                        </p:tav>
+                                      </p:tavLst>
+                                    </p:anim>
+                                  </p:childTnLst>
+                                </p:cTn>
+                              </p:par>
+                            </p:childTnLst>
+                          </p:cTn>
+                        </p:par>
+                        <p:par>
+                          <p:cTn id="9" fill="hold">
+                            <p:stCondLst>
+                              <p:cond delay="750"/>
+                            </p:stCondLst>
+                            <p:childTnLst>
+                              <p:par>
+                                <p:cTn id="10" presetID="53" presetClass="entr" presetSubtype="16" fill="hold" grpId="0" nodeType="afterEffect">
+                                  <p:stCondLst>
+                                    <p:cond delay="0"/>
+                                  </p:stCondLst>
+                                  <p:iterate type="lt">
+                                    <p:tmPct val="10000"/>
+                                  </p:iterate>
+                                  <p:childTnLst>
+                                    <p:set>
+                                      <p:cBhvr>
+                                        <p:cTn id="11" dur="1" fill="hold">
+                                          <p:stCondLst>
+                                            <p:cond delay="0"/>
+                                          </p:stCondLst>
+                                        </p:cTn>
+                                        <p:tgtEl>
+                                          <p:spTgt spid="16"/>
+                                        </p:tgtEl>
+                                        <p:attrNameLst>
+                                          <p:attrName>style.visibility</p:attrName>
+                                        </p:attrNameLst>
+                                      </p:cBhvr>
+                                      <p:to>
+                                        <p:strVal val="visible"/>
+                                      </p:to>
+                                    </p:set>
+                                    <p:anim calcmode="lin" valueType="num">
+                                      <p:cBhvr>
+                                        <p:cTn id="12" dur="500" fill="hold"/>
+                                        <p:tgtEl>
+                                          <p:spTgt spid="16"/>
+                                        </p:tgtEl>
+                                        <p:attrNameLst>
+                                          <p:attrName>ppt_w</p:attrName>
+                                        </p:attrNameLst>
+                                      </p:cBhvr>
+                                      <p:tavLst>
+                                        <p:tav tm="0">
+                                          <p:val>
+                                            <p:fltVal val="0"/>
+                                          </p:val>
+                                        </p:tav>
+                                        <p:tav tm="100000">
+                                          <p:val>
+                                            <p:strVal val="#ppt_w"/>
+                                          </p:val>
+                                        </p:tav>
+                                      </p:tavLst>
+                                    </p:anim>
+                                    <p:anim calcmode="lin" valueType="num">
+                                      <p:cBhvr>
+                                        <p:cTn id="13" dur="500" fill="hold"/>
+                                        <p:tgtEl>
+                                          <p:spTgt spid="16"/>
+                                        </p:tgtEl>
+                                        <p:attrNameLst>
+                                          <p:attrName>ppt_h</p:attrName>
+                                        </p:attrNameLst>
+                                      </p:cBhvr>
+                                      <p:tavLst>
+                                        <p:tav tm="0">
+                                          <p:val>
+                                            <p:fltVal val="0"/>
+                                          </p:val>
+                                        </p:tav>
+                                        <p:tav tm="100000">
+                                          <p:val>
+                                            <p:strVal val="#ppt_h"/>
+                                          </p:val>
+                                        </p:tav>
+                                      </p:tavLst>
+                                    </p:anim>
+                                    <p:animEffect transition="in" filter="fade">
+                                      <p:cBhvr>
+                                        <p:cTn id="14" dur="500"/>
+                                        <p:tgtEl>
+                                          <p:spTgt spid="16"/>
+                                        </p:tgtEl>
+                                      </p:cBhvr>
+                                    </p:animEffect>
+                                  </p:childTnLst>
+                                </p:cTn>
+                              </p:par>
+                              <p:par>
+                                <p:cTn id="15" presetID="22" presetClass="entr" presetSubtype="2" fill="hold" nodeType="withEffect">
+                                  <p:stCondLst>
+                                    <p:cond delay="250"/>
+                                  </p:stCondLst>
+                                  <p:childTnLst>
+                                    <p:set>
+                                      <p:cBhvr>
+                                        <p:cTn id="16" dur="1" fill="hold">
+                                          <p:stCondLst>
+                                            <p:cond delay="0"/>
+                                          </p:stCondLst>
+                                        </p:cTn>
+                                        <p:tgtEl>
+                                          <p:spTgt spid="17"/>
+                                        </p:tgtEl>
+                                        <p:attrNameLst>
+                                          <p:attrName>style.visibility</p:attrName>
+                                        </p:attrNameLst>
+                                      </p:cBhvr>
+                                      <p:to>
+                                        <p:strVal val="visible"/>
+                                      </p:to>
+                                    </p:set>
+                                    <p:animEffect transition="in" filter="wipe(right)">
+                                      <p:cBhvr>
+                                        <p:cTn id="17" dur="750"/>
+                                        <p:tgtEl>
+                                          <p:spTgt spid="17"/>
+                                        </p:tgtEl>
+                                      </p:cBhvr>
+                                    </p:animEffect>
+                                  </p:childTnLst>
+                                </p:cTn>
+                              </p:par>
+                            </p:childTnLst>
+                          </p:cTn>
+                        </p:par>
+                      </p:childTnLst>
+                    </p:cTn>
+                  </p:par>
+                </p:childTnLst>
+              </p:cTn>
+              <p:prevCondLst>
+                <p:cond evt="onPrev" delay="0">
+                  <p:tgtEl>
+                    <p:sldTgt/>
+                  </p:tgtEl>
+                </p:cond>
+              </p:prevCondLst>
+              <p:nextCondLst>
+                <p:cond evt="onNext" delay="0">
+                  <p:tgtEl>
+                    <p:sldTgt/>
+                  </p:tgtEl>
+                </p:cond>
+              </p:nextCondLst>
+            </p:seq>
+          </p:childTnLst>
+        </p:cTn>
+      </p:par>
+    </p:tnLst>
+    <p:bldLst>
+      <p:bldP spid="16" grpId="0"/>
+    </p:bldLst>
+  </p:timing>
+</p:sld>
+</file>
+
+<file path=ppt/slides/slide6.xml><?xml version="1.0" encoding="utf-8"?>
+<p:sld xmlns:a="http://schemas.openxmlformats.org/drawingml/2006/main" xmlns:r="http://schemas.openxmlformats.org/officeDocument/2006/relationships" xmlns:p="http://schemas.openxmlformats.org/presentationml/2006/main">
+  <p:cSld>
+    <p:spTree>
+      <p:nvGrpSpPr>
+        <p:cNvPr id="1" name=""/>
+        <p:cNvGrpSpPr/>
+        <p:nvPr/>
+      </p:nvGrpSpPr>
+      <p:grpSpPr>
+        <a:xfrm>
+          <a:off x="0" y="0"/>
+          <a:ext cx="0" cy="0"/>
+          <a:chOff x="0" y="0"/>
+          <a:chExt cx="0" cy="0"/>
+        </a:xfrm>
+      </p:grpSpPr>
+      <p:grpSp>
+        <p:nvGrpSpPr>
+          <p:cNvPr id="2" name="1"/>
+          <p:cNvGrpSpPr/>
+          <p:nvPr/>
+        </p:nvGrpSpPr>
+        <p:grpSpPr>
+          <a:xfrm>
+            <a:off x="583060" y="342545"/>
+            <a:ext cx="637243" cy="227778"/>
+            <a:chOff x="264939" y="188640"/>
+            <a:chExt cx="604358" cy="216024"/>
+          </a:xfrm>
+          <a:solidFill>
+            <a:srgbClr val="0D4960"/>
+          </a:solidFill>
+        </p:grpSpPr>
+        <p:sp>
+          <p:nvSpPr>
+            <p:cNvPr id="13" name="燕尾形 12"/>
+            <p:cNvSpPr/>
+            <p:nvPr/>
+          </p:nvSpPr>
+          <p:spPr>
+            <a:xfrm>
+              <a:off x="264939" y="188640"/>
+              <a:ext cx="216024" cy="216024"/>
+            </a:xfrm>
+            <a:prstGeom prst="chevron">
+              <a:avLst/>
+            </a:prstGeom>
+            <a:grpFill/>
+            <a:ln>
+              <a:noFill/>
+            </a:ln>
+            <a:effectLst>
+              <a:outerShdw blurRad="63500" algn="ctr" rotWithShape="0">
+                <a:prstClr val="black">
+                  <a:alpha val="40000"/>
+                </a:prstClr>
+              </a:outerShdw>
+            </a:effectLst>
+          </p:spPr>
+          <p:txBody>
+            <a:bodyPr lIns="0" tIns="0" rIns="0" bIns="0" anchor="ctr"/>
+            <a:lstStyle/>
+            <a:p>
+              <a:endParaRPr lang="zh-CN" altLang="en-US" sz="900">
+                <a:solidFill>
+                  <a:srgbClr val="0070C0"/>
+                </a:solidFill>
+                <a:cs typeface="+mn-ea"/>
+              </a:endParaRPr>
+            </a:p>
+          </p:txBody>
+        </p:sp>
+        <p:sp>
+          <p:nvSpPr>
+            <p:cNvPr id="14" name="燕尾形 13"/>
+            <p:cNvSpPr/>
+            <p:nvPr/>
+          </p:nvSpPr>
+          <p:spPr>
+            <a:xfrm>
+              <a:off x="454914" y="188640"/>
+              <a:ext cx="216024" cy="216024"/>
+            </a:xfrm>
+            <a:prstGeom prst="chevron">
+              <a:avLst/>
+            </a:prstGeom>
+            <a:grpFill/>
+            <a:ln>
+              <a:noFill/>
+            </a:ln>
+            <a:effectLst>
+              <a:outerShdw blurRad="63500" algn="ctr" rotWithShape="0">
+                <a:prstClr val="black">
+                  <a:alpha val="40000"/>
+                </a:prstClr>
+              </a:outerShdw>
+            </a:effectLst>
+          </p:spPr>
+          <p:txBody>
+            <a:bodyPr lIns="0" tIns="0" rIns="0" bIns="0" anchor="ctr"/>
+            <a:lstStyle/>
+            <a:p>
+              <a:endParaRPr lang="zh-CN" altLang="en-US" sz="900">
+                <a:solidFill>
+                  <a:srgbClr val="0070C0"/>
+                </a:solidFill>
+                <a:cs typeface="+mn-ea"/>
+              </a:endParaRPr>
+            </a:p>
+          </p:txBody>
+        </p:sp>
+        <p:sp>
+          <p:nvSpPr>
+            <p:cNvPr id="15" name="燕尾形 14"/>
+            <p:cNvSpPr/>
+            <p:nvPr/>
+          </p:nvSpPr>
+          <p:spPr>
+            <a:xfrm>
+              <a:off x="653273" y="188640"/>
+              <a:ext cx="216024" cy="216024"/>
+            </a:xfrm>
+            <a:prstGeom prst="chevron">
+              <a:avLst/>
+            </a:prstGeom>
+            <a:grpFill/>
+            <a:ln>
+              <a:noFill/>
+            </a:ln>
+            <a:effectLst>
+              <a:outerShdw blurRad="63500" algn="ctr" rotWithShape="0">
+                <a:prstClr val="black">
+                  <a:alpha val="40000"/>
+                </a:prstClr>
+              </a:outerShdw>
+            </a:effectLst>
+          </p:spPr>
+          <p:txBody>
+            <a:bodyPr lIns="0" tIns="0" rIns="0" bIns="0" anchor="ctr"/>
+            <a:lstStyle/>
+            <a:p>
+              <a:endParaRPr lang="zh-CN" altLang="en-US" sz="900">
+                <a:solidFill>
+                  <a:srgbClr val="0070C0"/>
+                </a:solidFill>
+                <a:cs typeface="+mn-ea"/>
+              </a:endParaRPr>
+            </a:p>
+          </p:txBody>
+        </p:sp>
+      </p:grpSp>
+      <p:sp>
+        <p:nvSpPr>
+          <p:cNvPr id="16" name="2"/>
+          <p:cNvSpPr txBox="1"/>
+          <p:nvPr/>
+        </p:nvSpPr>
+        <p:spPr>
+          <a:xfrm>
+            <a:off x="1418247" y="211364"/>
+            <a:ext cx="5306644" cy="503905"/>
+          </a:xfrm>
+          <a:prstGeom prst="rect">
+            <a:avLst/>
+          </a:prstGeom>
+          <a:noFill/>
+        </p:spPr>
+        <p:txBody>
+          <a:bodyPr wrap="square" lIns="72312" tIns="36156" rIns="72312" bIns="36156" rtlCol="0">
+            <a:spAutoFit/>
+          </a:bodyPr>
+          <a:lstStyle/>
+          <a:p>
+            <a:pPr marL="0" lvl="1"/>
+            <a:r>
+              <a:rPr lang="zh-CN" altLang="en-US" sz="2800" spc="300" dirty="0" smtClean="0">
+                <a:solidFill>
+                  <a:srgbClr val="0D4960"/>
+                </a:solidFill>
+                <a:latin typeface="方正尚酷简体" panose="03000509000000000000" pitchFamily="65" charset="-122"/>
+                <a:ea typeface="方正尚酷简体" panose="03000509000000000000" pitchFamily="65" charset="-122"/>
+              </a:rPr>
+              <a:t>压缩与解压</a:t>
+            </a:r>
+            <a:endParaRPr lang="en-US" altLang="zh-CN" sz="2800" spc="300" dirty="0" smtClean="0">
+              <a:solidFill>
+                <a:srgbClr val="0D4960"/>
+              </a:solidFill>
+              <a:latin typeface="方正尚酷简体" panose="03000509000000000000" pitchFamily="65" charset="-122"/>
+              <a:ea typeface="方正尚酷简体" panose="03000509000000000000" pitchFamily="65" charset="-122"/>
+            </a:endParaRPr>
+          </a:p>
+        </p:txBody>
+      </p:sp>
+      <p:cxnSp>
+        <p:nvCxnSpPr>
+          <p:cNvPr id="17" name="3"/>
+          <p:cNvCxnSpPr/>
+          <p:nvPr/>
+        </p:nvCxnSpPr>
+        <p:spPr>
+          <a:xfrm>
+            <a:off x="1418247" y="761569"/>
+            <a:ext cx="10174106" cy="0"/>
+          </a:xfrm>
+          <a:prstGeom prst="line">
+            <a:avLst/>
+          </a:prstGeom>
+          <a:ln>
+            <a:solidFill>
+              <a:schemeClr val="bg1">
+                <a:lumMod val="75000"/>
+              </a:schemeClr>
+            </a:solidFill>
+          </a:ln>
+        </p:spPr>
+        <p:style>
+          <a:lnRef idx="1">
+            <a:schemeClr val="accent1"/>
+          </a:lnRef>
+          <a:fillRef idx="0">
+            <a:schemeClr val="accent1"/>
+          </a:fillRef>
+          <a:effectRef idx="0">
+            <a:schemeClr val="accent1"/>
+          </a:effectRef>
+          <a:fontRef idx="minor">
+            <a:schemeClr val="tx1"/>
+          </a:fontRef>
+        </p:style>
+      </p:cxnSp>
+      <p:sp>
+        <p:nvSpPr>
+          <p:cNvPr id="8" name="圆角矩形 7"/>
+          <p:cNvSpPr/>
+          <p:nvPr/>
+        </p:nvSpPr>
+        <p:spPr>
+          <a:xfrm>
+            <a:off x="1238865" y="1297858"/>
+            <a:ext cx="1755058" cy="737419"/>
+          </a:xfrm>
+          <a:prstGeom prst="roundRect">
+            <a:avLst/>
+          </a:prstGeom>
+        </p:spPr>
+        <p:style>
+          <a:lnRef idx="2">
+            <a:schemeClr val="accent1">
+              <a:shade val="50000"/>
+            </a:schemeClr>
+          </a:lnRef>
+          <a:fillRef idx="1">
+            <a:schemeClr val="accent1"/>
+          </a:fillRef>
+          <a:effectRef idx="0">
+            <a:schemeClr val="accent1"/>
+          </a:effectRef>
+          <a:fontRef idx="minor">
+            <a:schemeClr val="lt1"/>
+          </a:fontRef>
+        </p:style>
+        <p:txBody>
+          <a:bodyPr rtlCol="0" anchor="ctr"/>
+          <a:lstStyle/>
+          <a:p>
+            <a:pPr algn="ctr"/>
+            <a:r>
+              <a:rPr lang="en-US" altLang="zh-CN" dirty="0" smtClean="0"/>
+              <a:t>tar</a:t>
+            </a:r>
+            <a:endParaRPr lang="zh-CN" altLang="en-US" dirty="0"/>
+          </a:p>
+        </p:txBody>
+      </p:sp>
+      <p:graphicFrame>
+        <p:nvGraphicFramePr>
+          <p:cNvPr id="9" name="表格 8"/>
+          <p:cNvGraphicFramePr>
+            <a:graphicFrameLocks noGrp="1"/>
+          </p:cNvGraphicFramePr>
+          <p:nvPr/>
+        </p:nvGraphicFramePr>
+        <p:xfrm>
+          <a:off x="3406876" y="1103121"/>
+          <a:ext cx="7934634" cy="2878945"/>
+        </p:xfrm>
+        <a:graphic>
+          <a:graphicData uri="http://schemas.openxmlformats.org/drawingml/2006/table">
+            <a:tbl>
+              <a:tblPr firstRow="1" bandRow="1">
+                <a:tableStyleId>{5C22544A-7EE6-4342-B048-85BDC9FD1C3A}</a:tableStyleId>
+              </a:tblPr>
+              <a:tblGrid>
+                <a:gridCol w="914402"/>
+                <a:gridCol w="7020232"/>
+              </a:tblGrid>
+              <a:tr h="575789">
+                <a:tc>
+                  <a:txBody>
+                    <a:bodyPr/>
+                    <a:lstStyle/>
+                    <a:p>
+                      <a:r>
+                        <a:rPr lang="en-US" altLang="zh-CN" dirty="0" smtClean="0"/>
+                        <a:t>c</a:t>
+                      </a:r>
+                      <a:endParaRPr lang="zh-CN" altLang="en-US" dirty="0"/>
+                    </a:p>
+                  </a:txBody>
+                  <a:tcPr/>
+                </a:tc>
+                <a:tc>
+                  <a:txBody>
+                    <a:bodyPr/>
+                    <a:lstStyle/>
+                    <a:p>
+                      <a:r>
+                        <a:rPr lang="zh-CN" altLang="en-US" dirty="0" smtClean="0"/>
+                        <a:t>压缩</a:t>
+                      </a:r>
+                      <a:endParaRPr lang="zh-CN" altLang="en-US" dirty="0"/>
+                    </a:p>
+                  </a:txBody>
+                  <a:tcPr/>
+                </a:tc>
+              </a:tr>
+              <a:tr h="575789">
+                <a:tc>
+                  <a:txBody>
+                    <a:bodyPr/>
+                    <a:lstStyle/>
+                    <a:p>
+                      <a:r>
+                        <a:rPr lang="en-US" altLang="zh-CN" dirty="0" smtClean="0"/>
+                        <a:t>x</a:t>
+                      </a:r>
+                      <a:endParaRPr lang="zh-CN" altLang="en-US" dirty="0"/>
+                    </a:p>
+                  </a:txBody>
+                  <a:tcPr/>
+                </a:tc>
+                <a:tc>
+                  <a:txBody>
+                    <a:bodyPr/>
+                    <a:lstStyle/>
+                    <a:p>
+                      <a:r>
+                        <a:rPr lang="zh-CN" altLang="en-US" dirty="0" smtClean="0"/>
+                        <a:t>解压</a:t>
+                      </a:r>
+                      <a:endParaRPr lang="zh-CN" altLang="en-US" dirty="0"/>
+                    </a:p>
+                  </a:txBody>
+                  <a:tcPr/>
+                </a:tc>
+              </a:tr>
+              <a:tr h="575789">
+                <a:tc>
+                  <a:txBody>
+                    <a:bodyPr/>
+                    <a:lstStyle/>
+                    <a:p>
+                      <a:r>
+                        <a:rPr lang="en-US" altLang="zh-CN" dirty="0" smtClean="0"/>
+                        <a:t>v</a:t>
+                      </a:r>
+                      <a:endParaRPr lang="zh-CN" altLang="en-US" dirty="0"/>
+                    </a:p>
+                  </a:txBody>
+                  <a:tcPr/>
+                </a:tc>
+                <a:tc>
+                  <a:txBody>
+                    <a:bodyPr/>
+                    <a:lstStyle/>
+                    <a:p>
+                      <a:r>
+                        <a:rPr lang="zh-CN" altLang="en-US" dirty="0" smtClean="0"/>
+                        <a:t>显示过程</a:t>
+                      </a:r>
+                      <a:endParaRPr lang="zh-CN" altLang="en-US" dirty="0"/>
+                    </a:p>
+                  </a:txBody>
+                  <a:tcPr/>
+                </a:tc>
+              </a:tr>
+              <a:tr h="575789">
+                <a:tc>
+                  <a:txBody>
+                    <a:bodyPr/>
+                    <a:lstStyle/>
+                    <a:p>
+                      <a:r>
+                        <a:rPr lang="en-US" altLang="zh-CN" dirty="0" smtClean="0"/>
+                        <a:t>z</a:t>
+                      </a:r>
+                      <a:endParaRPr lang="zh-CN" altLang="en-US" dirty="0"/>
+                    </a:p>
+                  </a:txBody>
+                  <a:tcPr/>
+                </a:tc>
+                <a:tc>
+                  <a:txBody>
+                    <a:bodyPr/>
+                    <a:lstStyle/>
+                    <a:p>
+                      <a:r>
+                        <a:rPr lang="zh-CN" altLang="en-US" dirty="0" smtClean="0"/>
+                        <a:t>有</a:t>
+                      </a:r>
+                      <a:r>
+                        <a:rPr lang="en-US" altLang="zh-CN" dirty="0" err="1" smtClean="0"/>
+                        <a:t>gzip</a:t>
+                      </a:r>
+                      <a:r>
+                        <a:rPr lang="zh-CN" altLang="en-US" dirty="0" smtClean="0"/>
+                        <a:t>属性</a:t>
+                      </a:r>
+                      <a:endParaRPr lang="zh-CN" altLang="en-US" dirty="0"/>
+                    </a:p>
+                  </a:txBody>
+                  <a:tcPr/>
+                </a:tc>
+              </a:tr>
+              <a:tr h="575789">
+                <a:tc>
+                  <a:txBody>
+                    <a:bodyPr/>
+                    <a:lstStyle/>
+                    <a:p>
+                      <a:r>
+                        <a:rPr lang="en-US" altLang="zh-CN" dirty="0" smtClean="0"/>
+                        <a:t>f</a:t>
+                      </a:r>
+                      <a:endParaRPr lang="zh-CN" altLang="en-US" dirty="0"/>
+                    </a:p>
+                  </a:txBody>
+                  <a:tcPr/>
+                </a:tc>
+                <a:tc>
+                  <a:txBody>
+                    <a:bodyPr/>
+                    <a:lstStyle/>
+                    <a:p>
+                      <a:r>
+                        <a:rPr lang="zh-CN" altLang="en-US" dirty="0" smtClean="0"/>
+                        <a:t>压缩文件名（必须为最后一个参数）</a:t>
+                      </a:r>
+                      <a:endParaRPr lang="zh-CN" altLang="en-US" dirty="0"/>
+                    </a:p>
+                  </a:txBody>
+                  <a:tcPr/>
+                </a:tc>
+              </a:tr>
+            </a:tbl>
+          </a:graphicData>
+        </a:graphic>
+      </p:graphicFrame>
+    </p:spTree>
+    <p:extLst>
+      <p:ext uri="{BB962C8B-B14F-4D97-AF65-F5344CB8AC3E}">
+        <p14:creationId xmlns:p14="http://schemas.microsoft.com/office/powerpoint/2010/main" xmlns="" val="1982124766"/>
+      </p:ext>
+    </p:extLst>
+  </p:cSld>
+  <p:clrMapOvr>
+    <a:masterClrMapping/>
+  </p:clrMapOvr>
+  <mc:AlternateContent xmlns:mc="http://schemas.openxmlformats.org/markup-compatibility/2006">
+    <mc:Choice xmlns:p14="http://schemas.microsoft.com/office/powerpoint/2010/main" xmlns="" Requires="p14">
+      <p:transition spd="slow" p14:dur="1500">
+        <p:random/>
+      </p:transition>
+    </mc:Choice>
+    <mc:Fallback>
+      <p:transition spd="slow">
+        <p:random/>
+      </p:transition>
+    </mc:Fallback>
+  </mc:AlternateContent>
+  <p:timing>
+    <p:tnLst>
+      <p:par>
+        <p:cTn id="1" dur="indefinite" restart="never" nodeType="tmRoot">
+          <p:childTnLst>
+            <p:seq concurrent="1" nextAc="seek">
+              <p:cTn id="2" dur="indefinite" nodeType="mainSeq">
+                <p:childTnLst>
+                  <p:par>
+                    <p:cTn id="3" fill="hold">
+                      <p:stCondLst>
+                        <p:cond delay="indefinite"/>
+                        <p:cond evt="onBegin" delay="0">
+                          <p:tn val="2"/>
+                        </p:cond>
+                      </p:stCondLst>
+                      <p:childTnLst>
+                        <p:par>
+                          <p:cTn id="4" fill="hold">
+                            <p:stCondLst>
+                              <p:cond delay="0"/>
+                            </p:stCondLst>
+                            <p:childTnLst>
+                              <p:par>
+                                <p:cTn id="5" presetID="2" presetClass="entr" presetSubtype="8" fill="hold" nodeType="afterEffect">
+                                  <p:stCondLst>
+                                    <p:cond delay="0"/>
+                                  </p:stCondLst>
+                                  <p:childTnLst>
+                                    <p:set>
+                                      <p:cBhvr>
+                                        <p:cTn id="6" dur="1" fill="hold">
+                                          <p:stCondLst>
+                                            <p:cond delay="0"/>
+                                          </p:stCondLst>
+                                        </p:cTn>
+                                        <p:tgtEl>
+                                          <p:spTgt spid="2"/>
+                                        </p:tgtEl>
+                                        <p:attrNameLst>
+                                          <p:attrName>style.visibility</p:attrName>
+                                        </p:attrNameLst>
+                                      </p:cBhvr>
+                                      <p:to>
+                                        <p:strVal val="visible"/>
+                                      </p:to>
+                                    </p:set>
+                                    <p:anim calcmode="lin" valueType="num">
+                                      <p:cBhvr additive="base">
+                                        <p:cTn id="7" dur="750" fill="hold"/>
+                                        <p:tgtEl>
+                                          <p:spTgt spid="2"/>
+                                        </p:tgtEl>
+                                        <p:attrNameLst>
+                                          <p:attrName>ppt_x</p:attrName>
+                                        </p:attrNameLst>
+                                      </p:cBhvr>
+                                      <p:tavLst>
+                                        <p:tav tm="0">
+                                          <p:val>
+                                            <p:strVal val="0-#ppt_w/2"/>
+                                          </p:val>
+                                        </p:tav>
+                                        <p:tav tm="100000">
+                                          <p:val>
+                                            <p:strVal val="#ppt_x"/>
+                                          </p:val>
+                                        </p:tav>
+                                      </p:tavLst>
+                                    </p:anim>
+                                    <p:anim calcmode="lin" valueType="num">
+                                      <p:cBhvr additive="base">
+                                        <p:cTn id="8" dur="750" fill="hold"/>
+                                        <p:tgtEl>
+                                          <p:spTgt spid="2"/>
+                                        </p:tgtEl>
+                                        <p:attrNameLst>
+                                          <p:attrName>ppt_y</p:attrName>
+                                        </p:attrNameLst>
+                                      </p:cBhvr>
+                                      <p:tavLst>
+                                        <p:tav tm="0">
+                                          <p:val>
+                                            <p:strVal val="#ppt_y"/>
+                                          </p:val>
+                                        </p:tav>
+                                        <p:tav tm="100000">
+                                          <p:val>
+                                            <p:strVal val="#ppt_y"/>
+                                          </p:val>
+                                        </p:tav>
+                                      </p:tavLst>
+                                    </p:anim>
+                                  </p:childTnLst>
+                                </p:cTn>
+                              </p:par>
+                            </p:childTnLst>
+                          </p:cTn>
+                        </p:par>
+                        <p:par>
+                          <p:cTn id="9" fill="hold">
+                            <p:stCondLst>
+                              <p:cond delay="750"/>
+                            </p:stCondLst>
+                            <p:childTnLst>
+                              <p:par>
+                                <p:cTn id="10" presetID="53" presetClass="entr" presetSubtype="16" fill="hold" grpId="0" nodeType="afterEffect">
+                                  <p:stCondLst>
+                                    <p:cond delay="0"/>
+                                  </p:stCondLst>
+                                  <p:iterate type="lt">
+                                    <p:tmPct val="10000"/>
+                                  </p:iterate>
+                                  <p:childTnLst>
+                                    <p:set>
+                                      <p:cBhvr>
+                                        <p:cTn id="11" dur="1" fill="hold">
+                                          <p:stCondLst>
+                                            <p:cond delay="0"/>
+                                          </p:stCondLst>
+                                        </p:cTn>
+                                        <p:tgtEl>
+                                          <p:spTgt spid="16"/>
+                                        </p:tgtEl>
+                                        <p:attrNameLst>
+                                          <p:attrName>style.visibility</p:attrName>
+                                        </p:attrNameLst>
+                                      </p:cBhvr>
+                                      <p:to>
+                                        <p:strVal val="visible"/>
+                                      </p:to>
+                                    </p:set>
+                                    <p:anim calcmode="lin" valueType="num">
+                                      <p:cBhvr>
+                                        <p:cTn id="12" dur="500" fill="hold"/>
+                                        <p:tgtEl>
+                                          <p:spTgt spid="16"/>
+                                        </p:tgtEl>
+                                        <p:attrNameLst>
+                                          <p:attrName>ppt_w</p:attrName>
+                                        </p:attrNameLst>
+                                      </p:cBhvr>
+                                      <p:tavLst>
+                                        <p:tav tm="0">
+                                          <p:val>
+                                            <p:fltVal val="0"/>
+                                          </p:val>
+                                        </p:tav>
+                                        <p:tav tm="100000">
+                                          <p:val>
+                                            <p:strVal val="#ppt_w"/>
+                                          </p:val>
+                                        </p:tav>
+                                      </p:tavLst>
+                                    </p:anim>
+                                    <p:anim calcmode="lin" valueType="num">
+                                      <p:cBhvr>
+                                        <p:cTn id="13" dur="500" fill="hold"/>
+                                        <p:tgtEl>
+                                          <p:spTgt spid="16"/>
+                                        </p:tgtEl>
+                                        <p:attrNameLst>
+                                          <p:attrName>ppt_h</p:attrName>
+                                        </p:attrNameLst>
+                                      </p:cBhvr>
+                                      <p:tavLst>
+                                        <p:tav tm="0">
+                                          <p:val>
+                                            <p:fltVal val="0"/>
+                                          </p:val>
+                                        </p:tav>
+                                        <p:tav tm="100000">
+                                          <p:val>
+                                            <p:strVal val="#ppt_h"/>
+                                          </p:val>
+                                        </p:tav>
+                                      </p:tavLst>
+                                    </p:anim>
+                                    <p:animEffect transition="in" filter="fade">
+                                      <p:cBhvr>
+                                        <p:cTn id="14" dur="500"/>
+                                        <p:tgtEl>
+                                          <p:spTgt spid="16"/>
+                                        </p:tgtEl>
+                                      </p:cBhvr>
+                                    </p:animEffect>
+                                  </p:childTnLst>
+                                </p:cTn>
+                              </p:par>
+                              <p:par>
+                                <p:cTn id="15" presetID="22" presetClass="entr" presetSubtype="2" fill="hold" nodeType="withEffect">
+                                  <p:stCondLst>
+                                    <p:cond delay="250"/>
+                                  </p:stCondLst>
+                                  <p:childTnLst>
+                                    <p:set>
+                                      <p:cBhvr>
+                                        <p:cTn id="16" dur="1" fill="hold">
+                                          <p:stCondLst>
+                                            <p:cond delay="0"/>
+                                          </p:stCondLst>
+                                        </p:cTn>
+                                        <p:tgtEl>
+                                          <p:spTgt spid="17"/>
+                                        </p:tgtEl>
+                                        <p:attrNameLst>
+                                          <p:attrName>style.visibility</p:attrName>
+                                        </p:attrNameLst>
+                                      </p:cBhvr>
+                                      <p:to>
+                                        <p:strVal val="visible"/>
+                                      </p:to>
+                                    </p:set>
+                                    <p:animEffect transition="in" filter="wipe(right)">
+                                      <p:cBhvr>
+                                        <p:cTn id="17" dur="750"/>
+                                        <p:tgtEl>
+                                          <p:spTgt spid="17"/>
+                                        </p:tgtEl>
+                                      </p:cBhvr>
+                                    </p:animEffect>
+                                  </p:childTnLst>
+                                </p:cTn>
+                              </p:par>
+                            </p:childTnLst>
+                          </p:cTn>
+                        </p:par>
+                      </p:childTnLst>
+                    </p:cTn>
+                  </p:par>
+                </p:childTnLst>
+              </p:cTn>
+              <p:prevCondLst>
+                <p:cond evt="onPrev" delay="0">
+                  <p:tgtEl>
+                    <p:sldTgt/>
+                  </p:tgtEl>
+                </p:cond>
+              </p:prevCondLst>
+              <p:nextCondLst>
+                <p:cond evt="onNext" delay="0">
+                  <p:tgtEl>
+                    <p:sldTgt/>
+                  </p:tgtEl>
+                </p:cond>
+              </p:nextCondLst>
+            </p:seq>
+          </p:childTnLst>
+        </p:cTn>
+      </p:par>
+    </p:tnLst>
+    <p:bldLst>
+      <p:bldP spid="16" grpId="0"/>
+    </p:bldLst>
+  </p:timing>
+</p:sld>
+</file>
+
+<file path=ppt/slides/slide7.xml><?xml version="1.0" encoding="utf-8"?>
+<p:sld xmlns:a="http://schemas.openxmlformats.org/drawingml/2006/main" xmlns:r="http://schemas.openxmlformats.org/officeDocument/2006/relationships" xmlns:p="http://schemas.openxmlformats.org/presentationml/2006/main">
+  <p:cSld>
+    <p:spTree>
+      <p:nvGrpSpPr>
+        <p:cNvPr id="1" name=""/>
+        <p:cNvGrpSpPr/>
+        <p:nvPr/>
+      </p:nvGrpSpPr>
+      <p:grpSpPr>
+        <a:xfrm>
+          <a:off x="0" y="0"/>
+          <a:ext cx="0" cy="0"/>
+          <a:chOff x="0" y="0"/>
+          <a:chExt cx="0" cy="0"/>
+        </a:xfrm>
+      </p:grpSpPr>
+      <p:grpSp>
+        <p:nvGrpSpPr>
+          <p:cNvPr id="2" name="1"/>
+          <p:cNvGrpSpPr/>
+          <p:nvPr/>
+        </p:nvGrpSpPr>
+        <p:grpSpPr>
+          <a:xfrm>
+            <a:off x="583060" y="342545"/>
+            <a:ext cx="637243" cy="227778"/>
+            <a:chOff x="264939" y="188640"/>
+            <a:chExt cx="604358" cy="216024"/>
+          </a:xfrm>
+          <a:solidFill>
+            <a:srgbClr val="0D4960"/>
+          </a:solidFill>
+        </p:grpSpPr>
+        <p:sp>
+          <p:nvSpPr>
+            <p:cNvPr id="13" name="燕尾形 12"/>
+            <p:cNvSpPr/>
+            <p:nvPr/>
+          </p:nvSpPr>
+          <p:spPr>
+            <a:xfrm>
+              <a:off x="264939" y="188640"/>
+              <a:ext cx="216024" cy="216024"/>
+            </a:xfrm>
+            <a:prstGeom prst="chevron">
+              <a:avLst/>
+            </a:prstGeom>
+            <a:grpFill/>
+            <a:ln>
+              <a:noFill/>
+            </a:ln>
+            <a:effectLst>
+              <a:outerShdw blurRad="63500" algn="ctr" rotWithShape="0">
+                <a:prstClr val="black">
+                  <a:alpha val="40000"/>
+                </a:prstClr>
+              </a:outerShdw>
+            </a:effectLst>
+          </p:spPr>
+          <p:txBody>
+            <a:bodyPr lIns="0" tIns="0" rIns="0" bIns="0" anchor="ctr"/>
+            <a:lstStyle/>
+            <a:p>
+              <a:endParaRPr lang="zh-CN" altLang="en-US" sz="900">
+                <a:solidFill>
+                  <a:srgbClr val="0070C0"/>
+                </a:solidFill>
+                <a:cs typeface="+mn-ea"/>
+              </a:endParaRPr>
+            </a:p>
+          </p:txBody>
+        </p:sp>
+        <p:sp>
+          <p:nvSpPr>
+            <p:cNvPr id="14" name="燕尾形 13"/>
+            <p:cNvSpPr/>
+            <p:nvPr/>
+          </p:nvSpPr>
+          <p:spPr>
+            <a:xfrm>
+              <a:off x="454914" y="188640"/>
+              <a:ext cx="216024" cy="216024"/>
+            </a:xfrm>
+            <a:prstGeom prst="chevron">
+              <a:avLst/>
+            </a:prstGeom>
+            <a:grpFill/>
+            <a:ln>
+              <a:noFill/>
+            </a:ln>
+            <a:effectLst>
+              <a:outerShdw blurRad="63500" algn="ctr" rotWithShape="0">
+                <a:prstClr val="black">
+                  <a:alpha val="40000"/>
+                </a:prstClr>
+              </a:outerShdw>
+            </a:effectLst>
+          </p:spPr>
+          <p:txBody>
+            <a:bodyPr lIns="0" tIns="0" rIns="0" bIns="0" anchor="ctr"/>
+            <a:lstStyle/>
+            <a:p>
+              <a:endParaRPr lang="zh-CN" altLang="en-US" sz="900">
+                <a:solidFill>
+                  <a:srgbClr val="0070C0"/>
+                </a:solidFill>
+                <a:cs typeface="+mn-ea"/>
+              </a:endParaRPr>
+            </a:p>
+          </p:txBody>
+        </p:sp>
+        <p:sp>
+          <p:nvSpPr>
+            <p:cNvPr id="15" name="燕尾形 14"/>
+            <p:cNvSpPr/>
+            <p:nvPr/>
+          </p:nvSpPr>
+          <p:spPr>
+            <a:xfrm>
+              <a:off x="653273" y="188640"/>
+              <a:ext cx="216024" cy="216024"/>
+            </a:xfrm>
+            <a:prstGeom prst="chevron">
+              <a:avLst/>
+            </a:prstGeom>
+            <a:grpFill/>
+            <a:ln>
+              <a:noFill/>
+            </a:ln>
+            <a:effectLst>
+              <a:outerShdw blurRad="63500" algn="ctr" rotWithShape="0">
+                <a:prstClr val="black">
+                  <a:alpha val="40000"/>
+                </a:prstClr>
+              </a:outerShdw>
+            </a:effectLst>
+          </p:spPr>
+          <p:txBody>
+            <a:bodyPr lIns="0" tIns="0" rIns="0" bIns="0" anchor="ctr"/>
+            <a:lstStyle/>
+            <a:p>
+              <a:endParaRPr lang="zh-CN" altLang="en-US" sz="900">
+                <a:solidFill>
+                  <a:srgbClr val="0070C0"/>
+                </a:solidFill>
+                <a:cs typeface="+mn-ea"/>
+              </a:endParaRPr>
+            </a:p>
+          </p:txBody>
+        </p:sp>
+      </p:grpSp>
+      <p:sp>
+        <p:nvSpPr>
+          <p:cNvPr id="16" name="2"/>
+          <p:cNvSpPr txBox="1"/>
+          <p:nvPr/>
+        </p:nvSpPr>
+        <p:spPr>
+          <a:xfrm>
+            <a:off x="1418247" y="211364"/>
+            <a:ext cx="5306644" cy="503905"/>
+          </a:xfrm>
+          <a:prstGeom prst="rect">
+            <a:avLst/>
+          </a:prstGeom>
+          <a:noFill/>
+        </p:spPr>
+        <p:txBody>
+          <a:bodyPr wrap="square" lIns="72312" tIns="36156" rIns="72312" bIns="36156" rtlCol="0">
+            <a:spAutoFit/>
+          </a:bodyPr>
+          <a:lstStyle/>
+          <a:p>
+            <a:pPr marL="0" lvl="1"/>
+            <a:r>
+              <a:rPr lang="zh-CN" altLang="en-US" sz="2800" spc="300" dirty="0" smtClean="0">
+                <a:solidFill>
+                  <a:srgbClr val="0D4960"/>
+                </a:solidFill>
+                <a:latin typeface="方正尚酷简体" panose="03000509000000000000" pitchFamily="65" charset="-122"/>
+                <a:ea typeface="方正尚酷简体" panose="03000509000000000000" pitchFamily="65" charset="-122"/>
+              </a:rPr>
+              <a:t>防火墙</a:t>
+            </a:r>
+            <a:endParaRPr lang="en-US" altLang="zh-CN" sz="2800" spc="300" dirty="0" smtClean="0">
+              <a:solidFill>
+                <a:srgbClr val="0D4960"/>
+              </a:solidFill>
+              <a:latin typeface="方正尚酷简体" panose="03000509000000000000" pitchFamily="65" charset="-122"/>
+              <a:ea typeface="方正尚酷简体" panose="03000509000000000000" pitchFamily="65" charset="-122"/>
+            </a:endParaRPr>
+          </a:p>
+        </p:txBody>
+      </p:sp>
+      <p:cxnSp>
+        <p:nvCxnSpPr>
+          <p:cNvPr id="17" name="3"/>
+          <p:cNvCxnSpPr/>
+          <p:nvPr/>
+        </p:nvCxnSpPr>
+        <p:spPr>
+          <a:xfrm>
+            <a:off x="1418247" y="761569"/>
+            <a:ext cx="10174106" cy="0"/>
+          </a:xfrm>
+          <a:prstGeom prst="line">
+            <a:avLst/>
+          </a:prstGeom>
+          <a:ln>
+            <a:solidFill>
+              <a:schemeClr val="bg1">
+                <a:lumMod val="75000"/>
+              </a:schemeClr>
+            </a:solidFill>
+          </a:ln>
+        </p:spPr>
+        <p:style>
+          <a:lnRef idx="1">
+            <a:schemeClr val="accent1"/>
+          </a:lnRef>
+          <a:fillRef idx="0">
+            <a:schemeClr val="accent1"/>
+          </a:fillRef>
+          <a:effectRef idx="0">
+            <a:schemeClr val="accent1"/>
+          </a:effectRef>
+          <a:fontRef idx="minor">
+            <a:schemeClr val="tx1"/>
+          </a:fontRef>
+        </p:style>
+      </p:cxnSp>
+      <p:sp>
+        <p:nvSpPr>
+          <p:cNvPr id="8" name="TextBox 7"/>
+          <p:cNvSpPr txBox="1"/>
+          <p:nvPr/>
+        </p:nvSpPr>
+        <p:spPr>
+          <a:xfrm>
+            <a:off x="1342104" y="1238864"/>
+            <a:ext cx="6616748" cy="2554545"/>
+          </a:xfrm>
+          <a:prstGeom prst="rect">
+            <a:avLst/>
+          </a:prstGeom>
+          <a:noFill/>
+        </p:spPr>
+        <p:txBody>
+          <a:bodyPr wrap="none" rtlCol="0">
+            <a:spAutoFit/>
+          </a:bodyPr>
+          <a:lstStyle/>
+          <a:p>
+            <a:r>
+              <a:rPr lang="zh-CN" altLang="en-US" sz="3200" dirty="0" smtClean="0"/>
+              <a:t>启动： </a:t>
+            </a:r>
+            <a:r>
+              <a:rPr lang="en-US" altLang="zh-CN" sz="3200" dirty="0" err="1" smtClean="0"/>
+              <a:t>systemctl</a:t>
+            </a:r>
+            <a:r>
+              <a:rPr lang="en-US" altLang="zh-CN" sz="3200" dirty="0" smtClean="0"/>
+              <a:t> start </a:t>
+            </a:r>
+            <a:r>
+              <a:rPr lang="en-US" altLang="zh-CN" sz="3200" dirty="0" err="1" smtClean="0"/>
+              <a:t>firewalld</a:t>
+            </a:r>
+            <a:endParaRPr lang="en-US" altLang="zh-CN" sz="3200" dirty="0" smtClean="0"/>
+          </a:p>
+          <a:p>
+            <a:r>
+              <a:rPr lang="zh-CN" altLang="en-US" sz="3200" dirty="0" smtClean="0"/>
+              <a:t>查看状态： </a:t>
+            </a:r>
+            <a:r>
+              <a:rPr lang="en-US" altLang="zh-CN" sz="3200" dirty="0" err="1" smtClean="0"/>
+              <a:t>systemctl</a:t>
+            </a:r>
+            <a:r>
+              <a:rPr lang="en-US" altLang="zh-CN" sz="3200" dirty="0" smtClean="0"/>
+              <a:t> status </a:t>
+            </a:r>
+            <a:r>
+              <a:rPr lang="en-US" altLang="zh-CN" sz="3200" dirty="0" err="1" smtClean="0"/>
+              <a:t>firewalld</a:t>
+            </a:r>
+            <a:r>
+              <a:rPr lang="en-US" altLang="zh-CN" sz="3200" dirty="0" smtClean="0"/>
+              <a:t> </a:t>
+            </a:r>
+          </a:p>
+          <a:p>
+            <a:r>
+              <a:rPr lang="zh-CN" altLang="en-US" sz="3200" dirty="0" smtClean="0"/>
+              <a:t>停止： </a:t>
+            </a:r>
+            <a:r>
+              <a:rPr lang="en-US" altLang="zh-CN" sz="3200" dirty="0" err="1" smtClean="0"/>
+              <a:t>systemctl</a:t>
+            </a:r>
+            <a:r>
+              <a:rPr lang="en-US" altLang="zh-CN" sz="3200" dirty="0" smtClean="0"/>
+              <a:t> disable </a:t>
+            </a:r>
+            <a:r>
+              <a:rPr lang="en-US" altLang="zh-CN" sz="3200" dirty="0" err="1" smtClean="0"/>
+              <a:t>firewalld</a:t>
+            </a:r>
+            <a:endParaRPr lang="en-US" altLang="zh-CN" sz="3200" dirty="0" smtClean="0"/>
+          </a:p>
+          <a:p>
+            <a:r>
+              <a:rPr lang="zh-CN" altLang="en-US" sz="3200" dirty="0" smtClean="0"/>
+              <a:t>禁用： </a:t>
+            </a:r>
+            <a:r>
+              <a:rPr lang="en-US" altLang="zh-CN" sz="3200" dirty="0" err="1" smtClean="0"/>
+              <a:t>systemctl</a:t>
+            </a:r>
+            <a:r>
+              <a:rPr lang="en-US" altLang="zh-CN" sz="3200" dirty="0" smtClean="0"/>
+              <a:t> stop </a:t>
+            </a:r>
+            <a:r>
+              <a:rPr lang="en-US" altLang="zh-CN" sz="3200" dirty="0" err="1" smtClean="0"/>
+              <a:t>firewalld</a:t>
+            </a:r>
+            <a:endParaRPr lang="en-US" altLang="zh-CN" sz="3200" dirty="0" smtClean="0"/>
+          </a:p>
+          <a:p>
+            <a:endParaRPr lang="zh-CN" altLang="en-US" sz="3200" dirty="0"/>
+          </a:p>
+        </p:txBody>
+      </p:sp>
+    </p:spTree>
+    <p:extLst>
+      <p:ext uri="{BB962C8B-B14F-4D97-AF65-F5344CB8AC3E}">
+        <p14:creationId xmlns:p14="http://schemas.microsoft.com/office/powerpoint/2010/main" xmlns="" val="1982124766"/>
+      </p:ext>
+    </p:extLst>
+  </p:cSld>
+  <p:clrMapOvr>
+    <a:masterClrMapping/>
+  </p:clrMapOvr>
+  <mc:AlternateContent xmlns:mc="http://schemas.openxmlformats.org/markup-compatibility/2006">
+    <mc:Choice xmlns:p14="http://schemas.microsoft.com/office/powerpoint/2010/main" xmlns="" Requires="p14">
+      <p:transition spd="slow" p14:dur="1500">
+        <p:random/>
+      </p:transition>
+    </mc:Choice>
+    <mc:Fallback>
+      <p:transition spd="slow">
+        <p:random/>
+      </p:transition>
+    </mc:Fallback>
+  </mc:AlternateContent>
+  <p:timing>
+    <p:tnLst>
+      <p:par>
+        <p:cTn id="1" dur="indefinite" restart="never" nodeType="tmRoot">
+          <p:childTnLst>
+            <p:seq concurrent="1" nextAc="seek">
+              <p:cTn id="2" dur="indefinite" nodeType="mainSeq">
+                <p:childTnLst>
+                  <p:par>
+                    <p:cTn id="3" fill="hold">
+                      <p:stCondLst>
+                        <p:cond delay="indefinite"/>
+                        <p:cond evt="onBegin" delay="0">
+                          <p:tn val="2"/>
+                        </p:cond>
+                      </p:stCondLst>
+                      <p:childTnLst>
+                        <p:par>
+                          <p:cTn id="4" fill="hold">
+                            <p:stCondLst>
+                              <p:cond delay="0"/>
+                            </p:stCondLst>
+                            <p:childTnLst>
+                              <p:par>
+                                <p:cTn id="5" presetID="2" presetClass="entr" presetSubtype="8" fill="hold" nodeType="afterEffect">
+                                  <p:stCondLst>
+                                    <p:cond delay="0"/>
+                                  </p:stCondLst>
+                                  <p:childTnLst>
+                                    <p:set>
+                                      <p:cBhvr>
+                                        <p:cTn id="6" dur="1" fill="hold">
+                                          <p:stCondLst>
+                                            <p:cond delay="0"/>
+                                          </p:stCondLst>
+                                        </p:cTn>
+                                        <p:tgtEl>
+                                          <p:spTgt spid="2"/>
+                                        </p:tgtEl>
+                                        <p:attrNameLst>
+                                          <p:attrName>style.visibility</p:attrName>
+                                        </p:attrNameLst>
+                                      </p:cBhvr>
+                                      <p:to>
+                                        <p:strVal val="visible"/>
+                                      </p:to>
+                                    </p:set>
+                                    <p:anim calcmode="lin" valueType="num">
+                                      <p:cBhvr additive="base">
+                                        <p:cTn id="7" dur="750" fill="hold"/>
+                                        <p:tgtEl>
+                                          <p:spTgt spid="2"/>
+                                        </p:tgtEl>
+                                        <p:attrNameLst>
+                                          <p:attrName>ppt_x</p:attrName>
+                                        </p:attrNameLst>
+                                      </p:cBhvr>
+                                      <p:tavLst>
+                                        <p:tav tm="0">
+                                          <p:val>
+                                            <p:strVal val="0-#ppt_w/2"/>
+                                          </p:val>
+                                        </p:tav>
+                                        <p:tav tm="100000">
+                                          <p:val>
+                                            <p:strVal val="#ppt_x"/>
+                                          </p:val>
+                                        </p:tav>
+                                      </p:tavLst>
+                                    </p:anim>
+                                    <p:anim calcmode="lin" valueType="num">
+                                      <p:cBhvr additive="base">
+                                        <p:cTn id="8" dur="750" fill="hold"/>
+                                        <p:tgtEl>
+                                          <p:spTgt spid="2"/>
+                                        </p:tgtEl>
+                                        <p:attrNameLst>
+                                          <p:attrName>ppt_y</p:attrName>
+                                        </p:attrNameLst>
+                                      </p:cBhvr>
+                                      <p:tavLst>
+                                        <p:tav tm="0">
+                                          <p:val>
+                                            <p:strVal val="#ppt_y"/>
+                                          </p:val>
+                                        </p:tav>
+                                        <p:tav tm="100000">
+                                          <p:val>
+                                            <p:strVal val="#ppt_y"/>
+                                          </p:val>
+                                        </p:tav>
+                                      </p:tavLst>
+                                    </p:anim>
+                                  </p:childTnLst>
+                                </p:cTn>
+                              </p:par>
+                            </p:childTnLst>
+                          </p:cTn>
+                        </p:par>
+                        <p:par>
+                          <p:cTn id="9" fill="hold">
+                            <p:stCondLst>
+                              <p:cond delay="750"/>
+                            </p:stCondLst>
+                            <p:childTnLst>
+                              <p:par>
+                                <p:cTn id="10" presetID="53" presetClass="entr" presetSubtype="16" fill="hold" grpId="0" nodeType="afterEffect">
+                                  <p:stCondLst>
+                                    <p:cond delay="0"/>
+                                  </p:stCondLst>
+                                  <p:iterate type="lt">
+                                    <p:tmPct val="10000"/>
+                                  </p:iterate>
+                                  <p:childTnLst>
+                                    <p:set>
+                                      <p:cBhvr>
+                                        <p:cTn id="11" dur="1" fill="hold">
+                                          <p:stCondLst>
+                                            <p:cond delay="0"/>
+                                          </p:stCondLst>
+                                        </p:cTn>
+                                        <p:tgtEl>
+                                          <p:spTgt spid="16"/>
+                                        </p:tgtEl>
+                                        <p:attrNameLst>
+                                          <p:attrName>style.visibility</p:attrName>
+                                        </p:attrNameLst>
+                                      </p:cBhvr>
+                                      <p:to>
+                                        <p:strVal val="visible"/>
+                                      </p:to>
+                                    </p:set>
+                                    <p:anim calcmode="lin" valueType="num">
+                                      <p:cBhvr>
+                                        <p:cTn id="12" dur="500" fill="hold"/>
+                                        <p:tgtEl>
+                                          <p:spTgt spid="16"/>
+                                        </p:tgtEl>
+                                        <p:attrNameLst>
+                                          <p:attrName>ppt_w</p:attrName>
+                                        </p:attrNameLst>
+                                      </p:cBhvr>
+                                      <p:tavLst>
+                                        <p:tav tm="0">
+                                          <p:val>
+                                            <p:fltVal val="0"/>
+                                          </p:val>
+                                        </p:tav>
+                                        <p:tav tm="100000">
+                                          <p:val>
+                                            <p:strVal val="#ppt_w"/>
+                                          </p:val>
+                                        </p:tav>
+                                      </p:tavLst>
+                                    </p:anim>
+                                    <p:anim calcmode="lin" valueType="num">
+                                      <p:cBhvr>
+                                        <p:cTn id="13" dur="500" fill="hold"/>
+                                        <p:tgtEl>
+                                          <p:spTgt spid="16"/>
+                                        </p:tgtEl>
+                                        <p:attrNameLst>
+                                          <p:attrName>ppt_h</p:attrName>
+                                        </p:attrNameLst>
+                                      </p:cBhvr>
+                                      <p:tavLst>
+                                        <p:tav tm="0">
+                                          <p:val>
+                                            <p:fltVal val="0"/>
+                                          </p:val>
+                                        </p:tav>
+                                        <p:tav tm="100000">
+                                          <p:val>
+                                            <p:strVal val="#ppt_h"/>
+                                          </p:val>
+                                        </p:tav>
+                                      </p:tavLst>
+                                    </p:anim>
+                                    <p:animEffect transition="in" filter="fade">
+                                      <p:cBhvr>
+                                        <p:cTn id="14" dur="500"/>
+                                        <p:tgtEl>
+                                          <p:spTgt spid="16"/>
+                                        </p:tgtEl>
+                                      </p:cBhvr>
+                                    </p:animEffect>
+                                  </p:childTnLst>
+                                </p:cTn>
+                              </p:par>
+                              <p:par>
+                                <p:cTn id="15" presetID="22" presetClass="entr" presetSubtype="2" fill="hold" nodeType="withEffect">
+                                  <p:stCondLst>
+                                    <p:cond delay="250"/>
+                                  </p:stCondLst>
+                                  <p:childTnLst>
+                                    <p:set>
+                                      <p:cBhvr>
+                                        <p:cTn id="16" dur="1" fill="hold">
+                                          <p:stCondLst>
+                                            <p:cond delay="0"/>
+                                          </p:stCondLst>
+                                        </p:cTn>
+                                        <p:tgtEl>
+                                          <p:spTgt spid="17"/>
+                                        </p:tgtEl>
+                                        <p:attrNameLst>
+                                          <p:attrName>style.visibility</p:attrName>
+                                        </p:attrNameLst>
+                                      </p:cBhvr>
+                                      <p:to>
+                                        <p:strVal val="visible"/>
+                                      </p:to>
+                                    </p:set>
+                                    <p:animEffect transition="in" filter="wipe(right)">
+                                      <p:cBhvr>
+                                        <p:cTn id="17" dur="750"/>
+                                        <p:tgtEl>
+                                          <p:spTgt spid="17"/>
+                                        </p:tgtEl>
+                                      </p:cBhvr>
+                                    </p:animEffect>
+                                  </p:childTnLst>
+                                </p:cTn>
+                              </p:par>
+                            </p:childTnLst>
+                          </p:cTn>
+                        </p:par>
+                      </p:childTnLst>
+                    </p:cTn>
+                  </p:par>
+                </p:childTnLst>
+              </p:cTn>
+              <p:prevCondLst>
+                <p:cond evt="onPrev" delay="0">
+                  <p:tgtEl>
+                    <p:sldTgt/>
+                  </p:tgtEl>
+                </p:cond>
+              </p:prevCondLst>
+              <p:nextCondLst>
+                <p:cond evt="onNext" delay="0">
+                  <p:tgtEl>
+                    <p:sldTgt/>
+                  </p:tgtEl>
+                </p:cond>
+              </p:nextCondLst>
+            </p:seq>
+          </p:childTnLst>
+        </p:cTn>
+      </p:par>
+    </p:tnLst>
+    <p:bldLst>
+      <p:bldP spid="16" grpId="0"/>
+    </p:bldLst>
+  </p:timing>
+</p:sld>
+</file>
+
+<file path=ppt/slides/slide8.xml><?xml version="1.0" encoding="utf-8"?>
+<p:sld xmlns:a="http://schemas.openxmlformats.org/drawingml/2006/main" xmlns:r="http://schemas.openxmlformats.org/officeDocument/2006/relationships" xmlns:p="http://schemas.openxmlformats.org/presentationml/2006/main">
+  <p:cSld>
+    <p:spTree>
+      <p:nvGrpSpPr>
+        <p:cNvPr id="1" name=""/>
+        <p:cNvGrpSpPr/>
+        <p:nvPr/>
+      </p:nvGrpSpPr>
+      <p:grpSpPr>
+        <a:xfrm>
+          <a:off x="0" y="0"/>
+          <a:ext cx="0" cy="0"/>
+          <a:chOff x="0" y="0"/>
+          <a:chExt cx="0" cy="0"/>
+        </a:xfrm>
+      </p:grpSpPr>
+      <p:grpSp>
+        <p:nvGrpSpPr>
+          <p:cNvPr id="2" name="1"/>
+          <p:cNvGrpSpPr/>
+          <p:nvPr/>
+        </p:nvGrpSpPr>
+        <p:grpSpPr>
+          <a:xfrm>
+            <a:off x="583060" y="342545"/>
+            <a:ext cx="637243" cy="227778"/>
+            <a:chOff x="264939" y="188640"/>
+            <a:chExt cx="604358" cy="216024"/>
+          </a:xfrm>
+          <a:solidFill>
+            <a:srgbClr val="0D4960"/>
+          </a:solidFill>
+        </p:grpSpPr>
+        <p:sp>
+          <p:nvSpPr>
+            <p:cNvPr id="13" name="燕尾形 12"/>
+            <p:cNvSpPr/>
+            <p:nvPr/>
+          </p:nvSpPr>
+          <p:spPr>
+            <a:xfrm>
+              <a:off x="264939" y="188640"/>
+              <a:ext cx="216024" cy="216024"/>
+            </a:xfrm>
+            <a:prstGeom prst="chevron">
+              <a:avLst/>
+            </a:prstGeom>
+            <a:grpFill/>
+            <a:ln>
+              <a:noFill/>
+            </a:ln>
+            <a:effectLst>
+              <a:outerShdw blurRad="63500" algn="ctr" rotWithShape="0">
+                <a:prstClr val="black">
+                  <a:alpha val="40000"/>
+                </a:prstClr>
+              </a:outerShdw>
+            </a:effectLst>
+          </p:spPr>
+          <p:txBody>
+            <a:bodyPr lIns="0" tIns="0" rIns="0" bIns="0" anchor="ctr"/>
+            <a:lstStyle/>
+            <a:p>
+              <a:endParaRPr lang="zh-CN" altLang="en-US" sz="900">
+                <a:solidFill>
+                  <a:srgbClr val="0070C0"/>
+                </a:solidFill>
+                <a:cs typeface="+mn-ea"/>
+              </a:endParaRPr>
+            </a:p>
+          </p:txBody>
+        </p:sp>
+        <p:sp>
+          <p:nvSpPr>
+            <p:cNvPr id="14" name="燕尾形 13"/>
+            <p:cNvSpPr/>
+            <p:nvPr/>
+          </p:nvSpPr>
+          <p:spPr>
+            <a:xfrm>
+              <a:off x="454914" y="188640"/>
+              <a:ext cx="216024" cy="216024"/>
+            </a:xfrm>
+            <a:prstGeom prst="chevron">
+              <a:avLst/>
+            </a:prstGeom>
+            <a:grpFill/>
+            <a:ln>
+              <a:noFill/>
+            </a:ln>
+            <a:effectLst>
+              <a:outerShdw blurRad="63500" algn="ctr" rotWithShape="0">
+                <a:prstClr val="black">
+                  <a:alpha val="40000"/>
+                </a:prstClr>
+              </a:outerShdw>
+            </a:effectLst>
+          </p:spPr>
+          <p:txBody>
+            <a:bodyPr lIns="0" tIns="0" rIns="0" bIns="0" anchor="ctr"/>
+            <a:lstStyle/>
+            <a:p>
+              <a:endParaRPr lang="zh-CN" altLang="en-US" sz="900">
+                <a:solidFill>
+                  <a:srgbClr val="0070C0"/>
+                </a:solidFill>
+                <a:cs typeface="+mn-ea"/>
+              </a:endParaRPr>
+            </a:p>
+          </p:txBody>
+        </p:sp>
+        <p:sp>
+          <p:nvSpPr>
+            <p:cNvPr id="15" name="燕尾形 14"/>
+            <p:cNvSpPr/>
+            <p:nvPr/>
+          </p:nvSpPr>
+          <p:spPr>
+            <a:xfrm>
+              <a:off x="653273" y="188640"/>
+              <a:ext cx="216024" cy="216024"/>
+            </a:xfrm>
+            <a:prstGeom prst="chevron">
+              <a:avLst/>
+            </a:prstGeom>
+            <a:grpFill/>
+            <a:ln>
+              <a:noFill/>
+            </a:ln>
+            <a:effectLst>
+              <a:outerShdw blurRad="63500" algn="ctr" rotWithShape="0">
+                <a:prstClr val="black">
+                  <a:alpha val="40000"/>
+                </a:prstClr>
+              </a:outerShdw>
+            </a:effectLst>
+          </p:spPr>
+          <p:txBody>
+            <a:bodyPr lIns="0" tIns="0" rIns="0" bIns="0" anchor="ctr"/>
+            <a:lstStyle/>
+            <a:p>
+              <a:endParaRPr lang="zh-CN" altLang="en-US" sz="900">
+                <a:solidFill>
+                  <a:srgbClr val="0070C0"/>
+                </a:solidFill>
+                <a:cs typeface="+mn-ea"/>
+              </a:endParaRPr>
+            </a:p>
+          </p:txBody>
+        </p:sp>
+      </p:grpSp>
+      <p:sp>
+        <p:nvSpPr>
+          <p:cNvPr id="16" name="2"/>
+          <p:cNvSpPr txBox="1"/>
+          <p:nvPr/>
+        </p:nvSpPr>
+        <p:spPr>
+          <a:xfrm>
+            <a:off x="1418247" y="211364"/>
+            <a:ext cx="5306644" cy="503905"/>
+          </a:xfrm>
+          <a:prstGeom prst="rect">
+            <a:avLst/>
+          </a:prstGeom>
+          <a:noFill/>
+        </p:spPr>
+        <p:txBody>
+          <a:bodyPr wrap="square" lIns="72312" tIns="36156" rIns="72312" bIns="36156" rtlCol="0">
+            <a:spAutoFit/>
+          </a:bodyPr>
+          <a:lstStyle/>
+          <a:p>
+            <a:pPr marL="0" lvl="1"/>
+            <a:r>
+              <a:rPr lang="zh-CN" altLang="en-US" sz="2800" spc="300" dirty="0" smtClean="0">
+                <a:solidFill>
+                  <a:srgbClr val="0D4960"/>
+                </a:solidFill>
+                <a:latin typeface="方正尚酷简体" panose="03000509000000000000" pitchFamily="65" charset="-122"/>
+                <a:ea typeface="方正尚酷简体" panose="03000509000000000000" pitchFamily="65" charset="-122"/>
+              </a:rPr>
+              <a:t>服务器之间拷贝文件</a:t>
+            </a:r>
+            <a:endParaRPr lang="en-US" altLang="zh-CN" sz="2800" spc="300" dirty="0" smtClean="0">
+              <a:solidFill>
+                <a:srgbClr val="0D4960"/>
+              </a:solidFill>
+              <a:latin typeface="方正尚酷简体" panose="03000509000000000000" pitchFamily="65" charset="-122"/>
+              <a:ea typeface="方正尚酷简体" panose="03000509000000000000" pitchFamily="65" charset="-122"/>
+            </a:endParaRPr>
+          </a:p>
+        </p:txBody>
+      </p:sp>
+      <p:cxnSp>
+        <p:nvCxnSpPr>
+          <p:cNvPr id="17" name="3"/>
+          <p:cNvCxnSpPr/>
+          <p:nvPr/>
+        </p:nvCxnSpPr>
+        <p:spPr>
+          <a:xfrm>
+            <a:off x="1418247" y="761569"/>
+            <a:ext cx="10174106" cy="0"/>
+          </a:xfrm>
+          <a:prstGeom prst="line">
+            <a:avLst/>
+          </a:prstGeom>
+          <a:ln>
+            <a:solidFill>
+              <a:schemeClr val="bg1">
+                <a:lumMod val="75000"/>
+              </a:schemeClr>
+            </a:solidFill>
+          </a:ln>
+        </p:spPr>
+        <p:style>
+          <a:lnRef idx="1">
+            <a:schemeClr val="accent1"/>
+          </a:lnRef>
+          <a:fillRef idx="0">
+            <a:schemeClr val="accent1"/>
+          </a:fillRef>
+          <a:effectRef idx="0">
+            <a:schemeClr val="accent1"/>
+          </a:effectRef>
+          <a:fontRef idx="minor">
+            <a:schemeClr val="tx1"/>
+          </a:fontRef>
+        </p:style>
+      </p:cxnSp>
+    </p:spTree>
+    <p:extLst>
+      <p:ext uri="{BB962C8B-B14F-4D97-AF65-F5344CB8AC3E}">
+        <p14:creationId xmlns:p14="http://schemas.microsoft.com/office/powerpoint/2010/main" xmlns="" val="1982124766"/>
+      </p:ext>
+    </p:extLst>
+  </p:cSld>
+  <p:clrMapOvr>
+    <a:masterClrMapping/>
+  </p:clrMapOvr>
+  <mc:AlternateContent xmlns:mc="http://schemas.openxmlformats.org/markup-compatibility/2006">
+    <mc:Choice xmlns:p14="http://schemas.microsoft.com/office/powerpoint/2010/main" xmlns="" Requires="p14">
+      <p:transition spd="slow" p14:dur="1500">
+        <p:random/>
+      </p:transition>
+    </mc:Choice>
+    <mc:Fallback>
+      <p:transition spd="slow">
+        <p:random/>
+      </p:transition>
+    </mc:Fallback>
+  </mc:AlternateContent>
+  <p:timing>
+    <p:tnLst>
+      <p:par>
+        <p:cTn id="1" dur="indefinite" restart="never" nodeType="tmRoot">
+          <p:childTnLst>
+            <p:seq concurrent="1" nextAc="seek">
+              <p:cTn id="2" dur="indefinite" nodeType="mainSeq">
+                <p:childTnLst>
+                  <p:par>
+                    <p:cTn id="3" fill="hold">
+                      <p:stCondLst>
+                        <p:cond delay="indefinite"/>
+                        <p:cond evt="onBegin" delay="0">
+                          <p:tn val="2"/>
+                        </p:cond>
+                      </p:stCondLst>
+                      <p:childTnLst>
+                        <p:par>
+                          <p:cTn id="4" fill="hold">
+                            <p:stCondLst>
+                              <p:cond delay="0"/>
+                            </p:stCondLst>
+                            <p:childTnLst>
+                              <p:par>
+                                <p:cTn id="5" presetID="2" presetClass="entr" presetSubtype="8" fill="hold" nodeType="afterEffect">
+                                  <p:stCondLst>
+                                    <p:cond delay="0"/>
+                                  </p:stCondLst>
+                                  <p:childTnLst>
+                                    <p:set>
+                                      <p:cBhvr>
+                                        <p:cTn id="6" dur="1" fill="hold">
+                                          <p:stCondLst>
+                                            <p:cond delay="0"/>
+                                          </p:stCondLst>
+                                        </p:cTn>
+                                        <p:tgtEl>
+                                          <p:spTgt spid="2"/>
+                                        </p:tgtEl>
+                                        <p:attrNameLst>
+                                          <p:attrName>style.visibility</p:attrName>
+                                        </p:attrNameLst>
+                                      </p:cBhvr>
+                                      <p:to>
+                                        <p:strVal val="visible"/>
+                                      </p:to>
+                                    </p:set>
+                                    <p:anim calcmode="lin" valueType="num">
+                                      <p:cBhvr additive="base">
+                                        <p:cTn id="7" dur="750" fill="hold"/>
+                                        <p:tgtEl>
+                                          <p:spTgt spid="2"/>
+                                        </p:tgtEl>
+                                        <p:attrNameLst>
+                                          <p:attrName>ppt_x</p:attrName>
+                                        </p:attrNameLst>
+                                      </p:cBhvr>
+                                      <p:tavLst>
+                                        <p:tav tm="0">
+                                          <p:val>
+                                            <p:strVal val="0-#ppt_w/2"/>
+                                          </p:val>
+                                        </p:tav>
+                                        <p:tav tm="100000">
+                                          <p:val>
+                                            <p:strVal val="#ppt_x"/>
+                                          </p:val>
+                                        </p:tav>
+                                      </p:tavLst>
+                                    </p:anim>
+                                    <p:anim calcmode="lin" valueType="num">
+                                      <p:cBhvr additive="base">
+                                        <p:cTn id="8" dur="750" fill="hold"/>
+                                        <p:tgtEl>
+                                          <p:spTgt spid="2"/>
+                                        </p:tgtEl>
+                                        <p:attrNameLst>
+                                          <p:attrName>ppt_y</p:attrName>
+                                        </p:attrNameLst>
+                                      </p:cBhvr>
+                                      <p:tavLst>
+                                        <p:tav tm="0">
+                                          <p:val>
+                                            <p:strVal val="#ppt_y"/>
+                                          </p:val>
+                                        </p:tav>
+                                        <p:tav tm="100000">
+                                          <p:val>
+                                            <p:strVal val="#ppt_y"/>
+                                          </p:val>
+                                        </p:tav>
+                                      </p:tavLst>
+                                    </p:anim>
+                                  </p:childTnLst>
+                                </p:cTn>
+                              </p:par>
+                            </p:childTnLst>
+                          </p:cTn>
+                        </p:par>
+                        <p:par>
+                          <p:cTn id="9" fill="hold">
+                            <p:stCondLst>
+                              <p:cond delay="750"/>
+                            </p:stCondLst>
+                            <p:childTnLst>
+                              <p:par>
+                                <p:cTn id="10" presetID="53" presetClass="entr" presetSubtype="16" fill="hold" grpId="0" nodeType="afterEffect">
+                                  <p:stCondLst>
+                                    <p:cond delay="0"/>
+                                  </p:stCondLst>
+                                  <p:iterate type="lt">
+                                    <p:tmPct val="10000"/>
+                                  </p:iterate>
+                                  <p:childTnLst>
+                                    <p:set>
+                                      <p:cBhvr>
+                                        <p:cTn id="11" dur="1" fill="hold">
+                                          <p:stCondLst>
+                                            <p:cond delay="0"/>
+                                          </p:stCondLst>
+                                        </p:cTn>
+                                        <p:tgtEl>
+                                          <p:spTgt spid="16"/>
+                                        </p:tgtEl>
+                                        <p:attrNameLst>
+                                          <p:attrName>style.visibility</p:attrName>
+                                        </p:attrNameLst>
+                                      </p:cBhvr>
+                                      <p:to>
+                                        <p:strVal val="visible"/>
+                                      </p:to>
+                                    </p:set>
+                                    <p:anim calcmode="lin" valueType="num">
+                                      <p:cBhvr>
+                                        <p:cTn id="12" dur="500" fill="hold"/>
+                                        <p:tgtEl>
+                                          <p:spTgt spid="16"/>
+                                        </p:tgtEl>
+                                        <p:attrNameLst>
+                                          <p:attrName>ppt_w</p:attrName>
+                                        </p:attrNameLst>
+                                      </p:cBhvr>
+                                      <p:tavLst>
+                                        <p:tav tm="0">
+                                          <p:val>
+                                            <p:fltVal val="0"/>
+                                          </p:val>
+                                        </p:tav>
+                                        <p:tav tm="100000">
+                                          <p:val>
+                                            <p:strVal val="#ppt_w"/>
+                                          </p:val>
+                                        </p:tav>
+                                      </p:tavLst>
+                                    </p:anim>
+                                    <p:anim calcmode="lin" valueType="num">
+                                      <p:cBhvr>
+                                        <p:cTn id="13" dur="500" fill="hold"/>
+                                        <p:tgtEl>
+                                          <p:spTgt spid="16"/>
+                                        </p:tgtEl>
+                                        <p:attrNameLst>
+                                          <p:attrName>ppt_h</p:attrName>
+                                        </p:attrNameLst>
+                                      </p:cBhvr>
+                                      <p:tavLst>
+                                        <p:tav tm="0">
+                                          <p:val>
+                                            <p:fltVal val="0"/>
+                                          </p:val>
+                                        </p:tav>
+                                        <p:tav tm="100000">
+                                          <p:val>
+                                            <p:strVal val="#ppt_h"/>
+                                          </p:val>
+                                        </p:tav>
+                                      </p:tavLst>
+                                    </p:anim>
+                                    <p:animEffect transition="in" filter="fade">
+                                      <p:cBhvr>
+                                        <p:cTn id="14" dur="500"/>
+                                        <p:tgtEl>
+                                          <p:spTgt spid="16"/>
+                                        </p:tgtEl>
+                                      </p:cBhvr>
+                                    </p:animEffect>
+                                  </p:childTnLst>
+                                </p:cTn>
+                              </p:par>
+                              <p:par>
+                                <p:cTn id="15" presetID="22" presetClass="entr" presetSubtype="2" fill="hold" nodeType="withEffect">
+                                  <p:stCondLst>
+                                    <p:cond delay="250"/>
+                                  </p:stCondLst>
+                                  <p:childTnLst>
+                                    <p:set>
+                                      <p:cBhvr>
+                                        <p:cTn id="16" dur="1" fill="hold">
+                                          <p:stCondLst>
+                                            <p:cond delay="0"/>
+                                          </p:stCondLst>
+                                        </p:cTn>
+                                        <p:tgtEl>
+                                          <p:spTgt spid="17"/>
+                                        </p:tgtEl>
+                                        <p:attrNameLst>
+                                          <p:attrName>style.visibility</p:attrName>
+                                        </p:attrNameLst>
+                                      </p:cBhvr>
+                                      <p:to>
+                                        <p:strVal val="visible"/>
+                                      </p:to>
+                                    </p:set>
+                                    <p:animEffect transition="in" filter="wipe(right)">
+                                      <p:cBhvr>
+                                        <p:cTn id="17" dur="750"/>
+                                        <p:tgtEl>
+                                          <p:spTgt spid="17"/>
+                                        </p:tgtEl>
+                                      </p:cBhvr>
+                                    </p:animEffect>
+                                  </p:childTnLst>
+                                </p:cTn>
+                              </p:par>
+                            </p:childTnLst>
+                          </p:cTn>
+                        </p:par>
+                      </p:childTnLst>
+                    </p:cTn>
+                  </p:par>
+                </p:childTnLst>
+              </p:cTn>
+              <p:prevCondLst>
+                <p:cond evt="onPrev" delay="0">
+                  <p:tgtEl>
+                    <p:sldTgt/>
+                  </p:tgtEl>
+                </p:cond>
+              </p:prevCondLst>
+              <p:nextCondLst>
+                <p:cond evt="onNext" delay="0">
+                  <p:tgtEl>
+                    <p:sldTgt/>
+                  </p:tgtEl>
+                </p:cond>
+              </p:nextCondLst>
+            </p:seq>
+          </p:childTnLst>
+        </p:cTn>
+      </p:par>
+    </p:tnLst>
+    <p:bldLst>
+      <p:bldP spid="16" grpId="0"/>
+    </p:bldLst>
+  </p:timing>
+</p:sld>
+</file>
+
+<file path=ppt/slides/slide9.xml><?xml version="1.0" encoding="utf-8"?>
+<p:sld xmlns:a="http://schemas.openxmlformats.org/drawingml/2006/main" xmlns:r="http://schemas.openxmlformats.org/officeDocument/2006/relationships" xmlns:p="http://schemas.openxmlformats.org/presentationml/2006/main">
+  <p:cSld>
+    <p:spTree>
+      <p:nvGrpSpPr>
+        <p:cNvPr id="1" name=""/>
+        <p:cNvGrpSpPr/>
+        <p:nvPr/>
+      </p:nvGrpSpPr>
+      <p:grpSpPr>
+        <a:xfrm>
+          <a:off x="0" y="0"/>
+          <a:ext cx="0" cy="0"/>
+          <a:chOff x="0" y="0"/>
+          <a:chExt cx="0" cy="0"/>
+        </a:xfrm>
+      </p:grpSpPr>
+      <p:grpSp>
+        <p:nvGrpSpPr>
+          <p:cNvPr id="2" name="1"/>
+          <p:cNvGrpSpPr/>
+          <p:nvPr/>
+        </p:nvGrpSpPr>
+        <p:grpSpPr>
+          <a:xfrm>
+            <a:off x="583060" y="342545"/>
+            <a:ext cx="637243" cy="227778"/>
+            <a:chOff x="264939" y="188640"/>
+            <a:chExt cx="604358" cy="216024"/>
+          </a:xfrm>
+          <a:solidFill>
+            <a:srgbClr val="0D4960"/>
+          </a:solidFill>
+        </p:grpSpPr>
+        <p:sp>
+          <p:nvSpPr>
+            <p:cNvPr id="13" name="燕尾形 12"/>
+            <p:cNvSpPr/>
+            <p:nvPr/>
+          </p:nvSpPr>
+          <p:spPr>
+            <a:xfrm>
+              <a:off x="264939" y="188640"/>
+              <a:ext cx="216024" cy="216024"/>
+            </a:xfrm>
+            <a:prstGeom prst="chevron">
+              <a:avLst/>
+            </a:prstGeom>
+            <a:grpFill/>
+            <a:ln>
+              <a:noFill/>
+            </a:ln>
+            <a:effectLst>
+              <a:outerShdw blurRad="63500" algn="ctr" rotWithShape="0">
+                <a:prstClr val="black">
+                  <a:alpha val="40000"/>
+                </a:prstClr>
+              </a:outerShdw>
+            </a:effectLst>
+          </p:spPr>
+          <p:txBody>
+            <a:bodyPr lIns="0" tIns="0" rIns="0" bIns="0" anchor="ctr"/>
+            <a:lstStyle/>
+            <a:p>
+              <a:endParaRPr lang="zh-CN" altLang="en-US" sz="900">
+                <a:solidFill>
+                  <a:srgbClr val="0070C0"/>
+                </a:solidFill>
+                <a:cs typeface="+mn-ea"/>
+              </a:endParaRPr>
+            </a:p>
+          </p:txBody>
+        </p:sp>
+        <p:sp>
+          <p:nvSpPr>
+            <p:cNvPr id="14" name="燕尾形 13"/>
+            <p:cNvSpPr/>
+            <p:nvPr/>
+          </p:nvSpPr>
+          <p:spPr>
+            <a:xfrm>
+              <a:off x="454914" y="188640"/>
+              <a:ext cx="216024" cy="216024"/>
+            </a:xfrm>
+            <a:prstGeom prst="chevron">
+              <a:avLst/>
+            </a:prstGeom>
+            <a:grpFill/>
+            <a:ln>
+              <a:noFill/>
+            </a:ln>
+            <a:effectLst>
+              <a:outerShdw blurRad="63500" algn="ctr" rotWithShape="0">
+                <a:prstClr val="black">
+                  <a:alpha val="40000"/>
+                </a:prstClr>
+              </a:outerShdw>
+            </a:effectLst>
+          </p:spPr>
+          <p:txBody>
+            <a:bodyPr lIns="0" tIns="0" rIns="0" bIns="0" anchor="ctr"/>
+            <a:lstStyle/>
+            <a:p>
+              <a:endParaRPr lang="zh-CN" altLang="en-US" sz="900">
+                <a:solidFill>
+                  <a:srgbClr val="0070C0"/>
+                </a:solidFill>
+                <a:cs typeface="+mn-ea"/>
+              </a:endParaRPr>
+            </a:p>
+          </p:txBody>
+        </p:sp>
+        <p:sp>
+          <p:nvSpPr>
+            <p:cNvPr id="15" name="燕尾形 14"/>
+            <p:cNvSpPr/>
+            <p:nvPr/>
+          </p:nvSpPr>
+          <p:spPr>
+            <a:xfrm>
+              <a:off x="653273" y="188640"/>
+              <a:ext cx="216024" cy="216024"/>
+            </a:xfrm>
+            <a:prstGeom prst="chevron">
+              <a:avLst/>
+            </a:prstGeom>
+            <a:grpFill/>
+            <a:ln>
+              <a:noFill/>
+            </a:ln>
+            <a:effectLst>
+              <a:outerShdw blurRad="63500" algn="ctr" rotWithShape="0">
+                <a:prstClr val="black">
+                  <a:alpha val="40000"/>
+                </a:prstClr>
+              </a:outerShdw>
+            </a:effectLst>
+          </p:spPr>
+          <p:txBody>
+            <a:bodyPr lIns="0" tIns="0" rIns="0" bIns="0" anchor="ctr"/>
+            <a:lstStyle/>
+            <a:p>
+              <a:endParaRPr lang="zh-CN" altLang="en-US" sz="900">
+                <a:solidFill>
+                  <a:srgbClr val="0070C0"/>
+                </a:solidFill>
+                <a:cs typeface="+mn-ea"/>
+              </a:endParaRPr>
+            </a:p>
+          </p:txBody>
+        </p:sp>
+      </p:grpSp>
+      <p:sp>
+        <p:nvSpPr>
+          <p:cNvPr id="16" name="2"/>
+          <p:cNvSpPr txBox="1"/>
+          <p:nvPr/>
+        </p:nvSpPr>
+        <p:spPr>
+          <a:xfrm>
+            <a:off x="1418247" y="211364"/>
+            <a:ext cx="5306644" cy="503905"/>
+          </a:xfrm>
+          <a:prstGeom prst="rect">
+            <a:avLst/>
+          </a:prstGeom>
+          <a:noFill/>
+        </p:spPr>
+        <p:txBody>
+          <a:bodyPr wrap="square" lIns="72312" tIns="36156" rIns="72312" bIns="36156" rtlCol="0">
+            <a:spAutoFit/>
+          </a:bodyPr>
+          <a:lstStyle/>
+          <a:p>
+            <a:pPr marL="0" lvl="1"/>
+            <a:r>
+              <a:rPr lang="zh-CN" altLang="en-US" sz="2800" spc="300" dirty="0" smtClean="0">
+                <a:solidFill>
+                  <a:srgbClr val="0D4960"/>
+                </a:solidFill>
+                <a:latin typeface="方正尚酷简体" panose="03000509000000000000" pitchFamily="65" charset="-122"/>
+                <a:ea typeface="方正尚酷简体" panose="03000509000000000000" pitchFamily="65" charset="-122"/>
+              </a:rPr>
+              <a:t>服务器之间拷贝文件</a:t>
+            </a:r>
+            <a:endParaRPr lang="en-US" altLang="zh-CN" sz="2800" spc="300" dirty="0" smtClean="0">
+              <a:solidFill>
+                <a:srgbClr val="0D4960"/>
+              </a:solidFill>
+              <a:latin typeface="方正尚酷简体" panose="03000509000000000000" pitchFamily="65" charset="-122"/>
+              <a:ea typeface="方正尚酷简体" panose="03000509000000000000" pitchFamily="65" charset="-122"/>
+            </a:endParaRPr>
+          </a:p>
+        </p:txBody>
+      </p:sp>
+      <p:cxnSp>
+        <p:nvCxnSpPr>
+          <p:cNvPr id="17" name="3"/>
+          <p:cNvCxnSpPr/>
+          <p:nvPr/>
+        </p:nvCxnSpPr>
+        <p:spPr>
+          <a:xfrm>
+            <a:off x="1418247" y="761569"/>
+            <a:ext cx="10174106" cy="0"/>
+          </a:xfrm>
+          <a:prstGeom prst="line">
+            <a:avLst/>
+          </a:prstGeom>
+          <a:ln>
+            <a:solidFill>
+              <a:schemeClr val="bg1">
+                <a:lumMod val="75000"/>
+              </a:schemeClr>
+            </a:solidFill>
+          </a:ln>
+        </p:spPr>
+        <p:style>
+          <a:lnRef idx="1">
+            <a:schemeClr val="accent1"/>
+          </a:lnRef>
+          <a:fillRef idx="0">
+            <a:schemeClr val="accent1"/>
+          </a:fillRef>
+          <a:effectRef idx="0">
+            <a:schemeClr val="accent1"/>
+          </a:effectRef>
+          <a:fontRef idx="minor">
+            <a:schemeClr val="tx1"/>
+          </a:fontRef>
+        </p:style>
+      </p:cxnSp>
+    </p:spTree>
+    <p:extLst>
+      <p:ext uri="{BB962C8B-B14F-4D97-AF65-F5344CB8AC3E}">
+        <p14:creationId xmlns:p14="http://schemas.microsoft.com/office/powerpoint/2010/main" xmlns="" val="1982124766"/>
+      </p:ext>
+    </p:extLst>
+  </p:cSld>
+  <p:clrMapOvr>
+    <a:masterClrMapping/>
+  </p:clrMapOvr>
+  <mc:AlternateContent xmlns:mc="http://schemas.openxmlformats.org/markup-compatibility/2006">
+    <mc:Choice xmlns:p14="http://schemas.microsoft.com/office/powerpoint/2010/main" xmlns="" Requires="p14">
+      <p:transition spd="slow" p14:dur="1500">
+        <p:random/>
+      </p:transition>
+    </mc:Choice>
+    <mc:Fallback>
+      <p:transition spd="slow">
+        <p:random/>
+      </p:transition>
+    </mc:Fallback>
+  </mc:AlternateContent>
+  <p:timing>
+    <p:tnLst>
+      <p:par>
+        <p:cTn id="1" dur="indefinite" restart="never" nodeType="tmRoot">
+          <p:childTnLst>
+            <p:seq concurrent="1" nextAc="seek">
+              <p:cTn id="2" dur="indefinite" nodeType="mainSeq">
+                <p:childTnLst>
+                  <p:par>
+                    <p:cTn id="3" fill="hold">
+                      <p:stCondLst>
+                        <p:cond delay="indefinite"/>
+                        <p:cond evt="onBegin" delay="0">
+                          <p:tn val="2"/>
+                        </p:cond>
+                      </p:stCondLst>
+                      <p:childTnLst>
+                        <p:par>
+                          <p:cTn id="4" fill="hold">
+                            <p:stCondLst>
+                              <p:cond delay="0"/>
+                            </p:stCondLst>
+                            <p:childTnLst>
+                              <p:par>
+                                <p:cTn id="5" presetID="2" presetClass="entr" presetSubtype="8" fill="hold" nodeType="afterEffect">
+                                  <p:stCondLst>
+                                    <p:cond delay="0"/>
+                                  </p:stCondLst>
+                                  <p:childTnLst>
+                                    <p:set>
+                                      <p:cBhvr>
+                                        <p:cTn id="6" dur="1" fill="hold">
+                                          <p:stCondLst>
+                                            <p:cond delay="0"/>
+                                          </p:stCondLst>
+                                        </p:cTn>
+                                        <p:tgtEl>
+                                          <p:spTgt spid="2"/>
+                                        </p:tgtEl>
+                                        <p:attrNameLst>
+                                          <p:attrName>style.visibility</p:attrName>
+                                        </p:attrNameLst>
+                                      </p:cBhvr>
+                                      <p:to>
+                                        <p:strVal val="visible"/>
+                                      </p:to>
+                                    </p:set>
+                                    <p:anim calcmode="lin" valueType="num">
+                                      <p:cBhvr additive="base">
+                                        <p:cTn id="7" dur="750" fill="hold"/>
+                                        <p:tgtEl>
+                                          <p:spTgt spid="2"/>
+                                        </p:tgtEl>
+                                        <p:attrNameLst>
+                                          <p:attrName>ppt_x</p:attrName>
+                                        </p:attrNameLst>
+                                      </p:cBhvr>
+                                      <p:tavLst>
+                                        <p:tav tm="0">
+                                          <p:val>
+                                            <p:strVal val="0-#ppt_w/2"/>
+                                          </p:val>
+                                        </p:tav>
+                                        <p:tav tm="100000">
+                                          <p:val>
+                                            <p:strVal val="#ppt_x"/>
+                                          </p:val>
+                                        </p:tav>
+                                      </p:tavLst>
+                                    </p:anim>
+                                    <p:anim calcmode="lin" valueType="num">
+                                      <p:cBhvr additive="base">
+                                        <p:cTn id="8" dur="750" fill="hold"/>
+                                        <p:tgtEl>
+                                          <p:spTgt spid="2"/>
                                         </p:tgtEl>
                                         <p:attrNameLst>
                                           <p:attrName>ppt_y</p:attrName>
@@ -11742,7 +20639,7 @@
   <a:extraClrSchemeLst/>
   <a:extLst>
     <a:ext uri="{05A4C25C-085E-4340-85A3-A5531E510DB2}">
-      <thm15:themeFamily xmlns="" xmlns:thm15="http://schemas.microsoft.com/office/thememl/2012/main" name="Office Theme" id="{62F939B6-93AF-4DB8-9C6B-D6C7DFDC589F}" vid="{4A3C46E8-61CC-4603-A589-7422A47A8E4A}"/>
+      <thm15:themeFamily xmlns:thm15="http://schemas.microsoft.com/office/thememl/2012/main" xmlns="" name="Office Theme" id="{62F939B6-93AF-4DB8-9C6B-D6C7DFDC589F}" vid="{4A3C46E8-61CC-4603-A589-7422A47A8E4A}"/>
     </a:ext>
   </a:extLst>
 </a:theme>
@@ -12003,7 +20900,7 @@
   <a:extraClrSchemeLst/>
   <a:extLst>
     <a:ext uri="{05A4C25C-085E-4340-85A3-A5531E510DB2}">
-      <thm15:themeFamily xmlns="" xmlns:thm15="http://schemas.microsoft.com/office/thememl/2012/main" name="Office Theme" id="{62F939B6-93AF-4DB8-9C6B-D6C7DFDC589F}" vid="{4A3C46E8-61CC-4603-A589-7422A47A8E4A}"/>
+      <thm15:themeFamily xmlns:thm15="http://schemas.microsoft.com/office/thememl/2012/main" xmlns="" name="Office Theme" id="{62F939B6-93AF-4DB8-9C6B-D6C7DFDC589F}" vid="{4A3C46E8-61CC-4603-A589-7422A47A8E4A}"/>
     </a:ext>
   </a:extLst>
 </a:theme>
